--- a/00_Follow_up__activities.pptx
+++ b/00_Follow_up__activities.pptx
@@ -276,7 +276,7 @@
           <a:p>
             <a:fld id="{830943F9-8AC6-4393-AEEF-D45C2A43C7C7}" type="datetimeFigureOut">
               <a:rPr lang="LID4096" smtClean="0"/>
-              <a:t>12/31/2024</a:t>
+              <a:t>01/02/2025</a:t>
             </a:fld>
             <a:endParaRPr lang="LID4096"/>
           </a:p>
@@ -476,7 +476,7 @@
           <a:p>
             <a:fld id="{830943F9-8AC6-4393-AEEF-D45C2A43C7C7}" type="datetimeFigureOut">
               <a:rPr lang="LID4096" smtClean="0"/>
-              <a:t>12/31/2024</a:t>
+              <a:t>01/02/2025</a:t>
             </a:fld>
             <a:endParaRPr lang="LID4096"/>
           </a:p>
@@ -686,7 +686,7 @@
           <a:p>
             <a:fld id="{830943F9-8AC6-4393-AEEF-D45C2A43C7C7}" type="datetimeFigureOut">
               <a:rPr lang="LID4096" smtClean="0"/>
-              <a:t>12/31/2024</a:t>
+              <a:t>01/02/2025</a:t>
             </a:fld>
             <a:endParaRPr lang="LID4096"/>
           </a:p>
@@ -886,7 +886,7 @@
           <a:p>
             <a:fld id="{830943F9-8AC6-4393-AEEF-D45C2A43C7C7}" type="datetimeFigureOut">
               <a:rPr lang="LID4096" smtClean="0"/>
-              <a:t>12/31/2024</a:t>
+              <a:t>01/02/2025</a:t>
             </a:fld>
             <a:endParaRPr lang="LID4096"/>
           </a:p>
@@ -1162,7 +1162,7 @@
           <a:p>
             <a:fld id="{830943F9-8AC6-4393-AEEF-D45C2A43C7C7}" type="datetimeFigureOut">
               <a:rPr lang="LID4096" smtClean="0"/>
-              <a:t>12/31/2024</a:t>
+              <a:t>01/02/2025</a:t>
             </a:fld>
             <a:endParaRPr lang="LID4096"/>
           </a:p>
@@ -1430,7 +1430,7 @@
           <a:p>
             <a:fld id="{830943F9-8AC6-4393-AEEF-D45C2A43C7C7}" type="datetimeFigureOut">
               <a:rPr lang="LID4096" smtClean="0"/>
-              <a:t>12/31/2024</a:t>
+              <a:t>01/02/2025</a:t>
             </a:fld>
             <a:endParaRPr lang="LID4096"/>
           </a:p>
@@ -1845,7 +1845,7 @@
           <a:p>
             <a:fld id="{830943F9-8AC6-4393-AEEF-D45C2A43C7C7}" type="datetimeFigureOut">
               <a:rPr lang="LID4096" smtClean="0"/>
-              <a:t>12/31/2024</a:t>
+              <a:t>01/02/2025</a:t>
             </a:fld>
             <a:endParaRPr lang="LID4096"/>
           </a:p>
@@ -1987,7 +1987,7 @@
           <a:p>
             <a:fld id="{830943F9-8AC6-4393-AEEF-D45C2A43C7C7}" type="datetimeFigureOut">
               <a:rPr lang="LID4096" smtClean="0"/>
-              <a:t>12/31/2024</a:t>
+              <a:t>01/02/2025</a:t>
             </a:fld>
             <a:endParaRPr lang="LID4096"/>
           </a:p>
@@ -2100,7 +2100,7 @@
           <a:p>
             <a:fld id="{830943F9-8AC6-4393-AEEF-D45C2A43C7C7}" type="datetimeFigureOut">
               <a:rPr lang="LID4096" smtClean="0"/>
-              <a:t>12/31/2024</a:t>
+              <a:t>01/02/2025</a:t>
             </a:fld>
             <a:endParaRPr lang="LID4096"/>
           </a:p>
@@ -2413,7 +2413,7 @@
           <a:p>
             <a:fld id="{830943F9-8AC6-4393-AEEF-D45C2A43C7C7}" type="datetimeFigureOut">
               <a:rPr lang="LID4096" smtClean="0"/>
-              <a:t>12/31/2024</a:t>
+              <a:t>01/02/2025</a:t>
             </a:fld>
             <a:endParaRPr lang="LID4096"/>
           </a:p>
@@ -2702,7 +2702,7 @@
           <a:p>
             <a:fld id="{830943F9-8AC6-4393-AEEF-D45C2A43C7C7}" type="datetimeFigureOut">
               <a:rPr lang="LID4096" smtClean="0"/>
-              <a:t>12/31/2024</a:t>
+              <a:t>01/02/2025</a:t>
             </a:fld>
             <a:endParaRPr lang="LID4096"/>
           </a:p>
@@ -2945,7 +2945,7 @@
           <a:p>
             <a:fld id="{830943F9-8AC6-4393-AEEF-D45C2A43C7C7}" type="datetimeFigureOut">
               <a:rPr lang="LID4096" smtClean="0"/>
-              <a:t>12/31/2024</a:t>
+              <a:t>01/02/2025</a:t>
             </a:fld>
             <a:endParaRPr lang="LID4096"/>
           </a:p>
@@ -12298,10 +12298,10 @@
           <a:lstStyle/>
           <a:p>
             <a:r>
-              <a:rPr lang="pt-BR" dirty="0"/>
+              <a:rPr lang="pt-BR" b="1" dirty="0"/>
               <a:t>50</a:t>
             </a:r>
-            <a:endParaRPr lang="LID4096" dirty="0"/>
+            <a:endParaRPr lang="LID4096" b="1" dirty="0"/>
           </a:p>
         </p:txBody>
       </p:sp>
@@ -13820,10 +13820,10 @@
             <a:lstStyle/>
             <a:p>
               <a:r>
-                <a:rPr lang="pt-BR" dirty="0"/>
+                <a:rPr lang="pt-BR" b="1" dirty="0"/>
                 <a:t>10</a:t>
               </a:r>
-              <a:endParaRPr lang="LID4096" dirty="0"/>
+              <a:endParaRPr lang="LID4096" b="1" dirty="0"/>
             </a:p>
           </p:txBody>
         </p:sp>
@@ -14131,7 +14131,7 @@
                 <a:latin typeface="Calibri bold" panose="020F0702030404030204" pitchFamily="34" charset="0"/>
                 <a:cs typeface="Calibri bold" panose="020F0702030404030204" pitchFamily="34" charset="0"/>
               </a:rPr>
-              <a:t>?</a:t>
+              <a:t>s</a:t>
             </a:r>
             <a:endParaRPr lang="LID4096" sz="1400" b="1" dirty="0">
               <a:latin typeface="Calibri bold" panose="020F0702030404030204" pitchFamily="34" charset="0"/>
@@ -14176,7 +14176,7 @@
                 <a:latin typeface="Calibri bold" panose="020F0702030404030204" pitchFamily="34" charset="0"/>
                 <a:cs typeface="Calibri bold" panose="020F0702030404030204" pitchFamily="34" charset="0"/>
               </a:rPr>
-              <a:t>?</a:t>
+              <a:t>s</a:t>
             </a:r>
             <a:endParaRPr lang="LID4096" sz="1400" b="1" dirty="0">
               <a:latin typeface="Calibri bold" panose="020F0702030404030204" pitchFamily="34" charset="0"/>
@@ -14221,7 +14221,7 @@
                 <a:latin typeface="Calibri bold" panose="020F0702030404030204" pitchFamily="34" charset="0"/>
                 <a:cs typeface="Calibri bold" panose="020F0702030404030204" pitchFamily="34" charset="0"/>
               </a:rPr>
-              <a:t>?</a:t>
+              <a:t>s</a:t>
             </a:r>
             <a:endParaRPr lang="LID4096" sz="1400" b="1" dirty="0">
               <a:latin typeface="Calibri bold" panose="020F0702030404030204" pitchFamily="34" charset="0"/>
@@ -14246,8 +14246,8 @@
         </p:nvSpPr>
         <p:spPr>
           <a:xfrm>
-            <a:off x="4531784" y="3700713"/>
-            <a:ext cx="598722" cy="204773"/>
+            <a:off x="4215391" y="5289166"/>
+            <a:ext cx="729104" cy="366611"/>
           </a:xfrm>
           <a:prstGeom prst="rect">
             <a:avLst/>
@@ -14265,8 +14265,146 @@
             <a:pPr algn="ctr"/>
             <a:r>
               <a:rPr lang="en-US" sz="1000" b="1" dirty="0"/>
-              <a:t>Last one</a:t>
+              <a:t>Last one: </a:t>
             </a:r>
+          </a:p>
+          <a:p>
+            <a:pPr algn="ctr"/>
+            <a:r>
+              <a:rPr lang="en-US" sz="1000" b="1" dirty="0"/>
+              <a:t>Move on … </a:t>
+            </a:r>
+          </a:p>
+        </p:txBody>
+      </p:sp>
+      <p:sp>
+        <p:nvSpPr>
+          <p:cNvPr id="8" name="TextBox 7">
+            <a:extLst>
+              <a:ext uri="{FF2B5EF4-FFF2-40B4-BE49-F238E27FC236}">
+                <a16:creationId xmlns:a16="http://schemas.microsoft.com/office/drawing/2014/main" id="{59ACC9D0-B0A2-7634-C4DE-6C267A1D925D}"/>
+              </a:ext>
+            </a:extLst>
+          </p:cNvPr>
+          <p:cNvSpPr txBox="1"/>
+          <p:nvPr/>
+        </p:nvSpPr>
+        <p:spPr>
+          <a:xfrm>
+            <a:off x="8432411" y="1692465"/>
+            <a:ext cx="606080" cy="107499"/>
+          </a:xfrm>
+          <a:prstGeom prst="rect">
+            <a:avLst/>
+          </a:prstGeom>
+          <a:solidFill>
+            <a:srgbClr val="93E3FF"/>
+          </a:solidFill>
+        </p:spPr>
+        <p:txBody>
+          <a:bodyPr wrap="none" lIns="0" tIns="0" rIns="0" bIns="0" rtlCol="0" anchor="ctr" anchorCtr="0">
+            <a:noAutofit/>
+          </a:bodyPr>
+          <a:lstStyle/>
+          <a:p>
+            <a:pPr algn="ctr"/>
+            <a:r>
+              <a:rPr lang="en-US" sz="1100" b="1" dirty="0">
+                <a:latin typeface="Calibri bold" panose="020F0702030404030204" pitchFamily="34" charset="0"/>
+                <a:cs typeface="Calibri bold" panose="020F0702030404030204" pitchFamily="34" charset="0"/>
+              </a:rPr>
+              <a:t>sequence</a:t>
+            </a:r>
+          </a:p>
+        </p:txBody>
+      </p:sp>
+      <p:sp>
+        <p:nvSpPr>
+          <p:cNvPr id="11" name="TextBox 10">
+            <a:extLst>
+              <a:ext uri="{FF2B5EF4-FFF2-40B4-BE49-F238E27FC236}">
+                <a16:creationId xmlns:a16="http://schemas.microsoft.com/office/drawing/2014/main" id="{1F84E1EC-05BD-DF26-3A20-5F4E3937082A}"/>
+              </a:ext>
+            </a:extLst>
+          </p:cNvPr>
+          <p:cNvSpPr txBox="1"/>
+          <p:nvPr/>
+        </p:nvSpPr>
+        <p:spPr>
+          <a:xfrm>
+            <a:off x="6582167" y="5275154"/>
+            <a:ext cx="149493" cy="200678"/>
+          </a:xfrm>
+          <a:prstGeom prst="rect">
+            <a:avLst/>
+          </a:prstGeom>
+          <a:solidFill>
+            <a:srgbClr val="93E3FF"/>
+          </a:solidFill>
+        </p:spPr>
+        <p:txBody>
+          <a:bodyPr wrap="none" lIns="0" tIns="0" rIns="0" bIns="0" rtlCol="0" anchor="ctr" anchorCtr="0">
+            <a:noAutofit/>
+          </a:bodyPr>
+          <a:lstStyle/>
+          <a:p>
+            <a:pPr algn="ctr"/>
+            <a:r>
+              <a:rPr lang="pt-BR" sz="1400" b="1" dirty="0">
+                <a:latin typeface="Calibri bold" panose="020F0702030404030204" pitchFamily="34" charset="0"/>
+                <a:cs typeface="Calibri bold" panose="020F0702030404030204" pitchFamily="34" charset="0"/>
+              </a:rPr>
+              <a:t>s</a:t>
+            </a:r>
+            <a:endParaRPr lang="LID4096" sz="1400" b="1" dirty="0">
+              <a:latin typeface="Calibri bold" panose="020F0702030404030204" pitchFamily="34" charset="0"/>
+              <a:cs typeface="Calibri bold" panose="020F0702030404030204" pitchFamily="34" charset="0"/>
+            </a:endParaRPr>
+          </a:p>
+        </p:txBody>
+      </p:sp>
+      <p:sp>
+        <p:nvSpPr>
+          <p:cNvPr id="12" name="TextBox 11">
+            <a:extLst>
+              <a:ext uri="{FF2B5EF4-FFF2-40B4-BE49-F238E27FC236}">
+                <a16:creationId xmlns:a16="http://schemas.microsoft.com/office/drawing/2014/main" id="{7E21518C-45C7-A4AD-EB5A-D850D64B8FCC}"/>
+              </a:ext>
+            </a:extLst>
+          </p:cNvPr>
+          <p:cNvSpPr txBox="1"/>
+          <p:nvPr/>
+        </p:nvSpPr>
+        <p:spPr>
+          <a:xfrm>
+            <a:off x="5526639" y="1538588"/>
+            <a:ext cx="149493" cy="200678"/>
+          </a:xfrm>
+          <a:prstGeom prst="rect">
+            <a:avLst/>
+          </a:prstGeom>
+          <a:solidFill>
+            <a:srgbClr val="93E3FF"/>
+          </a:solidFill>
+        </p:spPr>
+        <p:txBody>
+          <a:bodyPr wrap="none" lIns="0" tIns="0" rIns="0" bIns="0" rtlCol="0" anchor="ctr" anchorCtr="0">
+            <a:noAutofit/>
+          </a:bodyPr>
+          <a:lstStyle/>
+          <a:p>
+            <a:pPr algn="ctr"/>
+            <a:r>
+              <a:rPr lang="pt-BR" sz="1400" b="1" dirty="0">
+                <a:latin typeface="Calibri bold" panose="020F0702030404030204" pitchFamily="34" charset="0"/>
+                <a:cs typeface="Calibri bold" panose="020F0702030404030204" pitchFamily="34" charset="0"/>
+              </a:rPr>
+              <a:t>s</a:t>
+            </a:r>
+            <a:endParaRPr lang="LID4096" sz="1400" b="1" dirty="0">
+              <a:latin typeface="Calibri bold" panose="020F0702030404030204" pitchFamily="34" charset="0"/>
+              <a:cs typeface="Calibri bold" panose="020F0702030404030204" pitchFamily="34" charset="0"/>
+            </a:endParaRPr>
           </a:p>
         </p:txBody>
       </p:sp>
@@ -14300,6 +14438,61 @@
           <a:chExt cx="0" cy="0"/>
         </a:xfrm>
       </p:grpSpPr>
+      <p:sp>
+        <p:nvSpPr>
+          <p:cNvPr id="2" name="Rectangle 1">
+            <a:extLst>
+              <a:ext uri="{FF2B5EF4-FFF2-40B4-BE49-F238E27FC236}">
+                <a16:creationId xmlns:a16="http://schemas.microsoft.com/office/drawing/2014/main" id="{2A028F24-47CB-EC6D-DD31-8B63AD18F2C7}"/>
+              </a:ext>
+            </a:extLst>
+          </p:cNvPr>
+          <p:cNvSpPr/>
+          <p:nvPr/>
+        </p:nvSpPr>
+        <p:spPr>
+          <a:xfrm>
+            <a:off x="0" y="0"/>
+            <a:ext cx="12192000" cy="6858000"/>
+          </a:xfrm>
+          <a:prstGeom prst="rect">
+            <a:avLst/>
+          </a:prstGeom>
+          <a:solidFill>
+            <a:schemeClr val="accent4">
+              <a:lumMod val="20000"/>
+              <a:lumOff val="80000"/>
+            </a:schemeClr>
+          </a:solidFill>
+          <a:ln>
+            <a:noFill/>
+          </a:ln>
+        </p:spPr>
+        <p:style>
+          <a:lnRef idx="2">
+            <a:schemeClr val="accent1">
+              <a:shade val="15000"/>
+            </a:schemeClr>
+          </a:lnRef>
+          <a:fillRef idx="1">
+            <a:schemeClr val="accent1"/>
+          </a:fillRef>
+          <a:effectRef idx="0">
+            <a:schemeClr val="accent1"/>
+          </a:effectRef>
+          <a:fontRef idx="minor">
+            <a:schemeClr val="lt1"/>
+          </a:fontRef>
+        </p:style>
+        <p:txBody>
+          <a:bodyPr rtlCol="0" anchor="ctr"/>
+          <a:lstStyle/>
+          <a:p>
+            <a:pPr algn="ctr"/>
+            <a:endParaRPr lang="LID4096"/>
+          </a:p>
+        </p:txBody>
+      </p:sp>
       <p:pic>
         <p:nvPicPr>
           <p:cNvPr id="7" name="Picture 6">
@@ -14966,6 +15159,61 @@
       </p:grpSpPr>
       <p:sp>
         <p:nvSpPr>
+          <p:cNvPr id="3" name="Rectangle 2">
+            <a:extLst>
+              <a:ext uri="{FF2B5EF4-FFF2-40B4-BE49-F238E27FC236}">
+                <a16:creationId xmlns:a16="http://schemas.microsoft.com/office/drawing/2014/main" id="{103F0978-EA0C-2208-9CC4-36872DBF3403}"/>
+              </a:ext>
+            </a:extLst>
+          </p:cNvPr>
+          <p:cNvSpPr/>
+          <p:nvPr/>
+        </p:nvSpPr>
+        <p:spPr>
+          <a:xfrm>
+            <a:off x="0" y="0"/>
+            <a:ext cx="4110527" cy="6858000"/>
+          </a:xfrm>
+          <a:prstGeom prst="rect">
+            <a:avLst/>
+          </a:prstGeom>
+          <a:solidFill>
+            <a:schemeClr val="accent4">
+              <a:lumMod val="20000"/>
+              <a:lumOff val="80000"/>
+            </a:schemeClr>
+          </a:solidFill>
+          <a:ln>
+            <a:noFill/>
+          </a:ln>
+        </p:spPr>
+        <p:style>
+          <a:lnRef idx="2">
+            <a:schemeClr val="accent1">
+              <a:shade val="15000"/>
+            </a:schemeClr>
+          </a:lnRef>
+          <a:fillRef idx="1">
+            <a:schemeClr val="accent1"/>
+          </a:fillRef>
+          <a:effectRef idx="0">
+            <a:schemeClr val="accent1"/>
+          </a:effectRef>
+          <a:fontRef idx="minor">
+            <a:schemeClr val="lt1"/>
+          </a:fontRef>
+        </p:style>
+        <p:txBody>
+          <a:bodyPr rtlCol="0" anchor="ctr"/>
+          <a:lstStyle/>
+          <a:p>
+            <a:pPr algn="ctr"/>
+            <a:endParaRPr lang="LID4096"/>
+          </a:p>
+        </p:txBody>
+      </p:sp>
+      <p:sp>
+        <p:nvSpPr>
           <p:cNvPr id="2" name="TextBox 1">
             <a:extLst>
               <a:ext uri="{FF2B5EF4-FFF2-40B4-BE49-F238E27FC236}">
@@ -15151,6 +15399,61 @@
               <a:rPr lang="en-US" sz="1600" b="1" dirty="0"/>
               <a:t>construction ?</a:t>
             </a:r>
+          </a:p>
+        </p:txBody>
+      </p:sp>
+      <p:sp>
+        <p:nvSpPr>
+          <p:cNvPr id="6" name="Rectangle 5">
+            <a:extLst>
+              <a:ext uri="{FF2B5EF4-FFF2-40B4-BE49-F238E27FC236}">
+                <a16:creationId xmlns:a16="http://schemas.microsoft.com/office/drawing/2014/main" id="{14D79EAF-977F-FA90-8C73-FFD5113B3F6F}"/>
+              </a:ext>
+            </a:extLst>
+          </p:cNvPr>
+          <p:cNvSpPr/>
+          <p:nvPr/>
+        </p:nvSpPr>
+        <p:spPr>
+          <a:xfrm>
+            <a:off x="4110526" y="0"/>
+            <a:ext cx="8081473" cy="6858000"/>
+          </a:xfrm>
+          <a:prstGeom prst="rect">
+            <a:avLst/>
+          </a:prstGeom>
+          <a:solidFill>
+            <a:schemeClr val="accent5">
+              <a:lumMod val="20000"/>
+              <a:lumOff val="80000"/>
+            </a:schemeClr>
+          </a:solidFill>
+          <a:ln>
+            <a:noFill/>
+          </a:ln>
+        </p:spPr>
+        <p:style>
+          <a:lnRef idx="2">
+            <a:schemeClr val="accent1">
+              <a:shade val="15000"/>
+            </a:schemeClr>
+          </a:lnRef>
+          <a:fillRef idx="1">
+            <a:schemeClr val="accent1"/>
+          </a:fillRef>
+          <a:effectRef idx="0">
+            <a:schemeClr val="accent1"/>
+          </a:effectRef>
+          <a:fontRef idx="minor">
+            <a:schemeClr val="lt1"/>
+          </a:fontRef>
+        </p:style>
+        <p:txBody>
+          <a:bodyPr rtlCol="0" anchor="ctr"/>
+          <a:lstStyle/>
+          <a:p>
+            <a:pPr algn="ctr"/>
+            <a:endParaRPr lang="LID4096"/>
           </a:p>
         </p:txBody>
       </p:sp>
@@ -24863,6 +25166,50 @@
           <a:chExt cx="0" cy="0"/>
         </a:xfrm>
       </p:grpSpPr>
+      <p:sp>
+        <p:nvSpPr>
+          <p:cNvPr id="3" name="TextBox 2">
+            <a:extLst>
+              <a:ext uri="{FF2B5EF4-FFF2-40B4-BE49-F238E27FC236}">
+                <a16:creationId xmlns:a16="http://schemas.microsoft.com/office/drawing/2014/main" id="{68AAC967-962C-E17F-434E-3E3BF2C1B6CD}"/>
+              </a:ext>
+            </a:extLst>
+          </p:cNvPr>
+          <p:cNvSpPr txBox="1"/>
+          <p:nvPr/>
+        </p:nvSpPr>
+        <p:spPr>
+          <a:xfrm>
+            <a:off x="-10071" y="-4434"/>
+            <a:ext cx="12202071" cy="6862434"/>
+          </a:xfrm>
+          <a:prstGeom prst="rect">
+            <a:avLst/>
+          </a:prstGeom>
+          <a:solidFill>
+            <a:srgbClr val="EFDECD"/>
+          </a:solidFill>
+          <a:ln w="28575">
+            <a:solidFill>
+              <a:schemeClr val="tx1"/>
+            </a:solidFill>
+          </a:ln>
+          <a:effectLst/>
+        </p:spPr>
+        <p:txBody>
+          <a:bodyPr wrap="none" anchor="ctr" anchorCtr="0">
+            <a:noAutofit/>
+          </a:bodyPr>
+          <a:lstStyle>
+            <a:defPPr>
+              <a:defRPr lang="LID4096"/>
+            </a:defPPr>
+          </a:lstStyle>
+          <a:p>
+            <a:endParaRPr lang="en-US" dirty="0"/>
+          </a:p>
+        </p:txBody>
+      </p:sp>
       <p:grpSp>
         <p:nvGrpSpPr>
           <p:cNvPr id="61" name="Group 60">
@@ -29552,48 +29899,6 @@
           </p:spPr>
         </p:pic>
       </p:grpSp>
-      <p:sp>
-        <p:nvSpPr>
-          <p:cNvPr id="3" name="TextBox 2">
-            <a:extLst>
-              <a:ext uri="{FF2B5EF4-FFF2-40B4-BE49-F238E27FC236}">
-                <a16:creationId xmlns:a16="http://schemas.microsoft.com/office/drawing/2014/main" id="{68AAC967-962C-E17F-434E-3E3BF2C1B6CD}"/>
-              </a:ext>
-            </a:extLst>
-          </p:cNvPr>
-          <p:cNvSpPr txBox="1"/>
-          <p:nvPr/>
-        </p:nvSpPr>
-        <p:spPr>
-          <a:xfrm>
-            <a:off x="-10071" y="-4434"/>
-            <a:ext cx="12202071" cy="6862434"/>
-          </a:xfrm>
-          <a:prstGeom prst="rect">
-            <a:avLst/>
-          </a:prstGeom>
-          <a:noFill/>
-          <a:ln w="28575">
-            <a:solidFill>
-              <a:schemeClr val="tx1"/>
-            </a:solidFill>
-          </a:ln>
-          <a:effectLst/>
-        </p:spPr>
-        <p:txBody>
-          <a:bodyPr wrap="none" anchor="ctr" anchorCtr="0">
-            <a:noAutofit/>
-          </a:bodyPr>
-          <a:lstStyle>
-            <a:defPPr>
-              <a:defRPr lang="LID4096"/>
-            </a:defPPr>
-          </a:lstStyle>
-          <a:p>
-            <a:endParaRPr lang="en-US" dirty="0"/>
-          </a:p>
-        </p:txBody>
-      </p:sp>
     </p:spTree>
     <p:extLst>
       <p:ext uri="{BB962C8B-B14F-4D97-AF65-F5344CB8AC3E}">

--- a/00_Follow_up__activities.pptx
+++ b/00_Follow_up__activities.pptx
@@ -13842,7 +13842,7 @@
           <p:spPr>
             <a:xfrm>
               <a:off x="10455909" y="5493720"/>
-              <a:ext cx="1224285" cy="400110"/>
+              <a:ext cx="1224285" cy="600164"/>
             </a:xfrm>
             <a:prstGeom prst="rect">
               <a:avLst/>
@@ -13856,14 +13856,14 @@
             <a:lstStyle/>
             <a:p>
               <a:r>
-                <a:rPr lang="en-US" sz="1000" dirty="0"/>
+                <a:rPr lang="en-US" sz="1100" b="1" dirty="0"/>
                 <a:t>Streamflow  </a:t>
               </a:r>
             </a:p>
             <a:p>
               <a:r>
-                <a:rPr lang="en-US" sz="1000" dirty="0"/>
-                <a:t>Postprocessing err</a:t>
+                <a:rPr lang="en-US" sz="1100" b="1" dirty="0"/>
+                <a:t>Postprocessing errs</a:t>
               </a:r>
             </a:p>
           </p:txBody>
@@ -14097,141 +14097,6 @@
       </p:sp>
       <p:sp>
         <p:nvSpPr>
-          <p:cNvPr id="159" name="TextBox 158">
-            <a:extLst>
-              <a:ext uri="{FF2B5EF4-FFF2-40B4-BE49-F238E27FC236}">
-                <a16:creationId xmlns:a16="http://schemas.microsoft.com/office/drawing/2014/main" id="{398185BC-E631-96C4-DA16-83CA9F7404A3}"/>
-              </a:ext>
-            </a:extLst>
-          </p:cNvPr>
-          <p:cNvSpPr txBox="1"/>
-          <p:nvPr/>
-        </p:nvSpPr>
-        <p:spPr>
-          <a:xfrm>
-            <a:off x="8546117" y="2822933"/>
-            <a:ext cx="149493" cy="200678"/>
-          </a:xfrm>
-          <a:prstGeom prst="rect">
-            <a:avLst/>
-          </a:prstGeom>
-          <a:solidFill>
-            <a:srgbClr val="93E3FF"/>
-          </a:solidFill>
-        </p:spPr>
-        <p:txBody>
-          <a:bodyPr wrap="none" lIns="0" tIns="0" rIns="0" bIns="0" rtlCol="0" anchor="ctr" anchorCtr="0">
-            <a:noAutofit/>
-          </a:bodyPr>
-          <a:lstStyle/>
-          <a:p>
-            <a:pPr algn="ctr"/>
-            <a:r>
-              <a:rPr lang="pt-BR" sz="1400" b="1" dirty="0">
-                <a:latin typeface="Calibri bold" panose="020F0702030404030204" pitchFamily="34" charset="0"/>
-                <a:cs typeface="Calibri bold" panose="020F0702030404030204" pitchFamily="34" charset="0"/>
-              </a:rPr>
-              <a:t>s</a:t>
-            </a:r>
-            <a:endParaRPr lang="LID4096" sz="1400" b="1" dirty="0">
-              <a:latin typeface="Calibri bold" panose="020F0702030404030204" pitchFamily="34" charset="0"/>
-              <a:cs typeface="Calibri bold" panose="020F0702030404030204" pitchFamily="34" charset="0"/>
-            </a:endParaRPr>
-          </a:p>
-        </p:txBody>
-      </p:sp>
-      <p:sp>
-        <p:nvSpPr>
-          <p:cNvPr id="160" name="TextBox 159">
-            <a:extLst>
-              <a:ext uri="{FF2B5EF4-FFF2-40B4-BE49-F238E27FC236}">
-                <a16:creationId xmlns:a16="http://schemas.microsoft.com/office/drawing/2014/main" id="{AFB72EAF-2217-3341-D965-FD23ED90C80F}"/>
-              </a:ext>
-            </a:extLst>
-          </p:cNvPr>
-          <p:cNvSpPr txBox="1"/>
-          <p:nvPr/>
-        </p:nvSpPr>
-        <p:spPr>
-          <a:xfrm>
-            <a:off x="1877441" y="2326535"/>
-            <a:ext cx="149493" cy="200678"/>
-          </a:xfrm>
-          <a:prstGeom prst="rect">
-            <a:avLst/>
-          </a:prstGeom>
-          <a:solidFill>
-            <a:srgbClr val="93E3FF"/>
-          </a:solidFill>
-        </p:spPr>
-        <p:txBody>
-          <a:bodyPr wrap="none" lIns="0" tIns="0" rIns="0" bIns="0" rtlCol="0" anchor="ctr" anchorCtr="0">
-            <a:noAutofit/>
-          </a:bodyPr>
-          <a:lstStyle/>
-          <a:p>
-            <a:pPr algn="ctr"/>
-            <a:r>
-              <a:rPr lang="pt-BR" sz="1400" b="1" dirty="0">
-                <a:latin typeface="Calibri bold" panose="020F0702030404030204" pitchFamily="34" charset="0"/>
-                <a:cs typeface="Calibri bold" panose="020F0702030404030204" pitchFamily="34" charset="0"/>
-              </a:rPr>
-              <a:t>s</a:t>
-            </a:r>
-            <a:endParaRPr lang="LID4096" sz="1400" b="1" dirty="0">
-              <a:latin typeface="Calibri bold" panose="020F0702030404030204" pitchFamily="34" charset="0"/>
-              <a:cs typeface="Calibri bold" panose="020F0702030404030204" pitchFamily="34" charset="0"/>
-            </a:endParaRPr>
-          </a:p>
-        </p:txBody>
-      </p:sp>
-      <p:sp>
-        <p:nvSpPr>
-          <p:cNvPr id="161" name="TextBox 160">
-            <a:extLst>
-              <a:ext uri="{FF2B5EF4-FFF2-40B4-BE49-F238E27FC236}">
-                <a16:creationId xmlns:a16="http://schemas.microsoft.com/office/drawing/2014/main" id="{BAED8D68-2471-9FE9-853E-CF6EB3EF63FC}"/>
-              </a:ext>
-            </a:extLst>
-          </p:cNvPr>
-          <p:cNvSpPr txBox="1"/>
-          <p:nvPr/>
-        </p:nvSpPr>
-        <p:spPr>
-          <a:xfrm>
-            <a:off x="1893524" y="1977503"/>
-            <a:ext cx="149493" cy="200678"/>
-          </a:xfrm>
-          <a:prstGeom prst="rect">
-            <a:avLst/>
-          </a:prstGeom>
-          <a:solidFill>
-            <a:srgbClr val="93E3FF"/>
-          </a:solidFill>
-        </p:spPr>
-        <p:txBody>
-          <a:bodyPr wrap="none" lIns="0" tIns="0" rIns="0" bIns="0" rtlCol="0" anchor="ctr" anchorCtr="0">
-            <a:noAutofit/>
-          </a:bodyPr>
-          <a:lstStyle/>
-          <a:p>
-            <a:pPr algn="ctr"/>
-            <a:r>
-              <a:rPr lang="pt-BR" sz="1400" b="1" dirty="0">
-                <a:latin typeface="Calibri bold" panose="020F0702030404030204" pitchFamily="34" charset="0"/>
-                <a:cs typeface="Calibri bold" panose="020F0702030404030204" pitchFamily="34" charset="0"/>
-              </a:rPr>
-              <a:t>s</a:t>
-            </a:r>
-            <a:endParaRPr lang="LID4096" sz="1400" b="1" dirty="0">
-              <a:latin typeface="Calibri bold" panose="020F0702030404030204" pitchFamily="34" charset="0"/>
-              <a:cs typeface="Calibri bold" panose="020F0702030404030204" pitchFamily="34" charset="0"/>
-            </a:endParaRPr>
-          </a:p>
-        </p:txBody>
-      </p:sp>
-      <p:sp>
-        <p:nvSpPr>
           <p:cNvPr id="6" name="TextBox 5">
             <a:extLst>
               <a:ext uri="{FF2B5EF4-FFF2-40B4-BE49-F238E27FC236}">
@@ -14246,8 +14111,8 @@
         </p:nvSpPr>
         <p:spPr>
           <a:xfrm>
-            <a:off x="4215391" y="5289166"/>
-            <a:ext cx="729104" cy="366611"/>
+            <a:off x="1931347" y="1618886"/>
+            <a:ext cx="564149" cy="283668"/>
           </a:xfrm>
           <a:prstGeom prst="rect">
             <a:avLst/>
@@ -14264,14 +14129,14 @@
           <a:p>
             <a:pPr algn="ctr"/>
             <a:r>
-              <a:rPr lang="en-US" sz="1000" b="1" dirty="0"/>
+              <a:rPr lang="en-US" sz="800" b="1" dirty="0"/>
               <a:t>Last one: </a:t>
             </a:r>
           </a:p>
           <a:p>
             <a:pPr algn="ctr"/>
             <a:r>
-              <a:rPr lang="en-US" sz="1000" b="1" dirty="0"/>
+              <a:rPr lang="en-US" sz="800" b="1" dirty="0"/>
               <a:t>Move on … </a:t>
             </a:r>
           </a:p>
@@ -14320,10 +14185,10 @@
       </p:sp>
       <p:sp>
         <p:nvSpPr>
-          <p:cNvPr id="11" name="TextBox 10">
-            <a:extLst>
-              <a:ext uri="{FF2B5EF4-FFF2-40B4-BE49-F238E27FC236}">
-                <a16:creationId xmlns:a16="http://schemas.microsoft.com/office/drawing/2014/main" id="{1F84E1EC-05BD-DF26-3A20-5F4E3937082A}"/>
+          <p:cNvPr id="14" name="TextBox 13">
+            <a:extLst>
+              <a:ext uri="{FF2B5EF4-FFF2-40B4-BE49-F238E27FC236}">
+                <a16:creationId xmlns:a16="http://schemas.microsoft.com/office/drawing/2014/main" id="{E0F0897B-B6AA-3F0E-3C58-0FC0E1C3F7F5}"/>
               </a:ext>
             </a:extLst>
           </p:cNvPr>
@@ -14332,8 +14197,8 @@
         </p:nvSpPr>
         <p:spPr>
           <a:xfrm>
-            <a:off x="6582167" y="5275154"/>
-            <a:ext cx="149493" cy="200678"/>
+            <a:off x="5699755" y="2862640"/>
+            <a:ext cx="168850" cy="110038"/>
           </a:xfrm>
           <a:prstGeom prst="rect">
             <a:avLst/>
@@ -14365,10 +14230,10 @@
       </p:sp>
       <p:sp>
         <p:nvSpPr>
-          <p:cNvPr id="12" name="TextBox 11">
-            <a:extLst>
-              <a:ext uri="{FF2B5EF4-FFF2-40B4-BE49-F238E27FC236}">
-                <a16:creationId xmlns:a16="http://schemas.microsoft.com/office/drawing/2014/main" id="{7E21518C-45C7-A4AD-EB5A-D850D64B8FCC}"/>
+          <p:cNvPr id="15" name="TextBox 14">
+            <a:extLst>
+              <a:ext uri="{FF2B5EF4-FFF2-40B4-BE49-F238E27FC236}">
+                <a16:creationId xmlns:a16="http://schemas.microsoft.com/office/drawing/2014/main" id="{A9DF7049-590F-8C26-48A5-34FB26EA360C}"/>
               </a:ext>
             </a:extLst>
           </p:cNvPr>
@@ -14377,8 +14242,8 @@
         </p:nvSpPr>
         <p:spPr>
           <a:xfrm>
-            <a:off x="5526639" y="1538588"/>
-            <a:ext cx="149493" cy="200678"/>
+            <a:off x="6904499" y="5052772"/>
+            <a:ext cx="168850" cy="110038"/>
           </a:xfrm>
           <a:prstGeom prst="rect">
             <a:avLst/>
@@ -14402,6 +14267,282 @@
               <a:t>s</a:t>
             </a:r>
             <a:endParaRPr lang="LID4096" sz="1400" b="1" dirty="0">
+              <a:latin typeface="Calibri bold" panose="020F0702030404030204" pitchFamily="34" charset="0"/>
+              <a:cs typeface="Calibri bold" panose="020F0702030404030204" pitchFamily="34" charset="0"/>
+            </a:endParaRPr>
+          </a:p>
+        </p:txBody>
+      </p:sp>
+      <p:sp>
+        <p:nvSpPr>
+          <p:cNvPr id="16" name="TextBox 15">
+            <a:extLst>
+              <a:ext uri="{FF2B5EF4-FFF2-40B4-BE49-F238E27FC236}">
+                <a16:creationId xmlns:a16="http://schemas.microsoft.com/office/drawing/2014/main" id="{7BEAF2A6-BE8F-7E20-8955-9BEB41E9331A}"/>
+              </a:ext>
+            </a:extLst>
+          </p:cNvPr>
+          <p:cNvSpPr txBox="1"/>
+          <p:nvPr/>
+        </p:nvSpPr>
+        <p:spPr>
+          <a:xfrm>
+            <a:off x="1903142" y="2298154"/>
+            <a:ext cx="168850" cy="110038"/>
+          </a:xfrm>
+          <a:prstGeom prst="rect">
+            <a:avLst/>
+          </a:prstGeom>
+          <a:solidFill>
+            <a:srgbClr val="93E3FF"/>
+          </a:solidFill>
+        </p:spPr>
+        <p:txBody>
+          <a:bodyPr wrap="none" lIns="0" tIns="0" rIns="0" bIns="0" rtlCol="0" anchor="ctr" anchorCtr="0">
+            <a:noAutofit/>
+          </a:bodyPr>
+          <a:lstStyle/>
+          <a:p>
+            <a:pPr algn="ctr"/>
+            <a:r>
+              <a:rPr lang="pt-BR" sz="1400" b="1" dirty="0">
+                <a:latin typeface="Calibri bold" panose="020F0702030404030204" pitchFamily="34" charset="0"/>
+                <a:cs typeface="Calibri bold" panose="020F0702030404030204" pitchFamily="34" charset="0"/>
+              </a:rPr>
+              <a:t>s</a:t>
+            </a:r>
+            <a:endParaRPr lang="LID4096" sz="1400" b="1" dirty="0">
+              <a:latin typeface="Calibri bold" panose="020F0702030404030204" pitchFamily="34" charset="0"/>
+              <a:cs typeface="Calibri bold" panose="020F0702030404030204" pitchFamily="34" charset="0"/>
+            </a:endParaRPr>
+          </a:p>
+        </p:txBody>
+      </p:sp>
+      <p:sp>
+        <p:nvSpPr>
+          <p:cNvPr id="17" name="TextBox 16">
+            <a:extLst>
+              <a:ext uri="{FF2B5EF4-FFF2-40B4-BE49-F238E27FC236}">
+                <a16:creationId xmlns:a16="http://schemas.microsoft.com/office/drawing/2014/main" id="{3991D162-195F-78E0-B376-A290529069D9}"/>
+              </a:ext>
+            </a:extLst>
+          </p:cNvPr>
+          <p:cNvSpPr txBox="1"/>
+          <p:nvPr/>
+        </p:nvSpPr>
+        <p:spPr>
+          <a:xfrm>
+            <a:off x="1596515" y="3097190"/>
+            <a:ext cx="168850" cy="110038"/>
+          </a:xfrm>
+          <a:prstGeom prst="rect">
+            <a:avLst/>
+          </a:prstGeom>
+          <a:solidFill>
+            <a:srgbClr val="93E3FF"/>
+          </a:solidFill>
+        </p:spPr>
+        <p:txBody>
+          <a:bodyPr wrap="none" lIns="0" tIns="0" rIns="0" bIns="0" rtlCol="0" anchor="ctr" anchorCtr="0">
+            <a:noAutofit/>
+          </a:bodyPr>
+          <a:lstStyle/>
+          <a:p>
+            <a:pPr algn="ctr"/>
+            <a:r>
+              <a:rPr lang="pt-BR" sz="1400" b="1" dirty="0">
+                <a:latin typeface="Calibri bold" panose="020F0702030404030204" pitchFamily="34" charset="0"/>
+                <a:cs typeface="Calibri bold" panose="020F0702030404030204" pitchFamily="34" charset="0"/>
+              </a:rPr>
+              <a:t>s</a:t>
+            </a:r>
+            <a:endParaRPr lang="LID4096" sz="1400" b="1" dirty="0">
+              <a:latin typeface="Calibri bold" panose="020F0702030404030204" pitchFamily="34" charset="0"/>
+              <a:cs typeface="Calibri bold" panose="020F0702030404030204" pitchFamily="34" charset="0"/>
+            </a:endParaRPr>
+          </a:p>
+        </p:txBody>
+      </p:sp>
+      <p:sp>
+        <p:nvSpPr>
+          <p:cNvPr id="18" name="TextBox 17">
+            <a:extLst>
+              <a:ext uri="{FF2B5EF4-FFF2-40B4-BE49-F238E27FC236}">
+                <a16:creationId xmlns:a16="http://schemas.microsoft.com/office/drawing/2014/main" id="{4E879E2C-B049-AC2B-26E7-69CF569E7FF5}"/>
+              </a:ext>
+            </a:extLst>
+          </p:cNvPr>
+          <p:cNvSpPr txBox="1">
+            <a:spLocks noChangeAspect="1"/>
+          </p:cNvSpPr>
+          <p:nvPr/>
+        </p:nvSpPr>
+        <p:spPr>
+          <a:xfrm>
+            <a:off x="4120068" y="5305537"/>
+            <a:ext cx="564149" cy="283668"/>
+          </a:xfrm>
+          <a:prstGeom prst="rect">
+            <a:avLst/>
+          </a:prstGeom>
+          <a:solidFill>
+            <a:srgbClr val="FFCCFF"/>
+          </a:solidFill>
+        </p:spPr>
+        <p:txBody>
+          <a:bodyPr wrap="none" lIns="0" tIns="0" rIns="0" bIns="0" anchor="ctr" anchorCtr="0">
+            <a:noAutofit/>
+          </a:bodyPr>
+          <a:lstStyle/>
+          <a:p>
+            <a:pPr algn="ctr"/>
+            <a:r>
+              <a:rPr lang="en-US" sz="800" b="1" dirty="0"/>
+              <a:t>Last one: </a:t>
+            </a:r>
+          </a:p>
+          <a:p>
+            <a:pPr algn="ctr"/>
+            <a:r>
+              <a:rPr lang="en-US" sz="800" b="1" dirty="0"/>
+              <a:t>Move on … </a:t>
+            </a:r>
+          </a:p>
+        </p:txBody>
+      </p:sp>
+      <p:sp>
+        <p:nvSpPr>
+          <p:cNvPr id="12" name="TextBox 11">
+            <a:extLst>
+              <a:ext uri="{FF2B5EF4-FFF2-40B4-BE49-F238E27FC236}">
+                <a16:creationId xmlns:a16="http://schemas.microsoft.com/office/drawing/2014/main" id="{169B7437-68FC-1BA7-27D9-345CE1A96E90}"/>
+              </a:ext>
+            </a:extLst>
+          </p:cNvPr>
+          <p:cNvSpPr txBox="1">
+            <a:spLocks noChangeAspect="1"/>
+          </p:cNvSpPr>
+          <p:nvPr/>
+        </p:nvSpPr>
+        <p:spPr>
+          <a:xfrm>
+            <a:off x="122777" y="1657685"/>
+            <a:ext cx="281830" cy="177058"/>
+          </a:xfrm>
+          <a:prstGeom prst="rect">
+            <a:avLst/>
+          </a:prstGeom>
+          <a:solidFill>
+            <a:schemeClr val="bg1">
+              <a:lumMod val="85000"/>
+            </a:schemeClr>
+          </a:solidFill>
+        </p:spPr>
+        <p:txBody>
+          <a:bodyPr wrap="none" lIns="0" tIns="0" rIns="0" bIns="0" anchor="ctr" anchorCtr="0">
+            <a:noAutofit/>
+          </a:bodyPr>
+          <a:lstStyle/>
+          <a:p>
+            <a:pPr algn="ctr"/>
+            <a:r>
+              <a:rPr lang="pt-BR" sz="1200" b="1" dirty="0"/>
+              <a:t>1.3</a:t>
+            </a:r>
+            <a:endParaRPr lang="LID4096" sz="1200" b="1" dirty="0"/>
+          </a:p>
+        </p:txBody>
+      </p:sp>
+      <p:sp>
+        <p:nvSpPr>
+          <p:cNvPr id="13" name="TextBox 12">
+            <a:extLst>
+              <a:ext uri="{FF2B5EF4-FFF2-40B4-BE49-F238E27FC236}">
+                <a16:creationId xmlns:a16="http://schemas.microsoft.com/office/drawing/2014/main" id="{3AEC3FF2-F6FD-DB99-DCFA-28647C40D707}"/>
+              </a:ext>
+            </a:extLst>
+          </p:cNvPr>
+          <p:cNvSpPr txBox="1"/>
+          <p:nvPr/>
+        </p:nvSpPr>
+        <p:spPr>
+          <a:xfrm>
+            <a:off x="5706488" y="3289537"/>
+            <a:ext cx="168850" cy="110038"/>
+          </a:xfrm>
+          <a:prstGeom prst="rect">
+            <a:avLst/>
+          </a:prstGeom>
+          <a:solidFill>
+            <a:srgbClr val="93E3FF"/>
+          </a:solidFill>
+        </p:spPr>
+        <p:txBody>
+          <a:bodyPr wrap="none" lIns="0" tIns="0" rIns="0" bIns="0" rtlCol="0" anchor="ctr" anchorCtr="0">
+            <a:noAutofit/>
+          </a:bodyPr>
+          <a:lstStyle/>
+          <a:p>
+            <a:pPr algn="ctr"/>
+            <a:r>
+              <a:rPr lang="pt-BR" sz="1400" b="1" dirty="0">
+                <a:latin typeface="Calibri bold" panose="020F0702030404030204" pitchFamily="34" charset="0"/>
+                <a:cs typeface="Calibri bold" panose="020F0702030404030204" pitchFamily="34" charset="0"/>
+              </a:rPr>
+              <a:t>s</a:t>
+            </a:r>
+            <a:endParaRPr lang="LID4096" sz="1400" b="1" dirty="0">
+              <a:latin typeface="Calibri bold" panose="020F0702030404030204" pitchFamily="34" charset="0"/>
+              <a:cs typeface="Calibri bold" panose="020F0702030404030204" pitchFamily="34" charset="0"/>
+            </a:endParaRPr>
+          </a:p>
+        </p:txBody>
+      </p:sp>
+      <p:sp>
+        <p:nvSpPr>
+          <p:cNvPr id="19" name="TextBox 18">
+            <a:extLst>
+              <a:ext uri="{FF2B5EF4-FFF2-40B4-BE49-F238E27FC236}">
+                <a16:creationId xmlns:a16="http://schemas.microsoft.com/office/drawing/2014/main" id="{FB800612-5F63-DB78-D4B2-A79DB30F63DB}"/>
+              </a:ext>
+            </a:extLst>
+          </p:cNvPr>
+          <p:cNvSpPr txBox="1"/>
+          <p:nvPr/>
+        </p:nvSpPr>
+        <p:spPr>
+          <a:xfrm>
+            <a:off x="132650" y="2486497"/>
+            <a:ext cx="397189" cy="101748"/>
+          </a:xfrm>
+          <a:prstGeom prst="rect">
+            <a:avLst/>
+          </a:prstGeom>
+          <a:solidFill>
+            <a:srgbClr val="C00000"/>
+          </a:solidFill>
+        </p:spPr>
+        <p:txBody>
+          <a:bodyPr wrap="none" lIns="0" tIns="0" rIns="0" bIns="0" rtlCol="0" anchor="ctr" anchorCtr="0">
+            <a:noAutofit/>
+          </a:bodyPr>
+          <a:lstStyle/>
+          <a:p>
+            <a:pPr algn="ctr"/>
+            <a:r>
+              <a:rPr lang="pt-BR" sz="1100" b="1" dirty="0">
+                <a:solidFill>
+                  <a:schemeClr val="bg1"/>
+                </a:solidFill>
+                <a:latin typeface="Calibri bold" panose="020F0702030404030204" pitchFamily="34" charset="0"/>
+                <a:cs typeface="Calibri bold" panose="020F0702030404030204" pitchFamily="34" charset="0"/>
+              </a:rPr>
+              <a:t>Again</a:t>
+            </a:r>
+            <a:endParaRPr lang="LID4096" sz="1100" b="1" dirty="0">
+              <a:solidFill>
+                <a:schemeClr val="bg1"/>
+              </a:solidFill>
               <a:latin typeface="Calibri bold" panose="020F0702030404030204" pitchFamily="34" charset="0"/>
               <a:cs typeface="Calibri bold" panose="020F0702030404030204" pitchFamily="34" charset="0"/>
             </a:endParaRPr>
@@ -15077,7 +15218,7 @@
             <a:p>
               <a:r>
                 <a:rPr lang="en-US" sz="1400" b="1" dirty="0"/>
-                <a:t>How to insert this line?</a:t>
+                <a:t>How to insert a H line?</a:t>
               </a:r>
             </a:p>
           </p:txBody>
@@ -15416,8 +15557,8 @@
         </p:nvSpPr>
         <p:spPr>
           <a:xfrm>
-            <a:off x="4110526" y="0"/>
-            <a:ext cx="8081473" cy="6858000"/>
+            <a:off x="4029145" y="0"/>
+            <a:ext cx="4052330" cy="6858000"/>
           </a:xfrm>
           <a:prstGeom prst="rect">
             <a:avLst/>
@@ -15454,6 +15595,431 @@
           <a:p>
             <a:pPr algn="ctr"/>
             <a:endParaRPr lang="LID4096"/>
+          </a:p>
+        </p:txBody>
+      </p:sp>
+      <p:pic>
+        <p:nvPicPr>
+          <p:cNvPr id="10" name="Picture 9">
+            <a:extLst>
+              <a:ext uri="{FF2B5EF4-FFF2-40B4-BE49-F238E27FC236}">
+                <a16:creationId xmlns:a16="http://schemas.microsoft.com/office/drawing/2014/main" id="{C8E47F97-775D-4FEC-3A66-D80D114CFC1C}"/>
+              </a:ext>
+            </a:extLst>
+          </p:cNvPr>
+          <p:cNvPicPr>
+            <a:picLocks noChangeAspect="1"/>
+          </p:cNvPicPr>
+          <p:nvPr/>
+        </p:nvPicPr>
+        <p:blipFill>
+          <a:blip r:embed="rId4">
+            <a:extLst>
+              <a:ext uri="{28A0092B-C50C-407E-A947-70E740481C1C}">
+                <a14:useLocalDpi xmlns:a14="http://schemas.microsoft.com/office/drawing/2010/main" val="0"/>
+              </a:ext>
+            </a:extLst>
+          </a:blip>
+          <a:stretch>
+            <a:fillRect/>
+          </a:stretch>
+        </p:blipFill>
+        <p:spPr>
+          <a:xfrm>
+            <a:off x="4203582" y="2123635"/>
+            <a:ext cx="1840498" cy="1399815"/>
+          </a:xfrm>
+          <a:prstGeom prst="rect">
+            <a:avLst/>
+          </a:prstGeom>
+        </p:spPr>
+      </p:pic>
+      <p:pic>
+        <p:nvPicPr>
+          <p:cNvPr id="12" name="Picture 11">
+            <a:extLst>
+              <a:ext uri="{FF2B5EF4-FFF2-40B4-BE49-F238E27FC236}">
+                <a16:creationId xmlns:a16="http://schemas.microsoft.com/office/drawing/2014/main" id="{8391E879-B096-F501-C77B-F173DEA234DD}"/>
+              </a:ext>
+            </a:extLst>
+          </p:cNvPr>
+          <p:cNvPicPr>
+            <a:picLocks noChangeAspect="1"/>
+          </p:cNvPicPr>
+          <p:nvPr/>
+        </p:nvPicPr>
+        <p:blipFill>
+          <a:blip r:embed="rId5">
+            <a:extLst>
+              <a:ext uri="{28A0092B-C50C-407E-A947-70E740481C1C}">
+                <a14:useLocalDpi xmlns:a14="http://schemas.microsoft.com/office/drawing/2010/main" val="0"/>
+              </a:ext>
+            </a:extLst>
+          </a:blip>
+          <a:stretch>
+            <a:fillRect/>
+          </a:stretch>
+        </p:blipFill>
+        <p:spPr>
+          <a:xfrm>
+            <a:off x="4203582" y="3614871"/>
+            <a:ext cx="3616834" cy="1467512"/>
+          </a:xfrm>
+          <a:prstGeom prst="rect">
+            <a:avLst/>
+          </a:prstGeom>
+        </p:spPr>
+      </p:pic>
+      <p:pic>
+        <p:nvPicPr>
+          <p:cNvPr id="14" name="Picture 13">
+            <a:extLst>
+              <a:ext uri="{FF2B5EF4-FFF2-40B4-BE49-F238E27FC236}">
+                <a16:creationId xmlns:a16="http://schemas.microsoft.com/office/drawing/2014/main" id="{ECA42460-7A44-139D-3A0F-9822D1B27B56}"/>
+              </a:ext>
+            </a:extLst>
+          </p:cNvPr>
+          <p:cNvPicPr>
+            <a:picLocks noChangeAspect="1"/>
+          </p:cNvPicPr>
+          <p:nvPr/>
+        </p:nvPicPr>
+        <p:blipFill>
+          <a:blip r:embed="rId6">
+            <a:extLst>
+              <a:ext uri="{28A0092B-C50C-407E-A947-70E740481C1C}">
+                <a14:useLocalDpi xmlns:a14="http://schemas.microsoft.com/office/drawing/2010/main" val="0"/>
+              </a:ext>
+            </a:extLst>
+          </a:blip>
+          <a:stretch>
+            <a:fillRect/>
+          </a:stretch>
+        </p:blipFill>
+        <p:spPr>
+          <a:xfrm>
+            <a:off x="4203582" y="5204840"/>
+            <a:ext cx="1807559" cy="1399815"/>
+          </a:xfrm>
+          <a:prstGeom prst="rect">
+            <a:avLst/>
+          </a:prstGeom>
+        </p:spPr>
+      </p:pic>
+      <p:pic>
+        <p:nvPicPr>
+          <p:cNvPr id="16" name="Picture 15">
+            <a:extLst>
+              <a:ext uri="{FF2B5EF4-FFF2-40B4-BE49-F238E27FC236}">
+                <a16:creationId xmlns:a16="http://schemas.microsoft.com/office/drawing/2014/main" id="{7348E59A-453D-7C76-FD3F-DF16FDF8B9A2}"/>
+              </a:ext>
+            </a:extLst>
+          </p:cNvPr>
+          <p:cNvPicPr>
+            <a:picLocks noChangeAspect="1"/>
+          </p:cNvPicPr>
+          <p:nvPr/>
+        </p:nvPicPr>
+        <p:blipFill>
+          <a:blip r:embed="rId7">
+            <a:extLst>
+              <a:ext uri="{28A0092B-C50C-407E-A947-70E740481C1C}">
+                <a14:useLocalDpi xmlns:a14="http://schemas.microsoft.com/office/drawing/2010/main" val="0"/>
+              </a:ext>
+            </a:extLst>
+          </a:blip>
+          <a:stretch>
+            <a:fillRect/>
+          </a:stretch>
+        </p:blipFill>
+        <p:spPr>
+          <a:xfrm>
+            <a:off x="6147922" y="2123635"/>
+            <a:ext cx="1672494" cy="1399815"/>
+          </a:xfrm>
+          <a:prstGeom prst="rect">
+            <a:avLst/>
+          </a:prstGeom>
+        </p:spPr>
+      </p:pic>
+      <p:pic>
+        <p:nvPicPr>
+          <p:cNvPr id="18" name="Picture 17">
+            <a:extLst>
+              <a:ext uri="{FF2B5EF4-FFF2-40B4-BE49-F238E27FC236}">
+                <a16:creationId xmlns:a16="http://schemas.microsoft.com/office/drawing/2014/main" id="{BED38954-4328-2E7F-A441-EC0785F67D87}"/>
+              </a:ext>
+            </a:extLst>
+          </p:cNvPr>
+          <p:cNvPicPr>
+            <a:picLocks noChangeAspect="1"/>
+          </p:cNvPicPr>
+          <p:nvPr/>
+        </p:nvPicPr>
+        <p:blipFill>
+          <a:blip r:embed="rId8">
+            <a:extLst>
+              <a:ext uri="{28A0092B-C50C-407E-A947-70E740481C1C}">
+                <a14:useLocalDpi xmlns:a14="http://schemas.microsoft.com/office/drawing/2010/main" val="0"/>
+              </a:ext>
+            </a:extLst>
+          </a:blip>
+          <a:stretch>
+            <a:fillRect/>
+          </a:stretch>
+        </p:blipFill>
+        <p:spPr>
+          <a:xfrm>
+            <a:off x="6096000" y="5204840"/>
+            <a:ext cx="1805210" cy="1399815"/>
+          </a:xfrm>
+          <a:prstGeom prst="rect">
+            <a:avLst/>
+          </a:prstGeom>
+        </p:spPr>
+      </p:pic>
+      <p:sp>
+        <p:nvSpPr>
+          <p:cNvPr id="19" name="Rectangle 18">
+            <a:extLst>
+              <a:ext uri="{FF2B5EF4-FFF2-40B4-BE49-F238E27FC236}">
+                <a16:creationId xmlns:a16="http://schemas.microsoft.com/office/drawing/2014/main" id="{7194ACFE-BFAD-62A0-7EFA-8B91672977BF}"/>
+              </a:ext>
+            </a:extLst>
+          </p:cNvPr>
+          <p:cNvSpPr/>
+          <p:nvPr/>
+        </p:nvSpPr>
+        <p:spPr>
+          <a:xfrm>
+            <a:off x="8081472" y="0"/>
+            <a:ext cx="4110527" cy="6858000"/>
+          </a:xfrm>
+          <a:prstGeom prst="rect">
+            <a:avLst/>
+          </a:prstGeom>
+          <a:solidFill>
+            <a:schemeClr val="accent2">
+              <a:lumMod val="20000"/>
+              <a:lumOff val="80000"/>
+            </a:schemeClr>
+          </a:solidFill>
+          <a:ln>
+            <a:noFill/>
+          </a:ln>
+        </p:spPr>
+        <p:style>
+          <a:lnRef idx="2">
+            <a:schemeClr val="accent1">
+              <a:shade val="15000"/>
+            </a:schemeClr>
+          </a:lnRef>
+          <a:fillRef idx="1">
+            <a:schemeClr val="accent1"/>
+          </a:fillRef>
+          <a:effectRef idx="0">
+            <a:schemeClr val="accent1"/>
+          </a:effectRef>
+          <a:fontRef idx="minor">
+            <a:schemeClr val="lt1"/>
+          </a:fontRef>
+        </p:style>
+        <p:txBody>
+          <a:bodyPr rtlCol="0" anchor="ctr"/>
+          <a:lstStyle/>
+          <a:p>
+            <a:pPr algn="ctr"/>
+            <a:endParaRPr lang="LID4096"/>
+          </a:p>
+        </p:txBody>
+      </p:sp>
+      <p:pic>
+        <p:nvPicPr>
+          <p:cNvPr id="27" name="Picture 26">
+            <a:extLst>
+              <a:ext uri="{FF2B5EF4-FFF2-40B4-BE49-F238E27FC236}">
+                <a16:creationId xmlns:a16="http://schemas.microsoft.com/office/drawing/2014/main" id="{073D615F-F727-3C35-66E4-2A71BACD57D2}"/>
+              </a:ext>
+            </a:extLst>
+          </p:cNvPr>
+          <p:cNvPicPr>
+            <a:picLocks noChangeAspect="1"/>
+          </p:cNvPicPr>
+          <p:nvPr/>
+        </p:nvPicPr>
+        <p:blipFill>
+          <a:blip r:embed="rId9"/>
+          <a:stretch>
+            <a:fillRect/>
+          </a:stretch>
+        </p:blipFill>
+        <p:spPr>
+          <a:xfrm>
+            <a:off x="4204822" y="14068"/>
+            <a:ext cx="1943100" cy="1047750"/>
+          </a:xfrm>
+          <a:prstGeom prst="rect">
+            <a:avLst/>
+          </a:prstGeom>
+        </p:spPr>
+      </p:pic>
+      <p:pic>
+        <p:nvPicPr>
+          <p:cNvPr id="28" name="Picture 27">
+            <a:extLst>
+              <a:ext uri="{FF2B5EF4-FFF2-40B4-BE49-F238E27FC236}">
+                <a16:creationId xmlns:a16="http://schemas.microsoft.com/office/drawing/2014/main" id="{9ADE2362-F361-847E-D4BE-BA05D1A31957}"/>
+              </a:ext>
+            </a:extLst>
+          </p:cNvPr>
+          <p:cNvPicPr>
+            <a:picLocks noChangeAspect="1"/>
+          </p:cNvPicPr>
+          <p:nvPr/>
+        </p:nvPicPr>
+        <p:blipFill>
+          <a:blip r:embed="rId10"/>
+          <a:stretch>
+            <a:fillRect/>
+          </a:stretch>
+        </p:blipFill>
+        <p:spPr>
+          <a:xfrm>
+            <a:off x="5927998" y="516978"/>
+            <a:ext cx="1892418" cy="1552518"/>
+          </a:xfrm>
+          <a:prstGeom prst="rect">
+            <a:avLst/>
+          </a:prstGeom>
+        </p:spPr>
+      </p:pic>
+      <p:sp>
+        <p:nvSpPr>
+          <p:cNvPr id="29" name="TextBox 28">
+            <a:extLst>
+              <a:ext uri="{FF2B5EF4-FFF2-40B4-BE49-F238E27FC236}">
+                <a16:creationId xmlns:a16="http://schemas.microsoft.com/office/drawing/2014/main" id="{91A1BF73-25E1-5D87-889D-E55D5AC171DF}"/>
+              </a:ext>
+            </a:extLst>
+          </p:cNvPr>
+          <p:cNvSpPr txBox="1">
+            <a:spLocks noChangeAspect="1"/>
+          </p:cNvSpPr>
+          <p:nvPr/>
+        </p:nvSpPr>
+        <p:spPr>
+          <a:xfrm>
+            <a:off x="4717279" y="1160971"/>
+            <a:ext cx="1128133" cy="287837"/>
+          </a:xfrm>
+          <a:prstGeom prst="rect">
+            <a:avLst/>
+          </a:prstGeom>
+          <a:solidFill>
+            <a:schemeClr val="bg1">
+              <a:lumMod val="85000"/>
+            </a:schemeClr>
+          </a:solidFill>
+        </p:spPr>
+        <p:txBody>
+          <a:bodyPr wrap="none" lIns="0" tIns="0" rIns="0" bIns="0" anchor="ctr" anchorCtr="0">
+            <a:noAutofit/>
+          </a:bodyPr>
+          <a:lstStyle/>
+          <a:p>
+            <a:pPr algn="ctr"/>
+            <a:r>
+              <a:rPr lang="en-US" sz="1200" b="1" dirty="0"/>
+              <a:t>1.3 intro pyEMU</a:t>
+            </a:r>
+          </a:p>
+        </p:txBody>
+      </p:sp>
+      <p:sp>
+        <p:nvSpPr>
+          <p:cNvPr id="30" name="Rectangle 29">
+            <a:extLst>
+              <a:ext uri="{FF2B5EF4-FFF2-40B4-BE49-F238E27FC236}">
+                <a16:creationId xmlns:a16="http://schemas.microsoft.com/office/drawing/2014/main" id="{8AD5BACE-1F9C-8FCF-9862-D881592ECF1B}"/>
+              </a:ext>
+            </a:extLst>
+          </p:cNvPr>
+          <p:cNvSpPr/>
+          <p:nvPr/>
+        </p:nvSpPr>
+        <p:spPr>
+          <a:xfrm>
+            <a:off x="5927997" y="700755"/>
+            <a:ext cx="1828127" cy="205099"/>
+          </a:xfrm>
+          <a:prstGeom prst="rect">
+            <a:avLst/>
+          </a:prstGeom>
+          <a:noFill/>
+          <a:ln w="6350">
+            <a:solidFill>
+              <a:schemeClr val="tx1"/>
+            </a:solidFill>
+          </a:ln>
+          <a:effectLst>
+            <a:outerShdw blurRad="50800" dist="38100" dir="8100000" algn="tr" rotWithShape="0">
+              <a:prstClr val="black">
+                <a:alpha val="40000"/>
+              </a:prstClr>
+            </a:outerShdw>
+          </a:effectLst>
+        </p:spPr>
+        <p:txBody>
+          <a:bodyPr wrap="none" anchor="ctr" anchorCtr="0">
+            <a:noAutofit/>
+          </a:bodyPr>
+          <a:lstStyle/>
+          <a:p>
+            <a:endParaRPr lang="LID4096" dirty="0"/>
+          </a:p>
+        </p:txBody>
+      </p:sp>
+      <p:sp>
+        <p:nvSpPr>
+          <p:cNvPr id="31" name="Rectangle 30">
+            <a:extLst>
+              <a:ext uri="{FF2B5EF4-FFF2-40B4-BE49-F238E27FC236}">
+                <a16:creationId xmlns:a16="http://schemas.microsoft.com/office/drawing/2014/main" id="{6BDD915B-521D-0DCA-4B5D-3FC2A76C1B1A}"/>
+              </a:ext>
+            </a:extLst>
+          </p:cNvPr>
+          <p:cNvSpPr/>
+          <p:nvPr/>
+        </p:nvSpPr>
+        <p:spPr>
+          <a:xfrm>
+            <a:off x="4203582" y="33590"/>
+            <a:ext cx="1828127" cy="205099"/>
+          </a:xfrm>
+          <a:prstGeom prst="rect">
+            <a:avLst/>
+          </a:prstGeom>
+          <a:noFill/>
+          <a:ln w="6350">
+            <a:solidFill>
+              <a:schemeClr val="tx1"/>
+            </a:solidFill>
+          </a:ln>
+          <a:effectLst>
+            <a:outerShdw blurRad="50800" dist="38100" dir="8100000" algn="tr" rotWithShape="0">
+              <a:prstClr val="black">
+                <a:alpha val="40000"/>
+              </a:prstClr>
+            </a:outerShdw>
+          </a:effectLst>
+        </p:spPr>
+        <p:txBody>
+          <a:bodyPr wrap="none" anchor="ctr" anchorCtr="0">
+            <a:noAutofit/>
+          </a:bodyPr>
+          <a:lstStyle/>
+          <a:p>
+            <a:endParaRPr lang="LID4096" dirty="0"/>
           </a:p>
         </p:txBody>
       </p:sp>

--- a/00_Follow_up__activities.pptx
+++ b/00_Follow_up__activities.pptx
@@ -276,7 +276,7 @@
           <a:p>
             <a:fld id="{830943F9-8AC6-4393-AEEF-D45C2A43C7C7}" type="datetimeFigureOut">
               <a:rPr lang="LID4096" smtClean="0"/>
-              <a:t>01/02/2025</a:t>
+              <a:t>01/03/2025</a:t>
             </a:fld>
             <a:endParaRPr lang="LID4096"/>
           </a:p>
@@ -476,7 +476,7 @@
           <a:p>
             <a:fld id="{830943F9-8AC6-4393-AEEF-D45C2A43C7C7}" type="datetimeFigureOut">
               <a:rPr lang="LID4096" smtClean="0"/>
-              <a:t>01/02/2025</a:t>
+              <a:t>01/03/2025</a:t>
             </a:fld>
             <a:endParaRPr lang="LID4096"/>
           </a:p>
@@ -686,7 +686,7 @@
           <a:p>
             <a:fld id="{830943F9-8AC6-4393-AEEF-D45C2A43C7C7}" type="datetimeFigureOut">
               <a:rPr lang="LID4096" smtClean="0"/>
-              <a:t>01/02/2025</a:t>
+              <a:t>01/03/2025</a:t>
             </a:fld>
             <a:endParaRPr lang="LID4096"/>
           </a:p>
@@ -886,7 +886,7 @@
           <a:p>
             <a:fld id="{830943F9-8AC6-4393-AEEF-D45C2A43C7C7}" type="datetimeFigureOut">
               <a:rPr lang="LID4096" smtClean="0"/>
-              <a:t>01/02/2025</a:t>
+              <a:t>01/03/2025</a:t>
             </a:fld>
             <a:endParaRPr lang="LID4096"/>
           </a:p>
@@ -1162,7 +1162,7 @@
           <a:p>
             <a:fld id="{830943F9-8AC6-4393-AEEF-D45C2A43C7C7}" type="datetimeFigureOut">
               <a:rPr lang="LID4096" smtClean="0"/>
-              <a:t>01/02/2025</a:t>
+              <a:t>01/03/2025</a:t>
             </a:fld>
             <a:endParaRPr lang="LID4096"/>
           </a:p>
@@ -1430,7 +1430,7 @@
           <a:p>
             <a:fld id="{830943F9-8AC6-4393-AEEF-D45C2A43C7C7}" type="datetimeFigureOut">
               <a:rPr lang="LID4096" smtClean="0"/>
-              <a:t>01/02/2025</a:t>
+              <a:t>01/03/2025</a:t>
             </a:fld>
             <a:endParaRPr lang="LID4096"/>
           </a:p>
@@ -1845,7 +1845,7 @@
           <a:p>
             <a:fld id="{830943F9-8AC6-4393-AEEF-D45C2A43C7C7}" type="datetimeFigureOut">
               <a:rPr lang="LID4096" smtClean="0"/>
-              <a:t>01/02/2025</a:t>
+              <a:t>01/03/2025</a:t>
             </a:fld>
             <a:endParaRPr lang="LID4096"/>
           </a:p>
@@ -1987,7 +1987,7 @@
           <a:p>
             <a:fld id="{830943F9-8AC6-4393-AEEF-D45C2A43C7C7}" type="datetimeFigureOut">
               <a:rPr lang="LID4096" smtClean="0"/>
-              <a:t>01/02/2025</a:t>
+              <a:t>01/03/2025</a:t>
             </a:fld>
             <a:endParaRPr lang="LID4096"/>
           </a:p>
@@ -2100,7 +2100,7 @@
           <a:p>
             <a:fld id="{830943F9-8AC6-4393-AEEF-D45C2A43C7C7}" type="datetimeFigureOut">
               <a:rPr lang="LID4096" smtClean="0"/>
-              <a:t>01/02/2025</a:t>
+              <a:t>01/03/2025</a:t>
             </a:fld>
             <a:endParaRPr lang="LID4096"/>
           </a:p>
@@ -2413,7 +2413,7 @@
           <a:p>
             <a:fld id="{830943F9-8AC6-4393-AEEF-D45C2A43C7C7}" type="datetimeFigureOut">
               <a:rPr lang="LID4096" smtClean="0"/>
-              <a:t>01/02/2025</a:t>
+              <a:t>01/03/2025</a:t>
             </a:fld>
             <a:endParaRPr lang="LID4096"/>
           </a:p>
@@ -2702,7 +2702,7 @@
           <a:p>
             <a:fld id="{830943F9-8AC6-4393-AEEF-D45C2A43C7C7}" type="datetimeFigureOut">
               <a:rPr lang="LID4096" smtClean="0"/>
-              <a:t>01/02/2025</a:t>
+              <a:t>01/03/2025</a:t>
             </a:fld>
             <a:endParaRPr lang="LID4096"/>
           </a:p>
@@ -2945,7 +2945,7 @@
           <a:p>
             <a:fld id="{830943F9-8AC6-4393-AEEF-D45C2A43C7C7}" type="datetimeFigureOut">
               <a:rPr lang="LID4096" smtClean="0"/>
-              <a:t>01/02/2025</a:t>
+              <a:t>01/03/2025</a:t>
             </a:fld>
             <a:endParaRPr lang="LID4096"/>
           </a:p>
@@ -6044,7 +6044,7 @@
         </p:nvSpPr>
         <p:spPr>
           <a:xfrm>
-            <a:off x="9395608" y="0"/>
+            <a:off x="8016942" y="2254262"/>
             <a:ext cx="2795725" cy="369332"/>
           </a:xfrm>
           <a:prstGeom prst="rect">
@@ -6070,6 +6070,42 @@
             <a:r>
               <a:rPr lang="LID4096" b="1" dirty="0"/>
               <a:t> ____ Weights ...</a:t>
+            </a:r>
+          </a:p>
+        </p:txBody>
+      </p:sp>
+      <p:sp>
+        <p:nvSpPr>
+          <p:cNvPr id="4" name="TextBox 3">
+            <a:extLst>
+              <a:ext uri="{FF2B5EF4-FFF2-40B4-BE49-F238E27FC236}">
+                <a16:creationId xmlns:a16="http://schemas.microsoft.com/office/drawing/2014/main" id="{DFA5825B-233F-A55C-C907-F37692104601}"/>
+              </a:ext>
+            </a:extLst>
+          </p:cNvPr>
+          <p:cNvSpPr txBox="1"/>
+          <p:nvPr/>
+        </p:nvSpPr>
+        <p:spPr>
+          <a:xfrm>
+            <a:off x="9801313" y="0"/>
+            <a:ext cx="2447925" cy="338554"/>
+          </a:xfrm>
+          <a:prstGeom prst="rect">
+            <a:avLst/>
+          </a:prstGeom>
+          <a:noFill/>
+        </p:spPr>
+        <p:txBody>
+          <a:bodyPr wrap="square">
+            <a:spAutoFit/>
+          </a:bodyPr>
+          <a:lstStyle/>
+          <a:p>
+            <a:pPr algn="r"/>
+            <a:r>
+              <a:rPr lang="LID4096" sz="1600" b="1" dirty="0"/>
+              <a:t>pstfrom</a:t>
             </a:r>
           </a:p>
         </p:txBody>
@@ -6273,7 +6309,7 @@
                 <p:spPr bwMode="auto">
                   <a:xfrm>
                     <a:off x="7888992" y="3533807"/>
-                    <a:ext cx="2082508" cy="1077218"/>
+                    <a:ext cx="2082508" cy="1384995"/>
                   </a:xfrm>
                   <a:prstGeom prst="rect">
                     <a:avLst/>
@@ -6299,6 +6335,12 @@
                     <a:r>
                       <a:rPr lang="en-GB" altLang="LID4096" sz="2800" b="1" dirty="0"/>
                       <a:t>Reimagined</a:t>
+                    </a:r>
+                  </a:p>
+                  <a:p>
+                    <a:r>
+                      <a:rPr lang="en-GB" altLang="LID4096" b="1" dirty="0"/>
+                      <a:t>… then Katie 2_02</a:t>
                     </a:r>
                   </a:p>
                 </p:txBody>
@@ -8782,10 +8824,7 @@
     <p:bg>
       <p:bgPr>
         <a:solidFill>
-          <a:schemeClr val="accent1">
-            <a:lumMod val="20000"/>
-            <a:lumOff val="80000"/>
-          </a:schemeClr>
+          <a:srgbClr val="EFDECD"/>
         </a:solidFill>
         <a:effectLst/>
       </p:bgPr>
@@ -10348,10 +10387,7 @@
     <p:bg>
       <p:bgPr>
         <a:solidFill>
-          <a:schemeClr val="accent1">
-            <a:lumMod val="20000"/>
-            <a:lumOff val="80000"/>
-          </a:schemeClr>
+          <a:srgbClr val="EFDECD"/>
         </a:solidFill>
         <a:effectLst/>
       </p:bgPr>
@@ -15226,10 +15262,10 @@
       </p:grpSp>
       <p:sp>
         <p:nvSpPr>
-          <p:cNvPr id="45" name="TextBox 44">
-            <a:extLst>
-              <a:ext uri="{FF2B5EF4-FFF2-40B4-BE49-F238E27FC236}">
-                <a16:creationId xmlns:a16="http://schemas.microsoft.com/office/drawing/2014/main" id="{B9C36C7F-7E29-E5F1-FEC1-15A0D7E96225}"/>
+          <p:cNvPr id="3" name="TextBox 2">
+            <a:extLst>
+              <a:ext uri="{FF2B5EF4-FFF2-40B4-BE49-F238E27FC236}">
+                <a16:creationId xmlns:a16="http://schemas.microsoft.com/office/drawing/2014/main" id="{C2CDF533-C35F-4E0C-CADB-C35507E54222}"/>
               </a:ext>
             </a:extLst>
           </p:cNvPr>
@@ -15241,7 +15277,7 @@
         <p:spPr>
           <a:xfrm>
             <a:off x="116571" y="6449708"/>
-            <a:ext cx="1327668" cy="273747"/>
+            <a:ext cx="2190793" cy="273747"/>
           </a:xfrm>
           <a:prstGeom prst="rect">
             <a:avLst/>
@@ -15262,7 +15298,7 @@
             <a:pPr algn="ctr"/>
             <a:r>
               <a:rPr lang="pt-BR" sz="1500" b="1" dirty="0"/>
-              <a:t>03.1 Part 01</a:t>
+              <a:t>03.1 Part 01 - Capture</a:t>
             </a:r>
             <a:endParaRPr lang="LID4096" sz="1500" b="1" dirty="0"/>
           </a:p>
@@ -15370,7 +15406,7 @@
         <p:spPr>
           <a:xfrm>
             <a:off x="116571" y="6449708"/>
-            <a:ext cx="1327668" cy="273747"/>
+            <a:ext cx="2190793" cy="273747"/>
           </a:xfrm>
           <a:prstGeom prst="rect">
             <a:avLst/>
@@ -15391,7 +15427,7 @@
             <a:pPr algn="ctr"/>
             <a:r>
               <a:rPr lang="pt-BR" sz="1500" b="1" dirty="0"/>
-              <a:t>03.2 Part 02</a:t>
+              <a:t>03.2 Part 02 - Capture</a:t>
             </a:r>
             <a:endParaRPr lang="LID4096" sz="1500" b="1" dirty="0"/>
           </a:p>
@@ -16469,6 +16505,42 @@
           <a:lstStyle/>
           <a:p>
             <a:endParaRPr lang="LID4096"/>
+          </a:p>
+        </p:txBody>
+      </p:sp>
+      <p:sp>
+        <p:nvSpPr>
+          <p:cNvPr id="2" name="TextBox 1">
+            <a:extLst>
+              <a:ext uri="{FF2B5EF4-FFF2-40B4-BE49-F238E27FC236}">
+                <a16:creationId xmlns:a16="http://schemas.microsoft.com/office/drawing/2014/main" id="{0889C8BE-8181-A2C1-1416-CF50363D6503}"/>
+              </a:ext>
+            </a:extLst>
+          </p:cNvPr>
+          <p:cNvSpPr txBox="1"/>
+          <p:nvPr/>
+        </p:nvSpPr>
+        <p:spPr>
+          <a:xfrm>
+            <a:off x="9801313" y="0"/>
+            <a:ext cx="2447925" cy="338554"/>
+          </a:xfrm>
+          <a:prstGeom prst="rect">
+            <a:avLst/>
+          </a:prstGeom>
+          <a:noFill/>
+        </p:spPr>
+        <p:txBody>
+          <a:bodyPr wrap="square">
+            <a:spAutoFit/>
+          </a:bodyPr>
+          <a:lstStyle/>
+          <a:p>
+            <a:pPr algn="r"/>
+            <a:r>
+              <a:rPr lang="LID4096" sz="1600" b="1" dirty="0"/>
+              <a:t>pstfrom</a:t>
+            </a:r>
           </a:p>
         </p:txBody>
       </p:sp>
@@ -20053,6 +20125,41 @@
           </p:txBody>
         </p:sp>
       </p:grpSp>
+      <p:sp>
+        <p:nvSpPr>
+          <p:cNvPr id="2" name="TextBox 1">
+            <a:extLst>
+              <a:ext uri="{FF2B5EF4-FFF2-40B4-BE49-F238E27FC236}">
+                <a16:creationId xmlns:a16="http://schemas.microsoft.com/office/drawing/2014/main" id="{CB035BCB-8654-3914-8E6B-66B1A3741266}"/>
+              </a:ext>
+            </a:extLst>
+          </p:cNvPr>
+          <p:cNvSpPr txBox="1"/>
+          <p:nvPr/>
+        </p:nvSpPr>
+        <p:spPr>
+          <a:xfrm>
+            <a:off x="1" y="0"/>
+            <a:ext cx="12249238" cy="338554"/>
+          </a:xfrm>
+          <a:prstGeom prst="rect">
+            <a:avLst/>
+          </a:prstGeom>
+          <a:noFill/>
+        </p:spPr>
+        <p:txBody>
+          <a:bodyPr wrap="square">
+            <a:spAutoFit/>
+          </a:bodyPr>
+          <a:lstStyle/>
+          <a:p>
+            <a:r>
+              <a:rPr lang="LID4096" sz="1600" b="1" dirty="0"/>
+              <a:t>pstfrom</a:t>
+            </a:r>
+          </a:p>
+        </p:txBody>
+      </p:sp>
     </p:spTree>
     <p:extLst>
       <p:ext uri="{BB962C8B-B14F-4D97-AF65-F5344CB8AC3E}">
@@ -20561,7 +20668,7 @@
         </p:nvSpPr>
         <p:spPr>
           <a:xfrm>
-            <a:off x="4930062" y="555341"/>
+            <a:off x="4930062" y="427151"/>
             <a:ext cx="1165938" cy="457452"/>
           </a:xfrm>
           <a:prstGeom prst="rect">
@@ -20614,7 +20721,7 @@
         </p:nvSpPr>
         <p:spPr>
           <a:xfrm>
-            <a:off x="5053577" y="1178755"/>
+            <a:off x="5053577" y="1050565"/>
             <a:ext cx="2084845" cy="457452"/>
           </a:xfrm>
           <a:prstGeom prst="rect">
@@ -21084,7 +21191,7 @@
         </p:blipFill>
         <p:spPr>
           <a:xfrm>
-            <a:off x="4926766" y="153119"/>
+            <a:off x="4926766" y="24929"/>
             <a:ext cx="7230496" cy="2493137"/>
           </a:xfrm>
           <a:prstGeom prst="rect">
@@ -21148,7 +21255,7 @@
         </p:nvGrpSpPr>
         <p:grpSpPr>
           <a:xfrm>
-            <a:off x="5053577" y="186260"/>
+            <a:off x="5053577" y="58070"/>
             <a:ext cx="5899714" cy="2382848"/>
             <a:chOff x="8378677" y="-588807"/>
             <a:chExt cx="5899714" cy="2382848"/>
@@ -21410,7 +21517,7 @@
         </p:nvSpPr>
         <p:spPr>
           <a:xfrm>
-            <a:off x="7480169" y="1295033"/>
+            <a:off x="7480169" y="1166843"/>
             <a:ext cx="1126503" cy="481515"/>
           </a:xfrm>
           <a:prstGeom prst="rect">
@@ -22356,6 +22463,42 @@
           </a:p>
         </p:txBody>
       </p:sp>
+      <p:sp>
+        <p:nvSpPr>
+          <p:cNvPr id="13" name="TextBox 12">
+            <a:extLst>
+              <a:ext uri="{FF2B5EF4-FFF2-40B4-BE49-F238E27FC236}">
+                <a16:creationId xmlns:a16="http://schemas.microsoft.com/office/drawing/2014/main" id="{E347F238-55D4-E87E-C611-226B92D4C92F}"/>
+              </a:ext>
+            </a:extLst>
+          </p:cNvPr>
+          <p:cNvSpPr txBox="1"/>
+          <p:nvPr/>
+        </p:nvSpPr>
+        <p:spPr>
+          <a:xfrm>
+            <a:off x="9801313" y="0"/>
+            <a:ext cx="2447925" cy="338554"/>
+          </a:xfrm>
+          <a:prstGeom prst="rect">
+            <a:avLst/>
+          </a:prstGeom>
+          <a:noFill/>
+        </p:spPr>
+        <p:txBody>
+          <a:bodyPr wrap="square">
+            <a:spAutoFit/>
+          </a:bodyPr>
+          <a:lstStyle/>
+          <a:p>
+            <a:pPr algn="r"/>
+            <a:r>
+              <a:rPr lang="LID4096" sz="1600" b="1" dirty="0"/>
+              <a:t>pstfrom</a:t>
+            </a:r>
+          </a:p>
+        </p:txBody>
+      </p:sp>
     </p:spTree>
     <p:extLst>
       <p:ext uri="{BB962C8B-B14F-4D97-AF65-F5344CB8AC3E}">
@@ -22403,6 +22546,48 @@
           <a:chExt cx="0" cy="0"/>
         </a:xfrm>
       </p:grpSpPr>
+      <p:sp>
+        <p:nvSpPr>
+          <p:cNvPr id="9" name="TextBox 8">
+            <a:extLst>
+              <a:ext uri="{FF2B5EF4-FFF2-40B4-BE49-F238E27FC236}">
+                <a16:creationId xmlns:a16="http://schemas.microsoft.com/office/drawing/2014/main" id="{2BA37550-365F-A906-0FA8-E00DDDD7D791}"/>
+              </a:ext>
+            </a:extLst>
+          </p:cNvPr>
+          <p:cNvSpPr txBox="1"/>
+          <p:nvPr/>
+        </p:nvSpPr>
+        <p:spPr>
+          <a:xfrm>
+            <a:off x="-10071" y="-4434"/>
+            <a:ext cx="12202071" cy="6862434"/>
+          </a:xfrm>
+          <a:prstGeom prst="rect">
+            <a:avLst/>
+          </a:prstGeom>
+          <a:noFill/>
+          <a:ln w="28575">
+            <a:solidFill>
+              <a:srgbClr val="FF0000"/>
+            </a:solidFill>
+          </a:ln>
+          <a:effectLst/>
+        </p:spPr>
+        <p:txBody>
+          <a:bodyPr wrap="none" anchor="ctr" anchorCtr="0">
+            <a:noAutofit/>
+          </a:bodyPr>
+          <a:lstStyle>
+            <a:defPPr>
+              <a:defRPr lang="LID4096"/>
+            </a:defPPr>
+          </a:lstStyle>
+          <a:p>
+            <a:endParaRPr lang="en-US" dirty="0"/>
+          </a:p>
+        </p:txBody>
+      </p:sp>
       <p:sp>
         <p:nvSpPr>
           <p:cNvPr id="8" name="TextBox 7">
@@ -23822,7 +24007,7 @@
         </p:nvSpPr>
         <p:spPr>
           <a:xfrm>
-            <a:off x="10851807" y="132474"/>
+            <a:off x="10882808" y="1189305"/>
             <a:ext cx="1079129" cy="651252"/>
           </a:xfrm>
           <a:prstGeom prst="rect">
@@ -24215,10 +24400,10 @@
       </p:sp>
       <p:sp>
         <p:nvSpPr>
-          <p:cNvPr id="9" name="TextBox 8">
-            <a:extLst>
-              <a:ext uri="{FF2B5EF4-FFF2-40B4-BE49-F238E27FC236}">
-                <a16:creationId xmlns:a16="http://schemas.microsoft.com/office/drawing/2014/main" id="{2BA37550-365F-A906-0FA8-E00DDDD7D791}"/>
+          <p:cNvPr id="12" name="TextBox 11">
+            <a:extLst>
+              <a:ext uri="{FF2B5EF4-FFF2-40B4-BE49-F238E27FC236}">
+                <a16:creationId xmlns:a16="http://schemas.microsoft.com/office/drawing/2014/main" id="{87E06CB5-9575-36F7-F0D9-0159C2960DBE}"/>
               </a:ext>
             </a:extLst>
           </p:cNvPr>
@@ -24227,31 +24412,25 @@
         </p:nvSpPr>
         <p:spPr>
           <a:xfrm>
-            <a:off x="-10071" y="-4434"/>
-            <a:ext cx="12202071" cy="6862434"/>
+            <a:off x="9801313" y="0"/>
+            <a:ext cx="2447925" cy="338554"/>
           </a:xfrm>
           <a:prstGeom prst="rect">
             <a:avLst/>
           </a:prstGeom>
           <a:noFill/>
-          <a:ln w="28575">
-            <a:solidFill>
-              <a:srgbClr val="FF0000"/>
-            </a:solidFill>
-          </a:ln>
-          <a:effectLst/>
         </p:spPr>
         <p:txBody>
-          <a:bodyPr wrap="none" anchor="ctr" anchorCtr="0">
-            <a:noAutofit/>
+          <a:bodyPr wrap="square">
+            <a:spAutoFit/>
           </a:bodyPr>
-          <a:lstStyle>
-            <a:defPPr>
-              <a:defRPr lang="LID4096"/>
-            </a:defPPr>
-          </a:lstStyle>
+          <a:lstStyle/>
           <a:p>
-            <a:endParaRPr lang="en-US" dirty="0"/>
+            <a:pPr algn="r"/>
+            <a:r>
+              <a:rPr lang="LID4096" sz="1600" b="1" dirty="0"/>
+              <a:t>pstfrom</a:t>
+            </a:r>
           </a:p>
         </p:txBody>
       </p:sp>
@@ -25682,6 +25861,42 @@
           </a:lstStyle>
           <a:p>
             <a:endParaRPr lang="en-US" dirty="0"/>
+          </a:p>
+        </p:txBody>
+      </p:sp>
+      <p:sp>
+        <p:nvSpPr>
+          <p:cNvPr id="3" name="TextBox 2">
+            <a:extLst>
+              <a:ext uri="{FF2B5EF4-FFF2-40B4-BE49-F238E27FC236}">
+                <a16:creationId xmlns:a16="http://schemas.microsoft.com/office/drawing/2014/main" id="{D0174A1A-171B-6876-83EC-EA3448C6C041}"/>
+              </a:ext>
+            </a:extLst>
+          </p:cNvPr>
+          <p:cNvSpPr txBox="1"/>
+          <p:nvPr/>
+        </p:nvSpPr>
+        <p:spPr>
+          <a:xfrm>
+            <a:off x="9801313" y="0"/>
+            <a:ext cx="2447925" cy="338554"/>
+          </a:xfrm>
+          <a:prstGeom prst="rect">
+            <a:avLst/>
+          </a:prstGeom>
+          <a:noFill/>
+        </p:spPr>
+        <p:txBody>
+          <a:bodyPr wrap="square">
+            <a:spAutoFit/>
+          </a:bodyPr>
+          <a:lstStyle/>
+          <a:p>
+            <a:pPr algn="r"/>
+            <a:r>
+              <a:rPr lang="LID4096" sz="1600" b="1" dirty="0"/>
+              <a:t>pstfrom</a:t>
+            </a:r>
           </a:p>
         </p:txBody>
       </p:sp>
@@ -30465,6 +30680,42 @@
           </p:spPr>
         </p:pic>
       </p:grpSp>
+      <p:sp>
+        <p:nvSpPr>
+          <p:cNvPr id="4" name="TextBox 3">
+            <a:extLst>
+              <a:ext uri="{FF2B5EF4-FFF2-40B4-BE49-F238E27FC236}">
+                <a16:creationId xmlns:a16="http://schemas.microsoft.com/office/drawing/2014/main" id="{66B3EC1A-1477-1AC9-A19C-BDF7FF5B003C}"/>
+              </a:ext>
+            </a:extLst>
+          </p:cNvPr>
+          <p:cNvSpPr txBox="1"/>
+          <p:nvPr/>
+        </p:nvSpPr>
+        <p:spPr>
+          <a:xfrm>
+            <a:off x="9801313" y="0"/>
+            <a:ext cx="2447925" cy="338554"/>
+          </a:xfrm>
+          <a:prstGeom prst="rect">
+            <a:avLst/>
+          </a:prstGeom>
+          <a:noFill/>
+        </p:spPr>
+        <p:txBody>
+          <a:bodyPr wrap="square">
+            <a:spAutoFit/>
+          </a:bodyPr>
+          <a:lstStyle/>
+          <a:p>
+            <a:pPr algn="r"/>
+            <a:r>
+              <a:rPr lang="LID4096" sz="1600" b="1" dirty="0"/>
+              <a:t>pstfrom</a:t>
+            </a:r>
+          </a:p>
+        </p:txBody>
+      </p:sp>
     </p:spTree>
     <p:extLst>
       <p:ext uri="{BB962C8B-B14F-4D97-AF65-F5344CB8AC3E}">
@@ -31629,6 +31880,42 @@
           </a:lstStyle>
           <a:p>
             <a:endParaRPr lang="en-US" dirty="0"/>
+          </a:p>
+        </p:txBody>
+      </p:sp>
+      <p:sp>
+        <p:nvSpPr>
+          <p:cNvPr id="5" name="TextBox 4">
+            <a:extLst>
+              <a:ext uri="{FF2B5EF4-FFF2-40B4-BE49-F238E27FC236}">
+                <a16:creationId xmlns:a16="http://schemas.microsoft.com/office/drawing/2014/main" id="{C99BE115-5E16-B256-B2EC-C16127411FE4}"/>
+              </a:ext>
+            </a:extLst>
+          </p:cNvPr>
+          <p:cNvSpPr txBox="1"/>
+          <p:nvPr/>
+        </p:nvSpPr>
+        <p:spPr>
+          <a:xfrm>
+            <a:off x="9801313" y="0"/>
+            <a:ext cx="2447925" cy="338554"/>
+          </a:xfrm>
+          <a:prstGeom prst="rect">
+            <a:avLst/>
+          </a:prstGeom>
+          <a:noFill/>
+        </p:spPr>
+        <p:txBody>
+          <a:bodyPr wrap="square">
+            <a:spAutoFit/>
+          </a:bodyPr>
+          <a:lstStyle/>
+          <a:p>
+            <a:pPr algn="r"/>
+            <a:r>
+              <a:rPr lang="LID4096" sz="1600" b="1" dirty="0"/>
+              <a:t>pstfrom</a:t>
+            </a:r>
           </a:p>
         </p:txBody>
       </p:sp>

--- a/00_Follow_up__activities.pptx
+++ b/00_Follow_up__activities.pptx
@@ -15,12 +15,13 @@
     <p:sldId id="270" r:id="rId9"/>
     <p:sldId id="272" r:id="rId10"/>
     <p:sldId id="271" r:id="rId11"/>
-    <p:sldId id="273" r:id="rId12"/>
-    <p:sldId id="275" r:id="rId13"/>
-    <p:sldId id="276" r:id="rId14"/>
-    <p:sldId id="274" r:id="rId15"/>
-    <p:sldId id="277" r:id="rId16"/>
-    <p:sldId id="278" r:id="rId17"/>
+    <p:sldId id="279" r:id="rId12"/>
+    <p:sldId id="273" r:id="rId13"/>
+    <p:sldId id="275" r:id="rId14"/>
+    <p:sldId id="276" r:id="rId15"/>
+    <p:sldId id="274" r:id="rId16"/>
+    <p:sldId id="277" r:id="rId17"/>
+    <p:sldId id="278" r:id="rId18"/>
   </p:sldIdLst>
   <p:sldSz cx="12192000" cy="6858000"/>
   <p:notesSz cx="6858000" cy="9144000"/>
@@ -4994,8 +4995,8 @@
         </p:nvSpPr>
         <p:spPr>
           <a:xfrm>
-            <a:off x="37664" y="0"/>
-            <a:ext cx="12153669" cy="6858000"/>
+            <a:off x="0" y="0"/>
+            <a:ext cx="12191334" cy="6858000"/>
           </a:xfrm>
           <a:prstGeom prst="rect">
             <a:avLst/>
@@ -5044,7 +5045,7 @@
         </p:blipFill>
         <p:spPr>
           <a:xfrm>
-            <a:off x="-10740" y="0"/>
+            <a:off x="23444" y="17092"/>
             <a:ext cx="7541085" cy="6794917"/>
           </a:xfrm>
           <a:prstGeom prst="rect">
@@ -6124,6 +6125,125 @@
 </file>
 
 <file path=ppt/slides/slide11.xml><?xml version="1.0" encoding="utf-8"?>
+<p:sld xmlns:a="http://schemas.openxmlformats.org/drawingml/2006/main" xmlns:r="http://schemas.openxmlformats.org/officeDocument/2006/relationships" xmlns:p="http://schemas.openxmlformats.org/presentationml/2006/main">
+  <p:cSld>
+    <p:bg>
+      <p:bgPr>
+        <a:solidFill>
+          <a:schemeClr val="accent4">
+            <a:lumMod val="20000"/>
+            <a:lumOff val="80000"/>
+          </a:schemeClr>
+        </a:solidFill>
+        <a:effectLst/>
+      </p:bgPr>
+    </p:bg>
+    <p:spTree>
+      <p:nvGrpSpPr>
+        <p:cNvPr id="1" name="">
+          <a:extLst>
+            <a:ext uri="{FF2B5EF4-FFF2-40B4-BE49-F238E27FC236}">
+              <a16:creationId xmlns:a16="http://schemas.microsoft.com/office/drawing/2014/main" id="{81B9E879-30B3-DB94-3ACE-4420C436593B}"/>
+            </a:ext>
+          </a:extLst>
+        </p:cNvPr>
+        <p:cNvGrpSpPr/>
+        <p:nvPr/>
+      </p:nvGrpSpPr>
+      <p:grpSpPr>
+        <a:xfrm>
+          <a:off x="0" y="0"/>
+          <a:ext cx="0" cy="0"/>
+          <a:chOff x="0" y="0"/>
+          <a:chExt cx="0" cy="0"/>
+        </a:xfrm>
+      </p:grpSpPr>
+      <p:sp>
+        <p:nvSpPr>
+          <p:cNvPr id="2" name="TextBox 1">
+            <a:extLst>
+              <a:ext uri="{FF2B5EF4-FFF2-40B4-BE49-F238E27FC236}">
+                <a16:creationId xmlns:a16="http://schemas.microsoft.com/office/drawing/2014/main" id="{60F0EDFA-1ECF-075E-235F-36194EA9A958}"/>
+              </a:ext>
+            </a:extLst>
+          </p:cNvPr>
+          <p:cNvSpPr txBox="1"/>
+          <p:nvPr/>
+        </p:nvSpPr>
+        <p:spPr>
+          <a:xfrm>
+            <a:off x="8016942" y="2254262"/>
+            <a:ext cx="2795725" cy="369332"/>
+          </a:xfrm>
+          <a:prstGeom prst="rect">
+            <a:avLst/>
+          </a:prstGeom>
+          <a:noFill/>
+        </p:spPr>
+        <p:txBody>
+          <a:bodyPr wrap="square">
+            <a:spAutoFit/>
+          </a:bodyPr>
+          <a:lstStyle/>
+          <a:p>
+            <a:pPr algn="r"/>
+            <a:r>
+              <a:rPr lang="en-US" b="1" dirty="0"/>
+              <a:t>2º Summary</a:t>
+            </a:r>
+          </a:p>
+        </p:txBody>
+      </p:sp>
+      <p:sp>
+        <p:nvSpPr>
+          <p:cNvPr id="5" name="TextBox 4">
+            <a:extLst>
+              <a:ext uri="{FF2B5EF4-FFF2-40B4-BE49-F238E27FC236}">
+                <a16:creationId xmlns:a16="http://schemas.microsoft.com/office/drawing/2014/main" id="{CE3537FF-5AE3-4C03-2EAE-671547287184}"/>
+              </a:ext>
+            </a:extLst>
+          </p:cNvPr>
+          <p:cNvSpPr txBox="1"/>
+          <p:nvPr/>
+        </p:nvSpPr>
+        <p:spPr>
+          <a:xfrm>
+            <a:off x="9801313" y="0"/>
+            <a:ext cx="2447925" cy="338554"/>
+          </a:xfrm>
+          <a:prstGeom prst="rect">
+            <a:avLst/>
+          </a:prstGeom>
+          <a:noFill/>
+        </p:spPr>
+        <p:txBody>
+          <a:bodyPr wrap="square">
+            <a:spAutoFit/>
+          </a:bodyPr>
+          <a:lstStyle/>
+          <a:p>
+            <a:pPr algn="r"/>
+            <a:r>
+              <a:rPr lang="LID4096" sz="1600" b="1" dirty="0"/>
+              <a:t>pstfrom</a:t>
+            </a:r>
+          </a:p>
+        </p:txBody>
+      </p:sp>
+    </p:spTree>
+    <p:extLst>
+      <p:ext uri="{BB962C8B-B14F-4D97-AF65-F5344CB8AC3E}">
+        <p14:creationId xmlns:p14="http://schemas.microsoft.com/office/powerpoint/2010/main" val="3611044965"/>
+      </p:ext>
+    </p:extLst>
+  </p:cSld>
+  <p:clrMapOvr>
+    <a:masterClrMapping/>
+  </p:clrMapOvr>
+</p:sld>
+</file>
+
+<file path=ppt/slides/slide12.xml><?xml version="1.0" encoding="utf-8"?>
 <p:sld xmlns:a="http://schemas.openxmlformats.org/drawingml/2006/main" xmlns:r="http://schemas.openxmlformats.org/officeDocument/2006/relationships" xmlns:p="http://schemas.openxmlformats.org/presentationml/2006/main">
   <p:cSld>
     <p:bg>
@@ -7278,6 +7398,9 @@
             <a:prstGeom prst="star5">
               <a:avLst/>
             </a:prstGeom>
+            <a:solidFill>
+              <a:srgbClr val="FFFF00"/>
+            </a:solidFill>
           </p:spPr>
           <p:style>
             <a:lnRef idx="2">
@@ -8658,6 +8781,9 @@
           <a:prstGeom prst="star5">
             <a:avLst/>
           </a:prstGeom>
+          <a:solidFill>
+            <a:srgbClr val="FFFF00"/>
+          </a:solidFill>
         </p:spPr>
         <p:style>
           <a:lnRef idx="2">
@@ -8805,6 +8931,51 @@
           </a:p>
         </p:txBody>
       </p:sp>
+      <p:sp>
+        <p:nvSpPr>
+          <p:cNvPr id="3" name="TextBox 2">
+            <a:extLst>
+              <a:ext uri="{FF2B5EF4-FFF2-40B4-BE49-F238E27FC236}">
+                <a16:creationId xmlns:a16="http://schemas.microsoft.com/office/drawing/2014/main" id="{9E82135B-5F25-E126-0628-C3C89E4411FB}"/>
+              </a:ext>
+            </a:extLst>
+          </p:cNvPr>
+          <p:cNvSpPr txBox="1"/>
+          <p:nvPr/>
+        </p:nvSpPr>
+        <p:spPr>
+          <a:xfrm>
+            <a:off x="9353550" y="2254262"/>
+            <a:ext cx="1459117" cy="369332"/>
+          </a:xfrm>
+          <a:prstGeom prst="rect">
+            <a:avLst/>
+          </a:prstGeom>
+          <a:solidFill>
+            <a:schemeClr val="tx1">
+              <a:lumMod val="50000"/>
+              <a:lumOff val="50000"/>
+            </a:schemeClr>
+          </a:solidFill>
+        </p:spPr>
+        <p:txBody>
+          <a:bodyPr wrap="square">
+            <a:spAutoFit/>
+          </a:bodyPr>
+          <a:lstStyle/>
+          <a:p>
+            <a:pPr algn="r"/>
+            <a:r>
+              <a:rPr lang="en-US" b="1" dirty="0">
+                <a:solidFill>
+                  <a:schemeClr val="bg1"/>
+                </a:solidFill>
+              </a:rPr>
+              <a:t>comparison</a:t>
+            </a:r>
+          </a:p>
+        </p:txBody>
+      </p:sp>
     </p:spTree>
     <p:extLst>
       <p:ext uri="{BB962C8B-B14F-4D97-AF65-F5344CB8AC3E}">
@@ -8818,7 +8989,7 @@
 </p:sld>
 </file>
 
-<file path=ppt/slides/slide12.xml><?xml version="1.0" encoding="utf-8"?>
+<file path=ppt/slides/slide13.xml><?xml version="1.0" encoding="utf-8"?>
 <p:sld xmlns:a="http://schemas.openxmlformats.org/drawingml/2006/main" xmlns:r="http://schemas.openxmlformats.org/officeDocument/2006/relationships" xmlns:p="http://schemas.openxmlformats.org/presentationml/2006/main">
   <p:cSld>
     <p:bg>
@@ -9196,6 +9367,11 @@
           <a:prstGeom prst="rect">
             <a:avLst/>
           </a:prstGeom>
+          <a:ln>
+            <a:solidFill>
+              <a:schemeClr val="tx1"/>
+            </a:solidFill>
+          </a:ln>
         </p:spPr>
       </p:pic>
       <p:grpSp>
@@ -10381,7 +10557,7 @@
 </p:sld>
 </file>
 
-<file path=ppt/slides/slide13.xml><?xml version="1.0" encoding="utf-8"?>
+<file path=ppt/slides/slide14.xml><?xml version="1.0" encoding="utf-8"?>
 <p:sld xmlns:a="http://schemas.openxmlformats.org/drawingml/2006/main" xmlns:r="http://schemas.openxmlformats.org/officeDocument/2006/relationships" xmlns:p="http://schemas.openxmlformats.org/presentationml/2006/main">
   <p:cSld>
     <p:bg>
@@ -11002,7 +11178,7 @@
 </p:sld>
 </file>
 
-<file path=ppt/slides/slide14.xml><?xml version="1.0" encoding="utf-8"?>
+<file path=ppt/slides/slide15.xml><?xml version="1.0" encoding="utf-8"?>
 <p:sld xmlns:a="http://schemas.openxmlformats.org/drawingml/2006/main" xmlns:r="http://schemas.openxmlformats.org/officeDocument/2006/relationships" xmlns:p="http://schemas.openxmlformats.org/presentationml/2006/main">
   <p:cSld>
     <p:spTree>
@@ -11169,10 +11345,10 @@
         </p:nvGrpSpPr>
         <p:grpSpPr>
           <a:xfrm>
-            <a:off x="358299" y="3651324"/>
-            <a:ext cx="6487155" cy="3058668"/>
-            <a:chOff x="358299" y="3651324"/>
-            <a:chExt cx="6487155" cy="3058668"/>
+            <a:off x="358299" y="3625516"/>
+            <a:ext cx="6487155" cy="3084476"/>
+            <a:chOff x="358299" y="3625516"/>
+            <a:chExt cx="6487155" cy="3084476"/>
           </a:xfrm>
         </p:grpSpPr>
         <p:grpSp>
@@ -11772,10 +11948,10 @@
           </p:nvGrpSpPr>
           <p:grpSpPr>
             <a:xfrm>
-              <a:off x="358299" y="3903805"/>
-              <a:ext cx="2211039" cy="2454788"/>
-              <a:chOff x="121352" y="3862915"/>
-              <a:chExt cx="2211039" cy="2454788"/>
+              <a:off x="358299" y="3625516"/>
+              <a:ext cx="4529829" cy="2733077"/>
+              <a:chOff x="121352" y="3584626"/>
+              <a:chExt cx="4529829" cy="2733077"/>
             </a:xfrm>
           </p:grpSpPr>
           <p:sp>
@@ -11794,8 +11970,8 @@
             </p:nvSpPr>
             <p:spPr>
               <a:xfrm>
-                <a:off x="138602" y="4244864"/>
-                <a:ext cx="281830" cy="273747"/>
+                <a:off x="4266000" y="3584626"/>
+                <a:ext cx="385181" cy="273747"/>
               </a:xfrm>
               <a:prstGeom prst="rect">
                 <a:avLst/>
@@ -11816,7 +11992,7 @@
                 <a:pPr algn="ctr"/>
                 <a:r>
                   <a:rPr lang="pt-BR" sz="1500" b="1" dirty="0"/>
-                  <a:t>03</a:t>
+                  <a:t>03.1</a:t>
                 </a:r>
                 <a:endParaRPr lang="LID4096" sz="1500" b="1" dirty="0"/>
               </a:p>
@@ -14266,51 +14442,6 @@
       </p:sp>
       <p:sp>
         <p:nvSpPr>
-          <p:cNvPr id="15" name="TextBox 14">
-            <a:extLst>
-              <a:ext uri="{FF2B5EF4-FFF2-40B4-BE49-F238E27FC236}">
-                <a16:creationId xmlns:a16="http://schemas.microsoft.com/office/drawing/2014/main" id="{A9DF7049-590F-8C26-48A5-34FB26EA360C}"/>
-              </a:ext>
-            </a:extLst>
-          </p:cNvPr>
-          <p:cNvSpPr txBox="1"/>
-          <p:nvPr/>
-        </p:nvSpPr>
-        <p:spPr>
-          <a:xfrm>
-            <a:off x="6904499" y="5052772"/>
-            <a:ext cx="168850" cy="110038"/>
-          </a:xfrm>
-          <a:prstGeom prst="rect">
-            <a:avLst/>
-          </a:prstGeom>
-          <a:solidFill>
-            <a:srgbClr val="93E3FF"/>
-          </a:solidFill>
-        </p:spPr>
-        <p:txBody>
-          <a:bodyPr wrap="none" lIns="0" tIns="0" rIns="0" bIns="0" rtlCol="0" anchor="ctr" anchorCtr="0">
-            <a:noAutofit/>
-          </a:bodyPr>
-          <a:lstStyle/>
-          <a:p>
-            <a:pPr algn="ctr"/>
-            <a:r>
-              <a:rPr lang="pt-BR" sz="1400" b="1" dirty="0">
-                <a:latin typeface="Calibri bold" panose="020F0702030404030204" pitchFamily="34" charset="0"/>
-                <a:cs typeface="Calibri bold" panose="020F0702030404030204" pitchFamily="34" charset="0"/>
-              </a:rPr>
-              <a:t>s</a:t>
-            </a:r>
-            <a:endParaRPr lang="LID4096" sz="1400" b="1" dirty="0">
-              <a:latin typeface="Calibri bold" panose="020F0702030404030204" pitchFamily="34" charset="0"/>
-              <a:cs typeface="Calibri bold" panose="020F0702030404030204" pitchFamily="34" charset="0"/>
-            </a:endParaRPr>
-          </a:p>
-        </p:txBody>
-      </p:sp>
-      <p:sp>
-        <p:nvSpPr>
           <p:cNvPr id="16" name="TextBox 15">
             <a:extLst>
               <a:ext uri="{FF2B5EF4-FFF2-40B4-BE49-F238E27FC236}">
@@ -14585,6 +14716,139 @@
           </a:p>
         </p:txBody>
       </p:sp>
+      <p:sp>
+        <p:nvSpPr>
+          <p:cNvPr id="11" name="TextBox 10">
+            <a:extLst>
+              <a:ext uri="{FF2B5EF4-FFF2-40B4-BE49-F238E27FC236}">
+                <a16:creationId xmlns:a16="http://schemas.microsoft.com/office/drawing/2014/main" id="{972F5AAC-2CEB-19A7-6735-10C3DDCA7CDB}"/>
+              </a:ext>
+            </a:extLst>
+          </p:cNvPr>
+          <p:cNvSpPr txBox="1">
+            <a:spLocks noChangeAspect="1"/>
+          </p:cNvSpPr>
+          <p:nvPr/>
+        </p:nvSpPr>
+        <p:spPr>
+          <a:xfrm>
+            <a:off x="4504359" y="4933685"/>
+            <a:ext cx="385181" cy="273747"/>
+          </a:xfrm>
+          <a:prstGeom prst="rect">
+            <a:avLst/>
+          </a:prstGeom>
+          <a:solidFill>
+            <a:schemeClr val="accent6">
+              <a:lumMod val="60000"/>
+              <a:lumOff val="40000"/>
+            </a:schemeClr>
+          </a:solidFill>
+        </p:spPr>
+        <p:txBody>
+          <a:bodyPr wrap="none" lIns="0" tIns="0" rIns="0" bIns="0" anchor="ctr" anchorCtr="0">
+            <a:noAutofit/>
+          </a:bodyPr>
+          <a:lstStyle/>
+          <a:p>
+            <a:pPr algn="ctr"/>
+            <a:r>
+              <a:rPr lang="pt-BR" sz="1500" b="1" dirty="0"/>
+              <a:t>03.2</a:t>
+            </a:r>
+            <a:endParaRPr lang="LID4096" sz="1500" b="1" dirty="0"/>
+          </a:p>
+        </p:txBody>
+      </p:sp>
+      <p:sp>
+        <p:nvSpPr>
+          <p:cNvPr id="20" name="TextBox 19">
+            <a:extLst>
+              <a:ext uri="{FF2B5EF4-FFF2-40B4-BE49-F238E27FC236}">
+                <a16:creationId xmlns:a16="http://schemas.microsoft.com/office/drawing/2014/main" id="{CC8FFD57-2496-75AF-59AF-BAE236B9BC4A}"/>
+              </a:ext>
+            </a:extLst>
+          </p:cNvPr>
+          <p:cNvSpPr txBox="1">
+            <a:spLocks noChangeAspect="1"/>
+          </p:cNvSpPr>
+          <p:nvPr/>
+        </p:nvSpPr>
+        <p:spPr>
+          <a:xfrm>
+            <a:off x="6435831" y="5229632"/>
+            <a:ext cx="385181" cy="273747"/>
+          </a:xfrm>
+          <a:prstGeom prst="rect">
+            <a:avLst/>
+          </a:prstGeom>
+          <a:solidFill>
+            <a:schemeClr val="accent6">
+              <a:lumMod val="60000"/>
+              <a:lumOff val="40000"/>
+            </a:schemeClr>
+          </a:solidFill>
+        </p:spPr>
+        <p:txBody>
+          <a:bodyPr wrap="none" lIns="0" tIns="0" rIns="0" bIns="0" anchor="ctr" anchorCtr="0">
+            <a:noAutofit/>
+          </a:bodyPr>
+          <a:lstStyle/>
+          <a:p>
+            <a:pPr algn="ctr"/>
+            <a:r>
+              <a:rPr lang="pt-BR" sz="1500" b="1" dirty="0"/>
+              <a:t>03.3</a:t>
+            </a:r>
+            <a:endParaRPr lang="LID4096" sz="1500" b="1" dirty="0"/>
+          </a:p>
+        </p:txBody>
+      </p:sp>
+      <p:sp>
+        <p:nvSpPr>
+          <p:cNvPr id="21" name="TextBox 20">
+            <a:extLst>
+              <a:ext uri="{FF2B5EF4-FFF2-40B4-BE49-F238E27FC236}">
+                <a16:creationId xmlns:a16="http://schemas.microsoft.com/office/drawing/2014/main" id="{A9DF7049-590F-8C26-48A5-34FB26EA360C}"/>
+              </a:ext>
+            </a:extLst>
+          </p:cNvPr>
+          <p:cNvSpPr txBox="1"/>
+          <p:nvPr/>
+        </p:nvSpPr>
+        <p:spPr>
+          <a:xfrm>
+            <a:off x="6736587" y="5437858"/>
+            <a:ext cx="168850" cy="110038"/>
+          </a:xfrm>
+          <a:prstGeom prst="rect">
+            <a:avLst/>
+          </a:prstGeom>
+          <a:solidFill>
+            <a:srgbClr val="93E3FF"/>
+          </a:solidFill>
+        </p:spPr>
+        <p:txBody>
+          <a:bodyPr wrap="none" lIns="0" tIns="0" rIns="0" bIns="0" rtlCol="0" anchor="ctr" anchorCtr="0">
+            <a:noAutofit/>
+          </a:bodyPr>
+          <a:lstStyle/>
+          <a:p>
+            <a:pPr algn="ctr"/>
+            <a:r>
+              <a:rPr lang="pt-BR" sz="1400" b="1" dirty="0">
+                <a:latin typeface="Calibri bold" panose="020F0702030404030204" pitchFamily="34" charset="0"/>
+                <a:cs typeface="Calibri bold" panose="020F0702030404030204" pitchFamily="34" charset="0"/>
+              </a:rPr>
+              <a:t>s</a:t>
+            </a:r>
+            <a:endParaRPr lang="LID4096" sz="1400" b="1" dirty="0">
+              <a:latin typeface="Calibri bold" panose="020F0702030404030204" pitchFamily="34" charset="0"/>
+              <a:cs typeface="Calibri bold" panose="020F0702030404030204" pitchFamily="34" charset="0"/>
+            </a:endParaRPr>
+          </a:p>
+        </p:txBody>
+      </p:sp>
     </p:spTree>
     <p:extLst>
       <p:ext uri="{BB962C8B-B14F-4D97-AF65-F5344CB8AC3E}">
@@ -14598,7 +14862,7 @@
 </p:sld>
 </file>
 
-<file path=ppt/slides/slide15.xml><?xml version="1.0" encoding="utf-8"?>
+<file path=ppt/slides/slide16.xml><?xml version="1.0" encoding="utf-8"?>
 <p:sld xmlns:a="http://schemas.openxmlformats.org/drawingml/2006/main" xmlns:r="http://schemas.openxmlformats.org/officeDocument/2006/relationships" xmlns:p="http://schemas.openxmlformats.org/presentationml/2006/main">
   <p:cSld>
     <p:spTree>
@@ -15317,7 +15581,7 @@
 </p:sld>
 </file>
 
-<file path=ppt/slides/slide16.xml><?xml version="1.0" encoding="utf-8"?>
+<file path=ppt/slides/slide17.xml><?xml version="1.0" encoding="utf-8"?>
 <p:sld xmlns:a="http://schemas.openxmlformats.org/drawingml/2006/main" xmlns:r="http://schemas.openxmlformats.org/officeDocument/2006/relationships" xmlns:p="http://schemas.openxmlformats.org/presentationml/2006/main">
   <p:cSld>
     <p:spTree>
@@ -15835,9 +16099,8 @@
             <a:avLst/>
           </a:prstGeom>
           <a:solidFill>
-            <a:schemeClr val="accent2">
-              <a:lumMod val="20000"/>
-              <a:lumOff val="80000"/>
+            <a:schemeClr val="bg1">
+              <a:lumMod val="95000"/>
             </a:schemeClr>
           </a:solidFill>
           <a:ln>
@@ -15945,8 +16208,8 @@
         </p:nvSpPr>
         <p:spPr>
           <a:xfrm>
-            <a:off x="4717279" y="1160971"/>
-            <a:ext cx="1128133" cy="287837"/>
+            <a:off x="6237653" y="159573"/>
+            <a:ext cx="1582763" cy="287837"/>
           </a:xfrm>
           <a:prstGeom prst="rect">
             <a:avLst/>
@@ -15965,7 +16228,7 @@
           <a:p>
             <a:pPr algn="ctr"/>
             <a:r>
-              <a:rPr lang="en-US" sz="1200" b="1" dirty="0"/>
+              <a:rPr lang="en-US" sz="1600" b="1" dirty="0"/>
               <a:t>1.3 intro pyEMU</a:t>
             </a:r>
           </a:p>
@@ -16056,6 +16319,111 @@
           <a:lstStyle/>
           <a:p>
             <a:endParaRPr lang="LID4096" dirty="0"/>
+          </a:p>
+        </p:txBody>
+      </p:sp>
+      <p:sp>
+        <p:nvSpPr>
+          <p:cNvPr id="11" name="TextBox 10">
+            <a:extLst>
+              <a:ext uri="{FF2B5EF4-FFF2-40B4-BE49-F238E27FC236}">
+                <a16:creationId xmlns:a16="http://schemas.microsoft.com/office/drawing/2014/main" id="{AC5191A8-D6CF-BD8F-0993-06F5B9C59700}"/>
+              </a:ext>
+            </a:extLst>
+          </p:cNvPr>
+          <p:cNvSpPr txBox="1"/>
+          <p:nvPr/>
+        </p:nvSpPr>
+        <p:spPr>
+          <a:xfrm>
+            <a:off x="8376514" y="308162"/>
+            <a:ext cx="3575208" cy="1477328"/>
+          </a:xfrm>
+          <a:prstGeom prst="rect">
+            <a:avLst/>
+          </a:prstGeom>
+          <a:noFill/>
+        </p:spPr>
+        <p:txBody>
+          <a:bodyPr wrap="square">
+            <a:spAutoFit/>
+          </a:bodyPr>
+          <a:lstStyle/>
+          <a:p>
+            <a:r>
+              <a:rPr lang="LID4096" dirty="0"/>
+              <a:t>http://localhost:8888/notebooks/01_GMDSI_____advanced/01_Tutorials___AGAIN___/a_part0_intro_to_pyemu______ok/intro_to_pyemu________.ipynb#Geostatistics-=-PPCOV</a:t>
+            </a:r>
+          </a:p>
+        </p:txBody>
+      </p:sp>
+      <p:sp>
+        <p:nvSpPr>
+          <p:cNvPr id="15" name="TextBox 14">
+            <a:extLst>
+              <a:ext uri="{FF2B5EF4-FFF2-40B4-BE49-F238E27FC236}">
+                <a16:creationId xmlns:a16="http://schemas.microsoft.com/office/drawing/2014/main" id="{7A4D963A-522D-7203-0296-AABFFA1C4B68}"/>
+              </a:ext>
+            </a:extLst>
+          </p:cNvPr>
+          <p:cNvSpPr txBox="1"/>
+          <p:nvPr/>
+        </p:nvSpPr>
+        <p:spPr>
+          <a:xfrm>
+            <a:off x="9391801" y="2369288"/>
+            <a:ext cx="1892419" cy="2308324"/>
+          </a:xfrm>
+          <a:prstGeom prst="rect">
+            <a:avLst/>
+          </a:prstGeom>
+          <a:noFill/>
+        </p:spPr>
+        <p:txBody>
+          <a:bodyPr wrap="square">
+            <a:spAutoFit/>
+          </a:bodyPr>
+          <a:lstStyle/>
+          <a:p>
+            <a:r>
+              <a:rPr lang="LID4096" dirty="0"/>
+              <a:t>## `First Order, Second Moment (FOSM)`_ Linear Analysis + forecasts _&lt;font color='red'&gt; Recording __*.cov &lt;/font&gt; </a:t>
+            </a:r>
+          </a:p>
+        </p:txBody>
+      </p:sp>
+      <p:sp>
+        <p:nvSpPr>
+          <p:cNvPr id="20" name="TextBox 19">
+            <a:extLst>
+              <a:ext uri="{FF2B5EF4-FFF2-40B4-BE49-F238E27FC236}">
+                <a16:creationId xmlns:a16="http://schemas.microsoft.com/office/drawing/2014/main" id="{1C9780D4-414E-00EF-5071-A8F726AAA4D0}"/>
+              </a:ext>
+            </a:extLst>
+          </p:cNvPr>
+          <p:cNvSpPr txBox="1"/>
+          <p:nvPr/>
+        </p:nvSpPr>
+        <p:spPr>
+          <a:xfrm>
+            <a:off x="8716235" y="5306141"/>
+            <a:ext cx="2841000" cy="923330"/>
+          </a:xfrm>
+          <a:prstGeom prst="rect">
+            <a:avLst/>
+          </a:prstGeom>
+          <a:noFill/>
+        </p:spPr>
+        <p:txBody>
+          <a:bodyPr wrap="square">
+            <a:spAutoFit/>
+          </a:bodyPr>
+          <a:lstStyle/>
+          <a:p>
+            <a:r>
+              <a:rPr lang="LID4096" dirty="0"/>
+              <a:t># Previous Ensemble &lt;font color='red'&gt; possible issue &lt;/font&gt;  shutil.rmtree(t_d)</a:t>
+            </a:r>
           </a:p>
         </p:txBody>
       </p:sp>

--- a/00_Follow_up__activities.pptx
+++ b/00_Follow_up__activities.pptx
@@ -6,22 +6,23 @@
   </p:sldMasterIdLst>
   <p:sldIdLst>
     <p:sldId id="261" r:id="rId2"/>
-    <p:sldId id="266" r:id="rId3"/>
-    <p:sldId id="264" r:id="rId4"/>
-    <p:sldId id="265" r:id="rId5"/>
-    <p:sldId id="267" r:id="rId6"/>
-    <p:sldId id="269" r:id="rId7"/>
-    <p:sldId id="262" r:id="rId8"/>
-    <p:sldId id="270" r:id="rId9"/>
-    <p:sldId id="272" r:id="rId10"/>
-    <p:sldId id="271" r:id="rId11"/>
-    <p:sldId id="279" r:id="rId12"/>
-    <p:sldId id="273" r:id="rId13"/>
-    <p:sldId id="275" r:id="rId14"/>
-    <p:sldId id="276" r:id="rId15"/>
-    <p:sldId id="274" r:id="rId16"/>
-    <p:sldId id="277" r:id="rId17"/>
-    <p:sldId id="278" r:id="rId18"/>
+    <p:sldId id="280" r:id="rId3"/>
+    <p:sldId id="266" r:id="rId4"/>
+    <p:sldId id="264" r:id="rId5"/>
+    <p:sldId id="265" r:id="rId6"/>
+    <p:sldId id="267" r:id="rId7"/>
+    <p:sldId id="269" r:id="rId8"/>
+    <p:sldId id="262" r:id="rId9"/>
+    <p:sldId id="270" r:id="rId10"/>
+    <p:sldId id="272" r:id="rId11"/>
+    <p:sldId id="271" r:id="rId12"/>
+    <p:sldId id="279" r:id="rId13"/>
+    <p:sldId id="273" r:id="rId14"/>
+    <p:sldId id="275" r:id="rId15"/>
+    <p:sldId id="276" r:id="rId16"/>
+    <p:sldId id="274" r:id="rId17"/>
+    <p:sldId id="277" r:id="rId18"/>
+    <p:sldId id="278" r:id="rId19"/>
   </p:sldIdLst>
   <p:sldSz cx="12192000" cy="6858000"/>
   <p:notesSz cx="6858000" cy="9144000"/>
@@ -277,7 +278,7 @@
           <a:p>
             <a:fld id="{830943F9-8AC6-4393-AEEF-D45C2A43C7C7}" type="datetimeFigureOut">
               <a:rPr lang="LID4096" smtClean="0"/>
-              <a:t>01/03/2025</a:t>
+              <a:t>01/04/2025</a:t>
             </a:fld>
             <a:endParaRPr lang="LID4096"/>
           </a:p>
@@ -477,7 +478,7 @@
           <a:p>
             <a:fld id="{830943F9-8AC6-4393-AEEF-D45C2A43C7C7}" type="datetimeFigureOut">
               <a:rPr lang="LID4096" smtClean="0"/>
-              <a:t>01/03/2025</a:t>
+              <a:t>01/04/2025</a:t>
             </a:fld>
             <a:endParaRPr lang="LID4096"/>
           </a:p>
@@ -687,7 +688,7 @@
           <a:p>
             <a:fld id="{830943F9-8AC6-4393-AEEF-D45C2A43C7C7}" type="datetimeFigureOut">
               <a:rPr lang="LID4096" smtClean="0"/>
-              <a:t>01/03/2025</a:t>
+              <a:t>01/04/2025</a:t>
             </a:fld>
             <a:endParaRPr lang="LID4096"/>
           </a:p>
@@ -887,7 +888,7 @@
           <a:p>
             <a:fld id="{830943F9-8AC6-4393-AEEF-D45C2A43C7C7}" type="datetimeFigureOut">
               <a:rPr lang="LID4096" smtClean="0"/>
-              <a:t>01/03/2025</a:t>
+              <a:t>01/04/2025</a:t>
             </a:fld>
             <a:endParaRPr lang="LID4096"/>
           </a:p>
@@ -1163,7 +1164,7 @@
           <a:p>
             <a:fld id="{830943F9-8AC6-4393-AEEF-D45C2A43C7C7}" type="datetimeFigureOut">
               <a:rPr lang="LID4096" smtClean="0"/>
-              <a:t>01/03/2025</a:t>
+              <a:t>01/04/2025</a:t>
             </a:fld>
             <a:endParaRPr lang="LID4096"/>
           </a:p>
@@ -1431,7 +1432,7 @@
           <a:p>
             <a:fld id="{830943F9-8AC6-4393-AEEF-D45C2A43C7C7}" type="datetimeFigureOut">
               <a:rPr lang="LID4096" smtClean="0"/>
-              <a:t>01/03/2025</a:t>
+              <a:t>01/04/2025</a:t>
             </a:fld>
             <a:endParaRPr lang="LID4096"/>
           </a:p>
@@ -1846,7 +1847,7 @@
           <a:p>
             <a:fld id="{830943F9-8AC6-4393-AEEF-D45C2A43C7C7}" type="datetimeFigureOut">
               <a:rPr lang="LID4096" smtClean="0"/>
-              <a:t>01/03/2025</a:t>
+              <a:t>01/04/2025</a:t>
             </a:fld>
             <a:endParaRPr lang="LID4096"/>
           </a:p>
@@ -1988,7 +1989,7 @@
           <a:p>
             <a:fld id="{830943F9-8AC6-4393-AEEF-D45C2A43C7C7}" type="datetimeFigureOut">
               <a:rPr lang="LID4096" smtClean="0"/>
-              <a:t>01/03/2025</a:t>
+              <a:t>01/04/2025</a:t>
             </a:fld>
             <a:endParaRPr lang="LID4096"/>
           </a:p>
@@ -2101,7 +2102,7 @@
           <a:p>
             <a:fld id="{830943F9-8AC6-4393-AEEF-D45C2A43C7C7}" type="datetimeFigureOut">
               <a:rPr lang="LID4096" smtClean="0"/>
-              <a:t>01/03/2025</a:t>
+              <a:t>01/04/2025</a:t>
             </a:fld>
             <a:endParaRPr lang="LID4096"/>
           </a:p>
@@ -2414,7 +2415,7 @@
           <a:p>
             <a:fld id="{830943F9-8AC6-4393-AEEF-D45C2A43C7C7}" type="datetimeFigureOut">
               <a:rPr lang="LID4096" smtClean="0"/>
-              <a:t>01/03/2025</a:t>
+              <a:t>01/04/2025</a:t>
             </a:fld>
             <a:endParaRPr lang="LID4096"/>
           </a:p>
@@ -2703,7 +2704,7 @@
           <a:p>
             <a:fld id="{830943F9-8AC6-4393-AEEF-D45C2A43C7C7}" type="datetimeFigureOut">
               <a:rPr lang="LID4096" smtClean="0"/>
-              <a:t>01/03/2025</a:t>
+              <a:t>01/04/2025</a:t>
             </a:fld>
             <a:endParaRPr lang="LID4096"/>
           </a:p>
@@ -2946,7 +2947,7 @@
           <a:p>
             <a:fld id="{830943F9-8AC6-4393-AEEF-D45C2A43C7C7}" type="datetimeFigureOut">
               <a:rPr lang="LID4096" smtClean="0"/>
-              <a:t>01/03/2025</a:t>
+              <a:t>01/04/2025</a:t>
             </a:fld>
             <a:endParaRPr lang="LID4096"/>
           </a:p>
@@ -3374,313 +3375,42 @@
           <a:chExt cx="0" cy="0"/>
         </a:xfrm>
       </p:grpSpPr>
-      <p:grpSp>
-        <p:nvGrpSpPr>
-          <p:cNvPr id="52" name="Group 51">
-            <a:extLst>
-              <a:ext uri="{FF2B5EF4-FFF2-40B4-BE49-F238E27FC236}">
-                <a16:creationId xmlns:a16="http://schemas.microsoft.com/office/drawing/2014/main" id="{DEE9E2B8-4E34-B3A6-98BF-D6B66F3C30B7}"/>
-              </a:ext>
-            </a:extLst>
-          </p:cNvPr>
-          <p:cNvGrpSpPr>
-            <a:grpSpLocks noChangeAspect="1"/>
-          </p:cNvGrpSpPr>
+      <p:pic>
+        <p:nvPicPr>
+          <p:cNvPr id="123" name="Picture 122">
+            <a:extLst>
+              <a:ext uri="{FF2B5EF4-FFF2-40B4-BE49-F238E27FC236}">
+                <a16:creationId xmlns:a16="http://schemas.microsoft.com/office/drawing/2014/main" id="{749463C0-46D8-B321-05A0-ADBE6C733E3E}"/>
+              </a:ext>
+            </a:extLst>
+          </p:cNvPr>
+          <p:cNvPicPr>
+            <a:picLocks noChangeAspect="1"/>
+          </p:cNvPicPr>
           <p:nvPr/>
-        </p:nvGrpSpPr>
-        <p:grpSpPr>
-          <a:xfrm>
-            <a:off x="7913444" y="1441300"/>
-            <a:ext cx="3917884" cy="3447761"/>
-            <a:chOff x="6937184" y="1957155"/>
-            <a:chExt cx="3163174" cy="2783612"/>
-          </a:xfrm>
-        </p:grpSpPr>
-        <p:pic>
-          <p:nvPicPr>
-            <p:cNvPr id="54" name="Picture 53">
-              <a:extLst>
-                <a:ext uri="{FF2B5EF4-FFF2-40B4-BE49-F238E27FC236}">
-                  <a16:creationId xmlns:a16="http://schemas.microsoft.com/office/drawing/2014/main" id="{6A3E17D9-D718-1BE8-01D4-23DE4E78AD04}"/>
-                </a:ext>
-              </a:extLst>
-            </p:cNvPr>
-            <p:cNvPicPr>
-              <a:picLocks noChangeAspect="1"/>
-            </p:cNvPicPr>
-            <p:nvPr/>
-          </p:nvPicPr>
-          <p:blipFill>
-            <a:blip r:embed="rId2"/>
-            <a:stretch>
-              <a:fillRect/>
-            </a:stretch>
-          </p:blipFill>
-          <p:spPr>
-            <a:xfrm>
-              <a:off x="6938058" y="2397617"/>
-              <a:ext cx="3162300" cy="2343150"/>
-            </a:xfrm>
-            <a:prstGeom prst="rect">
-              <a:avLst/>
-            </a:prstGeom>
-            <a:ln>
-              <a:solidFill>
-                <a:schemeClr val="tx1"/>
-              </a:solidFill>
-            </a:ln>
-            <a:effectLst>
-              <a:outerShdw blurRad="50800" dist="38100" dir="8100000" algn="tr" rotWithShape="0">
-                <a:prstClr val="black">
-                  <a:alpha val="40000"/>
-                </a:prstClr>
-              </a:outerShdw>
-            </a:effectLst>
-          </p:spPr>
-        </p:pic>
-        <p:sp>
-          <p:nvSpPr>
-            <p:cNvPr id="55" name="TextBox 54">
-              <a:extLst>
-                <a:ext uri="{FF2B5EF4-FFF2-40B4-BE49-F238E27FC236}">
-                  <a16:creationId xmlns:a16="http://schemas.microsoft.com/office/drawing/2014/main" id="{F01AD5D0-7032-723A-68AB-FFBABA598ACB}"/>
-                </a:ext>
-              </a:extLst>
-            </p:cNvPr>
-            <p:cNvSpPr txBox="1"/>
-            <p:nvPr/>
-          </p:nvSpPr>
-          <p:spPr>
-            <a:xfrm>
-              <a:off x="6937184" y="1957155"/>
-              <a:ext cx="935926" cy="369332"/>
-            </a:xfrm>
-            <a:prstGeom prst="rect">
-              <a:avLst/>
-            </a:prstGeom>
-            <a:solidFill>
-              <a:schemeClr val="bg1"/>
-            </a:solidFill>
-            <a:ln w="28575">
-              <a:solidFill>
-                <a:schemeClr val="tx1"/>
-              </a:solidFill>
-            </a:ln>
-            <a:effectLst>
-              <a:outerShdw blurRad="50800" dist="38100" dir="8100000" algn="tr" rotWithShape="0">
-                <a:prstClr val="black">
-                  <a:alpha val="40000"/>
-                </a:prstClr>
-              </a:outerShdw>
-            </a:effectLst>
-          </p:spPr>
-          <p:txBody>
-            <a:bodyPr wrap="none" anchor="ctr" anchorCtr="0">
-              <a:noAutofit/>
-            </a:bodyPr>
-            <a:lstStyle>
-              <a:defPPr>
-                <a:defRPr lang="LID4096"/>
-              </a:defPPr>
-            </a:lstStyle>
-            <a:p>
-              <a:r>
-                <a:rPr lang="en-US" sz="2400" dirty="0"/>
-                <a:t>flowPy</a:t>
-              </a:r>
-            </a:p>
-          </p:txBody>
-        </p:sp>
-      </p:grpSp>
-      <p:grpSp>
-        <p:nvGrpSpPr>
-          <p:cNvPr id="33" name="Group 32">
-            <a:extLst>
-              <a:ext uri="{FF2B5EF4-FFF2-40B4-BE49-F238E27FC236}">
-                <a16:creationId xmlns:a16="http://schemas.microsoft.com/office/drawing/2014/main" id="{C0CB94D2-F7C5-1AAB-DA6C-2FF17E749186}"/>
-              </a:ext>
-            </a:extLst>
-          </p:cNvPr>
-          <p:cNvGrpSpPr/>
-          <p:nvPr/>
-        </p:nvGrpSpPr>
-        <p:grpSpPr>
-          <a:xfrm>
-            <a:off x="329655" y="3428999"/>
-            <a:ext cx="2120537" cy="3070689"/>
-            <a:chOff x="183158" y="3428051"/>
-            <a:chExt cx="2120537" cy="3070689"/>
-          </a:xfrm>
-        </p:grpSpPr>
-        <p:grpSp>
-          <p:nvGrpSpPr>
-            <p:cNvPr id="18" name="Group 17">
-              <a:extLst>
-                <a:ext uri="{FF2B5EF4-FFF2-40B4-BE49-F238E27FC236}">
-                  <a16:creationId xmlns:a16="http://schemas.microsoft.com/office/drawing/2014/main" id="{76AF4429-49EA-8BB5-AC2E-1CB0C0C86FCA}"/>
-                </a:ext>
-              </a:extLst>
-            </p:cNvPr>
-            <p:cNvGrpSpPr/>
-            <p:nvPr/>
-          </p:nvGrpSpPr>
-          <p:grpSpPr>
-            <a:xfrm>
-              <a:off x="183158" y="3939392"/>
-              <a:ext cx="2120537" cy="2559348"/>
-              <a:chOff x="100205" y="4056379"/>
-              <a:chExt cx="2120537" cy="2559348"/>
-            </a:xfrm>
-          </p:grpSpPr>
-          <p:pic>
-            <p:nvPicPr>
-              <p:cNvPr id="12" name="Picture 11">
-                <a:extLst>
-                  <a:ext uri="{FF2B5EF4-FFF2-40B4-BE49-F238E27FC236}">
-                    <a16:creationId xmlns:a16="http://schemas.microsoft.com/office/drawing/2014/main" id="{9ABBBC2B-E1F1-27AF-C3AC-48D4B4388B58}"/>
-                  </a:ext>
-                </a:extLst>
-              </p:cNvPr>
-              <p:cNvPicPr>
-                <a:picLocks noChangeAspect="1"/>
-              </p:cNvPicPr>
-              <p:nvPr/>
-            </p:nvPicPr>
-            <p:blipFill>
-              <a:blip r:embed="rId3"/>
-              <a:stretch>
-                <a:fillRect/>
-              </a:stretch>
-            </p:blipFill>
-            <p:spPr>
-              <a:xfrm>
-                <a:off x="100205" y="4056379"/>
-                <a:ext cx="2120537" cy="2559348"/>
-              </a:xfrm>
-              <a:prstGeom prst="rect">
-                <a:avLst/>
-              </a:prstGeom>
-            </p:spPr>
-          </p:pic>
-          <p:sp>
-            <p:nvSpPr>
-              <p:cNvPr id="14" name="TextBox 13">
-                <a:extLst>
-                  <a:ext uri="{FF2B5EF4-FFF2-40B4-BE49-F238E27FC236}">
-                    <a16:creationId xmlns:a16="http://schemas.microsoft.com/office/drawing/2014/main" id="{D87E30B6-7FBD-33E9-CB03-87C74BE9E0BC}"/>
-                  </a:ext>
-                </a:extLst>
-              </p:cNvPr>
-              <p:cNvSpPr txBox="1"/>
-              <p:nvPr/>
-            </p:nvSpPr>
-            <p:spPr>
-              <a:xfrm>
-                <a:off x="1456565" y="5950059"/>
-                <a:ext cx="764177" cy="646331"/>
-              </a:xfrm>
-              <a:prstGeom prst="rect">
-                <a:avLst/>
-              </a:prstGeom>
-              <a:solidFill>
-                <a:schemeClr val="bg1"/>
-              </a:solidFill>
-              <a:ln>
-                <a:solidFill>
-                  <a:schemeClr val="tx1"/>
-                </a:solidFill>
-              </a:ln>
-              <a:effectLst>
-                <a:outerShdw blurRad="76200" dir="13500000" sy="23000" kx="1200000" algn="br" rotWithShape="0">
-                  <a:prstClr val="black">
-                    <a:alpha val="20000"/>
-                  </a:prstClr>
-                </a:outerShdw>
-              </a:effectLst>
-            </p:spPr>
-            <p:txBody>
-              <a:bodyPr wrap="square">
-                <a:spAutoFit/>
-              </a:bodyPr>
-              <a:lstStyle/>
-              <a:p>
-                <a:pPr algn="ctr"/>
-                <a:r>
-                  <a:rPr lang="en-US" dirty="0"/>
-                  <a:t>M</a:t>
-                </a:r>
-                <a:r>
-                  <a:rPr lang="LID4096" dirty="0"/>
-                  <a:t>f6</a:t>
-                </a:r>
-                <a:endParaRPr lang="pt-BR" dirty="0"/>
-              </a:p>
-              <a:p>
-                <a:pPr algn="ctr"/>
-                <a:r>
-                  <a:rPr lang="pt-BR" dirty="0"/>
-                  <a:t>Mp7</a:t>
-                </a:r>
-              </a:p>
-            </p:txBody>
-          </p:sp>
-        </p:grpSp>
-        <p:sp>
-          <p:nvSpPr>
-            <p:cNvPr id="21" name="TextBox 20">
-              <a:extLst>
-                <a:ext uri="{FF2B5EF4-FFF2-40B4-BE49-F238E27FC236}">
-                  <a16:creationId xmlns:a16="http://schemas.microsoft.com/office/drawing/2014/main" id="{50113E39-A510-4DB8-C90F-E64720CFD517}"/>
-                </a:ext>
-              </a:extLst>
-            </p:cNvPr>
-            <p:cNvSpPr txBox="1"/>
-            <p:nvPr/>
-          </p:nvSpPr>
-          <p:spPr>
-            <a:xfrm>
-              <a:off x="183158" y="3428051"/>
-              <a:ext cx="2120537" cy="369332"/>
-            </a:xfrm>
-            <a:prstGeom prst="rect">
-              <a:avLst/>
-            </a:prstGeom>
-            <a:solidFill>
-              <a:schemeClr val="bg1"/>
-            </a:solidFill>
-          </p:spPr>
-          <p:txBody>
-            <a:bodyPr wrap="square">
-              <a:spAutoFit/>
-            </a:bodyPr>
-            <a:lstStyle/>
-            <a:p>
-              <a:r>
-                <a:rPr lang="pt-BR" dirty="0">
-                  <a:solidFill>
-                    <a:srgbClr val="FF0000"/>
-                  </a:solidFill>
-                </a:rPr>
-                <a:t>Folder</a:t>
-              </a:r>
-              <a:r>
-                <a:rPr lang="pt-BR" dirty="0"/>
-                <a:t> </a:t>
-              </a:r>
-              <a:r>
-                <a:rPr lang="LID4096" dirty="0"/>
-                <a:t>freyberg_mf6</a:t>
-              </a:r>
-            </a:p>
-          </p:txBody>
-        </p:sp>
-      </p:grpSp>
+        </p:nvPicPr>
+        <p:blipFill>
+          <a:blip r:embed="rId2"/>
+          <a:stretch>
+            <a:fillRect/>
+          </a:stretch>
+        </p:blipFill>
+        <p:spPr>
+          <a:xfrm>
+            <a:off x="147619" y="349456"/>
+            <a:ext cx="4238625" cy="228600"/>
+          </a:xfrm>
+          <a:prstGeom prst="rect">
+            <a:avLst/>
+          </a:prstGeom>
+        </p:spPr>
+      </p:pic>
       <p:sp>
         <p:nvSpPr>
-          <p:cNvPr id="29" name="TextBox 28">
-            <a:extLst>
-              <a:ext uri="{FF2B5EF4-FFF2-40B4-BE49-F238E27FC236}">
-                <a16:creationId xmlns:a16="http://schemas.microsoft.com/office/drawing/2014/main" id="{26F76804-E537-C371-A76F-BB563AD5ABD7}"/>
+          <p:cNvPr id="8" name="TextBox 7">
+            <a:extLst>
+              <a:ext uri="{FF2B5EF4-FFF2-40B4-BE49-F238E27FC236}">
+                <a16:creationId xmlns:a16="http://schemas.microsoft.com/office/drawing/2014/main" id="{07015F85-28E8-E10A-9C61-D6FB5C026F42}"/>
               </a:ext>
             </a:extLst>
           </p:cNvPr>
@@ -3689,8 +3419,92 @@
         </p:nvSpPr>
         <p:spPr>
           <a:xfrm>
-            <a:off x="360673" y="2152373"/>
-            <a:ext cx="1727758" cy="646331"/>
+            <a:off x="8589256" y="61622"/>
+            <a:ext cx="3153678" cy="400110"/>
+          </a:xfrm>
+          <a:prstGeom prst="rect">
+            <a:avLst/>
+          </a:prstGeom>
+          <a:noFill/>
+        </p:spPr>
+        <p:txBody>
+          <a:bodyPr wrap="square">
+            <a:spAutoFit/>
+          </a:bodyPr>
+          <a:lstStyle/>
+          <a:p>
+            <a:pPr algn="ctr"/>
+            <a:r>
+              <a:rPr lang="LID4096" sz="2000" b="1" dirty="0"/>
+              <a:t>part2_01_</a:t>
+            </a:r>
+            <a:r>
+              <a:rPr lang="en-US" sz="2000" b="1" dirty="0"/>
+              <a:t>pstfromSETUP</a:t>
+            </a:r>
+            <a:endParaRPr lang="LID4096" sz="2000" b="1" dirty="0"/>
+          </a:p>
+        </p:txBody>
+      </p:sp>
+      <p:sp>
+        <p:nvSpPr>
+          <p:cNvPr id="7" name="TextBox 6">
+            <a:extLst>
+              <a:ext uri="{FF2B5EF4-FFF2-40B4-BE49-F238E27FC236}">
+                <a16:creationId xmlns:a16="http://schemas.microsoft.com/office/drawing/2014/main" id="{23ECB52F-D78E-585B-EBF4-08B1F039CA98}"/>
+              </a:ext>
+            </a:extLst>
+          </p:cNvPr>
+          <p:cNvSpPr txBox="1">
+            <a:spLocks noChangeAspect="1"/>
+          </p:cNvSpPr>
+          <p:nvPr/>
+        </p:nvSpPr>
+        <p:spPr>
+          <a:xfrm>
+            <a:off x="11636450" y="0"/>
+            <a:ext cx="555550" cy="539617"/>
+          </a:xfrm>
+          <a:prstGeom prst="rect">
+            <a:avLst/>
+          </a:prstGeom>
+          <a:solidFill>
+            <a:schemeClr val="bg1">
+              <a:lumMod val="85000"/>
+            </a:schemeClr>
+          </a:solidFill>
+        </p:spPr>
+        <p:txBody>
+          <a:bodyPr wrap="none" lIns="0" tIns="0" rIns="0" bIns="0" anchor="ctr" anchorCtr="0">
+            <a:noAutofit/>
+          </a:bodyPr>
+          <a:lstStyle/>
+          <a:p>
+            <a:pPr algn="ctr"/>
+            <a:r>
+              <a:rPr lang="pt-BR" sz="2400" b="1" dirty="0"/>
+              <a:t>01</a:t>
+            </a:r>
+            <a:endParaRPr lang="LID4096" sz="2400" b="1" dirty="0"/>
+          </a:p>
+        </p:txBody>
+      </p:sp>
+      <p:sp>
+        <p:nvSpPr>
+          <p:cNvPr id="9" name="TextBox 8">
+            <a:extLst>
+              <a:ext uri="{FF2B5EF4-FFF2-40B4-BE49-F238E27FC236}">
+                <a16:creationId xmlns:a16="http://schemas.microsoft.com/office/drawing/2014/main" id="{0BA55B0A-9D4F-2D82-F8C0-C5F345F20097}"/>
+              </a:ext>
+            </a:extLst>
+          </p:cNvPr>
+          <p:cNvSpPr txBox="1"/>
+          <p:nvPr/>
+        </p:nvSpPr>
+        <p:spPr>
+          <a:xfrm>
+            <a:off x="167588" y="94682"/>
+            <a:ext cx="1430553" cy="213131"/>
           </a:xfrm>
           <a:prstGeom prst="rect">
             <a:avLst/>
@@ -3698,234 +3512,90 @@
           <a:solidFill>
             <a:schemeClr val="bg1"/>
           </a:solidFill>
-          <a:ln w="28575">
-            <a:solidFill>
-              <a:schemeClr val="tx1"/>
-            </a:solidFill>
-          </a:ln>
-          <a:effectLst>
-            <a:outerShdw blurRad="50800" dist="38100" dir="8100000" algn="tr" rotWithShape="0">
-              <a:prstClr val="black">
-                <a:alpha val="40000"/>
-              </a:prstClr>
-            </a:outerShdw>
-          </a:effectLst>
         </p:spPr>
         <p:txBody>
-          <a:bodyPr wrap="square">
-            <a:spAutoFit/>
+          <a:bodyPr wrap="square" lIns="0" tIns="0" rIns="0" bIns="0" anchor="ctr" anchorCtr="0">
+            <a:noAutofit/>
           </a:bodyPr>
-          <a:lstStyle>
-            <a:defPPr>
-              <a:defRPr lang="LID4096"/>
-            </a:defPPr>
-            <a:lvl1pPr>
-              <a:defRPr/>
-            </a:lvl1pPr>
-          </a:lstStyle>
+          <a:lstStyle/>
           <a:p>
-            <a:pPr algn="ctr"/>
             <a:r>
-              <a:rPr lang="LID4096" dirty="0"/>
-              <a:t>shutil.copytree</a:t>
-            </a:r>
-            <a:endParaRPr lang="pt-BR" dirty="0"/>
-          </a:p>
-          <a:p>
-            <a:pPr algn="ctr"/>
-            <a:r>
-              <a:rPr lang="LID4096" dirty="0"/>
-              <a:t>(org_d,tmp_d)</a:t>
+              <a:rPr lang="en-US" sz="1400" dirty="0">
+                <a:solidFill>
+                  <a:srgbClr val="0000FF"/>
+                </a:solidFill>
+              </a:rPr>
+              <a:t> Housekeeping ...</a:t>
             </a:r>
           </a:p>
         </p:txBody>
       </p:sp>
-      <p:grpSp>
-        <p:nvGrpSpPr>
-          <p:cNvPr id="42" name="Group 41">
-            <a:extLst>
-              <a:ext uri="{FF2B5EF4-FFF2-40B4-BE49-F238E27FC236}">
-                <a16:creationId xmlns:a16="http://schemas.microsoft.com/office/drawing/2014/main" id="{4DCB7AAE-7DC1-F84C-9112-7D38B9FE0974}"/>
-              </a:ext>
-            </a:extLst>
-          </p:cNvPr>
-          <p:cNvGrpSpPr/>
+      <p:pic>
+        <p:nvPicPr>
+          <p:cNvPr id="19" name="Picture 18">
+            <a:extLst>
+              <a:ext uri="{FF2B5EF4-FFF2-40B4-BE49-F238E27FC236}">
+                <a16:creationId xmlns:a16="http://schemas.microsoft.com/office/drawing/2014/main" id="{77E059C6-0082-B2D1-1DC2-14710A72848D}"/>
+              </a:ext>
+            </a:extLst>
+          </p:cNvPr>
+          <p:cNvPicPr>
+            <a:picLocks noChangeAspect="1"/>
+          </p:cNvPicPr>
           <p:nvPr/>
-        </p:nvGrpSpPr>
-        <p:grpSpPr>
-          <a:xfrm>
-            <a:off x="2845482" y="153119"/>
-            <a:ext cx="4799289" cy="6551761"/>
-            <a:chOff x="2845482" y="153119"/>
-            <a:chExt cx="4799289" cy="6551761"/>
-          </a:xfrm>
-        </p:grpSpPr>
-        <p:grpSp>
-          <p:nvGrpSpPr>
-            <p:cNvPr id="32" name="Group 31">
-              <a:extLst>
-                <a:ext uri="{FF2B5EF4-FFF2-40B4-BE49-F238E27FC236}">
-                  <a16:creationId xmlns:a16="http://schemas.microsoft.com/office/drawing/2014/main" id="{7B28CC79-8BBC-ED00-3F7F-2E2084F8E906}"/>
-                </a:ext>
-              </a:extLst>
-            </p:cNvPr>
-            <p:cNvGrpSpPr/>
-            <p:nvPr/>
-          </p:nvGrpSpPr>
-          <p:grpSpPr>
-            <a:xfrm>
-              <a:off x="2845482" y="153119"/>
-              <a:ext cx="4799289" cy="6551761"/>
-              <a:chOff x="2393606" y="119005"/>
-              <a:chExt cx="4799289" cy="6551761"/>
-            </a:xfrm>
-          </p:grpSpPr>
-          <p:pic>
-            <p:nvPicPr>
-              <p:cNvPr id="16" name="Picture 15">
-                <a:extLst>
-                  <a:ext uri="{FF2B5EF4-FFF2-40B4-BE49-F238E27FC236}">
-                    <a16:creationId xmlns:a16="http://schemas.microsoft.com/office/drawing/2014/main" id="{1436004F-D831-0428-4F4E-B3E532139B40}"/>
-                  </a:ext>
-                </a:extLst>
-              </p:cNvPr>
-              <p:cNvPicPr>
-                <a:picLocks noChangeAspect="1"/>
-              </p:cNvPicPr>
-              <p:nvPr/>
-            </p:nvPicPr>
-            <p:blipFill>
-              <a:blip r:embed="rId4"/>
-              <a:stretch>
-                <a:fillRect/>
-              </a:stretch>
-            </p:blipFill>
-            <p:spPr>
-              <a:xfrm>
-                <a:off x="2393606" y="119005"/>
-                <a:ext cx="4311993" cy="6551761"/>
-              </a:xfrm>
-              <a:prstGeom prst="rect">
-                <a:avLst/>
-              </a:prstGeom>
-              <a:ln>
-                <a:solidFill>
-                  <a:schemeClr val="tx1"/>
-                </a:solidFill>
-              </a:ln>
-              <a:effectLst>
-                <a:outerShdw blurRad="50800" dist="38100" dir="8100000" algn="tr" rotWithShape="0">
-                  <a:prstClr val="black">
-                    <a:alpha val="40000"/>
-                  </a:prstClr>
-                </a:outerShdw>
-              </a:effectLst>
-            </p:spPr>
-          </p:pic>
-          <p:sp>
-            <p:nvSpPr>
-              <p:cNvPr id="31" name="Arrow: Right 30">
-                <a:extLst>
-                  <a:ext uri="{FF2B5EF4-FFF2-40B4-BE49-F238E27FC236}">
-                    <a16:creationId xmlns:a16="http://schemas.microsoft.com/office/drawing/2014/main" id="{35DE524B-FAC3-42C7-1CD4-F0DAF71E0097}"/>
-                  </a:ext>
-                </a:extLst>
-              </p:cNvPr>
-              <p:cNvSpPr>
-                <a:spLocks noChangeAspect="1"/>
-              </p:cNvSpPr>
-              <p:nvPr/>
-            </p:nvSpPr>
-            <p:spPr>
-              <a:xfrm rot="10135654">
-                <a:off x="6729569" y="5441581"/>
-                <a:ext cx="463326" cy="366350"/>
-              </a:xfrm>
-              <a:prstGeom prst="rightArrow">
-                <a:avLst/>
-              </a:prstGeom>
-            </p:spPr>
-            <p:style>
-              <a:lnRef idx="2">
-                <a:schemeClr val="accent1">
-                  <a:shade val="15000"/>
-                </a:schemeClr>
-              </a:lnRef>
-              <a:fillRef idx="1">
-                <a:schemeClr val="accent1"/>
-              </a:fillRef>
-              <a:effectRef idx="0">
-                <a:schemeClr val="accent1"/>
-              </a:effectRef>
-              <a:fontRef idx="minor">
-                <a:schemeClr val="lt1"/>
-              </a:fontRef>
-            </p:style>
-            <p:txBody>
-              <a:bodyPr rtlCol="0" anchor="ctr"/>
-              <a:lstStyle/>
-              <a:p>
-                <a:pPr algn="ctr"/>
-                <a:endParaRPr lang="LID4096"/>
-              </a:p>
-            </p:txBody>
-          </p:sp>
-        </p:grpSp>
-        <p:sp>
-          <p:nvSpPr>
-            <p:cNvPr id="41" name="Arrow: Right 40">
-              <a:extLst>
-                <a:ext uri="{FF2B5EF4-FFF2-40B4-BE49-F238E27FC236}">
-                  <a16:creationId xmlns:a16="http://schemas.microsoft.com/office/drawing/2014/main" id="{AA5C4F07-9C12-FE67-4546-1D5E6A1A88EB}"/>
-                </a:ext>
-              </a:extLst>
-            </p:cNvPr>
-            <p:cNvSpPr>
-              <a:spLocks noChangeAspect="1"/>
-            </p:cNvSpPr>
-            <p:nvPr/>
-          </p:nvSpPr>
-          <p:spPr>
-            <a:xfrm rot="10135654">
-              <a:off x="7181444" y="5018242"/>
-              <a:ext cx="463326" cy="366350"/>
-            </a:xfrm>
-            <a:prstGeom prst="rightArrow">
-              <a:avLst/>
-            </a:prstGeom>
-          </p:spPr>
-          <p:style>
-            <a:lnRef idx="2">
-              <a:schemeClr val="accent1">
-                <a:shade val="15000"/>
-              </a:schemeClr>
-            </a:lnRef>
-            <a:fillRef idx="1">
-              <a:schemeClr val="accent1"/>
-            </a:fillRef>
-            <a:effectRef idx="0">
-              <a:schemeClr val="accent1"/>
-            </a:effectRef>
-            <a:fontRef idx="minor">
-              <a:schemeClr val="lt1"/>
-            </a:fontRef>
-          </p:style>
-          <p:txBody>
-            <a:bodyPr rtlCol="0" anchor="ctr"/>
-            <a:lstStyle/>
-            <a:p>
-              <a:pPr algn="ctr"/>
-              <a:endParaRPr lang="LID4096"/>
-            </a:p>
-          </p:txBody>
-        </p:sp>
-      </p:grpSp>
+        </p:nvPicPr>
+        <p:blipFill>
+          <a:blip r:embed="rId3"/>
+          <a:stretch>
+            <a:fillRect/>
+          </a:stretch>
+        </p:blipFill>
+        <p:spPr>
+          <a:xfrm>
+            <a:off x="337493" y="633683"/>
+            <a:ext cx="3905250" cy="390525"/>
+          </a:xfrm>
+          <a:prstGeom prst="rect">
+            <a:avLst/>
+          </a:prstGeom>
+        </p:spPr>
+      </p:pic>
+      <p:pic>
+        <p:nvPicPr>
+          <p:cNvPr id="23" name="Picture 22">
+            <a:extLst>
+              <a:ext uri="{FF2B5EF4-FFF2-40B4-BE49-F238E27FC236}">
+                <a16:creationId xmlns:a16="http://schemas.microsoft.com/office/drawing/2014/main" id="{BC05070C-514B-8A63-F5FA-638DB1F93493}"/>
+              </a:ext>
+            </a:extLst>
+          </p:cNvPr>
+          <p:cNvPicPr>
+            <a:picLocks noChangeAspect="1"/>
+          </p:cNvPicPr>
+          <p:nvPr/>
+        </p:nvPicPr>
+        <p:blipFill>
+          <a:blip r:embed="rId4"/>
+          <a:stretch>
+            <a:fillRect/>
+          </a:stretch>
+        </p:blipFill>
+        <p:spPr>
+          <a:xfrm>
+            <a:off x="167588" y="1059219"/>
+            <a:ext cx="4819650" cy="257175"/>
+          </a:xfrm>
+          <a:prstGeom prst="rect">
+            <a:avLst/>
+          </a:prstGeom>
+        </p:spPr>
+      </p:pic>
       <p:sp>
         <p:nvSpPr>
-          <p:cNvPr id="43" name="Rectangle 42">
-            <a:extLst>
-              <a:ext uri="{FF2B5EF4-FFF2-40B4-BE49-F238E27FC236}">
-                <a16:creationId xmlns:a16="http://schemas.microsoft.com/office/drawing/2014/main" id="{86BEE216-D11E-2810-E97D-ABB5CBD88472}"/>
+          <p:cNvPr id="30" name="Rectangle 29">
+            <a:extLst>
+              <a:ext uri="{FF2B5EF4-FFF2-40B4-BE49-F238E27FC236}">
+                <a16:creationId xmlns:a16="http://schemas.microsoft.com/office/drawing/2014/main" id="{5BAEEC60-C028-50E3-D47A-D52FADDEF8DD}"/>
               </a:ext>
             </a:extLst>
           </p:cNvPr>
@@ -3934,8 +3604,8 @@
         </p:nvSpPr>
         <p:spPr>
           <a:xfrm>
-            <a:off x="3359434" y="5263412"/>
-            <a:ext cx="525061" cy="232026"/>
+            <a:off x="860005" y="632282"/>
+            <a:ext cx="478230" cy="151643"/>
           </a:xfrm>
           <a:prstGeom prst="rect">
             <a:avLst/>
@@ -3964,12 +3634,1608 @@
           </a:p>
         </p:txBody>
       </p:sp>
+      <p:grpSp>
+        <p:nvGrpSpPr>
+          <p:cNvPr id="121" name="Group 120">
+            <a:extLst>
+              <a:ext uri="{FF2B5EF4-FFF2-40B4-BE49-F238E27FC236}">
+                <a16:creationId xmlns:a16="http://schemas.microsoft.com/office/drawing/2014/main" id="{BD1BCE3D-C8C3-701F-21C5-C794E60D171F}"/>
+              </a:ext>
+            </a:extLst>
+          </p:cNvPr>
+          <p:cNvGrpSpPr/>
+          <p:nvPr/>
+        </p:nvGrpSpPr>
+        <p:grpSpPr>
+          <a:xfrm>
+            <a:off x="733382" y="3192026"/>
+            <a:ext cx="4440598" cy="958246"/>
+            <a:chOff x="733382" y="3192026"/>
+            <a:chExt cx="4440598" cy="958246"/>
+          </a:xfrm>
+        </p:grpSpPr>
+        <p:grpSp>
+          <p:nvGrpSpPr>
+            <p:cNvPr id="120" name="Group 119">
+              <a:extLst>
+                <a:ext uri="{FF2B5EF4-FFF2-40B4-BE49-F238E27FC236}">
+                  <a16:creationId xmlns:a16="http://schemas.microsoft.com/office/drawing/2014/main" id="{19B10CF8-5CA9-482A-EC7C-40F7BF274A9F}"/>
+                </a:ext>
+              </a:extLst>
+            </p:cNvPr>
+            <p:cNvGrpSpPr>
+              <a:grpSpLocks noChangeAspect="1"/>
+            </p:cNvGrpSpPr>
+            <p:nvPr/>
+          </p:nvGrpSpPr>
+          <p:grpSpPr>
+            <a:xfrm>
+              <a:off x="762743" y="3192026"/>
+              <a:ext cx="4411237" cy="958246"/>
+              <a:chOff x="762743" y="3192026"/>
+              <a:chExt cx="5086350" cy="1104900"/>
+            </a:xfrm>
+          </p:grpSpPr>
+          <p:pic>
+            <p:nvPicPr>
+              <p:cNvPr id="38" name="Picture 37">
+                <a:extLst>
+                  <a:ext uri="{FF2B5EF4-FFF2-40B4-BE49-F238E27FC236}">
+                    <a16:creationId xmlns:a16="http://schemas.microsoft.com/office/drawing/2014/main" id="{08EA79C0-CAC2-2857-4C6F-0363B51AF369}"/>
+                  </a:ext>
+                </a:extLst>
+              </p:cNvPr>
+              <p:cNvPicPr>
+                <a:picLocks noChangeAspect="1"/>
+              </p:cNvPicPr>
+              <p:nvPr/>
+            </p:nvPicPr>
+            <p:blipFill>
+              <a:blip r:embed="rId5"/>
+              <a:stretch>
+                <a:fillRect/>
+              </a:stretch>
+            </p:blipFill>
+            <p:spPr>
+              <a:xfrm>
+                <a:off x="762743" y="3192026"/>
+                <a:ext cx="5086350" cy="1104900"/>
+              </a:xfrm>
+              <a:prstGeom prst="rect">
+                <a:avLst/>
+              </a:prstGeom>
+            </p:spPr>
+          </p:pic>
+          <p:pic>
+            <p:nvPicPr>
+              <p:cNvPr id="62" name="Picture 61">
+                <a:extLst>
+                  <a:ext uri="{FF2B5EF4-FFF2-40B4-BE49-F238E27FC236}">
+                    <a16:creationId xmlns:a16="http://schemas.microsoft.com/office/drawing/2014/main" id="{16A49014-EFBC-66BE-F298-5F9C5B7D2B6A}"/>
+                  </a:ext>
+                </a:extLst>
+              </p:cNvPr>
+              <p:cNvPicPr>
+                <a:picLocks noChangeAspect="1"/>
+              </p:cNvPicPr>
+              <p:nvPr/>
+            </p:nvPicPr>
+            <p:blipFill>
+              <a:blip r:embed="rId6"/>
+              <a:stretch>
+                <a:fillRect/>
+              </a:stretch>
+            </p:blipFill>
+            <p:spPr>
+              <a:xfrm>
+                <a:off x="926803" y="3905101"/>
+                <a:ext cx="1638300" cy="247650"/>
+              </a:xfrm>
+              <a:prstGeom prst="rect">
+                <a:avLst/>
+              </a:prstGeom>
+              <a:ln>
+                <a:solidFill>
+                  <a:schemeClr val="tx1"/>
+                </a:solidFill>
+              </a:ln>
+              <a:effectLst>
+                <a:outerShdw blurRad="50800" dist="38100" dir="8100000" algn="tr" rotWithShape="0">
+                  <a:prstClr val="black">
+                    <a:alpha val="40000"/>
+                  </a:prstClr>
+                </a:outerShdw>
+              </a:effectLst>
+            </p:spPr>
+          </p:pic>
+        </p:grpSp>
+        <p:sp>
+          <p:nvSpPr>
+            <p:cNvPr id="46" name="TextBox 45">
+              <a:extLst>
+                <a:ext uri="{FF2B5EF4-FFF2-40B4-BE49-F238E27FC236}">
+                  <a16:creationId xmlns:a16="http://schemas.microsoft.com/office/drawing/2014/main" id="{211ACBDC-B577-90F2-F3E7-422A495BE740}"/>
+                </a:ext>
+              </a:extLst>
+            </p:cNvPr>
+            <p:cNvSpPr txBox="1"/>
+            <p:nvPr/>
+          </p:nvSpPr>
+          <p:spPr>
+            <a:xfrm>
+              <a:off x="733382" y="3378492"/>
+              <a:ext cx="2182512" cy="261610"/>
+            </a:xfrm>
+            <a:prstGeom prst="rect">
+              <a:avLst/>
+            </a:prstGeom>
+            <a:noFill/>
+          </p:spPr>
+          <p:txBody>
+            <a:bodyPr wrap="square">
+              <a:spAutoFit/>
+            </a:bodyPr>
+            <a:lstStyle/>
+            <a:p>
+              <a:r>
+                <a:rPr lang="LID4096" sz="1100" dirty="0">
+                  <a:solidFill>
+                    <a:srgbClr val="FF0000"/>
+                  </a:solidFill>
+                </a:rPr>
+                <a:t>heads.csv</a:t>
+              </a:r>
+              <a:r>
+                <a:rPr lang="pt-BR" sz="1100" dirty="0">
+                  <a:solidFill>
+                    <a:srgbClr val="FF0000"/>
+                  </a:solidFill>
+                </a:rPr>
+                <a:t> → heads.csv.ins</a:t>
+              </a:r>
+              <a:endParaRPr lang="LID4096" sz="1100" dirty="0">
+                <a:solidFill>
+                  <a:srgbClr val="FF0000"/>
+                </a:solidFill>
+              </a:endParaRPr>
+            </a:p>
+          </p:txBody>
+        </p:sp>
+      </p:grpSp>
+      <p:cxnSp>
+        <p:nvCxnSpPr>
+          <p:cNvPr id="48" name="Straight Connector 47">
+            <a:extLst>
+              <a:ext uri="{FF2B5EF4-FFF2-40B4-BE49-F238E27FC236}">
+                <a16:creationId xmlns:a16="http://schemas.microsoft.com/office/drawing/2014/main" id="{95244156-2008-46AE-5E4B-DF85B6865607}"/>
+              </a:ext>
+            </a:extLst>
+          </p:cNvPr>
+          <p:cNvCxnSpPr/>
+          <p:nvPr/>
+        </p:nvCxnSpPr>
+        <p:spPr>
+          <a:xfrm>
+            <a:off x="180060" y="583254"/>
+            <a:ext cx="457200" cy="0"/>
+          </a:xfrm>
+          <a:prstGeom prst="line">
+            <a:avLst/>
+          </a:prstGeom>
+          <a:solidFill>
+            <a:srgbClr val="FFFF00"/>
+          </a:solidFill>
+          <a:ln w="28575"/>
+        </p:spPr>
+        <p:style>
+          <a:lnRef idx="2">
+            <a:schemeClr val="accent1">
+              <a:shade val="15000"/>
+            </a:schemeClr>
+          </a:lnRef>
+          <a:fillRef idx="1">
+            <a:schemeClr val="accent1"/>
+          </a:fillRef>
+          <a:effectRef idx="0">
+            <a:schemeClr val="accent1"/>
+          </a:effectRef>
+          <a:fontRef idx="minor">
+            <a:schemeClr val="lt1"/>
+          </a:fontRef>
+        </p:style>
+      </p:cxnSp>
+      <p:grpSp>
+        <p:nvGrpSpPr>
+          <p:cNvPr id="53" name="Group 52">
+            <a:extLst>
+              <a:ext uri="{FF2B5EF4-FFF2-40B4-BE49-F238E27FC236}">
+                <a16:creationId xmlns:a16="http://schemas.microsoft.com/office/drawing/2014/main" id="{88FDF15D-B75C-382A-0BE8-6E260935F1C7}"/>
+              </a:ext>
+            </a:extLst>
+          </p:cNvPr>
+          <p:cNvGrpSpPr/>
+          <p:nvPr/>
+        </p:nvGrpSpPr>
+        <p:grpSpPr>
+          <a:xfrm>
+            <a:off x="510331" y="2908792"/>
+            <a:ext cx="5591175" cy="238125"/>
+            <a:chOff x="675054" y="3251984"/>
+            <a:chExt cx="5591175" cy="238125"/>
+          </a:xfrm>
+        </p:grpSpPr>
+        <p:pic>
+          <p:nvPicPr>
+            <p:cNvPr id="36" name="Picture 35">
+              <a:extLst>
+                <a:ext uri="{FF2B5EF4-FFF2-40B4-BE49-F238E27FC236}">
+                  <a16:creationId xmlns:a16="http://schemas.microsoft.com/office/drawing/2014/main" id="{21CF005A-BE78-9535-8F8A-46AD20F9C2CD}"/>
+                </a:ext>
+              </a:extLst>
+            </p:cNvPr>
+            <p:cNvPicPr>
+              <a:picLocks noChangeAspect="1"/>
+            </p:cNvPicPr>
+            <p:nvPr/>
+          </p:nvPicPr>
+          <p:blipFill>
+            <a:blip r:embed="rId7"/>
+            <a:stretch>
+              <a:fillRect/>
+            </a:stretch>
+          </p:blipFill>
+          <p:spPr>
+            <a:xfrm>
+              <a:off x="675054" y="3251984"/>
+              <a:ext cx="5591175" cy="238125"/>
+            </a:xfrm>
+            <a:prstGeom prst="rect">
+              <a:avLst/>
+            </a:prstGeom>
+          </p:spPr>
+        </p:pic>
+        <p:cxnSp>
+          <p:nvCxnSpPr>
+            <p:cNvPr id="49" name="Straight Connector 48">
+              <a:extLst>
+                <a:ext uri="{FF2B5EF4-FFF2-40B4-BE49-F238E27FC236}">
+                  <a16:creationId xmlns:a16="http://schemas.microsoft.com/office/drawing/2014/main" id="{7AEA30CC-6AE8-F045-FC37-5A03FD2A5CD6}"/>
+                </a:ext>
+              </a:extLst>
+            </p:cNvPr>
+            <p:cNvCxnSpPr/>
+            <p:nvPr/>
+          </p:nvCxnSpPr>
+          <p:spPr>
+            <a:xfrm>
+              <a:off x="683626" y="3479003"/>
+              <a:ext cx="274320" cy="0"/>
+            </a:xfrm>
+            <a:prstGeom prst="line">
+              <a:avLst/>
+            </a:prstGeom>
+            <a:solidFill>
+              <a:srgbClr val="FFFF00"/>
+            </a:solidFill>
+            <a:ln w="28575"/>
+          </p:spPr>
+          <p:style>
+            <a:lnRef idx="2">
+              <a:schemeClr val="accent1">
+                <a:shade val="15000"/>
+              </a:schemeClr>
+            </a:lnRef>
+            <a:fillRef idx="1">
+              <a:schemeClr val="accent1"/>
+            </a:fillRef>
+            <a:effectRef idx="0">
+              <a:schemeClr val="accent1"/>
+            </a:effectRef>
+            <a:fontRef idx="minor">
+              <a:schemeClr val="lt1"/>
+            </a:fontRef>
+          </p:style>
+        </p:cxnSp>
+      </p:grpSp>
+      <p:cxnSp>
+        <p:nvCxnSpPr>
+          <p:cNvPr id="50" name="Straight Connector 49">
+            <a:extLst>
+              <a:ext uri="{FF2B5EF4-FFF2-40B4-BE49-F238E27FC236}">
+                <a16:creationId xmlns:a16="http://schemas.microsoft.com/office/drawing/2014/main" id="{0FFBA3D5-7855-91F6-FBE9-4D1869DFF924}"/>
+              </a:ext>
+            </a:extLst>
+          </p:cNvPr>
+          <p:cNvCxnSpPr/>
+          <p:nvPr/>
+        </p:nvCxnSpPr>
+        <p:spPr>
+          <a:xfrm>
+            <a:off x="3754736" y="828945"/>
+            <a:ext cx="457200" cy="0"/>
+          </a:xfrm>
+          <a:prstGeom prst="line">
+            <a:avLst/>
+          </a:prstGeom>
+          <a:solidFill>
+            <a:srgbClr val="FFFF00"/>
+          </a:solidFill>
+          <a:ln w="28575"/>
+        </p:spPr>
+        <p:style>
+          <a:lnRef idx="2">
+            <a:schemeClr val="accent1">
+              <a:shade val="15000"/>
+            </a:schemeClr>
+          </a:lnRef>
+          <a:fillRef idx="1">
+            <a:schemeClr val="accent1"/>
+          </a:fillRef>
+          <a:effectRef idx="0">
+            <a:schemeClr val="accent1"/>
+          </a:effectRef>
+          <a:fontRef idx="minor">
+            <a:schemeClr val="lt1"/>
+          </a:fontRef>
+        </p:style>
+      </p:cxnSp>
+      <p:cxnSp>
+        <p:nvCxnSpPr>
+          <p:cNvPr id="56" name="Straight Connector 55">
+            <a:extLst>
+              <a:ext uri="{FF2B5EF4-FFF2-40B4-BE49-F238E27FC236}">
+                <a16:creationId xmlns:a16="http://schemas.microsoft.com/office/drawing/2014/main" id="{A4FA673B-DDC7-CC03-A3D4-F100E68B4667}"/>
+              </a:ext>
+            </a:extLst>
+          </p:cNvPr>
+          <p:cNvCxnSpPr/>
+          <p:nvPr/>
+        </p:nvCxnSpPr>
+        <p:spPr>
+          <a:xfrm>
+            <a:off x="4213508" y="4045737"/>
+            <a:ext cx="274320" cy="0"/>
+          </a:xfrm>
+          <a:prstGeom prst="line">
+            <a:avLst/>
+          </a:prstGeom>
+          <a:solidFill>
+            <a:srgbClr val="FFFF00"/>
+          </a:solidFill>
+          <a:ln w="28575"/>
+        </p:spPr>
+        <p:style>
+          <a:lnRef idx="2">
+            <a:schemeClr val="accent1">
+              <a:shade val="15000"/>
+            </a:schemeClr>
+          </a:lnRef>
+          <a:fillRef idx="1">
+            <a:schemeClr val="accent1"/>
+          </a:fillRef>
+          <a:effectRef idx="0">
+            <a:schemeClr val="accent1"/>
+          </a:effectRef>
+          <a:fontRef idx="minor">
+            <a:schemeClr val="lt1"/>
+          </a:fontRef>
+        </p:style>
+      </p:cxnSp>
+      <p:grpSp>
+        <p:nvGrpSpPr>
+          <p:cNvPr id="86" name="Group 85">
+            <a:extLst>
+              <a:ext uri="{FF2B5EF4-FFF2-40B4-BE49-F238E27FC236}">
+                <a16:creationId xmlns:a16="http://schemas.microsoft.com/office/drawing/2014/main" id="{684FB448-84BC-23D3-5768-C5313CDF4BD1}"/>
+              </a:ext>
+            </a:extLst>
+          </p:cNvPr>
+          <p:cNvGrpSpPr>
+            <a:grpSpLocks noChangeAspect="1"/>
+          </p:cNvGrpSpPr>
+          <p:nvPr/>
+        </p:nvGrpSpPr>
+        <p:grpSpPr>
+          <a:xfrm>
+            <a:off x="286484" y="1351405"/>
+            <a:ext cx="4415056" cy="1511203"/>
+            <a:chOff x="294104" y="1397125"/>
+            <a:chExt cx="4842032" cy="1657350"/>
+          </a:xfrm>
+        </p:grpSpPr>
+        <p:pic>
+          <p:nvPicPr>
+            <p:cNvPr id="25" name="Picture 24">
+              <a:extLst>
+                <a:ext uri="{FF2B5EF4-FFF2-40B4-BE49-F238E27FC236}">
+                  <a16:creationId xmlns:a16="http://schemas.microsoft.com/office/drawing/2014/main" id="{9CAF5812-28E5-942C-9622-D12425C68514}"/>
+                </a:ext>
+              </a:extLst>
+            </p:cNvPr>
+            <p:cNvPicPr>
+              <a:picLocks noChangeAspect="1"/>
+            </p:cNvPicPr>
+            <p:nvPr/>
+          </p:nvPicPr>
+          <p:blipFill>
+            <a:blip r:embed="rId8"/>
+            <a:stretch>
+              <a:fillRect/>
+            </a:stretch>
+          </p:blipFill>
+          <p:spPr>
+            <a:xfrm>
+              <a:off x="326011" y="1397125"/>
+              <a:ext cx="4810125" cy="1657350"/>
+            </a:xfrm>
+            <a:prstGeom prst="rect">
+              <a:avLst/>
+            </a:prstGeom>
+          </p:spPr>
+        </p:pic>
+        <p:sp>
+          <p:nvSpPr>
+            <p:cNvPr id="28" name="Rectangle 27">
+              <a:extLst>
+                <a:ext uri="{FF2B5EF4-FFF2-40B4-BE49-F238E27FC236}">
+                  <a16:creationId xmlns:a16="http://schemas.microsoft.com/office/drawing/2014/main" id="{625BCF6E-5A76-E91A-0C7D-A13C0CFECC7F}"/>
+                </a:ext>
+              </a:extLst>
+            </p:cNvPr>
+            <p:cNvSpPr/>
+            <p:nvPr/>
+          </p:nvSpPr>
+          <p:spPr>
+            <a:xfrm>
+              <a:off x="733351" y="1439646"/>
+              <a:ext cx="478230" cy="151643"/>
+            </a:xfrm>
+            <a:prstGeom prst="rect">
+              <a:avLst/>
+            </a:prstGeom>
+            <a:noFill/>
+            <a:ln w="6350">
+              <a:solidFill>
+                <a:schemeClr val="tx1"/>
+              </a:solidFill>
+            </a:ln>
+            <a:effectLst>
+              <a:outerShdw blurRad="50800" dist="38100" dir="8100000" algn="tr" rotWithShape="0">
+                <a:prstClr val="black">
+                  <a:alpha val="40000"/>
+                </a:prstClr>
+              </a:outerShdw>
+            </a:effectLst>
+          </p:spPr>
+          <p:txBody>
+            <a:bodyPr wrap="none" anchor="ctr" anchorCtr="0">
+              <a:noAutofit/>
+            </a:bodyPr>
+            <a:lstStyle/>
+            <a:p>
+              <a:endParaRPr lang="LID4096"/>
+            </a:p>
+          </p:txBody>
+        </p:sp>
+        <p:sp>
+          <p:nvSpPr>
+            <p:cNvPr id="34" name="TextBox 33">
+              <a:extLst>
+                <a:ext uri="{FF2B5EF4-FFF2-40B4-BE49-F238E27FC236}">
+                  <a16:creationId xmlns:a16="http://schemas.microsoft.com/office/drawing/2014/main" id="{46EB738F-9DFD-BB90-32D2-FDBF91F708C4}"/>
+                </a:ext>
+              </a:extLst>
+            </p:cNvPr>
+            <p:cNvSpPr txBox="1"/>
+            <p:nvPr/>
+          </p:nvSpPr>
+          <p:spPr>
+            <a:xfrm>
+              <a:off x="294104" y="1568575"/>
+              <a:ext cx="3153678" cy="307777"/>
+            </a:xfrm>
+            <a:prstGeom prst="rect">
+              <a:avLst/>
+            </a:prstGeom>
+            <a:noFill/>
+          </p:spPr>
+          <p:txBody>
+            <a:bodyPr wrap="square">
+              <a:spAutoFit/>
+            </a:bodyPr>
+            <a:lstStyle/>
+            <a:p>
+              <a:r>
+                <a:rPr lang="en-US" sz="1400" dirty="0">
+                  <a:solidFill>
+                    <a:srgbClr val="0000FF"/>
+                  </a:solidFill>
+                </a:rPr>
+                <a:t>pstfrom</a:t>
+              </a:r>
+              <a:endParaRPr lang="LID4096" sz="1400" dirty="0">
+                <a:solidFill>
+                  <a:srgbClr val="0000FF"/>
+                </a:solidFill>
+              </a:endParaRPr>
+            </a:p>
+          </p:txBody>
+        </p:sp>
+        <p:cxnSp>
+          <p:nvCxnSpPr>
+            <p:cNvPr id="51" name="Straight Connector 50">
+              <a:extLst>
+                <a:ext uri="{FF2B5EF4-FFF2-40B4-BE49-F238E27FC236}">
+                  <a16:creationId xmlns:a16="http://schemas.microsoft.com/office/drawing/2014/main" id="{B7DD58FD-3FB9-A518-F30F-9B71AFD59130}"/>
+                </a:ext>
+              </a:extLst>
+            </p:cNvPr>
+            <p:cNvCxnSpPr/>
+            <p:nvPr/>
+          </p:nvCxnSpPr>
+          <p:spPr>
+            <a:xfrm>
+              <a:off x="3305156" y="1610663"/>
+              <a:ext cx="457200" cy="0"/>
+            </a:xfrm>
+            <a:prstGeom prst="line">
+              <a:avLst/>
+            </a:prstGeom>
+            <a:solidFill>
+              <a:srgbClr val="FFFF00"/>
+            </a:solidFill>
+            <a:ln w="28575"/>
+          </p:spPr>
+          <p:style>
+            <a:lnRef idx="2">
+              <a:schemeClr val="accent1">
+                <a:shade val="15000"/>
+              </a:schemeClr>
+            </a:lnRef>
+            <a:fillRef idx="1">
+              <a:schemeClr val="accent1"/>
+            </a:fillRef>
+            <a:effectRef idx="0">
+              <a:schemeClr val="accent1"/>
+            </a:effectRef>
+            <a:fontRef idx="minor">
+              <a:schemeClr val="lt1"/>
+            </a:fontRef>
+          </p:style>
+        </p:cxnSp>
+        <p:cxnSp>
+          <p:nvCxnSpPr>
+            <p:cNvPr id="69" name="Straight Connector 68">
+              <a:extLst>
+                <a:ext uri="{FF2B5EF4-FFF2-40B4-BE49-F238E27FC236}">
+                  <a16:creationId xmlns:a16="http://schemas.microsoft.com/office/drawing/2014/main" id="{A60F7405-80DC-BEB9-DDDF-DFD60BE31B0D}"/>
+                </a:ext>
+              </a:extLst>
+            </p:cNvPr>
+            <p:cNvCxnSpPr>
+              <a:cxnSpLocks/>
+            </p:cNvCxnSpPr>
+            <p:nvPr/>
+          </p:nvCxnSpPr>
+          <p:spPr>
+            <a:xfrm>
+              <a:off x="3163916" y="1818235"/>
+              <a:ext cx="1005840" cy="0"/>
+            </a:xfrm>
+            <a:prstGeom prst="line">
+              <a:avLst/>
+            </a:prstGeom>
+            <a:solidFill>
+              <a:srgbClr val="FFFF00"/>
+            </a:solidFill>
+            <a:ln w="28575">
+              <a:solidFill>
+                <a:srgbClr val="00B050"/>
+              </a:solidFill>
+            </a:ln>
+          </p:spPr>
+          <p:style>
+            <a:lnRef idx="2">
+              <a:schemeClr val="accent1">
+                <a:shade val="15000"/>
+              </a:schemeClr>
+            </a:lnRef>
+            <a:fillRef idx="1">
+              <a:schemeClr val="accent1"/>
+            </a:fillRef>
+            <a:effectRef idx="0">
+              <a:schemeClr val="accent1"/>
+            </a:effectRef>
+            <a:fontRef idx="minor">
+              <a:schemeClr val="lt1"/>
+            </a:fontRef>
+          </p:style>
+        </p:cxnSp>
+      </p:grpSp>
+      <p:cxnSp>
+        <p:nvCxnSpPr>
+          <p:cNvPr id="75" name="Straight Connector 74">
+            <a:extLst>
+              <a:ext uri="{FF2B5EF4-FFF2-40B4-BE49-F238E27FC236}">
+                <a16:creationId xmlns:a16="http://schemas.microsoft.com/office/drawing/2014/main" id="{47224CE2-448E-BF97-6EA3-F74D95F21D72}"/>
+              </a:ext>
+            </a:extLst>
+          </p:cNvPr>
+          <p:cNvCxnSpPr>
+            <a:cxnSpLocks/>
+          </p:cNvCxnSpPr>
+          <p:nvPr/>
+        </p:nvCxnSpPr>
+        <p:spPr>
+          <a:xfrm>
+            <a:off x="189942" y="1298209"/>
+            <a:ext cx="1005840" cy="0"/>
+          </a:xfrm>
+          <a:prstGeom prst="line">
+            <a:avLst/>
+          </a:prstGeom>
+          <a:solidFill>
+            <a:srgbClr val="FFFF00"/>
+          </a:solidFill>
+          <a:ln w="28575">
+            <a:solidFill>
+              <a:srgbClr val="00B050"/>
+            </a:solidFill>
+          </a:ln>
+        </p:spPr>
+        <p:style>
+          <a:lnRef idx="2">
+            <a:schemeClr val="accent1">
+              <a:shade val="15000"/>
+            </a:schemeClr>
+          </a:lnRef>
+          <a:fillRef idx="1">
+            <a:schemeClr val="accent1"/>
+          </a:fillRef>
+          <a:effectRef idx="0">
+            <a:schemeClr val="accent1"/>
+          </a:effectRef>
+          <a:fontRef idx="minor">
+            <a:schemeClr val="lt1"/>
+          </a:fontRef>
+        </p:style>
+      </p:cxnSp>
+      <p:pic>
+        <p:nvPicPr>
+          <p:cNvPr id="77" name="Picture 76">
+            <a:extLst>
+              <a:ext uri="{FF2B5EF4-FFF2-40B4-BE49-F238E27FC236}">
+                <a16:creationId xmlns:a16="http://schemas.microsoft.com/office/drawing/2014/main" id="{C1A05A66-55E5-5305-1E87-92BE0128AE73}"/>
+              </a:ext>
+            </a:extLst>
+          </p:cNvPr>
+          <p:cNvPicPr>
+            <a:picLocks noChangeAspect="1"/>
+          </p:cNvPicPr>
+          <p:nvPr/>
+        </p:nvPicPr>
+        <p:blipFill>
+          <a:blip r:embed="rId9"/>
+          <a:srcRect t="40474" b="36580"/>
+          <a:stretch/>
+        </p:blipFill>
+        <p:spPr>
+          <a:xfrm>
+            <a:off x="302310" y="4350503"/>
+            <a:ext cx="5627395" cy="307777"/>
+          </a:xfrm>
+          <a:prstGeom prst="rect">
+            <a:avLst/>
+          </a:prstGeom>
+        </p:spPr>
+      </p:pic>
+      <p:pic>
+        <p:nvPicPr>
+          <p:cNvPr id="79" name="Picture 78">
+            <a:extLst>
+              <a:ext uri="{FF2B5EF4-FFF2-40B4-BE49-F238E27FC236}">
+                <a16:creationId xmlns:a16="http://schemas.microsoft.com/office/drawing/2014/main" id="{08A0EB35-1367-6A7B-37F5-0EB85B1A5B95}"/>
+              </a:ext>
+            </a:extLst>
+          </p:cNvPr>
+          <p:cNvPicPr>
+            <a:picLocks noChangeAspect="1"/>
+          </p:cNvPicPr>
+          <p:nvPr/>
+        </p:nvPicPr>
+        <p:blipFill>
+          <a:blip r:embed="rId10"/>
+          <a:stretch>
+            <a:fillRect/>
+          </a:stretch>
+        </p:blipFill>
+        <p:spPr>
+          <a:xfrm>
+            <a:off x="733382" y="5212056"/>
+            <a:ext cx="5112210" cy="819354"/>
+          </a:xfrm>
+          <a:prstGeom prst="rect">
+            <a:avLst/>
+          </a:prstGeom>
+        </p:spPr>
+      </p:pic>
+      <p:pic>
+        <p:nvPicPr>
+          <p:cNvPr id="81" name="Picture 80">
+            <a:extLst>
+              <a:ext uri="{FF2B5EF4-FFF2-40B4-BE49-F238E27FC236}">
+                <a16:creationId xmlns:a16="http://schemas.microsoft.com/office/drawing/2014/main" id="{7446BEBE-899A-6E38-1FD1-A728B5712D1B}"/>
+              </a:ext>
+            </a:extLst>
+          </p:cNvPr>
+          <p:cNvPicPr>
+            <a:picLocks noChangeAspect="1"/>
+          </p:cNvPicPr>
+          <p:nvPr/>
+        </p:nvPicPr>
+        <p:blipFill>
+          <a:blip r:embed="rId11"/>
+          <a:stretch>
+            <a:fillRect/>
+          </a:stretch>
+        </p:blipFill>
+        <p:spPr>
+          <a:xfrm>
+            <a:off x="733382" y="4923225"/>
+            <a:ext cx="2457450" cy="247650"/>
+          </a:xfrm>
+          <a:prstGeom prst="rect">
+            <a:avLst/>
+          </a:prstGeom>
+        </p:spPr>
+      </p:pic>
+      <p:pic>
+        <p:nvPicPr>
+          <p:cNvPr id="83" name="Picture 82">
+            <a:extLst>
+              <a:ext uri="{FF2B5EF4-FFF2-40B4-BE49-F238E27FC236}">
+                <a16:creationId xmlns:a16="http://schemas.microsoft.com/office/drawing/2014/main" id="{0CB822C5-9106-69E4-3183-1274849CC16E}"/>
+              </a:ext>
+            </a:extLst>
+          </p:cNvPr>
+          <p:cNvPicPr>
+            <a:picLocks noChangeAspect="1"/>
+          </p:cNvPicPr>
+          <p:nvPr/>
+        </p:nvPicPr>
+        <p:blipFill>
+          <a:blip r:embed="rId12"/>
+          <a:stretch>
+            <a:fillRect/>
+          </a:stretch>
+        </p:blipFill>
+        <p:spPr>
+          <a:xfrm>
+            <a:off x="754068" y="4691650"/>
+            <a:ext cx="2695575" cy="209550"/>
+          </a:xfrm>
+          <a:prstGeom prst="rect">
+            <a:avLst/>
+          </a:prstGeom>
+        </p:spPr>
+      </p:pic>
+      <p:cxnSp>
+        <p:nvCxnSpPr>
+          <p:cNvPr id="84" name="Straight Connector 83">
+            <a:extLst>
+              <a:ext uri="{FF2B5EF4-FFF2-40B4-BE49-F238E27FC236}">
+                <a16:creationId xmlns:a16="http://schemas.microsoft.com/office/drawing/2014/main" id="{FA093C89-4F8C-78ED-25E3-66C6BCBB41DF}"/>
+              </a:ext>
+            </a:extLst>
+          </p:cNvPr>
+          <p:cNvCxnSpPr/>
+          <p:nvPr/>
+        </p:nvCxnSpPr>
+        <p:spPr>
+          <a:xfrm>
+            <a:off x="6795223" y="6897157"/>
+            <a:ext cx="274320" cy="0"/>
+          </a:xfrm>
+          <a:prstGeom prst="line">
+            <a:avLst/>
+          </a:prstGeom>
+          <a:solidFill>
+            <a:srgbClr val="FFFF00"/>
+          </a:solidFill>
+          <a:ln w="28575"/>
+        </p:spPr>
+        <p:style>
+          <a:lnRef idx="2">
+            <a:schemeClr val="accent1">
+              <a:shade val="15000"/>
+            </a:schemeClr>
+          </a:lnRef>
+          <a:fillRef idx="1">
+            <a:schemeClr val="accent1"/>
+          </a:fillRef>
+          <a:effectRef idx="0">
+            <a:schemeClr val="accent1"/>
+          </a:effectRef>
+          <a:fontRef idx="minor">
+            <a:schemeClr val="lt1"/>
+          </a:fontRef>
+        </p:style>
+      </p:cxnSp>
+      <p:cxnSp>
+        <p:nvCxnSpPr>
+          <p:cNvPr id="85" name="Straight Connector 84">
+            <a:extLst>
+              <a:ext uri="{FF2B5EF4-FFF2-40B4-BE49-F238E27FC236}">
+                <a16:creationId xmlns:a16="http://schemas.microsoft.com/office/drawing/2014/main" id="{B5B07F2C-44E2-157A-1866-E485FFF305C4}"/>
+              </a:ext>
+            </a:extLst>
+          </p:cNvPr>
+          <p:cNvCxnSpPr/>
+          <p:nvPr/>
+        </p:nvCxnSpPr>
+        <p:spPr>
+          <a:xfrm>
+            <a:off x="373171" y="4650469"/>
+            <a:ext cx="274320" cy="0"/>
+          </a:xfrm>
+          <a:prstGeom prst="line">
+            <a:avLst/>
+          </a:prstGeom>
+          <a:solidFill>
+            <a:srgbClr val="FFFF00"/>
+          </a:solidFill>
+          <a:ln w="28575"/>
+        </p:spPr>
+        <p:style>
+          <a:lnRef idx="2">
+            <a:schemeClr val="accent1">
+              <a:shade val="15000"/>
+            </a:schemeClr>
+          </a:lnRef>
+          <a:fillRef idx="1">
+            <a:schemeClr val="accent1"/>
+          </a:fillRef>
+          <a:effectRef idx="0">
+            <a:schemeClr val="accent1"/>
+          </a:effectRef>
+          <a:fontRef idx="minor">
+            <a:schemeClr val="lt1"/>
+          </a:fontRef>
+        </p:style>
+      </p:cxnSp>
+      <p:pic>
+        <p:nvPicPr>
+          <p:cNvPr id="88" name="Picture 87">
+            <a:extLst>
+              <a:ext uri="{FF2B5EF4-FFF2-40B4-BE49-F238E27FC236}">
+                <a16:creationId xmlns:a16="http://schemas.microsoft.com/office/drawing/2014/main" id="{B1E236A3-564E-CBC3-485F-FF41FDB9DD46}"/>
+              </a:ext>
+            </a:extLst>
+          </p:cNvPr>
+          <p:cNvPicPr>
+            <a:picLocks noChangeAspect="1"/>
+          </p:cNvPicPr>
+          <p:nvPr/>
+        </p:nvPicPr>
+        <p:blipFill>
+          <a:blip r:embed="rId13"/>
+          <a:stretch>
+            <a:fillRect/>
+          </a:stretch>
+        </p:blipFill>
+        <p:spPr>
+          <a:xfrm>
+            <a:off x="348387" y="6115404"/>
+            <a:ext cx="4053097" cy="309659"/>
+          </a:xfrm>
+          <a:prstGeom prst="rect">
+            <a:avLst/>
+          </a:prstGeom>
+        </p:spPr>
+      </p:pic>
+      <p:grpSp>
+        <p:nvGrpSpPr>
+          <p:cNvPr id="98" name="Group 97">
+            <a:extLst>
+              <a:ext uri="{FF2B5EF4-FFF2-40B4-BE49-F238E27FC236}">
+                <a16:creationId xmlns:a16="http://schemas.microsoft.com/office/drawing/2014/main" id="{DA03376D-CA9F-A8C9-4D44-48619457B2AE}"/>
+              </a:ext>
+            </a:extLst>
+          </p:cNvPr>
+          <p:cNvGrpSpPr/>
+          <p:nvPr/>
+        </p:nvGrpSpPr>
+        <p:grpSpPr>
+          <a:xfrm>
+            <a:off x="6080195" y="604019"/>
+            <a:ext cx="5845592" cy="1710584"/>
+            <a:chOff x="5246525" y="674633"/>
+            <a:chExt cx="6679262" cy="2100755"/>
+          </a:xfrm>
+        </p:grpSpPr>
+        <p:pic>
+          <p:nvPicPr>
+            <p:cNvPr id="90" name="Picture 89">
+              <a:extLst>
+                <a:ext uri="{FF2B5EF4-FFF2-40B4-BE49-F238E27FC236}">
+                  <a16:creationId xmlns:a16="http://schemas.microsoft.com/office/drawing/2014/main" id="{87F518DC-5997-F734-447D-2A202B2D9F4A}"/>
+                </a:ext>
+              </a:extLst>
+            </p:cNvPr>
+            <p:cNvPicPr>
+              <a:picLocks noChangeAspect="1"/>
+            </p:cNvPicPr>
+            <p:nvPr/>
+          </p:nvPicPr>
+          <p:blipFill>
+            <a:blip r:embed="rId14"/>
+            <a:stretch>
+              <a:fillRect/>
+            </a:stretch>
+          </p:blipFill>
+          <p:spPr>
+            <a:xfrm>
+              <a:off x="5250667" y="674633"/>
+              <a:ext cx="6675120" cy="414150"/>
+            </a:xfrm>
+            <a:prstGeom prst="rect">
+              <a:avLst/>
+            </a:prstGeom>
+          </p:spPr>
+        </p:pic>
+        <p:cxnSp>
+          <p:nvCxnSpPr>
+            <p:cNvPr id="91" name="Straight Connector 90">
+              <a:extLst>
+                <a:ext uri="{FF2B5EF4-FFF2-40B4-BE49-F238E27FC236}">
+                  <a16:creationId xmlns:a16="http://schemas.microsoft.com/office/drawing/2014/main" id="{D1C5AD2E-6601-6503-5BE0-AA6C5A0C1051}"/>
+                </a:ext>
+              </a:extLst>
+            </p:cNvPr>
+            <p:cNvCxnSpPr>
+              <a:cxnSpLocks/>
+            </p:cNvCxnSpPr>
+            <p:nvPr/>
+          </p:nvCxnSpPr>
+          <p:spPr>
+            <a:xfrm>
+              <a:off x="5246525" y="834999"/>
+              <a:ext cx="457200" cy="0"/>
+            </a:xfrm>
+            <a:prstGeom prst="line">
+              <a:avLst/>
+            </a:prstGeom>
+            <a:solidFill>
+              <a:srgbClr val="FFFF00"/>
+            </a:solidFill>
+            <a:ln w="28575">
+              <a:solidFill>
+                <a:srgbClr val="FF0000"/>
+              </a:solidFill>
+            </a:ln>
+          </p:spPr>
+          <p:style>
+            <a:lnRef idx="2">
+              <a:schemeClr val="accent1">
+                <a:shade val="15000"/>
+              </a:schemeClr>
+            </a:lnRef>
+            <a:fillRef idx="1">
+              <a:schemeClr val="accent1"/>
+            </a:fillRef>
+            <a:effectRef idx="0">
+              <a:schemeClr val="accent1"/>
+            </a:effectRef>
+            <a:fontRef idx="minor">
+              <a:schemeClr val="lt1"/>
+            </a:fontRef>
+          </p:style>
+        </p:cxnSp>
+        <p:cxnSp>
+          <p:nvCxnSpPr>
+            <p:cNvPr id="92" name="Straight Connector 91">
+              <a:extLst>
+                <a:ext uri="{FF2B5EF4-FFF2-40B4-BE49-F238E27FC236}">
+                  <a16:creationId xmlns:a16="http://schemas.microsoft.com/office/drawing/2014/main" id="{C918C8BF-DB7C-A0DA-410E-798B5FFBE655}"/>
+                </a:ext>
+              </a:extLst>
+            </p:cNvPr>
+            <p:cNvCxnSpPr>
+              <a:cxnSpLocks/>
+            </p:cNvCxnSpPr>
+            <p:nvPr/>
+          </p:nvCxnSpPr>
+          <p:spPr>
+            <a:xfrm>
+              <a:off x="8723163" y="1073543"/>
+              <a:ext cx="457200" cy="0"/>
+            </a:xfrm>
+            <a:prstGeom prst="line">
+              <a:avLst/>
+            </a:prstGeom>
+            <a:solidFill>
+              <a:srgbClr val="FFFF00"/>
+            </a:solidFill>
+            <a:ln w="28575">
+              <a:solidFill>
+                <a:srgbClr val="FF0000"/>
+              </a:solidFill>
+            </a:ln>
+          </p:spPr>
+          <p:style>
+            <a:lnRef idx="2">
+              <a:schemeClr val="accent1">
+                <a:shade val="15000"/>
+              </a:schemeClr>
+            </a:lnRef>
+            <a:fillRef idx="1">
+              <a:schemeClr val="accent1"/>
+            </a:fillRef>
+            <a:effectRef idx="0">
+              <a:schemeClr val="accent1"/>
+            </a:effectRef>
+            <a:fontRef idx="minor">
+              <a:schemeClr val="lt1"/>
+            </a:fontRef>
+          </p:style>
+        </p:cxnSp>
+        <p:pic>
+          <p:nvPicPr>
+            <p:cNvPr id="94" name="Picture 93">
+              <a:extLst>
+                <a:ext uri="{FF2B5EF4-FFF2-40B4-BE49-F238E27FC236}">
+                  <a16:creationId xmlns:a16="http://schemas.microsoft.com/office/drawing/2014/main" id="{1372349C-7517-B86F-0502-23E005AACD51}"/>
+                </a:ext>
+              </a:extLst>
+            </p:cNvPr>
+            <p:cNvPicPr>
+              <a:picLocks noChangeAspect="1"/>
+            </p:cNvPicPr>
+            <p:nvPr/>
+          </p:nvPicPr>
+          <p:blipFill>
+            <a:blip r:embed="rId15"/>
+            <a:stretch>
+              <a:fillRect/>
+            </a:stretch>
+          </p:blipFill>
+          <p:spPr>
+            <a:xfrm>
+              <a:off x="6381369" y="1150119"/>
+              <a:ext cx="5537641" cy="1625269"/>
+            </a:xfrm>
+            <a:prstGeom prst="rect">
+              <a:avLst/>
+            </a:prstGeom>
+          </p:spPr>
+        </p:pic>
+        <p:sp>
+          <p:nvSpPr>
+            <p:cNvPr id="95" name="Rectangle 94">
+              <a:extLst>
+                <a:ext uri="{FF2B5EF4-FFF2-40B4-BE49-F238E27FC236}">
+                  <a16:creationId xmlns:a16="http://schemas.microsoft.com/office/drawing/2014/main" id="{65AD7A3E-2AEA-4E45-07DC-E4AC92F1B865}"/>
+                </a:ext>
+              </a:extLst>
+            </p:cNvPr>
+            <p:cNvSpPr/>
+            <p:nvPr/>
+          </p:nvSpPr>
+          <p:spPr>
+            <a:xfrm>
+              <a:off x="5246525" y="867114"/>
+              <a:ext cx="848058" cy="223553"/>
+            </a:xfrm>
+            <a:prstGeom prst="rect">
+              <a:avLst/>
+            </a:prstGeom>
+            <a:noFill/>
+            <a:ln w="6350">
+              <a:solidFill>
+                <a:schemeClr val="tx1"/>
+              </a:solidFill>
+            </a:ln>
+            <a:effectLst>
+              <a:outerShdw blurRad="50800" dist="38100" dir="8100000" algn="tr" rotWithShape="0">
+                <a:prstClr val="black">
+                  <a:alpha val="40000"/>
+                </a:prstClr>
+              </a:outerShdw>
+            </a:effectLst>
+          </p:spPr>
+          <p:txBody>
+            <a:bodyPr wrap="none" anchor="ctr" anchorCtr="0">
+              <a:noAutofit/>
+            </a:bodyPr>
+            <a:lstStyle/>
+            <a:p>
+              <a:endParaRPr lang="LID4096"/>
+            </a:p>
+          </p:txBody>
+        </p:sp>
+        <p:sp>
+          <p:nvSpPr>
+            <p:cNvPr id="96" name="Rectangle 95">
+              <a:extLst>
+                <a:ext uri="{FF2B5EF4-FFF2-40B4-BE49-F238E27FC236}">
+                  <a16:creationId xmlns:a16="http://schemas.microsoft.com/office/drawing/2014/main" id="{99DA03F8-39CC-B22E-B268-FBF601F061A5}"/>
+                </a:ext>
+              </a:extLst>
+            </p:cNvPr>
+            <p:cNvSpPr/>
+            <p:nvPr/>
+          </p:nvSpPr>
+          <p:spPr>
+            <a:xfrm>
+              <a:off x="8139845" y="1559423"/>
+              <a:ext cx="934158" cy="191263"/>
+            </a:xfrm>
+            <a:prstGeom prst="rect">
+              <a:avLst/>
+            </a:prstGeom>
+            <a:noFill/>
+            <a:ln w="6350">
+              <a:solidFill>
+                <a:schemeClr val="tx1"/>
+              </a:solidFill>
+            </a:ln>
+            <a:effectLst>
+              <a:outerShdw blurRad="50800" dist="38100" dir="8100000" algn="tr" rotWithShape="0">
+                <a:prstClr val="black">
+                  <a:alpha val="40000"/>
+                </a:prstClr>
+              </a:outerShdw>
+            </a:effectLst>
+          </p:spPr>
+          <p:txBody>
+            <a:bodyPr wrap="none" anchor="ctr" anchorCtr="0">
+              <a:noAutofit/>
+            </a:bodyPr>
+            <a:lstStyle/>
+            <a:p>
+              <a:endParaRPr lang="LID4096"/>
+            </a:p>
+          </p:txBody>
+        </p:sp>
+        <p:sp>
+          <p:nvSpPr>
+            <p:cNvPr id="97" name="Rectangle 96">
+              <a:extLst>
+                <a:ext uri="{FF2B5EF4-FFF2-40B4-BE49-F238E27FC236}">
+                  <a16:creationId xmlns:a16="http://schemas.microsoft.com/office/drawing/2014/main" id="{41781943-C805-9343-E486-533D4A530B9D}"/>
+                </a:ext>
+              </a:extLst>
+            </p:cNvPr>
+            <p:cNvSpPr/>
+            <p:nvPr/>
+          </p:nvSpPr>
+          <p:spPr>
+            <a:xfrm>
+              <a:off x="6381369" y="1150119"/>
+              <a:ext cx="1221974" cy="202370"/>
+            </a:xfrm>
+            <a:prstGeom prst="rect">
+              <a:avLst/>
+            </a:prstGeom>
+            <a:noFill/>
+            <a:ln w="6350">
+              <a:solidFill>
+                <a:schemeClr val="tx1"/>
+              </a:solidFill>
+            </a:ln>
+            <a:effectLst>
+              <a:outerShdw blurRad="50800" dist="38100" dir="8100000" algn="tr" rotWithShape="0">
+                <a:prstClr val="black">
+                  <a:alpha val="40000"/>
+                </a:prstClr>
+              </a:outerShdw>
+            </a:effectLst>
+          </p:spPr>
+          <p:txBody>
+            <a:bodyPr wrap="none" anchor="ctr" anchorCtr="0">
+              <a:noAutofit/>
+            </a:bodyPr>
+            <a:lstStyle/>
+            <a:p>
+              <a:endParaRPr lang="LID4096"/>
+            </a:p>
+          </p:txBody>
+        </p:sp>
+      </p:grpSp>
+      <p:pic>
+        <p:nvPicPr>
+          <p:cNvPr id="100" name="Picture 99">
+            <a:extLst>
+              <a:ext uri="{FF2B5EF4-FFF2-40B4-BE49-F238E27FC236}">
+                <a16:creationId xmlns:a16="http://schemas.microsoft.com/office/drawing/2014/main" id="{EF7FA2D0-AB29-0BB3-CE3F-68CA216F4AE4}"/>
+              </a:ext>
+            </a:extLst>
+          </p:cNvPr>
+          <p:cNvPicPr>
+            <a:picLocks noChangeAspect="1"/>
+          </p:cNvPicPr>
+          <p:nvPr/>
+        </p:nvPicPr>
+        <p:blipFill>
+          <a:blip r:embed="rId16"/>
+          <a:stretch>
+            <a:fillRect/>
+          </a:stretch>
+        </p:blipFill>
+        <p:spPr>
+          <a:xfrm>
+            <a:off x="6473881" y="2592799"/>
+            <a:ext cx="5468303" cy="477234"/>
+          </a:xfrm>
+          <a:prstGeom prst="rect">
+            <a:avLst/>
+          </a:prstGeom>
+        </p:spPr>
+      </p:pic>
+      <p:pic>
+        <p:nvPicPr>
+          <p:cNvPr id="102" name="Picture 101">
+            <a:extLst>
+              <a:ext uri="{FF2B5EF4-FFF2-40B4-BE49-F238E27FC236}">
+                <a16:creationId xmlns:a16="http://schemas.microsoft.com/office/drawing/2014/main" id="{508ED51F-FAFA-2DF5-D6CA-6BCD6F76B5B9}"/>
+              </a:ext>
+            </a:extLst>
+          </p:cNvPr>
+          <p:cNvPicPr>
+            <a:picLocks noChangeAspect="1"/>
+          </p:cNvPicPr>
+          <p:nvPr/>
+        </p:nvPicPr>
+        <p:blipFill>
+          <a:blip r:embed="rId17"/>
+          <a:stretch>
+            <a:fillRect/>
+          </a:stretch>
+        </p:blipFill>
+        <p:spPr>
+          <a:xfrm>
+            <a:off x="6682432" y="3101288"/>
+            <a:ext cx="3844383" cy="795390"/>
+          </a:xfrm>
+          <a:prstGeom prst="rect">
+            <a:avLst/>
+          </a:prstGeom>
+        </p:spPr>
+      </p:pic>
+      <p:pic>
+        <p:nvPicPr>
+          <p:cNvPr id="104" name="Picture 103">
+            <a:extLst>
+              <a:ext uri="{FF2B5EF4-FFF2-40B4-BE49-F238E27FC236}">
+                <a16:creationId xmlns:a16="http://schemas.microsoft.com/office/drawing/2014/main" id="{0BA885A9-9790-EAB1-AEA5-864D66C123FF}"/>
+              </a:ext>
+            </a:extLst>
+          </p:cNvPr>
+          <p:cNvPicPr>
+            <a:picLocks noChangeAspect="1"/>
+          </p:cNvPicPr>
+          <p:nvPr/>
+        </p:nvPicPr>
+        <p:blipFill>
+          <a:blip r:embed="rId18"/>
+          <a:stretch>
+            <a:fillRect/>
+          </a:stretch>
+        </p:blipFill>
+        <p:spPr>
+          <a:xfrm>
+            <a:off x="6243790" y="2335590"/>
+            <a:ext cx="5845592" cy="218017"/>
+          </a:xfrm>
+          <a:prstGeom prst="rect">
+            <a:avLst/>
+          </a:prstGeom>
+        </p:spPr>
+      </p:pic>
+      <p:grpSp>
+        <p:nvGrpSpPr>
+          <p:cNvPr id="113" name="Group 112">
+            <a:extLst>
+              <a:ext uri="{FF2B5EF4-FFF2-40B4-BE49-F238E27FC236}">
+                <a16:creationId xmlns:a16="http://schemas.microsoft.com/office/drawing/2014/main" id="{6EC8C75A-A0ED-444B-4854-B0DEDB3D8E96}"/>
+              </a:ext>
+            </a:extLst>
+          </p:cNvPr>
+          <p:cNvGrpSpPr>
+            <a:grpSpLocks noChangeAspect="1"/>
+          </p:cNvGrpSpPr>
+          <p:nvPr/>
+        </p:nvGrpSpPr>
+        <p:grpSpPr>
+          <a:xfrm>
+            <a:off x="6359306" y="3339386"/>
+            <a:ext cx="5582878" cy="517139"/>
+            <a:chOff x="3559365" y="4150259"/>
+            <a:chExt cx="7394388" cy="684938"/>
+          </a:xfrm>
+        </p:grpSpPr>
+        <p:pic>
+          <p:nvPicPr>
+            <p:cNvPr id="106" name="Picture 105">
+              <a:extLst>
+                <a:ext uri="{FF2B5EF4-FFF2-40B4-BE49-F238E27FC236}">
+                  <a16:creationId xmlns:a16="http://schemas.microsoft.com/office/drawing/2014/main" id="{779491E5-A28D-481F-52CA-4D0A4B587072}"/>
+                </a:ext>
+              </a:extLst>
+            </p:cNvPr>
+            <p:cNvPicPr>
+              <a:picLocks noChangeAspect="1"/>
+            </p:cNvPicPr>
+            <p:nvPr/>
+          </p:nvPicPr>
+          <p:blipFill>
+            <a:blip r:embed="rId19"/>
+            <a:stretch>
+              <a:fillRect/>
+            </a:stretch>
+          </p:blipFill>
+          <p:spPr>
+            <a:xfrm>
+              <a:off x="9210678" y="4150259"/>
+              <a:ext cx="1428751" cy="238125"/>
+            </a:xfrm>
+            <a:prstGeom prst="rect">
+              <a:avLst/>
+            </a:prstGeom>
+            <a:ln>
+              <a:solidFill>
+                <a:schemeClr val="tx1"/>
+              </a:solidFill>
+            </a:ln>
+            <a:effectLst>
+              <a:outerShdw blurRad="50800" dist="38100" dir="8100000" algn="tr" rotWithShape="0">
+                <a:prstClr val="black">
+                  <a:alpha val="40000"/>
+                </a:prstClr>
+              </a:outerShdw>
+            </a:effectLst>
+          </p:spPr>
+        </p:pic>
+        <p:pic>
+          <p:nvPicPr>
+            <p:cNvPr id="108" name="Picture 107">
+              <a:extLst>
+                <a:ext uri="{FF2B5EF4-FFF2-40B4-BE49-F238E27FC236}">
+                  <a16:creationId xmlns:a16="http://schemas.microsoft.com/office/drawing/2014/main" id="{2948B41F-FFCD-9145-E379-FFB8BA80C53D}"/>
+                </a:ext>
+              </a:extLst>
+            </p:cNvPr>
+            <p:cNvPicPr>
+              <a:picLocks noChangeAspect="1"/>
+            </p:cNvPicPr>
+            <p:nvPr/>
+          </p:nvPicPr>
+          <p:blipFill>
+            <a:blip r:embed="rId20"/>
+            <a:stretch>
+              <a:fillRect/>
+            </a:stretch>
+          </p:blipFill>
+          <p:spPr>
+            <a:xfrm>
+              <a:off x="9210678" y="4479847"/>
+              <a:ext cx="1743075" cy="257175"/>
+            </a:xfrm>
+            <a:prstGeom prst="rect">
+              <a:avLst/>
+            </a:prstGeom>
+            <a:ln>
+              <a:solidFill>
+                <a:schemeClr val="tx1"/>
+              </a:solidFill>
+            </a:ln>
+            <a:effectLst>
+              <a:outerShdw blurRad="50800" dist="38100" dir="8100000" algn="tr" rotWithShape="0">
+                <a:prstClr val="black">
+                  <a:alpha val="40000"/>
+                </a:prstClr>
+              </a:outerShdw>
+            </a:effectLst>
+          </p:spPr>
+        </p:pic>
+        <p:pic>
+          <p:nvPicPr>
+            <p:cNvPr id="110" name="Picture 109">
+              <a:extLst>
+                <a:ext uri="{FF2B5EF4-FFF2-40B4-BE49-F238E27FC236}">
+                  <a16:creationId xmlns:a16="http://schemas.microsoft.com/office/drawing/2014/main" id="{3FC20D40-0EE6-BCEE-2890-2E30AF206A97}"/>
+                </a:ext>
+              </a:extLst>
+            </p:cNvPr>
+            <p:cNvPicPr>
+              <a:picLocks noChangeAspect="1"/>
+            </p:cNvPicPr>
+            <p:nvPr/>
+          </p:nvPicPr>
+          <p:blipFill>
+            <a:blip r:embed="rId21"/>
+            <a:stretch>
+              <a:fillRect/>
+            </a:stretch>
+          </p:blipFill>
+          <p:spPr>
+            <a:xfrm>
+              <a:off x="3559365" y="4269321"/>
+              <a:ext cx="1552575" cy="238125"/>
+            </a:xfrm>
+            <a:prstGeom prst="rect">
+              <a:avLst/>
+            </a:prstGeom>
+            <a:ln>
+              <a:solidFill>
+                <a:schemeClr val="tx1"/>
+              </a:solidFill>
+            </a:ln>
+            <a:effectLst>
+              <a:outerShdw blurRad="50800" dist="38100" dir="8100000" algn="tr" rotWithShape="0">
+                <a:prstClr val="black">
+                  <a:alpha val="40000"/>
+                </a:prstClr>
+              </a:outerShdw>
+            </a:effectLst>
+          </p:spPr>
+        </p:pic>
+        <p:pic>
+          <p:nvPicPr>
+            <p:cNvPr id="112" name="Picture 111">
+              <a:extLst>
+                <a:ext uri="{FF2B5EF4-FFF2-40B4-BE49-F238E27FC236}">
+                  <a16:creationId xmlns:a16="http://schemas.microsoft.com/office/drawing/2014/main" id="{25A4EC4B-0B75-2200-7F7A-A5BE5AD80127}"/>
+                </a:ext>
+              </a:extLst>
+            </p:cNvPr>
+            <p:cNvPicPr>
+              <a:picLocks noChangeAspect="1"/>
+            </p:cNvPicPr>
+            <p:nvPr/>
+          </p:nvPicPr>
+          <p:blipFill>
+            <a:blip r:embed="rId22"/>
+            <a:stretch>
+              <a:fillRect/>
+            </a:stretch>
+          </p:blipFill>
+          <p:spPr>
+            <a:xfrm>
+              <a:off x="3587941" y="4558972"/>
+              <a:ext cx="1524000" cy="276225"/>
+            </a:xfrm>
+            <a:prstGeom prst="rect">
+              <a:avLst/>
+            </a:prstGeom>
+            <a:ln>
+              <a:solidFill>
+                <a:schemeClr val="tx1"/>
+              </a:solidFill>
+            </a:ln>
+            <a:effectLst>
+              <a:outerShdw blurRad="50800" dist="38100" dir="8100000" algn="tr" rotWithShape="0">
+                <a:prstClr val="black">
+                  <a:alpha val="40000"/>
+                </a:prstClr>
+              </a:outerShdw>
+            </a:effectLst>
+          </p:spPr>
+        </p:pic>
+      </p:grpSp>
+      <p:pic>
+        <p:nvPicPr>
+          <p:cNvPr id="115" name="Picture 114">
+            <a:extLst>
+              <a:ext uri="{FF2B5EF4-FFF2-40B4-BE49-F238E27FC236}">
+                <a16:creationId xmlns:a16="http://schemas.microsoft.com/office/drawing/2014/main" id="{63118577-7B5B-1E7E-7E07-EAB9E5FA3AFE}"/>
+              </a:ext>
+            </a:extLst>
+          </p:cNvPr>
+          <p:cNvPicPr>
+            <a:picLocks noChangeAspect="1"/>
+          </p:cNvPicPr>
+          <p:nvPr/>
+        </p:nvPicPr>
+        <p:blipFill>
+          <a:blip r:embed="rId23"/>
+          <a:stretch>
+            <a:fillRect/>
+          </a:stretch>
+        </p:blipFill>
+        <p:spPr>
+          <a:xfrm>
+            <a:off x="6879904" y="3931147"/>
+            <a:ext cx="5153234" cy="209610"/>
+          </a:xfrm>
+          <a:prstGeom prst="rect">
+            <a:avLst/>
+          </a:prstGeom>
+        </p:spPr>
+      </p:pic>
+      <p:pic>
+        <p:nvPicPr>
+          <p:cNvPr id="119" name="Picture 118">
+            <a:extLst>
+              <a:ext uri="{FF2B5EF4-FFF2-40B4-BE49-F238E27FC236}">
+                <a16:creationId xmlns:a16="http://schemas.microsoft.com/office/drawing/2014/main" id="{B62F587A-A053-D3B7-D8CC-B513C135508D}"/>
+              </a:ext>
+            </a:extLst>
+          </p:cNvPr>
+          <p:cNvPicPr>
+            <a:picLocks noChangeAspect="1"/>
+          </p:cNvPicPr>
+          <p:nvPr/>
+        </p:nvPicPr>
+        <p:blipFill>
+          <a:blip r:embed="rId24"/>
+          <a:stretch>
+            <a:fillRect/>
+          </a:stretch>
+        </p:blipFill>
+        <p:spPr>
+          <a:xfrm>
+            <a:off x="7363020" y="4190137"/>
+            <a:ext cx="4670118" cy="201298"/>
+          </a:xfrm>
+          <a:prstGeom prst="rect">
+            <a:avLst/>
+          </a:prstGeom>
+        </p:spPr>
+      </p:pic>
+    </p:spTree>
+    <p:extLst>
+      <p:ext uri="{BB962C8B-B14F-4D97-AF65-F5344CB8AC3E}">
+        <p14:creationId xmlns:p14="http://schemas.microsoft.com/office/powerpoint/2010/main" val="235134825"/>
+      </p:ext>
+    </p:extLst>
+  </p:cSld>
+  <p:clrMapOvr>
+    <a:masterClrMapping/>
+  </p:clrMapOvr>
+</p:sld>
+</file>
+
+<file path=ppt/slides/slide10.xml><?xml version="1.0" encoding="utf-8"?>
+<p:sld xmlns:a="http://schemas.openxmlformats.org/drawingml/2006/main" xmlns:r="http://schemas.openxmlformats.org/officeDocument/2006/relationships" xmlns:p="http://schemas.openxmlformats.org/presentationml/2006/main">
+  <p:cSld>
+    <p:bg>
+      <p:bgPr>
+        <a:solidFill>
+          <a:schemeClr val="accent4">
+            <a:lumMod val="20000"/>
+            <a:lumOff val="80000"/>
+          </a:schemeClr>
+        </a:solidFill>
+        <a:effectLst/>
+      </p:bgPr>
+    </p:bg>
+    <p:spTree>
+      <p:nvGrpSpPr>
+        <p:cNvPr id="1" name="">
+          <a:extLst>
+            <a:ext uri="{FF2B5EF4-FFF2-40B4-BE49-F238E27FC236}">
+              <a16:creationId xmlns:a16="http://schemas.microsoft.com/office/drawing/2014/main" id="{02288E94-FB1F-340C-082B-D294126B9C12}"/>
+            </a:ext>
+          </a:extLst>
+        </p:cNvPr>
+        <p:cNvGrpSpPr/>
+        <p:nvPr/>
+      </p:nvGrpSpPr>
+      <p:grpSpPr>
+        <a:xfrm>
+          <a:off x="0" y="0"/>
+          <a:ext cx="0" cy="0"/>
+          <a:chOff x="0" y="0"/>
+          <a:chExt cx="0" cy="0"/>
+        </a:xfrm>
+      </p:grpSpPr>
       <p:sp>
         <p:nvSpPr>
-          <p:cNvPr id="44" name="Rectangle 43">
-            <a:extLst>
-              <a:ext uri="{FF2B5EF4-FFF2-40B4-BE49-F238E27FC236}">
-                <a16:creationId xmlns:a16="http://schemas.microsoft.com/office/drawing/2014/main" id="{966F2B9B-EC32-AD67-8F14-137EEEF6C1DA}"/>
+          <p:cNvPr id="3" name="Rectangle 2">
+            <a:extLst>
+              <a:ext uri="{FF2B5EF4-FFF2-40B4-BE49-F238E27FC236}">
+                <a16:creationId xmlns:a16="http://schemas.microsoft.com/office/drawing/2014/main" id="{3DF0AEA5-3C64-397B-72EA-91A5CE04E082}"/>
               </a:ext>
             </a:extLst>
           </p:cNvPr>
@@ -3978,42 +5244,50 @@
         </p:nvSpPr>
         <p:spPr>
           <a:xfrm>
-            <a:off x="2880629" y="5662288"/>
-            <a:ext cx="525061" cy="448514"/>
+            <a:off x="-1" y="3971109"/>
+            <a:ext cx="4893443" cy="2886891"/>
           </a:xfrm>
           <a:prstGeom prst="rect">
             <a:avLst/>
           </a:prstGeom>
-          <a:noFill/>
-          <a:ln w="6350">
-            <a:solidFill>
-              <a:schemeClr val="tx1"/>
-            </a:solidFill>
-          </a:ln>
-          <a:effectLst>
-            <a:outerShdw blurRad="50800" dist="38100" dir="8100000" algn="tr" rotWithShape="0">
-              <a:prstClr val="black">
-                <a:alpha val="40000"/>
-              </a:prstClr>
-            </a:outerShdw>
-          </a:effectLst>
+          <a:solidFill>
+            <a:schemeClr val="accent4">
+              <a:lumMod val="20000"/>
+              <a:lumOff val="80000"/>
+            </a:schemeClr>
+          </a:solidFill>
         </p:spPr>
+        <p:style>
+          <a:lnRef idx="2">
+            <a:schemeClr val="accent1">
+              <a:shade val="15000"/>
+            </a:schemeClr>
+          </a:lnRef>
+          <a:fillRef idx="1">
+            <a:schemeClr val="accent1"/>
+          </a:fillRef>
+          <a:effectRef idx="0">
+            <a:schemeClr val="accent1"/>
+          </a:effectRef>
+          <a:fontRef idx="minor">
+            <a:schemeClr val="lt1"/>
+          </a:fontRef>
+        </p:style>
         <p:txBody>
-          <a:bodyPr wrap="none" anchor="ctr" anchorCtr="0">
-            <a:noAutofit/>
-          </a:bodyPr>
+          <a:bodyPr rtlCol="0" anchor="ctr"/>
           <a:lstStyle/>
           <a:p>
+            <a:pPr algn="ctr"/>
             <a:endParaRPr lang="LID4096"/>
           </a:p>
         </p:txBody>
       </p:sp>
       <p:pic>
         <p:nvPicPr>
-          <p:cNvPr id="45" name="Picture 44">
-            <a:extLst>
-              <a:ext uri="{FF2B5EF4-FFF2-40B4-BE49-F238E27FC236}">
-                <a16:creationId xmlns:a16="http://schemas.microsoft.com/office/drawing/2014/main" id="{C76C8258-89B8-3D65-8BAC-F32BC04962A3}"/>
+          <p:cNvPr id="174" name="Picture 173">
+            <a:extLst>
+              <a:ext uri="{FF2B5EF4-FFF2-40B4-BE49-F238E27FC236}">
+                <a16:creationId xmlns:a16="http://schemas.microsoft.com/office/drawing/2014/main" id="{93946A21-2DF1-2CED-79C7-B20C2D0FA90E}"/>
               </a:ext>
             </a:extLst>
           </p:cNvPr>
@@ -4023,22 +5297,54 @@
           <p:nvPr/>
         </p:nvPicPr>
         <p:blipFill>
-          <a:blip r:embed="rId5"/>
-          <a:srcRect r="29078" b="51918"/>
+          <a:blip r:embed="rId2"/>
+          <a:stretch>
+            <a:fillRect/>
+          </a:stretch>
+        </p:blipFill>
+        <p:spPr>
+          <a:xfrm>
+            <a:off x="138825" y="87994"/>
+            <a:ext cx="5725302" cy="3003550"/>
+          </a:xfrm>
+          <a:prstGeom prst="rect">
+            <a:avLst/>
+          </a:prstGeom>
+          <a:ln w="19050">
+            <a:solidFill>
+              <a:srgbClr val="FF0000"/>
+            </a:solidFill>
+          </a:ln>
+        </p:spPr>
+      </p:pic>
+      <p:pic>
+        <p:nvPicPr>
+          <p:cNvPr id="18" name="Picture 17">
+            <a:extLst>
+              <a:ext uri="{FF2B5EF4-FFF2-40B4-BE49-F238E27FC236}">
+                <a16:creationId xmlns:a16="http://schemas.microsoft.com/office/drawing/2014/main" id="{1D1F352E-3472-CA08-6A1C-4B83A5F32C32}"/>
+              </a:ext>
+            </a:extLst>
+          </p:cNvPr>
+          <p:cNvPicPr>
+            <a:picLocks noChangeAspect="1"/>
+          </p:cNvPicPr>
+          <p:nvPr/>
+        </p:nvPicPr>
+        <p:blipFill>
+          <a:blip r:embed="rId3"/>
+          <a:srcRect t="85247" r="47457" b="5101"/>
           <a:stretch/>
         </p:blipFill>
         <p:spPr>
           <a:xfrm>
-            <a:off x="377806" y="1649741"/>
-            <a:ext cx="1727758" cy="369332"/>
+            <a:off x="317306" y="5734103"/>
+            <a:ext cx="2954586" cy="588319"/>
           </a:xfrm>
           <a:prstGeom prst="rect">
             <a:avLst/>
           </a:prstGeom>
-          <a:solidFill>
-            <a:schemeClr val="bg1"/>
-          </a:solidFill>
-          <a:ln w="28575">
+          <a:ln>
             <a:solidFill>
               <a:schemeClr val="tx1"/>
             </a:solidFill>
@@ -4052,510 +5358,34 @@
           </a:effectLst>
         </p:spPr>
       </p:pic>
-      <p:sp>
-        <p:nvSpPr>
-          <p:cNvPr id="57" name="TextBox 56">
-            <a:extLst>
-              <a:ext uri="{FF2B5EF4-FFF2-40B4-BE49-F238E27FC236}">
-                <a16:creationId xmlns:a16="http://schemas.microsoft.com/office/drawing/2014/main" id="{AABCB059-8D90-0F85-18F7-D86642459529}"/>
-              </a:ext>
-            </a:extLst>
-          </p:cNvPr>
-          <p:cNvSpPr txBox="1">
-            <a:spLocks noChangeAspect="1"/>
-          </p:cNvSpPr>
+      <p:pic>
+        <p:nvPicPr>
+          <p:cNvPr id="39" name="Picture 38">
+            <a:extLst>
+              <a:ext uri="{FF2B5EF4-FFF2-40B4-BE49-F238E27FC236}">
+                <a16:creationId xmlns:a16="http://schemas.microsoft.com/office/drawing/2014/main" id="{BA8E0503-87B5-C273-DE21-9F20318B07E9}"/>
+              </a:ext>
+            </a:extLst>
+          </p:cNvPr>
+          <p:cNvPicPr>
+            <a:picLocks noChangeAspect="1"/>
+          </p:cNvPicPr>
           <p:nvPr/>
-        </p:nvSpPr>
+        </p:nvPicPr>
+        <p:blipFill>
+          <a:blip r:embed="rId4"/>
+          <a:srcRect t="59577" r="58849" b="32685"/>
+          <a:stretch/>
+        </p:blipFill>
         <p:spPr>
           <a:xfrm>
-            <a:off x="6620347" y="247387"/>
-            <a:ext cx="398537" cy="292230"/>
+            <a:off x="304692" y="5353274"/>
+            <a:ext cx="2967200" cy="278975"/>
           </a:xfrm>
           <a:prstGeom prst="rect">
             <a:avLst/>
           </a:prstGeom>
-          <a:solidFill>
-            <a:schemeClr val="bg1"/>
-          </a:solidFill>
           <a:ln>
-            <a:solidFill>
-              <a:schemeClr val="tx1"/>
-            </a:solidFill>
-          </a:ln>
-          <a:effectLst>
-            <a:outerShdw blurRad="63500" sx="102000" sy="102000" algn="ctr" rotWithShape="0">
-              <a:prstClr val="black">
-                <a:alpha val="40000"/>
-              </a:prstClr>
-            </a:outerShdw>
-          </a:effectLst>
-        </p:spPr>
-        <p:txBody>
-          <a:bodyPr wrap="none" lIns="0" tIns="0" rIns="0" bIns="0" anchor="ctr" anchorCtr="0">
-            <a:noAutofit/>
-          </a:bodyPr>
-          <a:lstStyle/>
-          <a:p>
-            <a:pPr algn="ctr"/>
-            <a:r>
-              <a:rPr lang="pt-BR" dirty="0"/>
-              <a:t>01</a:t>
-            </a:r>
-          </a:p>
-        </p:txBody>
-      </p:sp>
-      <p:sp>
-        <p:nvSpPr>
-          <p:cNvPr id="58" name="TextBox 57">
-            <a:extLst>
-              <a:ext uri="{FF2B5EF4-FFF2-40B4-BE49-F238E27FC236}">
-                <a16:creationId xmlns:a16="http://schemas.microsoft.com/office/drawing/2014/main" id="{87C5FE4F-9DFB-FAF5-1D83-7D2C23FADE80}"/>
-              </a:ext>
-            </a:extLst>
-          </p:cNvPr>
-          <p:cNvSpPr txBox="1">
-            <a:spLocks noChangeAspect="1"/>
-          </p:cNvSpPr>
-          <p:nvPr/>
-        </p:nvSpPr>
-        <p:spPr>
-          <a:xfrm>
-            <a:off x="6620347" y="4596831"/>
-            <a:ext cx="398537" cy="292230"/>
-          </a:xfrm>
-          <a:prstGeom prst="rect">
-            <a:avLst/>
-          </a:prstGeom>
-          <a:solidFill>
-            <a:schemeClr val="bg1"/>
-          </a:solidFill>
-          <a:ln>
-            <a:solidFill>
-              <a:schemeClr val="tx1"/>
-            </a:solidFill>
-          </a:ln>
-          <a:effectLst>
-            <a:outerShdw blurRad="63500" sx="102000" sy="102000" algn="ctr" rotWithShape="0">
-              <a:prstClr val="black">
-                <a:alpha val="40000"/>
-              </a:prstClr>
-            </a:outerShdw>
-          </a:effectLst>
-        </p:spPr>
-        <p:txBody>
-          <a:bodyPr wrap="none" lIns="0" tIns="0" rIns="0" bIns="0" anchor="ctr" anchorCtr="0">
-            <a:noAutofit/>
-          </a:bodyPr>
-          <a:lstStyle/>
-          <a:p>
-            <a:pPr algn="ctr"/>
-            <a:r>
-              <a:rPr lang="pt-BR" dirty="0"/>
-              <a:t>02</a:t>
-            </a:r>
-          </a:p>
-        </p:txBody>
-      </p:sp>
-      <p:sp>
-        <p:nvSpPr>
-          <p:cNvPr id="59" name="TextBox 58">
-            <a:extLst>
-              <a:ext uri="{FF2B5EF4-FFF2-40B4-BE49-F238E27FC236}">
-                <a16:creationId xmlns:a16="http://schemas.microsoft.com/office/drawing/2014/main" id="{E246AE34-1FA9-97BA-1484-8FD49A3D0328}"/>
-              </a:ext>
-            </a:extLst>
-          </p:cNvPr>
-          <p:cNvSpPr txBox="1">
-            <a:spLocks noChangeAspect="1"/>
-          </p:cNvSpPr>
-          <p:nvPr/>
-        </p:nvSpPr>
-        <p:spPr>
-          <a:xfrm>
-            <a:off x="6620347" y="6344238"/>
-            <a:ext cx="398537" cy="292230"/>
-          </a:xfrm>
-          <a:prstGeom prst="rect">
-            <a:avLst/>
-          </a:prstGeom>
-          <a:solidFill>
-            <a:schemeClr val="bg1"/>
-          </a:solidFill>
-          <a:ln>
-            <a:solidFill>
-              <a:schemeClr val="tx1"/>
-            </a:solidFill>
-          </a:ln>
-          <a:effectLst>
-            <a:outerShdw blurRad="63500" sx="102000" sy="102000" algn="ctr" rotWithShape="0">
-              <a:prstClr val="black">
-                <a:alpha val="40000"/>
-              </a:prstClr>
-            </a:outerShdw>
-          </a:effectLst>
-        </p:spPr>
-        <p:txBody>
-          <a:bodyPr wrap="none" lIns="0" tIns="0" rIns="0" bIns="0" anchor="ctr" anchorCtr="0">
-            <a:noAutofit/>
-          </a:bodyPr>
-          <a:lstStyle/>
-          <a:p>
-            <a:pPr algn="ctr"/>
-            <a:r>
-              <a:rPr lang="pt-BR" dirty="0"/>
-              <a:t>03</a:t>
-            </a:r>
-          </a:p>
-        </p:txBody>
-      </p:sp>
-      <p:grpSp>
-        <p:nvGrpSpPr>
-          <p:cNvPr id="2" name="Group 1">
-            <a:extLst>
-              <a:ext uri="{FF2B5EF4-FFF2-40B4-BE49-F238E27FC236}">
-                <a16:creationId xmlns:a16="http://schemas.microsoft.com/office/drawing/2014/main" id="{FDDF571C-A447-05A8-73E2-28CA180FD02B}"/>
-              </a:ext>
-            </a:extLst>
-          </p:cNvPr>
-          <p:cNvGrpSpPr/>
-          <p:nvPr/>
-        </p:nvGrpSpPr>
-        <p:grpSpPr>
-          <a:xfrm>
-            <a:off x="9788433" y="2160317"/>
-            <a:ext cx="1503560" cy="2471474"/>
-            <a:chOff x="9788433" y="2160317"/>
-            <a:chExt cx="1503560" cy="2471474"/>
-          </a:xfrm>
-        </p:grpSpPr>
-        <p:sp>
-          <p:nvSpPr>
-            <p:cNvPr id="61" name="TextBox 60">
-              <a:extLst>
-                <a:ext uri="{FF2B5EF4-FFF2-40B4-BE49-F238E27FC236}">
-                  <a16:creationId xmlns:a16="http://schemas.microsoft.com/office/drawing/2014/main" id="{4921EFD5-6B88-4B5E-8EFA-4A7A5E1A961D}"/>
-                </a:ext>
-              </a:extLst>
-            </p:cNvPr>
-            <p:cNvSpPr txBox="1"/>
-            <p:nvPr/>
-          </p:nvSpPr>
-          <p:spPr>
-            <a:xfrm>
-              <a:off x="9788434" y="4197531"/>
-              <a:ext cx="801189" cy="390590"/>
-            </a:xfrm>
-            <a:prstGeom prst="rect">
-              <a:avLst/>
-            </a:prstGeom>
-            <a:noFill/>
-            <a:ln w="28575">
-              <a:solidFill>
-                <a:srgbClr val="0000FF"/>
-              </a:solidFill>
-            </a:ln>
-            <a:effectLst/>
-          </p:spPr>
-          <p:txBody>
-            <a:bodyPr wrap="none" anchor="ctr" anchorCtr="0">
-              <a:noAutofit/>
-            </a:bodyPr>
-            <a:lstStyle>
-              <a:defPPr>
-                <a:defRPr lang="LID4096"/>
-              </a:defPPr>
-            </a:lstStyle>
-            <a:p>
-              <a:endParaRPr lang="en-US" dirty="0"/>
-            </a:p>
-          </p:txBody>
-        </p:sp>
-        <p:sp>
-          <p:nvSpPr>
-            <p:cNvPr id="63" name="TextBox 62">
-              <a:extLst>
-                <a:ext uri="{FF2B5EF4-FFF2-40B4-BE49-F238E27FC236}">
-                  <a16:creationId xmlns:a16="http://schemas.microsoft.com/office/drawing/2014/main" id="{EE0114FE-DDB2-0C44-1A7A-D17A99305DBA}"/>
-                </a:ext>
-              </a:extLst>
-            </p:cNvPr>
-            <p:cNvSpPr txBox="1"/>
-            <p:nvPr/>
-          </p:nvSpPr>
-          <p:spPr>
-            <a:xfrm>
-              <a:off x="9788434" y="2952206"/>
-              <a:ext cx="801189" cy="218263"/>
-            </a:xfrm>
-            <a:prstGeom prst="rect">
-              <a:avLst/>
-            </a:prstGeom>
-            <a:noFill/>
-            <a:ln w="28575">
-              <a:solidFill>
-                <a:srgbClr val="FF0000"/>
-              </a:solidFill>
-            </a:ln>
-            <a:effectLst/>
-          </p:spPr>
-          <p:txBody>
-            <a:bodyPr wrap="none" anchor="ctr" anchorCtr="0">
-              <a:noAutofit/>
-            </a:bodyPr>
-            <a:lstStyle>
-              <a:defPPr>
-                <a:defRPr lang="LID4096"/>
-              </a:defPPr>
-            </a:lstStyle>
-            <a:p>
-              <a:endParaRPr lang="en-US" dirty="0"/>
-            </a:p>
-          </p:txBody>
-        </p:sp>
-        <p:sp>
-          <p:nvSpPr>
-            <p:cNvPr id="64" name="TextBox 63">
-              <a:extLst>
-                <a:ext uri="{FF2B5EF4-FFF2-40B4-BE49-F238E27FC236}">
-                  <a16:creationId xmlns:a16="http://schemas.microsoft.com/office/drawing/2014/main" id="{00C56312-DC36-5B0A-CE18-7B75A9278758}"/>
-                </a:ext>
-              </a:extLst>
-            </p:cNvPr>
-            <p:cNvSpPr txBox="1"/>
-            <p:nvPr/>
-          </p:nvSpPr>
-          <p:spPr>
-            <a:xfrm>
-              <a:off x="9788434" y="3687533"/>
-              <a:ext cx="801189" cy="448290"/>
-            </a:xfrm>
-            <a:prstGeom prst="rect">
-              <a:avLst/>
-            </a:prstGeom>
-            <a:noFill/>
-            <a:ln w="28575">
-              <a:solidFill>
-                <a:srgbClr val="FF0000"/>
-              </a:solidFill>
-            </a:ln>
-            <a:effectLst/>
-          </p:spPr>
-          <p:txBody>
-            <a:bodyPr wrap="none" anchor="ctr" anchorCtr="0">
-              <a:noAutofit/>
-            </a:bodyPr>
-            <a:lstStyle>
-              <a:defPPr>
-                <a:defRPr lang="LID4096"/>
-              </a:defPPr>
-            </a:lstStyle>
-            <a:p>
-              <a:endParaRPr lang="en-US" dirty="0"/>
-            </a:p>
-          </p:txBody>
-        </p:sp>
-        <p:sp>
-          <p:nvSpPr>
-            <p:cNvPr id="65" name="TextBox 64">
-              <a:extLst>
-                <a:ext uri="{FF2B5EF4-FFF2-40B4-BE49-F238E27FC236}">
-                  <a16:creationId xmlns:a16="http://schemas.microsoft.com/office/drawing/2014/main" id="{9D50562E-AE5D-5D9A-1A12-FC7D32884268}"/>
-                </a:ext>
-              </a:extLst>
-            </p:cNvPr>
-            <p:cNvSpPr txBox="1"/>
-            <p:nvPr/>
-          </p:nvSpPr>
-          <p:spPr>
-            <a:xfrm>
-              <a:off x="10689314" y="4292258"/>
-              <a:ext cx="567003" cy="339533"/>
-            </a:xfrm>
-            <a:prstGeom prst="rect">
-              <a:avLst/>
-            </a:prstGeom>
-            <a:noFill/>
-          </p:spPr>
-          <p:txBody>
-            <a:bodyPr wrap="none" lIns="0" tIns="0" rIns="0" bIns="0" anchor="ctr" anchorCtr="0">
-              <a:noAutofit/>
-            </a:bodyPr>
-            <a:lstStyle/>
-            <a:p>
-              <a:pPr algn="ctr"/>
-              <a:r>
-                <a:rPr lang="en-US" b="1" dirty="0">
-                  <a:solidFill>
-                    <a:srgbClr val="0000FF"/>
-                  </a:solidFill>
-                </a:rPr>
-                <a:t>OBS</a:t>
-              </a:r>
-            </a:p>
-          </p:txBody>
-        </p:sp>
-        <p:sp>
-          <p:nvSpPr>
-            <p:cNvPr id="66" name="TextBox 65">
-              <a:extLst>
-                <a:ext uri="{FF2B5EF4-FFF2-40B4-BE49-F238E27FC236}">
-                  <a16:creationId xmlns:a16="http://schemas.microsoft.com/office/drawing/2014/main" id="{379CDF73-3ABC-702C-6604-163D2ADD98DE}"/>
-                </a:ext>
-              </a:extLst>
-            </p:cNvPr>
-            <p:cNvSpPr txBox="1"/>
-            <p:nvPr/>
-          </p:nvSpPr>
-          <p:spPr>
-            <a:xfrm>
-              <a:off x="10685877" y="2884476"/>
-              <a:ext cx="567003" cy="339533"/>
-            </a:xfrm>
-            <a:prstGeom prst="rect">
-              <a:avLst/>
-            </a:prstGeom>
-            <a:noFill/>
-          </p:spPr>
-          <p:txBody>
-            <a:bodyPr wrap="none" lIns="0" tIns="0" rIns="0" bIns="0" anchor="ctr" anchorCtr="0">
-              <a:noAutofit/>
-            </a:bodyPr>
-            <a:lstStyle/>
-            <a:p>
-              <a:pPr algn="ctr"/>
-              <a:r>
-                <a:rPr lang="en-US" b="1" dirty="0">
-                  <a:solidFill>
-                    <a:srgbClr val="FF0000"/>
-                  </a:solidFill>
-                </a:rPr>
-                <a:t>PAR</a:t>
-              </a:r>
-            </a:p>
-          </p:txBody>
-        </p:sp>
-        <p:sp>
-          <p:nvSpPr>
-            <p:cNvPr id="67" name="TextBox 66">
-              <a:extLst>
-                <a:ext uri="{FF2B5EF4-FFF2-40B4-BE49-F238E27FC236}">
-                  <a16:creationId xmlns:a16="http://schemas.microsoft.com/office/drawing/2014/main" id="{B53571DE-2CB4-B0C2-EE37-26293B526F6D}"/>
-                </a:ext>
-              </a:extLst>
-            </p:cNvPr>
-            <p:cNvSpPr txBox="1"/>
-            <p:nvPr/>
-          </p:nvSpPr>
-          <p:spPr>
-            <a:xfrm>
-              <a:off x="10589623" y="2160317"/>
-              <a:ext cx="702370" cy="301352"/>
-            </a:xfrm>
-            <a:prstGeom prst="rect">
-              <a:avLst/>
-            </a:prstGeom>
-            <a:noFill/>
-          </p:spPr>
-          <p:txBody>
-            <a:bodyPr wrap="none" lIns="0" tIns="0" rIns="0" bIns="0" anchor="ctr" anchorCtr="0">
-              <a:noAutofit/>
-            </a:bodyPr>
-            <a:lstStyle>
-              <a:defPPr>
-                <a:defRPr lang="LID4096"/>
-              </a:defPPr>
-              <a:lvl1pPr algn="ctr">
-                <a:defRPr b="1">
-                  <a:solidFill>
-                    <a:srgbClr val="FF0000"/>
-                  </a:solidFill>
-                </a:defRPr>
-              </a:lvl1pPr>
-            </a:lstStyle>
-            <a:p>
-              <a:r>
-                <a:rPr lang="pt-BR" dirty="0">
-                  <a:solidFill>
-                    <a:schemeClr val="tx1"/>
-                  </a:solidFill>
-                </a:rPr>
-                <a:t>AUX</a:t>
-              </a:r>
-              <a:endParaRPr lang="LID4096" dirty="0">
-                <a:solidFill>
-                  <a:schemeClr val="tx1"/>
-                </a:solidFill>
-              </a:endParaRPr>
-            </a:p>
-          </p:txBody>
-        </p:sp>
-        <p:sp>
-          <p:nvSpPr>
-            <p:cNvPr id="68" name="TextBox 67">
-              <a:extLst>
-                <a:ext uri="{FF2B5EF4-FFF2-40B4-BE49-F238E27FC236}">
-                  <a16:creationId xmlns:a16="http://schemas.microsoft.com/office/drawing/2014/main" id="{D76133E7-F883-2C92-2493-25F43C2F90A4}"/>
-                </a:ext>
-              </a:extLst>
-            </p:cNvPr>
-            <p:cNvSpPr txBox="1"/>
-            <p:nvPr/>
-          </p:nvSpPr>
-          <p:spPr>
-            <a:xfrm>
-              <a:off x="9788433" y="3427022"/>
-              <a:ext cx="801189" cy="218263"/>
-            </a:xfrm>
-            <a:prstGeom prst="rect">
-              <a:avLst/>
-            </a:prstGeom>
-            <a:noFill/>
-            <a:ln w="28575">
-              <a:solidFill>
-                <a:srgbClr val="00B050"/>
-              </a:solidFill>
-            </a:ln>
-            <a:effectLst/>
-          </p:spPr>
-          <p:txBody>
-            <a:bodyPr wrap="none" anchor="ctr" anchorCtr="0">
-              <a:noAutofit/>
-            </a:bodyPr>
-            <a:lstStyle>
-              <a:defPPr>
-                <a:defRPr lang="LID4096"/>
-              </a:defPPr>
-            </a:lstStyle>
-            <a:p>
-              <a:endParaRPr lang="en-US" dirty="0"/>
-            </a:p>
-          </p:txBody>
-        </p:sp>
-      </p:grpSp>
-      <p:sp>
-        <p:nvSpPr>
-          <p:cNvPr id="70" name="TextBox 69">
-            <a:extLst>
-              <a:ext uri="{FF2B5EF4-FFF2-40B4-BE49-F238E27FC236}">
-                <a16:creationId xmlns:a16="http://schemas.microsoft.com/office/drawing/2014/main" id="{6CCF34F3-3A50-D769-8FFC-8B72CC737F4F}"/>
-              </a:ext>
-            </a:extLst>
-          </p:cNvPr>
-          <p:cNvSpPr txBox="1"/>
-          <p:nvPr/>
-        </p:nvSpPr>
-        <p:spPr>
-          <a:xfrm>
-            <a:off x="7913442" y="5386471"/>
-            <a:ext cx="1159232" cy="457452"/>
-          </a:xfrm>
-          <a:prstGeom prst="rect">
-            <a:avLst/>
-          </a:prstGeom>
-          <a:solidFill>
-            <a:schemeClr val="bg1"/>
-          </a:solidFill>
-          <a:ln w="28575">
             <a:solidFill>
               <a:schemeClr val="tx1"/>
             </a:solidFill>
@@ -4568,30 +5398,54 @@
             </a:outerShdw>
           </a:effectLst>
         </p:spPr>
-        <p:txBody>
-          <a:bodyPr wrap="none" anchor="ctr" anchorCtr="0">
-            <a:noAutofit/>
-          </a:bodyPr>
-          <a:lstStyle>
-            <a:defPPr>
-              <a:defRPr lang="LID4096"/>
-            </a:defPPr>
-          </a:lstStyle>
-          <a:p>
-            <a:pPr algn="ctr"/>
-            <a:r>
-              <a:rPr lang="en-US" sz="2400" dirty="0"/>
-              <a:t>pyEMU</a:t>
-            </a:r>
-          </a:p>
-        </p:txBody>
-      </p:sp>
+      </p:pic>
       <p:pic>
         <p:nvPicPr>
-          <p:cNvPr id="71" name="Picture 70">
-            <a:extLst>
-              <a:ext uri="{FF2B5EF4-FFF2-40B4-BE49-F238E27FC236}">
-                <a16:creationId xmlns:a16="http://schemas.microsoft.com/office/drawing/2014/main" id="{056B5CEB-9469-96AE-5D6D-62123820142F}"/>
+          <p:cNvPr id="40" name="Picture 39">
+            <a:extLst>
+              <a:ext uri="{FF2B5EF4-FFF2-40B4-BE49-F238E27FC236}">
+                <a16:creationId xmlns:a16="http://schemas.microsoft.com/office/drawing/2014/main" id="{29DF8AE1-3A2A-2BA6-9761-3FCC953FE59B}"/>
+              </a:ext>
+            </a:extLst>
+          </p:cNvPr>
+          <p:cNvPicPr>
+            <a:picLocks noChangeAspect="1"/>
+          </p:cNvPicPr>
+          <p:nvPr/>
+        </p:nvPicPr>
+        <p:blipFill>
+          <a:blip r:embed="rId5"/>
+          <a:srcRect t="3796" r="57764" b="85439"/>
+          <a:stretch/>
+        </p:blipFill>
+        <p:spPr>
+          <a:xfrm>
+            <a:off x="307460" y="4937736"/>
+            <a:ext cx="3053807" cy="278975"/>
+          </a:xfrm>
+          <a:prstGeom prst="rect">
+            <a:avLst/>
+          </a:prstGeom>
+          <a:ln w="28575">
+            <a:solidFill>
+              <a:srgbClr val="00B0F0"/>
+            </a:solidFill>
+          </a:ln>
+          <a:effectLst>
+            <a:outerShdw blurRad="50800" dist="38100" dir="8100000" algn="tr" rotWithShape="0">
+              <a:prstClr val="black">
+                <a:alpha val="40000"/>
+              </a:prstClr>
+            </a:outerShdw>
+          </a:effectLst>
+        </p:spPr>
+      </p:pic>
+      <p:pic>
+        <p:nvPicPr>
+          <p:cNvPr id="47" name="Picture 46">
+            <a:extLst>
+              <a:ext uri="{FF2B5EF4-FFF2-40B4-BE49-F238E27FC236}">
+                <a16:creationId xmlns:a16="http://schemas.microsoft.com/office/drawing/2014/main" id="{83A0A841-120A-05C6-2800-8043F16BEB92}"/>
               </a:ext>
             </a:extLst>
           </p:cNvPr>
@@ -4602,13 +5456,13 @@
         </p:nvPicPr>
         <p:blipFill>
           <a:blip r:embed="rId6"/>
-          <a:srcRect t="1" r="6064" b="7750"/>
+          <a:srcRect l="918" t="6280" r="37419" b="66176"/>
           <a:stretch/>
         </p:blipFill>
         <p:spPr>
           <a:xfrm>
-            <a:off x="7480169" y="6331531"/>
-            <a:ext cx="4552497" cy="377159"/>
+            <a:off x="317306" y="6424276"/>
+            <a:ext cx="4198935" cy="295582"/>
           </a:xfrm>
           <a:prstGeom prst="rect">
             <a:avLst/>
@@ -4629,10 +5483,837 @@
       </p:pic>
       <p:sp>
         <p:nvSpPr>
-          <p:cNvPr id="72" name="TextBox 71">
-            <a:extLst>
-              <a:ext uri="{FF2B5EF4-FFF2-40B4-BE49-F238E27FC236}">
-                <a16:creationId xmlns:a16="http://schemas.microsoft.com/office/drawing/2014/main" id="{EB02FC5F-1A1E-DCFE-B168-8C2B7869392F}"/>
+          <p:cNvPr id="68" name="Rectangle 67">
+            <a:extLst>
+              <a:ext uri="{FF2B5EF4-FFF2-40B4-BE49-F238E27FC236}">
+                <a16:creationId xmlns:a16="http://schemas.microsoft.com/office/drawing/2014/main" id="{93D8F208-64B6-E45C-E89F-EB7FBFC87C9E}"/>
+              </a:ext>
+            </a:extLst>
+          </p:cNvPr>
+          <p:cNvSpPr/>
+          <p:nvPr/>
+        </p:nvSpPr>
+        <p:spPr>
+          <a:xfrm>
+            <a:off x="1254471" y="5362262"/>
+            <a:ext cx="330926" cy="281666"/>
+          </a:xfrm>
+          <a:prstGeom prst="rect">
+            <a:avLst/>
+          </a:prstGeom>
+          <a:noFill/>
+          <a:ln w="38100">
+            <a:solidFill>
+              <a:srgbClr val="0000FF"/>
+            </a:solidFill>
+          </a:ln>
+        </p:spPr>
+        <p:style>
+          <a:lnRef idx="2">
+            <a:schemeClr val="accent1">
+              <a:shade val="15000"/>
+            </a:schemeClr>
+          </a:lnRef>
+          <a:fillRef idx="1">
+            <a:schemeClr val="accent1"/>
+          </a:fillRef>
+          <a:effectRef idx="0">
+            <a:schemeClr val="accent1"/>
+          </a:effectRef>
+          <a:fontRef idx="minor">
+            <a:schemeClr val="lt1"/>
+          </a:fontRef>
+        </p:style>
+        <p:txBody>
+          <a:bodyPr rtlCol="0" anchor="ctr"/>
+          <a:lstStyle/>
+          <a:p>
+            <a:pPr algn="ctr"/>
+            <a:endParaRPr lang="LID4096"/>
+          </a:p>
+        </p:txBody>
+      </p:sp>
+      <p:sp>
+        <p:nvSpPr>
+          <p:cNvPr id="69" name="Rectangle 68">
+            <a:extLst>
+              <a:ext uri="{FF2B5EF4-FFF2-40B4-BE49-F238E27FC236}">
+                <a16:creationId xmlns:a16="http://schemas.microsoft.com/office/drawing/2014/main" id="{C9E0E4A0-2E6C-4B7E-3210-D85ABD579255}"/>
+              </a:ext>
+            </a:extLst>
+          </p:cNvPr>
+          <p:cNvSpPr/>
+          <p:nvPr/>
+        </p:nvSpPr>
+        <p:spPr>
+          <a:xfrm>
+            <a:off x="775500" y="6040756"/>
+            <a:ext cx="330926" cy="281666"/>
+          </a:xfrm>
+          <a:prstGeom prst="rect">
+            <a:avLst/>
+          </a:prstGeom>
+          <a:noFill/>
+          <a:ln w="38100">
+            <a:solidFill>
+              <a:srgbClr val="0000FF"/>
+            </a:solidFill>
+          </a:ln>
+        </p:spPr>
+        <p:style>
+          <a:lnRef idx="2">
+            <a:schemeClr val="accent1">
+              <a:shade val="15000"/>
+            </a:schemeClr>
+          </a:lnRef>
+          <a:fillRef idx="1">
+            <a:schemeClr val="accent1"/>
+          </a:fillRef>
+          <a:effectRef idx="0">
+            <a:schemeClr val="accent1"/>
+          </a:effectRef>
+          <a:fontRef idx="minor">
+            <a:schemeClr val="lt1"/>
+          </a:fontRef>
+        </p:style>
+        <p:txBody>
+          <a:bodyPr rtlCol="0" anchor="ctr"/>
+          <a:lstStyle/>
+          <a:p>
+            <a:pPr algn="ctr"/>
+            <a:endParaRPr lang="LID4096"/>
+          </a:p>
+        </p:txBody>
+      </p:sp>
+      <p:sp>
+        <p:nvSpPr>
+          <p:cNvPr id="70" name="Rectangle 69">
+            <a:extLst>
+              <a:ext uri="{FF2B5EF4-FFF2-40B4-BE49-F238E27FC236}">
+                <a16:creationId xmlns:a16="http://schemas.microsoft.com/office/drawing/2014/main" id="{D1064225-A9F3-7F03-42F0-CE1D0C50497C}"/>
+              </a:ext>
+            </a:extLst>
+          </p:cNvPr>
+          <p:cNvSpPr/>
+          <p:nvPr/>
+        </p:nvSpPr>
+        <p:spPr>
+          <a:xfrm>
+            <a:off x="317306" y="4926057"/>
+            <a:ext cx="330926" cy="281666"/>
+          </a:xfrm>
+          <a:prstGeom prst="rect">
+            <a:avLst/>
+          </a:prstGeom>
+          <a:noFill/>
+          <a:ln w="38100">
+            <a:solidFill>
+              <a:srgbClr val="0000FF"/>
+            </a:solidFill>
+          </a:ln>
+        </p:spPr>
+        <p:style>
+          <a:lnRef idx="2">
+            <a:schemeClr val="accent1">
+              <a:shade val="15000"/>
+            </a:schemeClr>
+          </a:lnRef>
+          <a:fillRef idx="1">
+            <a:schemeClr val="accent1"/>
+          </a:fillRef>
+          <a:effectRef idx="0">
+            <a:schemeClr val="accent1"/>
+          </a:effectRef>
+          <a:fontRef idx="minor">
+            <a:schemeClr val="lt1"/>
+          </a:fontRef>
+        </p:style>
+        <p:txBody>
+          <a:bodyPr rtlCol="0" anchor="ctr"/>
+          <a:lstStyle/>
+          <a:p>
+            <a:pPr algn="ctr"/>
+            <a:endParaRPr lang="LID4096"/>
+          </a:p>
+        </p:txBody>
+      </p:sp>
+      <p:pic>
+        <p:nvPicPr>
+          <p:cNvPr id="80" name="Picture 79">
+            <a:extLst>
+              <a:ext uri="{FF2B5EF4-FFF2-40B4-BE49-F238E27FC236}">
+                <a16:creationId xmlns:a16="http://schemas.microsoft.com/office/drawing/2014/main" id="{EFD0DEF7-AE92-D94D-2C11-57DC20C0F15B}"/>
+              </a:ext>
+            </a:extLst>
+          </p:cNvPr>
+          <p:cNvPicPr>
+            <a:picLocks noChangeAspect="1"/>
+          </p:cNvPicPr>
+          <p:nvPr/>
+        </p:nvPicPr>
+        <p:blipFill>
+          <a:blip r:embed="rId7"/>
+          <a:stretch>
+            <a:fillRect/>
+          </a:stretch>
+        </p:blipFill>
+        <p:spPr>
+          <a:xfrm>
+            <a:off x="6303233" y="80851"/>
+            <a:ext cx="4591050" cy="1733550"/>
+          </a:xfrm>
+          <a:prstGeom prst="rect">
+            <a:avLst/>
+          </a:prstGeom>
+          <a:ln w="19050">
+            <a:solidFill>
+              <a:srgbClr val="FF0000"/>
+            </a:solidFill>
+          </a:ln>
+        </p:spPr>
+      </p:pic>
+      <p:pic>
+        <p:nvPicPr>
+          <p:cNvPr id="81" name="Picture 80">
+            <a:extLst>
+              <a:ext uri="{FF2B5EF4-FFF2-40B4-BE49-F238E27FC236}">
+                <a16:creationId xmlns:a16="http://schemas.microsoft.com/office/drawing/2014/main" id="{AE787342-3CDB-205F-4219-3256B1A997C9}"/>
+              </a:ext>
+            </a:extLst>
+          </p:cNvPr>
+          <p:cNvPicPr>
+            <a:picLocks noChangeAspect="1"/>
+          </p:cNvPicPr>
+          <p:nvPr/>
+        </p:nvPicPr>
+        <p:blipFill>
+          <a:blip r:embed="rId8"/>
+          <a:stretch>
+            <a:fillRect/>
+          </a:stretch>
+        </p:blipFill>
+        <p:spPr>
+          <a:xfrm>
+            <a:off x="9596088" y="87536"/>
+            <a:ext cx="1496288" cy="411068"/>
+          </a:xfrm>
+          <a:prstGeom prst="rect">
+            <a:avLst/>
+          </a:prstGeom>
+          <a:ln w="28575">
+            <a:solidFill>
+              <a:srgbClr val="FF0000"/>
+            </a:solidFill>
+          </a:ln>
+          <a:effectLst>
+            <a:outerShdw blurRad="76200" dir="13500000" sy="23000" kx="1200000" algn="br" rotWithShape="0">
+              <a:prstClr val="black">
+                <a:alpha val="20000"/>
+              </a:prstClr>
+            </a:outerShdw>
+          </a:effectLst>
+        </p:spPr>
+      </p:pic>
+      <p:grpSp>
+        <p:nvGrpSpPr>
+          <p:cNvPr id="119" name="Group 118">
+            <a:extLst>
+              <a:ext uri="{FF2B5EF4-FFF2-40B4-BE49-F238E27FC236}">
+                <a16:creationId xmlns:a16="http://schemas.microsoft.com/office/drawing/2014/main" id="{08E4BDA4-0451-5959-2555-6850051C0799}"/>
+              </a:ext>
+            </a:extLst>
+          </p:cNvPr>
+          <p:cNvGrpSpPr/>
+          <p:nvPr/>
+        </p:nvGrpSpPr>
+        <p:grpSpPr>
+          <a:xfrm>
+            <a:off x="9596088" y="1876273"/>
+            <a:ext cx="2344601" cy="568060"/>
+            <a:chOff x="9752560" y="3325863"/>
+            <a:chExt cx="2344601" cy="568060"/>
+          </a:xfrm>
+        </p:grpSpPr>
+        <p:sp>
+          <p:nvSpPr>
+            <p:cNvPr id="132" name="TextBox 131">
+              <a:extLst>
+                <a:ext uri="{FF2B5EF4-FFF2-40B4-BE49-F238E27FC236}">
+                  <a16:creationId xmlns:a16="http://schemas.microsoft.com/office/drawing/2014/main" id="{F586C087-F250-0C33-21F3-A031DD9E82C7}"/>
+                </a:ext>
+              </a:extLst>
+            </p:cNvPr>
+            <p:cNvSpPr txBox="1"/>
+            <p:nvPr/>
+          </p:nvSpPr>
+          <p:spPr>
+            <a:xfrm>
+              <a:off x="10171298" y="3329922"/>
+              <a:ext cx="1925863" cy="564001"/>
+            </a:xfrm>
+            <a:prstGeom prst="rect">
+              <a:avLst/>
+            </a:prstGeom>
+            <a:noFill/>
+          </p:spPr>
+          <p:txBody>
+            <a:bodyPr wrap="square">
+              <a:spAutoFit/>
+            </a:bodyPr>
+            <a:lstStyle/>
+            <a:p>
+              <a:pPr>
+                <a:lnSpc>
+                  <a:spcPts val="1800"/>
+                </a:lnSpc>
+              </a:pPr>
+              <a:r>
+                <a:rPr lang="en-US" sz="2000" b="1" dirty="0"/>
+                <a:t>Pre- post-</a:t>
+              </a:r>
+            </a:p>
+            <a:p>
+              <a:pPr>
+                <a:lnSpc>
+                  <a:spcPts val="1800"/>
+                </a:lnSpc>
+              </a:pPr>
+              <a:r>
+                <a:rPr lang="en-US" sz="2000" b="1" dirty="0"/>
+                <a:t>          processing</a:t>
+              </a:r>
+            </a:p>
+          </p:txBody>
+        </p:sp>
+        <p:sp>
+          <p:nvSpPr>
+            <p:cNvPr id="141" name="TextBox 140">
+              <a:extLst>
+                <a:ext uri="{FF2B5EF4-FFF2-40B4-BE49-F238E27FC236}">
+                  <a16:creationId xmlns:a16="http://schemas.microsoft.com/office/drawing/2014/main" id="{8425F0A4-38E1-25DD-7A84-E293D2A812BE}"/>
+                </a:ext>
+              </a:extLst>
+            </p:cNvPr>
+            <p:cNvSpPr txBox="1">
+              <a:spLocks noChangeAspect="1"/>
+            </p:cNvSpPr>
+            <p:nvPr/>
+          </p:nvSpPr>
+          <p:spPr>
+            <a:xfrm>
+              <a:off x="9752560" y="3325863"/>
+              <a:ext cx="364329" cy="278975"/>
+            </a:xfrm>
+            <a:prstGeom prst="rect">
+              <a:avLst/>
+            </a:prstGeom>
+            <a:solidFill>
+              <a:srgbClr val="93E3FF"/>
+            </a:solidFill>
+            <a:ln>
+              <a:solidFill>
+                <a:schemeClr val="tx1"/>
+              </a:solidFill>
+            </a:ln>
+            <a:effectLst>
+              <a:outerShdw blurRad="63500" sx="102000" sy="102000" algn="ctr" rotWithShape="0">
+                <a:prstClr val="black">
+                  <a:alpha val="40000"/>
+                </a:prstClr>
+              </a:outerShdw>
+            </a:effectLst>
+          </p:spPr>
+          <p:txBody>
+            <a:bodyPr wrap="none" lIns="0" tIns="0" rIns="0" bIns="0" anchor="ctr" anchorCtr="0">
+              <a:noAutofit/>
+            </a:bodyPr>
+            <a:lstStyle/>
+            <a:p>
+              <a:pPr algn="ctr"/>
+              <a:r>
+                <a:rPr lang="pt-BR" sz="2000" b="1" dirty="0"/>
+                <a:t>15</a:t>
+              </a:r>
+            </a:p>
+          </p:txBody>
+        </p:sp>
+      </p:grpSp>
+      <p:pic>
+        <p:nvPicPr>
+          <p:cNvPr id="155" name="Picture 154">
+            <a:extLst>
+              <a:ext uri="{FF2B5EF4-FFF2-40B4-BE49-F238E27FC236}">
+                <a16:creationId xmlns:a16="http://schemas.microsoft.com/office/drawing/2014/main" id="{D857F9F8-8D4C-4E9B-6C97-6A14E18D2D38}"/>
+              </a:ext>
+            </a:extLst>
+          </p:cNvPr>
+          <p:cNvPicPr>
+            <a:picLocks noChangeAspect="1"/>
+          </p:cNvPicPr>
+          <p:nvPr/>
+        </p:nvPicPr>
+        <p:blipFill>
+          <a:blip r:embed="rId9"/>
+          <a:srcRect t="16071"/>
+          <a:stretch/>
+        </p:blipFill>
+        <p:spPr>
+          <a:xfrm>
+            <a:off x="3957105" y="2430525"/>
+            <a:ext cx="8153400" cy="255817"/>
+          </a:xfrm>
+          <a:prstGeom prst="rect">
+            <a:avLst/>
+          </a:prstGeom>
+          <a:ln>
+            <a:solidFill>
+              <a:schemeClr val="tx1"/>
+            </a:solidFill>
+          </a:ln>
+          <a:effectLst>
+            <a:outerShdw blurRad="50800" dist="38100" dir="8100000" algn="tr" rotWithShape="0">
+              <a:prstClr val="black">
+                <a:alpha val="40000"/>
+              </a:prstClr>
+            </a:outerShdw>
+          </a:effectLst>
+        </p:spPr>
+      </p:pic>
+      <p:pic>
+        <p:nvPicPr>
+          <p:cNvPr id="164" name="Picture 163">
+            <a:extLst>
+              <a:ext uri="{FF2B5EF4-FFF2-40B4-BE49-F238E27FC236}">
+                <a16:creationId xmlns:a16="http://schemas.microsoft.com/office/drawing/2014/main" id="{F26EF48E-8116-3A5F-8886-7270A1BEEB02}"/>
+              </a:ext>
+            </a:extLst>
+          </p:cNvPr>
+          <p:cNvPicPr>
+            <a:picLocks noChangeAspect="1"/>
+          </p:cNvPicPr>
+          <p:nvPr/>
+        </p:nvPicPr>
+        <p:blipFill>
+          <a:blip r:embed="rId10"/>
+          <a:srcRect l="1283" t="11876" b="12736"/>
+          <a:stretch/>
+        </p:blipFill>
+        <p:spPr>
+          <a:xfrm>
+            <a:off x="6138700" y="2753680"/>
+            <a:ext cx="3532444" cy="456523"/>
+          </a:xfrm>
+          <a:prstGeom prst="rect">
+            <a:avLst/>
+          </a:prstGeom>
+          <a:ln>
+            <a:solidFill>
+              <a:schemeClr val="tx1"/>
+            </a:solidFill>
+          </a:ln>
+          <a:effectLst>
+            <a:outerShdw blurRad="50800" dist="38100" dir="8100000" algn="tr" rotWithShape="0">
+              <a:prstClr val="black">
+                <a:alpha val="40000"/>
+              </a:prstClr>
+            </a:outerShdw>
+          </a:effectLst>
+        </p:spPr>
+      </p:pic>
+      <p:grpSp>
+        <p:nvGrpSpPr>
+          <p:cNvPr id="166" name="Group 165">
+            <a:extLst>
+              <a:ext uri="{FF2B5EF4-FFF2-40B4-BE49-F238E27FC236}">
+                <a16:creationId xmlns:a16="http://schemas.microsoft.com/office/drawing/2014/main" id="{D9242AA6-872D-91D7-3C64-6DD320B78318}"/>
+              </a:ext>
+            </a:extLst>
+          </p:cNvPr>
+          <p:cNvGrpSpPr>
+            <a:grpSpLocks noChangeAspect="1"/>
+          </p:cNvGrpSpPr>
+          <p:nvPr/>
+        </p:nvGrpSpPr>
+        <p:grpSpPr>
+          <a:xfrm>
+            <a:off x="6138700" y="3222404"/>
+            <a:ext cx="5948009" cy="1251775"/>
+            <a:chOff x="6446107" y="2656131"/>
+            <a:chExt cx="5646982" cy="1188423"/>
+          </a:xfrm>
+        </p:grpSpPr>
+        <p:pic>
+          <p:nvPicPr>
+            <p:cNvPr id="171" name="Picture 170">
+              <a:extLst>
+                <a:ext uri="{FF2B5EF4-FFF2-40B4-BE49-F238E27FC236}">
+                  <a16:creationId xmlns:a16="http://schemas.microsoft.com/office/drawing/2014/main" id="{4C950D28-5199-01B6-3076-7C6DE8908BC1}"/>
+                </a:ext>
+              </a:extLst>
+            </p:cNvPr>
+            <p:cNvPicPr>
+              <a:picLocks noChangeAspect="1"/>
+            </p:cNvPicPr>
+            <p:nvPr/>
+          </p:nvPicPr>
+          <p:blipFill>
+            <a:blip r:embed="rId11"/>
+            <a:stretch>
+              <a:fillRect/>
+            </a:stretch>
+          </p:blipFill>
+          <p:spPr>
+            <a:xfrm>
+              <a:off x="6446108" y="2656131"/>
+              <a:ext cx="5646981" cy="442900"/>
+            </a:xfrm>
+            <a:prstGeom prst="rect">
+              <a:avLst/>
+            </a:prstGeom>
+            <a:ln>
+              <a:solidFill>
+                <a:schemeClr val="tx1"/>
+              </a:solidFill>
+            </a:ln>
+            <a:effectLst>
+              <a:outerShdw blurRad="50800" dist="38100" dir="8100000" algn="tr" rotWithShape="0">
+                <a:prstClr val="black">
+                  <a:alpha val="40000"/>
+                </a:prstClr>
+              </a:outerShdw>
+            </a:effectLst>
+          </p:spPr>
+        </p:pic>
+        <p:pic>
+          <p:nvPicPr>
+            <p:cNvPr id="172" name="Picture 171">
+              <a:extLst>
+                <a:ext uri="{FF2B5EF4-FFF2-40B4-BE49-F238E27FC236}">
+                  <a16:creationId xmlns:a16="http://schemas.microsoft.com/office/drawing/2014/main" id="{981D2737-C3A7-4FB3-ADC3-1CB1C635B763}"/>
+                </a:ext>
+              </a:extLst>
+            </p:cNvPr>
+            <p:cNvPicPr>
+              <a:picLocks noChangeAspect="1"/>
+            </p:cNvPicPr>
+            <p:nvPr/>
+          </p:nvPicPr>
+          <p:blipFill>
+            <a:blip r:embed="rId12"/>
+            <a:stretch>
+              <a:fillRect/>
+            </a:stretch>
+          </p:blipFill>
+          <p:spPr>
+            <a:xfrm>
+              <a:off x="6446107" y="3108825"/>
+              <a:ext cx="5646981" cy="735729"/>
+            </a:xfrm>
+            <a:prstGeom prst="rect">
+              <a:avLst/>
+            </a:prstGeom>
+            <a:ln>
+              <a:solidFill>
+                <a:schemeClr val="tx1"/>
+              </a:solidFill>
+            </a:ln>
+            <a:effectLst>
+              <a:outerShdw blurRad="50800" dist="38100" dir="8100000" algn="tr" rotWithShape="0">
+                <a:prstClr val="black">
+                  <a:alpha val="40000"/>
+                </a:prstClr>
+              </a:outerShdw>
+            </a:effectLst>
+          </p:spPr>
+        </p:pic>
+      </p:grpSp>
+      <p:pic>
+        <p:nvPicPr>
+          <p:cNvPr id="175" name="Picture 174">
+            <a:extLst>
+              <a:ext uri="{FF2B5EF4-FFF2-40B4-BE49-F238E27FC236}">
+                <a16:creationId xmlns:a16="http://schemas.microsoft.com/office/drawing/2014/main" id="{50A157EA-8927-2B19-D9C7-4DF55901459C}"/>
+              </a:ext>
+            </a:extLst>
+          </p:cNvPr>
+          <p:cNvPicPr>
+            <a:picLocks noChangeAspect="1"/>
+          </p:cNvPicPr>
+          <p:nvPr/>
+        </p:nvPicPr>
+        <p:blipFill>
+          <a:blip r:embed="rId8"/>
+          <a:stretch>
+            <a:fillRect/>
+          </a:stretch>
+        </p:blipFill>
+        <p:spPr>
+          <a:xfrm>
+            <a:off x="4466886" y="94744"/>
+            <a:ext cx="1496288" cy="411068"/>
+          </a:xfrm>
+          <a:prstGeom prst="rect">
+            <a:avLst/>
+          </a:prstGeom>
+          <a:ln w="28575">
+            <a:solidFill>
+              <a:srgbClr val="FF0000"/>
+            </a:solidFill>
+          </a:ln>
+          <a:effectLst>
+            <a:outerShdw blurRad="76200" dir="13500000" sy="23000" kx="1200000" algn="br" rotWithShape="0">
+              <a:prstClr val="black">
+                <a:alpha val="20000"/>
+              </a:prstClr>
+            </a:outerShdw>
+          </a:effectLst>
+        </p:spPr>
+      </p:pic>
+      <p:sp>
+        <p:nvSpPr>
+          <p:cNvPr id="178" name="Rectangle 177">
+            <a:extLst>
+              <a:ext uri="{FF2B5EF4-FFF2-40B4-BE49-F238E27FC236}">
+                <a16:creationId xmlns:a16="http://schemas.microsoft.com/office/drawing/2014/main" id="{3FC1997B-4291-6675-59EF-C035FBA71B64}"/>
+              </a:ext>
+            </a:extLst>
+          </p:cNvPr>
+          <p:cNvSpPr/>
+          <p:nvPr/>
+        </p:nvSpPr>
+        <p:spPr>
+          <a:xfrm>
+            <a:off x="6708489" y="2754817"/>
+            <a:ext cx="676380" cy="206802"/>
+          </a:xfrm>
+          <a:prstGeom prst="rect">
+            <a:avLst/>
+          </a:prstGeom>
+          <a:noFill/>
+          <a:ln w="38100">
+            <a:solidFill>
+              <a:srgbClr val="FF0000"/>
+            </a:solidFill>
+          </a:ln>
+        </p:spPr>
+        <p:style>
+          <a:lnRef idx="2">
+            <a:schemeClr val="accent1">
+              <a:shade val="15000"/>
+            </a:schemeClr>
+          </a:lnRef>
+          <a:fillRef idx="1">
+            <a:schemeClr val="accent1"/>
+          </a:fillRef>
+          <a:effectRef idx="0">
+            <a:schemeClr val="accent1"/>
+          </a:effectRef>
+          <a:fontRef idx="minor">
+            <a:schemeClr val="lt1"/>
+          </a:fontRef>
+        </p:style>
+        <p:txBody>
+          <a:bodyPr rtlCol="0" anchor="ctr"/>
+          <a:lstStyle/>
+          <a:p>
+            <a:pPr algn="ctr"/>
+            <a:endParaRPr lang="LID4096"/>
+          </a:p>
+        </p:txBody>
+      </p:sp>
+      <p:sp>
+        <p:nvSpPr>
+          <p:cNvPr id="181" name="Rectangle 180">
+            <a:extLst>
+              <a:ext uri="{FF2B5EF4-FFF2-40B4-BE49-F238E27FC236}">
+                <a16:creationId xmlns:a16="http://schemas.microsoft.com/office/drawing/2014/main" id="{6C0C4237-DC5C-8B40-54EE-79D470C3515F}"/>
+              </a:ext>
+            </a:extLst>
+          </p:cNvPr>
+          <p:cNvSpPr/>
+          <p:nvPr/>
+        </p:nvSpPr>
+        <p:spPr>
+          <a:xfrm>
+            <a:off x="6453051" y="3426826"/>
+            <a:ext cx="255438" cy="243447"/>
+          </a:xfrm>
+          <a:prstGeom prst="rect">
+            <a:avLst/>
+          </a:prstGeom>
+          <a:noFill/>
+          <a:ln w="38100">
+            <a:solidFill>
+              <a:srgbClr val="0000FF"/>
+            </a:solidFill>
+          </a:ln>
+        </p:spPr>
+        <p:style>
+          <a:lnRef idx="2">
+            <a:schemeClr val="accent1">
+              <a:shade val="15000"/>
+            </a:schemeClr>
+          </a:lnRef>
+          <a:fillRef idx="1">
+            <a:schemeClr val="accent1"/>
+          </a:fillRef>
+          <a:effectRef idx="0">
+            <a:schemeClr val="accent1"/>
+          </a:effectRef>
+          <a:fontRef idx="minor">
+            <a:schemeClr val="lt1"/>
+          </a:fontRef>
+        </p:style>
+        <p:txBody>
+          <a:bodyPr rtlCol="0" anchor="ctr"/>
+          <a:lstStyle/>
+          <a:p>
+            <a:pPr algn="ctr"/>
+            <a:endParaRPr lang="LID4096"/>
+          </a:p>
+        </p:txBody>
+      </p:sp>
+      <p:sp>
+        <p:nvSpPr>
+          <p:cNvPr id="184" name="Rectangle 183">
+            <a:extLst>
+              <a:ext uri="{FF2B5EF4-FFF2-40B4-BE49-F238E27FC236}">
+                <a16:creationId xmlns:a16="http://schemas.microsoft.com/office/drawing/2014/main" id="{B15040E3-887A-341E-5C36-96A70836DBEA}"/>
+              </a:ext>
+            </a:extLst>
+          </p:cNvPr>
+          <p:cNvSpPr/>
+          <p:nvPr/>
+        </p:nvSpPr>
+        <p:spPr>
+          <a:xfrm>
+            <a:off x="6447231" y="4059990"/>
+            <a:ext cx="255438" cy="243447"/>
+          </a:xfrm>
+          <a:prstGeom prst="rect">
+            <a:avLst/>
+          </a:prstGeom>
+          <a:noFill/>
+          <a:ln w="38100">
+            <a:solidFill>
+              <a:srgbClr val="0000FF"/>
+            </a:solidFill>
+          </a:ln>
+        </p:spPr>
+        <p:style>
+          <a:lnRef idx="2">
+            <a:schemeClr val="accent1">
+              <a:shade val="15000"/>
+            </a:schemeClr>
+          </a:lnRef>
+          <a:fillRef idx="1">
+            <a:schemeClr val="accent1"/>
+          </a:fillRef>
+          <a:effectRef idx="0">
+            <a:schemeClr val="accent1"/>
+          </a:effectRef>
+          <a:fontRef idx="minor">
+            <a:schemeClr val="lt1"/>
+          </a:fontRef>
+        </p:style>
+        <p:txBody>
+          <a:bodyPr rtlCol="0" anchor="ctr"/>
+          <a:lstStyle/>
+          <a:p>
+            <a:pPr algn="ctr"/>
+            <a:endParaRPr lang="LID4096"/>
+          </a:p>
+        </p:txBody>
+      </p:sp>
+      <p:pic>
+        <p:nvPicPr>
+          <p:cNvPr id="186" name="Picture 185">
+            <a:extLst>
+              <a:ext uri="{FF2B5EF4-FFF2-40B4-BE49-F238E27FC236}">
+                <a16:creationId xmlns:a16="http://schemas.microsoft.com/office/drawing/2014/main" id="{E799EFB4-4D6B-6AD4-8452-B6DEBA3CC5DF}"/>
+              </a:ext>
+            </a:extLst>
+          </p:cNvPr>
+          <p:cNvPicPr>
+            <a:picLocks noChangeAspect="1"/>
+          </p:cNvPicPr>
+          <p:nvPr/>
+        </p:nvPicPr>
+        <p:blipFill>
+          <a:blip r:embed="rId4"/>
+          <a:srcRect t="2669" r="76290" b="91287"/>
+          <a:stretch/>
+        </p:blipFill>
+        <p:spPr>
+          <a:xfrm>
+            <a:off x="6152247" y="4537108"/>
+            <a:ext cx="2155928" cy="274809"/>
+          </a:xfrm>
+          <a:prstGeom prst="rect">
+            <a:avLst/>
+          </a:prstGeom>
+          <a:ln>
+            <a:solidFill>
+              <a:schemeClr val="tx1"/>
+            </a:solidFill>
+          </a:ln>
+          <a:effectLst>
+            <a:outerShdw blurRad="50800" dist="38100" dir="8100000" algn="tr" rotWithShape="0">
+              <a:prstClr val="black">
+                <a:alpha val="40000"/>
+              </a:prstClr>
+            </a:outerShdw>
+          </a:effectLst>
+        </p:spPr>
+      </p:pic>
+      <p:pic>
+        <p:nvPicPr>
+          <p:cNvPr id="2" name="Picture 1">
+            <a:extLst>
+              <a:ext uri="{FF2B5EF4-FFF2-40B4-BE49-F238E27FC236}">
+                <a16:creationId xmlns:a16="http://schemas.microsoft.com/office/drawing/2014/main" id="{05FEFCF1-1F84-77DB-86F1-A9E663D5BDB7}"/>
+              </a:ext>
+            </a:extLst>
+          </p:cNvPr>
+          <p:cNvPicPr>
+            <a:picLocks noChangeAspect="1"/>
+          </p:cNvPicPr>
+          <p:nvPr/>
+        </p:nvPicPr>
+        <p:blipFill>
+          <a:blip r:embed="rId13"/>
+          <a:stretch>
+            <a:fillRect/>
+          </a:stretch>
+        </p:blipFill>
+        <p:spPr>
+          <a:xfrm>
+            <a:off x="317306" y="4224966"/>
+            <a:ext cx="1759372" cy="427511"/>
+          </a:xfrm>
+          <a:prstGeom prst="rect">
+            <a:avLst/>
+          </a:prstGeom>
+          <a:ln w="28575">
+            <a:solidFill>
+              <a:srgbClr val="0000FF"/>
+            </a:solidFill>
+          </a:ln>
+          <a:effectLst>
+            <a:outerShdw blurRad="76200" dir="13500000" sy="23000" kx="1200000" algn="br" rotWithShape="0">
+              <a:prstClr val="black">
+                <a:alpha val="20000"/>
+              </a:prstClr>
+            </a:outerShdw>
+          </a:effectLst>
+        </p:spPr>
+      </p:pic>
+      <p:sp>
+        <p:nvSpPr>
+          <p:cNvPr id="4" name="TextBox 3">
+            <a:extLst>
+              <a:ext uri="{FF2B5EF4-FFF2-40B4-BE49-F238E27FC236}">
+                <a16:creationId xmlns:a16="http://schemas.microsoft.com/office/drawing/2014/main" id="{76EAD8DB-22C1-198F-BA9E-6D2E99647D49}"/>
               </a:ext>
             </a:extLst>
           </p:cNvPr>
@@ -4641,15 +6322,17 @@
         </p:nvSpPr>
         <p:spPr>
           <a:xfrm>
-            <a:off x="7462752" y="5871324"/>
-            <a:ext cx="1126503" cy="481515"/>
+            <a:off x="-10071" y="-4434"/>
+            <a:ext cx="12202071" cy="6862434"/>
           </a:xfrm>
           <a:prstGeom prst="rect">
             <a:avLst/>
           </a:prstGeom>
           <a:noFill/>
           <a:ln w="28575">
-            <a:noFill/>
+            <a:solidFill>
+              <a:schemeClr val="tx1"/>
+            </a:solidFill>
           </a:ln>
           <a:effectLst/>
         </p:spPr>
@@ -4663,204 +6346,16 @@
             </a:defPPr>
           </a:lstStyle>
           <a:p>
-            <a:r>
-              <a:rPr lang="en-US" sz="3200" b="1" dirty="0">
-                <a:effectLst>
-                  <a:outerShdw blurRad="38100" dist="38100" dir="2700000" algn="tl">
-                    <a:srgbClr val="000000">
-                      <a:alpha val="43137"/>
-                    </a:srgbClr>
-                  </a:outerShdw>
-                </a:effectLst>
-              </a:rPr>
-              <a:t>+</a:t>
-            </a:r>
+            <a:endParaRPr lang="en-US" dirty="0"/>
           </a:p>
         </p:txBody>
       </p:sp>
       <p:sp>
         <p:nvSpPr>
-          <p:cNvPr id="73" name="TextBox 72">
-            <a:extLst>
-              <a:ext uri="{FF2B5EF4-FFF2-40B4-BE49-F238E27FC236}">
-                <a16:creationId xmlns:a16="http://schemas.microsoft.com/office/drawing/2014/main" id="{66D91A1C-D496-4813-4A89-6541A15065D2}"/>
-              </a:ext>
-            </a:extLst>
-          </p:cNvPr>
-          <p:cNvSpPr txBox="1">
-            <a:spLocks noChangeAspect="1"/>
-          </p:cNvSpPr>
-          <p:nvPr/>
-        </p:nvSpPr>
-        <p:spPr>
-          <a:xfrm>
-            <a:off x="7913442" y="5965966"/>
-            <a:ext cx="584527" cy="292230"/>
-          </a:xfrm>
-          <a:prstGeom prst="rect">
-            <a:avLst/>
-          </a:prstGeom>
-          <a:solidFill>
-            <a:schemeClr val="bg1"/>
-          </a:solidFill>
-          <a:ln>
-            <a:solidFill>
-              <a:schemeClr val="tx1"/>
-            </a:solidFill>
-          </a:ln>
-          <a:effectLst>
-            <a:outerShdw blurRad="63500" sx="102000" sy="102000" algn="ctr" rotWithShape="0">
-              <a:prstClr val="black">
-                <a:alpha val="40000"/>
-              </a:prstClr>
-            </a:outerShdw>
-          </a:effectLst>
-        </p:spPr>
-        <p:txBody>
-          <a:bodyPr wrap="none" lIns="0" tIns="0" rIns="0" bIns="0" anchor="ctr" anchorCtr="0">
-            <a:noAutofit/>
-          </a:bodyPr>
-          <a:lstStyle/>
-          <a:p>
-            <a:pPr algn="ctr"/>
-            <a:r>
-              <a:rPr lang="pt-BR" dirty="0"/>
-              <a:t>05a</a:t>
-            </a:r>
-          </a:p>
-        </p:txBody>
-      </p:sp>
-      <p:grpSp>
-        <p:nvGrpSpPr>
-          <p:cNvPr id="5" name="Group 4">
-            <a:extLst>
-              <a:ext uri="{FF2B5EF4-FFF2-40B4-BE49-F238E27FC236}">
-                <a16:creationId xmlns:a16="http://schemas.microsoft.com/office/drawing/2014/main" id="{2724A7D0-A4BD-60D2-4575-F1F9DA0BDB79}"/>
-              </a:ext>
-            </a:extLst>
-          </p:cNvPr>
-          <p:cNvGrpSpPr>
-            <a:grpSpLocks noChangeAspect="1"/>
-          </p:cNvGrpSpPr>
-          <p:nvPr/>
-        </p:nvGrpSpPr>
-        <p:grpSpPr>
-          <a:xfrm>
-            <a:off x="2565261" y="2218384"/>
-            <a:ext cx="180183" cy="299959"/>
-            <a:chOff x="2342605" y="3648890"/>
-            <a:chExt cx="340523" cy="566884"/>
-          </a:xfrm>
-        </p:grpSpPr>
-        <p:sp>
-          <p:nvSpPr>
-            <p:cNvPr id="3" name="Arrow: Right 2">
-              <a:extLst>
-                <a:ext uri="{FF2B5EF4-FFF2-40B4-BE49-F238E27FC236}">
-                  <a16:creationId xmlns:a16="http://schemas.microsoft.com/office/drawing/2014/main" id="{A88BC99A-1063-D913-5416-4B7C1057B60E}"/>
-                </a:ext>
-              </a:extLst>
-            </p:cNvPr>
-            <p:cNvSpPr>
-              <a:spLocks noChangeAspect="1"/>
-            </p:cNvSpPr>
-            <p:nvPr/>
-          </p:nvSpPr>
-          <p:spPr>
-            <a:xfrm rot="10800000" flipH="1">
-              <a:off x="2342605" y="3648890"/>
-              <a:ext cx="340523" cy="252960"/>
-            </a:xfrm>
-            <a:prstGeom prst="rightArrow">
-              <a:avLst/>
-            </a:prstGeom>
-            <a:solidFill>
-              <a:srgbClr val="FF0000"/>
-            </a:solidFill>
-          </p:spPr>
-          <p:style>
-            <a:lnRef idx="2">
-              <a:schemeClr val="accent1">
-                <a:shade val="15000"/>
-              </a:schemeClr>
-            </a:lnRef>
-            <a:fillRef idx="1">
-              <a:schemeClr val="accent1"/>
-            </a:fillRef>
-            <a:effectRef idx="0">
-              <a:schemeClr val="accent1"/>
-            </a:effectRef>
-            <a:fontRef idx="minor">
-              <a:schemeClr val="lt1"/>
-            </a:fontRef>
-          </p:style>
-          <p:txBody>
-            <a:bodyPr rtlCol="0" anchor="ctr"/>
-            <a:lstStyle/>
-            <a:p>
-              <a:pPr algn="ctr"/>
-              <a:endParaRPr lang="LID4096"/>
-            </a:p>
-          </p:txBody>
-        </p:sp>
-        <p:sp>
-          <p:nvSpPr>
-            <p:cNvPr id="4" name="Arrow: Right 3">
-              <a:extLst>
-                <a:ext uri="{FF2B5EF4-FFF2-40B4-BE49-F238E27FC236}">
-                  <a16:creationId xmlns:a16="http://schemas.microsoft.com/office/drawing/2014/main" id="{ADCC901B-695E-A528-B20C-A9690C5E3281}"/>
-                </a:ext>
-              </a:extLst>
-            </p:cNvPr>
-            <p:cNvSpPr>
-              <a:spLocks noChangeAspect="1"/>
-            </p:cNvSpPr>
-            <p:nvPr/>
-          </p:nvSpPr>
-          <p:spPr>
-            <a:xfrm rot="10800000" flipH="1">
-              <a:off x="2342605" y="3962814"/>
-              <a:ext cx="340523" cy="252960"/>
-            </a:xfrm>
-            <a:prstGeom prst="rightArrow">
-              <a:avLst/>
-            </a:prstGeom>
-            <a:solidFill>
-              <a:srgbClr val="FF0000"/>
-            </a:solidFill>
-          </p:spPr>
-          <p:style>
-            <a:lnRef idx="2">
-              <a:schemeClr val="accent1">
-                <a:shade val="15000"/>
-              </a:schemeClr>
-            </a:lnRef>
-            <a:fillRef idx="1">
-              <a:schemeClr val="accent1"/>
-            </a:fillRef>
-            <a:effectRef idx="0">
-              <a:schemeClr val="accent1"/>
-            </a:effectRef>
-            <a:fontRef idx="minor">
-              <a:schemeClr val="lt1"/>
-            </a:fontRef>
-          </p:style>
-          <p:txBody>
-            <a:bodyPr rtlCol="0" anchor="ctr"/>
-            <a:lstStyle/>
-            <a:p>
-              <a:pPr algn="ctr"/>
-              <a:endParaRPr lang="LID4096"/>
-            </a:p>
-          </p:txBody>
-        </p:sp>
-      </p:grpSp>
-      <p:sp>
-        <p:nvSpPr>
-          <p:cNvPr id="8" name="TextBox 7">
-            <a:extLst>
-              <a:ext uri="{FF2B5EF4-FFF2-40B4-BE49-F238E27FC236}">
-                <a16:creationId xmlns:a16="http://schemas.microsoft.com/office/drawing/2014/main" id="{07015F85-28E8-E10A-9C61-D6FB5C026F42}"/>
+          <p:cNvPr id="6" name="TextBox 5">
+            <a:extLst>
+              <a:ext uri="{FF2B5EF4-FFF2-40B4-BE49-F238E27FC236}">
+                <a16:creationId xmlns:a16="http://schemas.microsoft.com/office/drawing/2014/main" id="{1F2F41EB-22CE-7F2E-4050-BCE0F5AFE022}"/>
               </a:ext>
             </a:extLst>
           </p:cNvPr>
@@ -4869,8 +6364,8 @@
         </p:nvSpPr>
         <p:spPr>
           <a:xfrm>
-            <a:off x="9295008" y="61622"/>
-            <a:ext cx="2447925" cy="400110"/>
+            <a:off x="11408636" y="61622"/>
+            <a:ext cx="783364" cy="646331"/>
           </a:xfrm>
           <a:prstGeom prst="rect">
             <a:avLst/>
@@ -4885,59 +6380,21 @@
           <a:p>
             <a:pPr algn="ctr"/>
             <a:r>
-              <a:rPr lang="LID4096" sz="2000" b="1" dirty="0"/>
-              <a:t>part2_01_pstfrom</a:t>
+              <a:rPr lang="LID4096" sz="1200" b="1" dirty="0"/>
+              <a:t>part2_01_</a:t>
             </a:r>
-          </a:p>
-        </p:txBody>
-      </p:sp>
-      <p:sp>
-        <p:nvSpPr>
-          <p:cNvPr id="6" name="TextBox 5">
-            <a:extLst>
-              <a:ext uri="{FF2B5EF4-FFF2-40B4-BE49-F238E27FC236}">
-                <a16:creationId xmlns:a16="http://schemas.microsoft.com/office/drawing/2014/main" id="{2905D724-6AC1-F066-B323-C7DC51169954}"/>
-              </a:ext>
-            </a:extLst>
-          </p:cNvPr>
-          <p:cNvSpPr txBox="1">
-            <a:spLocks noChangeAspect="1"/>
-          </p:cNvSpPr>
-          <p:nvPr/>
-        </p:nvSpPr>
-        <p:spPr>
-          <a:xfrm>
-            <a:off x="11636450" y="0"/>
-            <a:ext cx="555550" cy="539617"/>
-          </a:xfrm>
-          <a:prstGeom prst="rect">
-            <a:avLst/>
-          </a:prstGeom>
-          <a:solidFill>
-            <a:schemeClr val="bg1">
-              <a:lumMod val="85000"/>
-            </a:schemeClr>
-          </a:solidFill>
-        </p:spPr>
-        <p:txBody>
-          <a:bodyPr wrap="none" lIns="0" tIns="0" rIns="0" bIns="0" anchor="ctr" anchorCtr="0">
-            <a:noAutofit/>
-          </a:bodyPr>
-          <a:lstStyle/>
-          <a:p>
-            <a:pPr algn="ctr"/>
             <a:r>
-              <a:rPr lang="pt-BR" sz="2400" b="1" dirty="0"/>
-              <a:t>01</a:t>
+              <a:rPr lang="en-US" sz="1200" b="1" dirty="0"/>
+              <a:t>pstfromSETUP</a:t>
             </a:r>
-            <a:endParaRPr lang="LID4096" sz="2400" b="1" dirty="0"/>
+            <a:endParaRPr lang="LID4096" sz="1200" b="1" dirty="0"/>
           </a:p>
         </p:txBody>
       </p:sp>
     </p:spTree>
     <p:extLst>
       <p:ext uri="{BB962C8B-B14F-4D97-AF65-F5344CB8AC3E}">
-        <p14:creationId xmlns:p14="http://schemas.microsoft.com/office/powerpoint/2010/main" val="235134825"/>
+        <p14:creationId xmlns:p14="http://schemas.microsoft.com/office/powerpoint/2010/main" val="1205690601"/>
       </p:ext>
     </p:extLst>
   </p:cSld>
@@ -4947,7 +6404,7 @@
 </p:sld>
 </file>
 
-<file path=ppt/slides/slide10.xml><?xml version="1.0" encoding="utf-8"?>
+<file path=ppt/slides/slide11.xml><?xml version="1.0" encoding="utf-8"?>
 <p:sld xmlns:a="http://schemas.openxmlformats.org/drawingml/2006/main" xmlns:r="http://schemas.openxmlformats.org/officeDocument/2006/relationships" xmlns:p="http://schemas.openxmlformats.org/presentationml/2006/main">
   <p:cSld>
     <p:bg>
@@ -6077,10 +7534,10 @@
       </p:sp>
       <p:sp>
         <p:nvSpPr>
-          <p:cNvPr id="4" name="TextBox 3">
-            <a:extLst>
-              <a:ext uri="{FF2B5EF4-FFF2-40B4-BE49-F238E27FC236}">
-                <a16:creationId xmlns:a16="http://schemas.microsoft.com/office/drawing/2014/main" id="{DFA5825B-233F-A55C-C907-F37692104601}"/>
+          <p:cNvPr id="2" name="TextBox 1">
+            <a:extLst>
+              <a:ext uri="{FF2B5EF4-FFF2-40B4-BE49-F238E27FC236}">
+                <a16:creationId xmlns:a16="http://schemas.microsoft.com/office/drawing/2014/main" id="{224434E4-D594-F2ED-F522-D49637660703}"/>
               </a:ext>
             </a:extLst>
           </p:cNvPr>
@@ -6089,8 +7546,8 @@
         </p:nvSpPr>
         <p:spPr>
           <a:xfrm>
-            <a:off x="9801313" y="0"/>
-            <a:ext cx="2447925" cy="338554"/>
+            <a:off x="10328366" y="61622"/>
+            <a:ext cx="1863634" cy="276999"/>
           </a:xfrm>
           <a:prstGeom prst="rect">
             <a:avLst/>
@@ -6103,11 +7560,16 @@
           </a:bodyPr>
           <a:lstStyle/>
           <a:p>
-            <a:pPr algn="r"/>
+            <a:pPr algn="ctr"/>
             <a:r>
-              <a:rPr lang="LID4096" sz="1600" b="1" dirty="0"/>
-              <a:t>pstfrom</a:t>
+              <a:rPr lang="LID4096" sz="1200" b="1" dirty="0"/>
+              <a:t>part2_01_</a:t>
             </a:r>
+            <a:r>
+              <a:rPr lang="en-US" sz="1200" b="1" dirty="0"/>
+              <a:t>pstfromSETUP</a:t>
+            </a:r>
+            <a:endParaRPr lang="LID4096" sz="1200" b="1" dirty="0"/>
           </a:p>
         </p:txBody>
       </p:sp>
@@ -6124,7 +7586,7 @@
 </p:sld>
 </file>
 
-<file path=ppt/slides/slide11.xml><?xml version="1.0" encoding="utf-8"?>
+<file path=ppt/slides/slide12.xml><?xml version="1.0" encoding="utf-8"?>
 <p:sld xmlns:a="http://schemas.openxmlformats.org/drawingml/2006/main" xmlns:r="http://schemas.openxmlformats.org/officeDocument/2006/relationships" xmlns:p="http://schemas.openxmlformats.org/presentationml/2006/main">
   <p:cSld>
     <p:bg>
@@ -6196,10 +7658,10 @@
       </p:sp>
       <p:sp>
         <p:nvSpPr>
-          <p:cNvPr id="5" name="TextBox 4">
-            <a:extLst>
-              <a:ext uri="{FF2B5EF4-FFF2-40B4-BE49-F238E27FC236}">
-                <a16:creationId xmlns:a16="http://schemas.microsoft.com/office/drawing/2014/main" id="{CE3537FF-5AE3-4C03-2EAE-671547287184}"/>
+          <p:cNvPr id="3" name="TextBox 2">
+            <a:extLst>
+              <a:ext uri="{FF2B5EF4-FFF2-40B4-BE49-F238E27FC236}">
+                <a16:creationId xmlns:a16="http://schemas.microsoft.com/office/drawing/2014/main" id="{BC11B293-F5A8-C9C0-2712-1D1DAF5716AE}"/>
               </a:ext>
             </a:extLst>
           </p:cNvPr>
@@ -6208,8 +7670,8 @@
         </p:nvSpPr>
         <p:spPr>
           <a:xfrm>
-            <a:off x="9801313" y="0"/>
-            <a:ext cx="2447925" cy="338554"/>
+            <a:off x="10328366" y="61622"/>
+            <a:ext cx="1863634" cy="276999"/>
           </a:xfrm>
           <a:prstGeom prst="rect">
             <a:avLst/>
@@ -6222,11 +7684,16 @@
           </a:bodyPr>
           <a:lstStyle/>
           <a:p>
-            <a:pPr algn="r"/>
+            <a:pPr algn="ctr"/>
             <a:r>
-              <a:rPr lang="LID4096" sz="1600" b="1" dirty="0"/>
-              <a:t>pstfrom</a:t>
+              <a:rPr lang="LID4096" sz="1200" b="1" dirty="0"/>
+              <a:t>part2_01_</a:t>
             </a:r>
+            <a:r>
+              <a:rPr lang="en-US" sz="1200" b="1" dirty="0"/>
+              <a:t>pstfromSETUP</a:t>
+            </a:r>
+            <a:endParaRPr lang="LID4096" sz="1200" b="1" dirty="0"/>
           </a:p>
         </p:txBody>
       </p:sp>
@@ -6243,7 +7710,7 @@
 </p:sld>
 </file>
 
-<file path=ppt/slides/slide12.xml><?xml version="1.0" encoding="utf-8"?>
+<file path=ppt/slides/slide13.xml><?xml version="1.0" encoding="utf-8"?>
 <p:sld xmlns:a="http://schemas.openxmlformats.org/drawingml/2006/main" xmlns:r="http://schemas.openxmlformats.org/officeDocument/2006/relationships" xmlns:p="http://schemas.openxmlformats.org/presentationml/2006/main">
   <p:cSld>
     <p:bg>
@@ -8989,7 +10456,7 @@
 </p:sld>
 </file>
 
-<file path=ppt/slides/slide13.xml><?xml version="1.0" encoding="utf-8"?>
+<file path=ppt/slides/slide14.xml><?xml version="1.0" encoding="utf-8"?>
 <p:sld xmlns:a="http://schemas.openxmlformats.org/drawingml/2006/main" xmlns:r="http://schemas.openxmlformats.org/officeDocument/2006/relationships" xmlns:p="http://schemas.openxmlformats.org/presentationml/2006/main">
   <p:cSld>
     <p:bg>
@@ -10557,7 +12024,7 @@
 </p:sld>
 </file>
 
-<file path=ppt/slides/slide14.xml><?xml version="1.0" encoding="utf-8"?>
+<file path=ppt/slides/slide15.xml><?xml version="1.0" encoding="utf-8"?>
 <p:sld xmlns:a="http://schemas.openxmlformats.org/drawingml/2006/main" xmlns:r="http://schemas.openxmlformats.org/officeDocument/2006/relationships" xmlns:p="http://schemas.openxmlformats.org/presentationml/2006/main">
   <p:cSld>
     <p:bg>
@@ -11178,7 +12645,7 @@
 </p:sld>
 </file>
 
-<file path=ppt/slides/slide15.xml><?xml version="1.0" encoding="utf-8"?>
+<file path=ppt/slides/slide16.xml><?xml version="1.0" encoding="utf-8"?>
 <p:sld xmlns:a="http://schemas.openxmlformats.org/drawingml/2006/main" xmlns:r="http://schemas.openxmlformats.org/officeDocument/2006/relationships" xmlns:p="http://schemas.openxmlformats.org/presentationml/2006/main">
   <p:cSld>
     <p:spTree>
@@ -14862,7 +16329,7 @@
 </p:sld>
 </file>
 
-<file path=ppt/slides/slide16.xml><?xml version="1.0" encoding="utf-8"?>
+<file path=ppt/slides/slide17.xml><?xml version="1.0" encoding="utf-8"?>
 <p:sld xmlns:a="http://schemas.openxmlformats.org/drawingml/2006/main" xmlns:r="http://schemas.openxmlformats.org/officeDocument/2006/relationships" xmlns:p="http://schemas.openxmlformats.org/presentationml/2006/main">
   <p:cSld>
     <p:spTree>
@@ -15581,7 +17048,7 @@
 </p:sld>
 </file>
 
-<file path=ppt/slides/slide17.xml><?xml version="1.0" encoding="utf-8"?>
+<file path=ppt/slides/slide18.xml><?xml version="1.0" encoding="utf-8"?>
 <p:sld xmlns:a="http://schemas.openxmlformats.org/drawingml/2006/main" xmlns:r="http://schemas.openxmlformats.org/officeDocument/2006/relationships" xmlns:p="http://schemas.openxmlformats.org/presentationml/2006/main">
   <p:cSld>
     <p:spTree>
@@ -16459,6 +17926,1618 @@
         <p:cNvPr id="1" name="">
           <a:extLst>
             <a:ext uri="{FF2B5EF4-FFF2-40B4-BE49-F238E27FC236}">
+              <a16:creationId xmlns:a16="http://schemas.microsoft.com/office/drawing/2014/main" id="{3424B826-587F-4ED2-A82C-A9F026D793DB}"/>
+            </a:ext>
+          </a:extLst>
+        </p:cNvPr>
+        <p:cNvGrpSpPr/>
+        <p:nvPr/>
+      </p:nvGrpSpPr>
+      <p:grpSpPr>
+        <a:xfrm>
+          <a:off x="0" y="0"/>
+          <a:ext cx="0" cy="0"/>
+          <a:chOff x="0" y="0"/>
+          <a:chExt cx="0" cy="0"/>
+        </a:xfrm>
+      </p:grpSpPr>
+      <p:grpSp>
+        <p:nvGrpSpPr>
+          <p:cNvPr id="52" name="Group 51">
+            <a:extLst>
+              <a:ext uri="{FF2B5EF4-FFF2-40B4-BE49-F238E27FC236}">
+                <a16:creationId xmlns:a16="http://schemas.microsoft.com/office/drawing/2014/main" id="{D5C9FA33-B22E-B59F-C241-71945DDF619D}"/>
+              </a:ext>
+            </a:extLst>
+          </p:cNvPr>
+          <p:cNvGrpSpPr>
+            <a:grpSpLocks noChangeAspect="1"/>
+          </p:cNvGrpSpPr>
+          <p:nvPr/>
+        </p:nvGrpSpPr>
+        <p:grpSpPr>
+          <a:xfrm>
+            <a:off x="7913444" y="1441300"/>
+            <a:ext cx="3917884" cy="3447761"/>
+            <a:chOff x="6937184" y="1957155"/>
+            <a:chExt cx="3163174" cy="2783612"/>
+          </a:xfrm>
+        </p:grpSpPr>
+        <p:pic>
+          <p:nvPicPr>
+            <p:cNvPr id="54" name="Picture 53">
+              <a:extLst>
+                <a:ext uri="{FF2B5EF4-FFF2-40B4-BE49-F238E27FC236}">
+                  <a16:creationId xmlns:a16="http://schemas.microsoft.com/office/drawing/2014/main" id="{BDC6650B-EAAA-4A88-5483-B39E21701D73}"/>
+                </a:ext>
+              </a:extLst>
+            </p:cNvPr>
+            <p:cNvPicPr>
+              <a:picLocks noChangeAspect="1"/>
+            </p:cNvPicPr>
+            <p:nvPr/>
+          </p:nvPicPr>
+          <p:blipFill>
+            <a:blip r:embed="rId2"/>
+            <a:stretch>
+              <a:fillRect/>
+            </a:stretch>
+          </p:blipFill>
+          <p:spPr>
+            <a:xfrm>
+              <a:off x="6938058" y="2397617"/>
+              <a:ext cx="3162300" cy="2343150"/>
+            </a:xfrm>
+            <a:prstGeom prst="rect">
+              <a:avLst/>
+            </a:prstGeom>
+            <a:ln>
+              <a:solidFill>
+                <a:schemeClr val="tx1"/>
+              </a:solidFill>
+            </a:ln>
+            <a:effectLst>
+              <a:outerShdw blurRad="50800" dist="38100" dir="8100000" algn="tr" rotWithShape="0">
+                <a:prstClr val="black">
+                  <a:alpha val="40000"/>
+                </a:prstClr>
+              </a:outerShdw>
+            </a:effectLst>
+          </p:spPr>
+        </p:pic>
+        <p:sp>
+          <p:nvSpPr>
+            <p:cNvPr id="55" name="TextBox 54">
+              <a:extLst>
+                <a:ext uri="{FF2B5EF4-FFF2-40B4-BE49-F238E27FC236}">
+                  <a16:creationId xmlns:a16="http://schemas.microsoft.com/office/drawing/2014/main" id="{ED8EA795-DFC1-91BD-EF95-DA4B6E74CB06}"/>
+                </a:ext>
+              </a:extLst>
+            </p:cNvPr>
+            <p:cNvSpPr txBox="1"/>
+            <p:nvPr/>
+          </p:nvSpPr>
+          <p:spPr>
+            <a:xfrm>
+              <a:off x="6937184" y="1957155"/>
+              <a:ext cx="935926" cy="369332"/>
+            </a:xfrm>
+            <a:prstGeom prst="rect">
+              <a:avLst/>
+            </a:prstGeom>
+            <a:solidFill>
+              <a:schemeClr val="bg1"/>
+            </a:solidFill>
+            <a:ln w="28575">
+              <a:solidFill>
+                <a:schemeClr val="tx1"/>
+              </a:solidFill>
+            </a:ln>
+            <a:effectLst>
+              <a:outerShdw blurRad="50800" dist="38100" dir="8100000" algn="tr" rotWithShape="0">
+                <a:prstClr val="black">
+                  <a:alpha val="40000"/>
+                </a:prstClr>
+              </a:outerShdw>
+            </a:effectLst>
+          </p:spPr>
+          <p:txBody>
+            <a:bodyPr wrap="none" anchor="ctr" anchorCtr="0">
+              <a:noAutofit/>
+            </a:bodyPr>
+            <a:lstStyle>
+              <a:defPPr>
+                <a:defRPr lang="LID4096"/>
+              </a:defPPr>
+            </a:lstStyle>
+            <a:p>
+              <a:r>
+                <a:rPr lang="en-US" sz="2400" dirty="0"/>
+                <a:t>flowPy</a:t>
+              </a:r>
+            </a:p>
+          </p:txBody>
+        </p:sp>
+      </p:grpSp>
+      <p:grpSp>
+        <p:nvGrpSpPr>
+          <p:cNvPr id="33" name="Group 32">
+            <a:extLst>
+              <a:ext uri="{FF2B5EF4-FFF2-40B4-BE49-F238E27FC236}">
+                <a16:creationId xmlns:a16="http://schemas.microsoft.com/office/drawing/2014/main" id="{3F683B63-2C20-D357-7408-69161AA307D5}"/>
+              </a:ext>
+            </a:extLst>
+          </p:cNvPr>
+          <p:cNvGrpSpPr/>
+          <p:nvPr/>
+        </p:nvGrpSpPr>
+        <p:grpSpPr>
+          <a:xfrm>
+            <a:off x="329655" y="3428999"/>
+            <a:ext cx="2120537" cy="3070689"/>
+            <a:chOff x="183158" y="3428051"/>
+            <a:chExt cx="2120537" cy="3070689"/>
+          </a:xfrm>
+        </p:grpSpPr>
+        <p:grpSp>
+          <p:nvGrpSpPr>
+            <p:cNvPr id="18" name="Group 17">
+              <a:extLst>
+                <a:ext uri="{FF2B5EF4-FFF2-40B4-BE49-F238E27FC236}">
+                  <a16:creationId xmlns:a16="http://schemas.microsoft.com/office/drawing/2014/main" id="{87C65200-271D-10B4-DB99-CF9CD0F3E779}"/>
+                </a:ext>
+              </a:extLst>
+            </p:cNvPr>
+            <p:cNvGrpSpPr/>
+            <p:nvPr/>
+          </p:nvGrpSpPr>
+          <p:grpSpPr>
+            <a:xfrm>
+              <a:off x="183158" y="3939392"/>
+              <a:ext cx="2120537" cy="2559348"/>
+              <a:chOff x="100205" y="4056379"/>
+              <a:chExt cx="2120537" cy="2559348"/>
+            </a:xfrm>
+          </p:grpSpPr>
+          <p:pic>
+            <p:nvPicPr>
+              <p:cNvPr id="12" name="Picture 11">
+                <a:extLst>
+                  <a:ext uri="{FF2B5EF4-FFF2-40B4-BE49-F238E27FC236}">
+                    <a16:creationId xmlns:a16="http://schemas.microsoft.com/office/drawing/2014/main" id="{0671AFFF-1D1D-6197-8168-BB3C6ECB83D6}"/>
+                  </a:ext>
+                </a:extLst>
+              </p:cNvPr>
+              <p:cNvPicPr>
+                <a:picLocks noChangeAspect="1"/>
+              </p:cNvPicPr>
+              <p:nvPr/>
+            </p:nvPicPr>
+            <p:blipFill>
+              <a:blip r:embed="rId3"/>
+              <a:stretch>
+                <a:fillRect/>
+              </a:stretch>
+            </p:blipFill>
+            <p:spPr>
+              <a:xfrm>
+                <a:off x="100205" y="4056379"/>
+                <a:ext cx="2120537" cy="2559348"/>
+              </a:xfrm>
+              <a:prstGeom prst="rect">
+                <a:avLst/>
+              </a:prstGeom>
+            </p:spPr>
+          </p:pic>
+          <p:sp>
+            <p:nvSpPr>
+              <p:cNvPr id="14" name="TextBox 13">
+                <a:extLst>
+                  <a:ext uri="{FF2B5EF4-FFF2-40B4-BE49-F238E27FC236}">
+                    <a16:creationId xmlns:a16="http://schemas.microsoft.com/office/drawing/2014/main" id="{A8C90713-02C1-4BA6-3FEA-4780EA8FC35F}"/>
+                  </a:ext>
+                </a:extLst>
+              </p:cNvPr>
+              <p:cNvSpPr txBox="1"/>
+              <p:nvPr/>
+            </p:nvSpPr>
+            <p:spPr>
+              <a:xfrm>
+                <a:off x="1456565" y="5950059"/>
+                <a:ext cx="764177" cy="646331"/>
+              </a:xfrm>
+              <a:prstGeom prst="rect">
+                <a:avLst/>
+              </a:prstGeom>
+              <a:solidFill>
+                <a:schemeClr val="bg1"/>
+              </a:solidFill>
+              <a:ln>
+                <a:solidFill>
+                  <a:schemeClr val="tx1"/>
+                </a:solidFill>
+              </a:ln>
+              <a:effectLst>
+                <a:outerShdw blurRad="76200" dir="13500000" sy="23000" kx="1200000" algn="br" rotWithShape="0">
+                  <a:prstClr val="black">
+                    <a:alpha val="20000"/>
+                  </a:prstClr>
+                </a:outerShdw>
+              </a:effectLst>
+            </p:spPr>
+            <p:txBody>
+              <a:bodyPr wrap="square">
+                <a:spAutoFit/>
+              </a:bodyPr>
+              <a:lstStyle/>
+              <a:p>
+                <a:pPr algn="ctr"/>
+                <a:r>
+                  <a:rPr lang="en-US" dirty="0"/>
+                  <a:t>M</a:t>
+                </a:r>
+                <a:r>
+                  <a:rPr lang="LID4096" dirty="0"/>
+                  <a:t>f6</a:t>
+                </a:r>
+                <a:endParaRPr lang="pt-BR" dirty="0"/>
+              </a:p>
+              <a:p>
+                <a:pPr algn="ctr"/>
+                <a:r>
+                  <a:rPr lang="pt-BR" dirty="0"/>
+                  <a:t>Mp7</a:t>
+                </a:r>
+              </a:p>
+            </p:txBody>
+          </p:sp>
+        </p:grpSp>
+        <p:sp>
+          <p:nvSpPr>
+            <p:cNvPr id="21" name="TextBox 20">
+              <a:extLst>
+                <a:ext uri="{FF2B5EF4-FFF2-40B4-BE49-F238E27FC236}">
+                  <a16:creationId xmlns:a16="http://schemas.microsoft.com/office/drawing/2014/main" id="{9DFAB977-D9E5-4498-FAA2-80BB8B23F3D1}"/>
+                </a:ext>
+              </a:extLst>
+            </p:cNvPr>
+            <p:cNvSpPr txBox="1"/>
+            <p:nvPr/>
+          </p:nvSpPr>
+          <p:spPr>
+            <a:xfrm>
+              <a:off x="183158" y="3428051"/>
+              <a:ext cx="2120537" cy="369332"/>
+            </a:xfrm>
+            <a:prstGeom prst="rect">
+              <a:avLst/>
+            </a:prstGeom>
+            <a:solidFill>
+              <a:schemeClr val="bg1"/>
+            </a:solidFill>
+          </p:spPr>
+          <p:txBody>
+            <a:bodyPr wrap="square">
+              <a:spAutoFit/>
+            </a:bodyPr>
+            <a:lstStyle/>
+            <a:p>
+              <a:r>
+                <a:rPr lang="pt-BR" dirty="0">
+                  <a:solidFill>
+                    <a:srgbClr val="FF0000"/>
+                  </a:solidFill>
+                </a:rPr>
+                <a:t>Folder</a:t>
+              </a:r>
+              <a:r>
+                <a:rPr lang="pt-BR" dirty="0"/>
+                <a:t> </a:t>
+              </a:r>
+              <a:r>
+                <a:rPr lang="LID4096" dirty="0"/>
+                <a:t>freyberg_mf6</a:t>
+              </a:r>
+            </a:p>
+          </p:txBody>
+        </p:sp>
+      </p:grpSp>
+      <p:sp>
+        <p:nvSpPr>
+          <p:cNvPr id="29" name="TextBox 28">
+            <a:extLst>
+              <a:ext uri="{FF2B5EF4-FFF2-40B4-BE49-F238E27FC236}">
+                <a16:creationId xmlns:a16="http://schemas.microsoft.com/office/drawing/2014/main" id="{0FC49300-5371-5F4C-72FB-0DD4FB5BF2E5}"/>
+              </a:ext>
+            </a:extLst>
+          </p:cNvPr>
+          <p:cNvSpPr txBox="1"/>
+          <p:nvPr/>
+        </p:nvSpPr>
+        <p:spPr>
+          <a:xfrm>
+            <a:off x="360673" y="2152373"/>
+            <a:ext cx="1727758" cy="646331"/>
+          </a:xfrm>
+          <a:prstGeom prst="rect">
+            <a:avLst/>
+          </a:prstGeom>
+          <a:solidFill>
+            <a:schemeClr val="bg1"/>
+          </a:solidFill>
+          <a:ln w="28575">
+            <a:solidFill>
+              <a:schemeClr val="tx1"/>
+            </a:solidFill>
+          </a:ln>
+          <a:effectLst>
+            <a:outerShdw blurRad="50800" dist="38100" dir="8100000" algn="tr" rotWithShape="0">
+              <a:prstClr val="black">
+                <a:alpha val="40000"/>
+              </a:prstClr>
+            </a:outerShdw>
+          </a:effectLst>
+        </p:spPr>
+        <p:txBody>
+          <a:bodyPr wrap="square">
+            <a:spAutoFit/>
+          </a:bodyPr>
+          <a:lstStyle>
+            <a:defPPr>
+              <a:defRPr lang="LID4096"/>
+            </a:defPPr>
+            <a:lvl1pPr>
+              <a:defRPr/>
+            </a:lvl1pPr>
+          </a:lstStyle>
+          <a:p>
+            <a:pPr algn="ctr"/>
+            <a:r>
+              <a:rPr lang="LID4096" dirty="0"/>
+              <a:t>shutil.copytree</a:t>
+            </a:r>
+            <a:endParaRPr lang="pt-BR" dirty="0"/>
+          </a:p>
+          <a:p>
+            <a:pPr algn="ctr"/>
+            <a:r>
+              <a:rPr lang="LID4096" dirty="0"/>
+              <a:t>(org_d,tmp_d)</a:t>
+            </a:r>
+          </a:p>
+        </p:txBody>
+      </p:sp>
+      <p:grpSp>
+        <p:nvGrpSpPr>
+          <p:cNvPr id="42" name="Group 41">
+            <a:extLst>
+              <a:ext uri="{FF2B5EF4-FFF2-40B4-BE49-F238E27FC236}">
+                <a16:creationId xmlns:a16="http://schemas.microsoft.com/office/drawing/2014/main" id="{69EA760A-5B56-E30A-A9F5-2CD33B9F2248}"/>
+              </a:ext>
+            </a:extLst>
+          </p:cNvPr>
+          <p:cNvGrpSpPr/>
+          <p:nvPr/>
+        </p:nvGrpSpPr>
+        <p:grpSpPr>
+          <a:xfrm>
+            <a:off x="2845482" y="153119"/>
+            <a:ext cx="4799289" cy="6551761"/>
+            <a:chOff x="2845482" y="153119"/>
+            <a:chExt cx="4799289" cy="6551761"/>
+          </a:xfrm>
+        </p:grpSpPr>
+        <p:grpSp>
+          <p:nvGrpSpPr>
+            <p:cNvPr id="32" name="Group 31">
+              <a:extLst>
+                <a:ext uri="{FF2B5EF4-FFF2-40B4-BE49-F238E27FC236}">
+                  <a16:creationId xmlns:a16="http://schemas.microsoft.com/office/drawing/2014/main" id="{62D6FE34-9D9D-9632-81A8-FC5C4AC4F50E}"/>
+                </a:ext>
+              </a:extLst>
+            </p:cNvPr>
+            <p:cNvGrpSpPr/>
+            <p:nvPr/>
+          </p:nvGrpSpPr>
+          <p:grpSpPr>
+            <a:xfrm>
+              <a:off x="2845482" y="153119"/>
+              <a:ext cx="4799289" cy="6551761"/>
+              <a:chOff x="2393606" y="119005"/>
+              <a:chExt cx="4799289" cy="6551761"/>
+            </a:xfrm>
+          </p:grpSpPr>
+          <p:pic>
+            <p:nvPicPr>
+              <p:cNvPr id="16" name="Picture 15">
+                <a:extLst>
+                  <a:ext uri="{FF2B5EF4-FFF2-40B4-BE49-F238E27FC236}">
+                    <a16:creationId xmlns:a16="http://schemas.microsoft.com/office/drawing/2014/main" id="{C751DEEA-496C-D00A-763A-AB22A9AF287A}"/>
+                  </a:ext>
+                </a:extLst>
+              </p:cNvPr>
+              <p:cNvPicPr>
+                <a:picLocks noChangeAspect="1"/>
+              </p:cNvPicPr>
+              <p:nvPr/>
+            </p:nvPicPr>
+            <p:blipFill>
+              <a:blip r:embed="rId4"/>
+              <a:stretch>
+                <a:fillRect/>
+              </a:stretch>
+            </p:blipFill>
+            <p:spPr>
+              <a:xfrm>
+                <a:off x="2393606" y="119005"/>
+                <a:ext cx="4311993" cy="6551761"/>
+              </a:xfrm>
+              <a:prstGeom prst="rect">
+                <a:avLst/>
+              </a:prstGeom>
+              <a:ln>
+                <a:solidFill>
+                  <a:schemeClr val="tx1"/>
+                </a:solidFill>
+              </a:ln>
+              <a:effectLst>
+                <a:outerShdw blurRad="50800" dist="38100" dir="8100000" algn="tr" rotWithShape="0">
+                  <a:prstClr val="black">
+                    <a:alpha val="40000"/>
+                  </a:prstClr>
+                </a:outerShdw>
+              </a:effectLst>
+            </p:spPr>
+          </p:pic>
+          <p:sp>
+            <p:nvSpPr>
+              <p:cNvPr id="31" name="Arrow: Right 30">
+                <a:extLst>
+                  <a:ext uri="{FF2B5EF4-FFF2-40B4-BE49-F238E27FC236}">
+                    <a16:creationId xmlns:a16="http://schemas.microsoft.com/office/drawing/2014/main" id="{B96FF479-7CB7-6982-3D4A-B46BC01B11AB}"/>
+                  </a:ext>
+                </a:extLst>
+              </p:cNvPr>
+              <p:cNvSpPr>
+                <a:spLocks noChangeAspect="1"/>
+              </p:cNvSpPr>
+              <p:nvPr/>
+            </p:nvSpPr>
+            <p:spPr>
+              <a:xfrm rot="10135654">
+                <a:off x="6729569" y="5441581"/>
+                <a:ext cx="463326" cy="366350"/>
+              </a:xfrm>
+              <a:prstGeom prst="rightArrow">
+                <a:avLst/>
+              </a:prstGeom>
+            </p:spPr>
+            <p:style>
+              <a:lnRef idx="2">
+                <a:schemeClr val="accent1">
+                  <a:shade val="15000"/>
+                </a:schemeClr>
+              </a:lnRef>
+              <a:fillRef idx="1">
+                <a:schemeClr val="accent1"/>
+              </a:fillRef>
+              <a:effectRef idx="0">
+                <a:schemeClr val="accent1"/>
+              </a:effectRef>
+              <a:fontRef idx="minor">
+                <a:schemeClr val="lt1"/>
+              </a:fontRef>
+            </p:style>
+            <p:txBody>
+              <a:bodyPr rtlCol="0" anchor="ctr"/>
+              <a:lstStyle/>
+              <a:p>
+                <a:pPr algn="ctr"/>
+                <a:endParaRPr lang="LID4096"/>
+              </a:p>
+            </p:txBody>
+          </p:sp>
+        </p:grpSp>
+        <p:sp>
+          <p:nvSpPr>
+            <p:cNvPr id="41" name="Arrow: Right 40">
+              <a:extLst>
+                <a:ext uri="{FF2B5EF4-FFF2-40B4-BE49-F238E27FC236}">
+                  <a16:creationId xmlns:a16="http://schemas.microsoft.com/office/drawing/2014/main" id="{04BA8561-9688-B7DA-ACF1-B6BA8D603CBA}"/>
+                </a:ext>
+              </a:extLst>
+            </p:cNvPr>
+            <p:cNvSpPr>
+              <a:spLocks noChangeAspect="1"/>
+            </p:cNvSpPr>
+            <p:nvPr/>
+          </p:nvSpPr>
+          <p:spPr>
+            <a:xfrm rot="10135654">
+              <a:off x="7181444" y="5018242"/>
+              <a:ext cx="463326" cy="366350"/>
+            </a:xfrm>
+            <a:prstGeom prst="rightArrow">
+              <a:avLst/>
+            </a:prstGeom>
+          </p:spPr>
+          <p:style>
+            <a:lnRef idx="2">
+              <a:schemeClr val="accent1">
+                <a:shade val="15000"/>
+              </a:schemeClr>
+            </a:lnRef>
+            <a:fillRef idx="1">
+              <a:schemeClr val="accent1"/>
+            </a:fillRef>
+            <a:effectRef idx="0">
+              <a:schemeClr val="accent1"/>
+            </a:effectRef>
+            <a:fontRef idx="minor">
+              <a:schemeClr val="lt1"/>
+            </a:fontRef>
+          </p:style>
+          <p:txBody>
+            <a:bodyPr rtlCol="0" anchor="ctr"/>
+            <a:lstStyle/>
+            <a:p>
+              <a:pPr algn="ctr"/>
+              <a:endParaRPr lang="LID4096"/>
+            </a:p>
+          </p:txBody>
+        </p:sp>
+      </p:grpSp>
+      <p:sp>
+        <p:nvSpPr>
+          <p:cNvPr id="43" name="Rectangle 42">
+            <a:extLst>
+              <a:ext uri="{FF2B5EF4-FFF2-40B4-BE49-F238E27FC236}">
+                <a16:creationId xmlns:a16="http://schemas.microsoft.com/office/drawing/2014/main" id="{E0750B4F-9488-1408-E875-30158151AA05}"/>
+              </a:ext>
+            </a:extLst>
+          </p:cNvPr>
+          <p:cNvSpPr/>
+          <p:nvPr/>
+        </p:nvSpPr>
+        <p:spPr>
+          <a:xfrm>
+            <a:off x="3359434" y="5263412"/>
+            <a:ext cx="525061" cy="232026"/>
+          </a:xfrm>
+          <a:prstGeom prst="rect">
+            <a:avLst/>
+          </a:prstGeom>
+          <a:noFill/>
+          <a:ln w="6350">
+            <a:solidFill>
+              <a:schemeClr val="tx1"/>
+            </a:solidFill>
+          </a:ln>
+          <a:effectLst>
+            <a:outerShdw blurRad="50800" dist="38100" dir="8100000" algn="tr" rotWithShape="0">
+              <a:prstClr val="black">
+                <a:alpha val="40000"/>
+              </a:prstClr>
+            </a:outerShdw>
+          </a:effectLst>
+        </p:spPr>
+        <p:txBody>
+          <a:bodyPr wrap="none" anchor="ctr" anchorCtr="0">
+            <a:noAutofit/>
+          </a:bodyPr>
+          <a:lstStyle/>
+          <a:p>
+            <a:endParaRPr lang="LID4096"/>
+          </a:p>
+        </p:txBody>
+      </p:sp>
+      <p:sp>
+        <p:nvSpPr>
+          <p:cNvPr id="44" name="Rectangle 43">
+            <a:extLst>
+              <a:ext uri="{FF2B5EF4-FFF2-40B4-BE49-F238E27FC236}">
+                <a16:creationId xmlns:a16="http://schemas.microsoft.com/office/drawing/2014/main" id="{43A9700D-BE37-474E-AC07-E1971A348960}"/>
+              </a:ext>
+            </a:extLst>
+          </p:cNvPr>
+          <p:cNvSpPr/>
+          <p:nvPr/>
+        </p:nvSpPr>
+        <p:spPr>
+          <a:xfrm>
+            <a:off x="2880629" y="5662288"/>
+            <a:ext cx="525061" cy="448514"/>
+          </a:xfrm>
+          <a:prstGeom prst="rect">
+            <a:avLst/>
+          </a:prstGeom>
+          <a:noFill/>
+          <a:ln w="6350">
+            <a:solidFill>
+              <a:schemeClr val="tx1"/>
+            </a:solidFill>
+          </a:ln>
+          <a:effectLst>
+            <a:outerShdw blurRad="50800" dist="38100" dir="8100000" algn="tr" rotWithShape="0">
+              <a:prstClr val="black">
+                <a:alpha val="40000"/>
+              </a:prstClr>
+            </a:outerShdw>
+          </a:effectLst>
+        </p:spPr>
+        <p:txBody>
+          <a:bodyPr wrap="none" anchor="ctr" anchorCtr="0">
+            <a:noAutofit/>
+          </a:bodyPr>
+          <a:lstStyle/>
+          <a:p>
+            <a:endParaRPr lang="LID4096"/>
+          </a:p>
+        </p:txBody>
+      </p:sp>
+      <p:pic>
+        <p:nvPicPr>
+          <p:cNvPr id="45" name="Picture 44">
+            <a:extLst>
+              <a:ext uri="{FF2B5EF4-FFF2-40B4-BE49-F238E27FC236}">
+                <a16:creationId xmlns:a16="http://schemas.microsoft.com/office/drawing/2014/main" id="{14099A71-B822-FC4C-3A12-378DE45A83D6}"/>
+              </a:ext>
+            </a:extLst>
+          </p:cNvPr>
+          <p:cNvPicPr>
+            <a:picLocks noChangeAspect="1"/>
+          </p:cNvPicPr>
+          <p:nvPr/>
+        </p:nvPicPr>
+        <p:blipFill>
+          <a:blip r:embed="rId5"/>
+          <a:srcRect r="29078" b="51918"/>
+          <a:stretch/>
+        </p:blipFill>
+        <p:spPr>
+          <a:xfrm>
+            <a:off x="377806" y="1649741"/>
+            <a:ext cx="1727758" cy="369332"/>
+          </a:xfrm>
+          <a:prstGeom prst="rect">
+            <a:avLst/>
+          </a:prstGeom>
+          <a:solidFill>
+            <a:schemeClr val="bg1"/>
+          </a:solidFill>
+          <a:ln w="28575">
+            <a:solidFill>
+              <a:schemeClr val="tx1"/>
+            </a:solidFill>
+          </a:ln>
+          <a:effectLst>
+            <a:outerShdw blurRad="50800" dist="38100" dir="8100000" algn="tr" rotWithShape="0">
+              <a:prstClr val="black">
+                <a:alpha val="40000"/>
+              </a:prstClr>
+            </a:outerShdw>
+          </a:effectLst>
+        </p:spPr>
+      </p:pic>
+      <p:sp>
+        <p:nvSpPr>
+          <p:cNvPr id="57" name="TextBox 56">
+            <a:extLst>
+              <a:ext uri="{FF2B5EF4-FFF2-40B4-BE49-F238E27FC236}">
+                <a16:creationId xmlns:a16="http://schemas.microsoft.com/office/drawing/2014/main" id="{59462FD1-7760-8DA1-342A-CB51EF51F2C3}"/>
+              </a:ext>
+            </a:extLst>
+          </p:cNvPr>
+          <p:cNvSpPr txBox="1">
+            <a:spLocks noChangeAspect="1"/>
+          </p:cNvSpPr>
+          <p:nvPr/>
+        </p:nvSpPr>
+        <p:spPr>
+          <a:xfrm>
+            <a:off x="6620347" y="247387"/>
+            <a:ext cx="398537" cy="292230"/>
+          </a:xfrm>
+          <a:prstGeom prst="rect">
+            <a:avLst/>
+          </a:prstGeom>
+          <a:solidFill>
+            <a:schemeClr val="bg1"/>
+          </a:solidFill>
+          <a:ln>
+            <a:solidFill>
+              <a:schemeClr val="tx1"/>
+            </a:solidFill>
+          </a:ln>
+          <a:effectLst>
+            <a:outerShdw blurRad="63500" sx="102000" sy="102000" algn="ctr" rotWithShape="0">
+              <a:prstClr val="black">
+                <a:alpha val="40000"/>
+              </a:prstClr>
+            </a:outerShdw>
+          </a:effectLst>
+        </p:spPr>
+        <p:txBody>
+          <a:bodyPr wrap="none" lIns="0" tIns="0" rIns="0" bIns="0" anchor="ctr" anchorCtr="0">
+            <a:noAutofit/>
+          </a:bodyPr>
+          <a:lstStyle/>
+          <a:p>
+            <a:pPr algn="ctr"/>
+            <a:r>
+              <a:rPr lang="pt-BR" dirty="0"/>
+              <a:t>01</a:t>
+            </a:r>
+          </a:p>
+        </p:txBody>
+      </p:sp>
+      <p:sp>
+        <p:nvSpPr>
+          <p:cNvPr id="58" name="TextBox 57">
+            <a:extLst>
+              <a:ext uri="{FF2B5EF4-FFF2-40B4-BE49-F238E27FC236}">
+                <a16:creationId xmlns:a16="http://schemas.microsoft.com/office/drawing/2014/main" id="{0AA33104-81E8-BB21-AE96-65B8D3B40B88}"/>
+              </a:ext>
+            </a:extLst>
+          </p:cNvPr>
+          <p:cNvSpPr txBox="1">
+            <a:spLocks noChangeAspect="1"/>
+          </p:cNvSpPr>
+          <p:nvPr/>
+        </p:nvSpPr>
+        <p:spPr>
+          <a:xfrm>
+            <a:off x="6620347" y="4596831"/>
+            <a:ext cx="398537" cy="292230"/>
+          </a:xfrm>
+          <a:prstGeom prst="rect">
+            <a:avLst/>
+          </a:prstGeom>
+          <a:solidFill>
+            <a:schemeClr val="bg1"/>
+          </a:solidFill>
+          <a:ln>
+            <a:solidFill>
+              <a:schemeClr val="tx1"/>
+            </a:solidFill>
+          </a:ln>
+          <a:effectLst>
+            <a:outerShdw blurRad="63500" sx="102000" sy="102000" algn="ctr" rotWithShape="0">
+              <a:prstClr val="black">
+                <a:alpha val="40000"/>
+              </a:prstClr>
+            </a:outerShdw>
+          </a:effectLst>
+        </p:spPr>
+        <p:txBody>
+          <a:bodyPr wrap="none" lIns="0" tIns="0" rIns="0" bIns="0" anchor="ctr" anchorCtr="0">
+            <a:noAutofit/>
+          </a:bodyPr>
+          <a:lstStyle/>
+          <a:p>
+            <a:pPr algn="ctr"/>
+            <a:r>
+              <a:rPr lang="pt-BR" dirty="0"/>
+              <a:t>02</a:t>
+            </a:r>
+          </a:p>
+        </p:txBody>
+      </p:sp>
+      <p:sp>
+        <p:nvSpPr>
+          <p:cNvPr id="59" name="TextBox 58">
+            <a:extLst>
+              <a:ext uri="{FF2B5EF4-FFF2-40B4-BE49-F238E27FC236}">
+                <a16:creationId xmlns:a16="http://schemas.microsoft.com/office/drawing/2014/main" id="{1E6ED4AB-A585-61B6-BF0E-0FB9BF15DE50}"/>
+              </a:ext>
+            </a:extLst>
+          </p:cNvPr>
+          <p:cNvSpPr txBox="1">
+            <a:spLocks noChangeAspect="1"/>
+          </p:cNvSpPr>
+          <p:nvPr/>
+        </p:nvSpPr>
+        <p:spPr>
+          <a:xfrm>
+            <a:off x="6620347" y="6344238"/>
+            <a:ext cx="398537" cy="292230"/>
+          </a:xfrm>
+          <a:prstGeom prst="rect">
+            <a:avLst/>
+          </a:prstGeom>
+          <a:solidFill>
+            <a:schemeClr val="bg1"/>
+          </a:solidFill>
+          <a:ln>
+            <a:solidFill>
+              <a:schemeClr val="tx1"/>
+            </a:solidFill>
+          </a:ln>
+          <a:effectLst>
+            <a:outerShdw blurRad="63500" sx="102000" sy="102000" algn="ctr" rotWithShape="0">
+              <a:prstClr val="black">
+                <a:alpha val="40000"/>
+              </a:prstClr>
+            </a:outerShdw>
+          </a:effectLst>
+        </p:spPr>
+        <p:txBody>
+          <a:bodyPr wrap="none" lIns="0" tIns="0" rIns="0" bIns="0" anchor="ctr" anchorCtr="0">
+            <a:noAutofit/>
+          </a:bodyPr>
+          <a:lstStyle/>
+          <a:p>
+            <a:pPr algn="ctr"/>
+            <a:r>
+              <a:rPr lang="pt-BR" dirty="0"/>
+              <a:t>03</a:t>
+            </a:r>
+          </a:p>
+        </p:txBody>
+      </p:sp>
+      <p:grpSp>
+        <p:nvGrpSpPr>
+          <p:cNvPr id="2" name="Group 1">
+            <a:extLst>
+              <a:ext uri="{FF2B5EF4-FFF2-40B4-BE49-F238E27FC236}">
+                <a16:creationId xmlns:a16="http://schemas.microsoft.com/office/drawing/2014/main" id="{6862E120-A085-5282-8382-4178DD856FB5}"/>
+              </a:ext>
+            </a:extLst>
+          </p:cNvPr>
+          <p:cNvGrpSpPr/>
+          <p:nvPr/>
+        </p:nvGrpSpPr>
+        <p:grpSpPr>
+          <a:xfrm>
+            <a:off x="9788433" y="2160317"/>
+            <a:ext cx="1503560" cy="2471474"/>
+            <a:chOff x="9788433" y="2160317"/>
+            <a:chExt cx="1503560" cy="2471474"/>
+          </a:xfrm>
+        </p:grpSpPr>
+        <p:sp>
+          <p:nvSpPr>
+            <p:cNvPr id="61" name="TextBox 60">
+              <a:extLst>
+                <a:ext uri="{FF2B5EF4-FFF2-40B4-BE49-F238E27FC236}">
+                  <a16:creationId xmlns:a16="http://schemas.microsoft.com/office/drawing/2014/main" id="{D2881052-B328-180A-1027-F0CF3A36CD4C}"/>
+                </a:ext>
+              </a:extLst>
+            </p:cNvPr>
+            <p:cNvSpPr txBox="1"/>
+            <p:nvPr/>
+          </p:nvSpPr>
+          <p:spPr>
+            <a:xfrm>
+              <a:off x="9788434" y="4197531"/>
+              <a:ext cx="801189" cy="390590"/>
+            </a:xfrm>
+            <a:prstGeom prst="rect">
+              <a:avLst/>
+            </a:prstGeom>
+            <a:noFill/>
+            <a:ln w="28575">
+              <a:solidFill>
+                <a:srgbClr val="0000FF"/>
+              </a:solidFill>
+            </a:ln>
+            <a:effectLst/>
+          </p:spPr>
+          <p:txBody>
+            <a:bodyPr wrap="none" anchor="ctr" anchorCtr="0">
+              <a:noAutofit/>
+            </a:bodyPr>
+            <a:lstStyle>
+              <a:defPPr>
+                <a:defRPr lang="LID4096"/>
+              </a:defPPr>
+            </a:lstStyle>
+            <a:p>
+              <a:endParaRPr lang="en-US" dirty="0"/>
+            </a:p>
+          </p:txBody>
+        </p:sp>
+        <p:sp>
+          <p:nvSpPr>
+            <p:cNvPr id="63" name="TextBox 62">
+              <a:extLst>
+                <a:ext uri="{FF2B5EF4-FFF2-40B4-BE49-F238E27FC236}">
+                  <a16:creationId xmlns:a16="http://schemas.microsoft.com/office/drawing/2014/main" id="{E9FA6A6E-6574-0C09-AA3F-7F2B74552B36}"/>
+                </a:ext>
+              </a:extLst>
+            </p:cNvPr>
+            <p:cNvSpPr txBox="1"/>
+            <p:nvPr/>
+          </p:nvSpPr>
+          <p:spPr>
+            <a:xfrm>
+              <a:off x="9788434" y="2952206"/>
+              <a:ext cx="801189" cy="218263"/>
+            </a:xfrm>
+            <a:prstGeom prst="rect">
+              <a:avLst/>
+            </a:prstGeom>
+            <a:noFill/>
+            <a:ln w="28575">
+              <a:solidFill>
+                <a:srgbClr val="FF0000"/>
+              </a:solidFill>
+            </a:ln>
+            <a:effectLst/>
+          </p:spPr>
+          <p:txBody>
+            <a:bodyPr wrap="none" anchor="ctr" anchorCtr="0">
+              <a:noAutofit/>
+            </a:bodyPr>
+            <a:lstStyle>
+              <a:defPPr>
+                <a:defRPr lang="LID4096"/>
+              </a:defPPr>
+            </a:lstStyle>
+            <a:p>
+              <a:endParaRPr lang="en-US" dirty="0"/>
+            </a:p>
+          </p:txBody>
+        </p:sp>
+        <p:sp>
+          <p:nvSpPr>
+            <p:cNvPr id="64" name="TextBox 63">
+              <a:extLst>
+                <a:ext uri="{FF2B5EF4-FFF2-40B4-BE49-F238E27FC236}">
+                  <a16:creationId xmlns:a16="http://schemas.microsoft.com/office/drawing/2014/main" id="{F3185042-B643-9948-5467-E4690AC1444F}"/>
+                </a:ext>
+              </a:extLst>
+            </p:cNvPr>
+            <p:cNvSpPr txBox="1"/>
+            <p:nvPr/>
+          </p:nvSpPr>
+          <p:spPr>
+            <a:xfrm>
+              <a:off x="9788434" y="3687533"/>
+              <a:ext cx="801189" cy="448290"/>
+            </a:xfrm>
+            <a:prstGeom prst="rect">
+              <a:avLst/>
+            </a:prstGeom>
+            <a:noFill/>
+            <a:ln w="28575">
+              <a:solidFill>
+                <a:srgbClr val="FF0000"/>
+              </a:solidFill>
+            </a:ln>
+            <a:effectLst/>
+          </p:spPr>
+          <p:txBody>
+            <a:bodyPr wrap="none" anchor="ctr" anchorCtr="0">
+              <a:noAutofit/>
+            </a:bodyPr>
+            <a:lstStyle>
+              <a:defPPr>
+                <a:defRPr lang="LID4096"/>
+              </a:defPPr>
+            </a:lstStyle>
+            <a:p>
+              <a:endParaRPr lang="en-US" dirty="0"/>
+            </a:p>
+          </p:txBody>
+        </p:sp>
+        <p:sp>
+          <p:nvSpPr>
+            <p:cNvPr id="65" name="TextBox 64">
+              <a:extLst>
+                <a:ext uri="{FF2B5EF4-FFF2-40B4-BE49-F238E27FC236}">
+                  <a16:creationId xmlns:a16="http://schemas.microsoft.com/office/drawing/2014/main" id="{3BF5DFE8-5BC6-C9B2-4A4C-3BA6299D3F53}"/>
+                </a:ext>
+              </a:extLst>
+            </p:cNvPr>
+            <p:cNvSpPr txBox="1"/>
+            <p:nvPr/>
+          </p:nvSpPr>
+          <p:spPr>
+            <a:xfrm>
+              <a:off x="10689314" y="4292258"/>
+              <a:ext cx="567003" cy="339533"/>
+            </a:xfrm>
+            <a:prstGeom prst="rect">
+              <a:avLst/>
+            </a:prstGeom>
+            <a:noFill/>
+          </p:spPr>
+          <p:txBody>
+            <a:bodyPr wrap="none" lIns="0" tIns="0" rIns="0" bIns="0" anchor="ctr" anchorCtr="0">
+              <a:noAutofit/>
+            </a:bodyPr>
+            <a:lstStyle/>
+            <a:p>
+              <a:pPr algn="ctr"/>
+              <a:r>
+                <a:rPr lang="en-US" b="1" dirty="0">
+                  <a:solidFill>
+                    <a:srgbClr val="0000FF"/>
+                  </a:solidFill>
+                </a:rPr>
+                <a:t>OBS</a:t>
+              </a:r>
+            </a:p>
+          </p:txBody>
+        </p:sp>
+        <p:sp>
+          <p:nvSpPr>
+            <p:cNvPr id="66" name="TextBox 65">
+              <a:extLst>
+                <a:ext uri="{FF2B5EF4-FFF2-40B4-BE49-F238E27FC236}">
+                  <a16:creationId xmlns:a16="http://schemas.microsoft.com/office/drawing/2014/main" id="{A85BCDF4-84D7-E4F5-4A57-670FF5B10D47}"/>
+                </a:ext>
+              </a:extLst>
+            </p:cNvPr>
+            <p:cNvSpPr txBox="1"/>
+            <p:nvPr/>
+          </p:nvSpPr>
+          <p:spPr>
+            <a:xfrm>
+              <a:off x="10685877" y="2884476"/>
+              <a:ext cx="567003" cy="339533"/>
+            </a:xfrm>
+            <a:prstGeom prst="rect">
+              <a:avLst/>
+            </a:prstGeom>
+            <a:noFill/>
+          </p:spPr>
+          <p:txBody>
+            <a:bodyPr wrap="none" lIns="0" tIns="0" rIns="0" bIns="0" anchor="ctr" anchorCtr="0">
+              <a:noAutofit/>
+            </a:bodyPr>
+            <a:lstStyle/>
+            <a:p>
+              <a:pPr algn="ctr"/>
+              <a:r>
+                <a:rPr lang="en-US" b="1" dirty="0">
+                  <a:solidFill>
+                    <a:srgbClr val="FF0000"/>
+                  </a:solidFill>
+                </a:rPr>
+                <a:t>PAR</a:t>
+              </a:r>
+            </a:p>
+          </p:txBody>
+        </p:sp>
+        <p:sp>
+          <p:nvSpPr>
+            <p:cNvPr id="67" name="TextBox 66">
+              <a:extLst>
+                <a:ext uri="{FF2B5EF4-FFF2-40B4-BE49-F238E27FC236}">
+                  <a16:creationId xmlns:a16="http://schemas.microsoft.com/office/drawing/2014/main" id="{AEFDB93C-6828-ACBC-B0C2-D10050B19CC2}"/>
+                </a:ext>
+              </a:extLst>
+            </p:cNvPr>
+            <p:cNvSpPr txBox="1"/>
+            <p:nvPr/>
+          </p:nvSpPr>
+          <p:spPr>
+            <a:xfrm>
+              <a:off x="10589623" y="2160317"/>
+              <a:ext cx="702370" cy="301352"/>
+            </a:xfrm>
+            <a:prstGeom prst="rect">
+              <a:avLst/>
+            </a:prstGeom>
+            <a:noFill/>
+          </p:spPr>
+          <p:txBody>
+            <a:bodyPr wrap="none" lIns="0" tIns="0" rIns="0" bIns="0" anchor="ctr" anchorCtr="0">
+              <a:noAutofit/>
+            </a:bodyPr>
+            <a:lstStyle>
+              <a:defPPr>
+                <a:defRPr lang="LID4096"/>
+              </a:defPPr>
+              <a:lvl1pPr algn="ctr">
+                <a:defRPr b="1">
+                  <a:solidFill>
+                    <a:srgbClr val="FF0000"/>
+                  </a:solidFill>
+                </a:defRPr>
+              </a:lvl1pPr>
+            </a:lstStyle>
+            <a:p>
+              <a:r>
+                <a:rPr lang="pt-BR" dirty="0">
+                  <a:solidFill>
+                    <a:schemeClr val="tx1"/>
+                  </a:solidFill>
+                </a:rPr>
+                <a:t>AUX</a:t>
+              </a:r>
+              <a:endParaRPr lang="LID4096" dirty="0">
+                <a:solidFill>
+                  <a:schemeClr val="tx1"/>
+                </a:solidFill>
+              </a:endParaRPr>
+            </a:p>
+          </p:txBody>
+        </p:sp>
+        <p:sp>
+          <p:nvSpPr>
+            <p:cNvPr id="68" name="TextBox 67">
+              <a:extLst>
+                <a:ext uri="{FF2B5EF4-FFF2-40B4-BE49-F238E27FC236}">
+                  <a16:creationId xmlns:a16="http://schemas.microsoft.com/office/drawing/2014/main" id="{78204BA5-4338-E211-F0BE-ED92FAA6099F}"/>
+                </a:ext>
+              </a:extLst>
+            </p:cNvPr>
+            <p:cNvSpPr txBox="1"/>
+            <p:nvPr/>
+          </p:nvSpPr>
+          <p:spPr>
+            <a:xfrm>
+              <a:off x="9788433" y="3427022"/>
+              <a:ext cx="801189" cy="218263"/>
+            </a:xfrm>
+            <a:prstGeom prst="rect">
+              <a:avLst/>
+            </a:prstGeom>
+            <a:noFill/>
+            <a:ln w="28575">
+              <a:solidFill>
+                <a:srgbClr val="00B050"/>
+              </a:solidFill>
+            </a:ln>
+            <a:effectLst/>
+          </p:spPr>
+          <p:txBody>
+            <a:bodyPr wrap="none" anchor="ctr" anchorCtr="0">
+              <a:noAutofit/>
+            </a:bodyPr>
+            <a:lstStyle>
+              <a:defPPr>
+                <a:defRPr lang="LID4096"/>
+              </a:defPPr>
+            </a:lstStyle>
+            <a:p>
+              <a:endParaRPr lang="en-US" dirty="0"/>
+            </a:p>
+          </p:txBody>
+        </p:sp>
+      </p:grpSp>
+      <p:sp>
+        <p:nvSpPr>
+          <p:cNvPr id="70" name="TextBox 69">
+            <a:extLst>
+              <a:ext uri="{FF2B5EF4-FFF2-40B4-BE49-F238E27FC236}">
+                <a16:creationId xmlns:a16="http://schemas.microsoft.com/office/drawing/2014/main" id="{8D1E7DFD-E4AB-69E4-57AA-EA9AD67B0CE2}"/>
+              </a:ext>
+            </a:extLst>
+          </p:cNvPr>
+          <p:cNvSpPr txBox="1"/>
+          <p:nvPr/>
+        </p:nvSpPr>
+        <p:spPr>
+          <a:xfrm>
+            <a:off x="7913442" y="5386471"/>
+            <a:ext cx="1159232" cy="457452"/>
+          </a:xfrm>
+          <a:prstGeom prst="rect">
+            <a:avLst/>
+          </a:prstGeom>
+          <a:solidFill>
+            <a:schemeClr val="bg1"/>
+          </a:solidFill>
+          <a:ln w="28575">
+            <a:solidFill>
+              <a:schemeClr val="tx1"/>
+            </a:solidFill>
+          </a:ln>
+          <a:effectLst>
+            <a:outerShdw blurRad="50800" dist="38100" dir="8100000" algn="tr" rotWithShape="0">
+              <a:prstClr val="black">
+                <a:alpha val="40000"/>
+              </a:prstClr>
+            </a:outerShdw>
+          </a:effectLst>
+        </p:spPr>
+        <p:txBody>
+          <a:bodyPr wrap="none" anchor="ctr" anchorCtr="0">
+            <a:noAutofit/>
+          </a:bodyPr>
+          <a:lstStyle>
+            <a:defPPr>
+              <a:defRPr lang="LID4096"/>
+            </a:defPPr>
+          </a:lstStyle>
+          <a:p>
+            <a:pPr algn="ctr"/>
+            <a:r>
+              <a:rPr lang="en-US" sz="2400" dirty="0"/>
+              <a:t>pyEMU</a:t>
+            </a:r>
+          </a:p>
+        </p:txBody>
+      </p:sp>
+      <p:pic>
+        <p:nvPicPr>
+          <p:cNvPr id="71" name="Picture 70">
+            <a:extLst>
+              <a:ext uri="{FF2B5EF4-FFF2-40B4-BE49-F238E27FC236}">
+                <a16:creationId xmlns:a16="http://schemas.microsoft.com/office/drawing/2014/main" id="{6BD7EB49-7F0C-91D0-17FE-185F8A17DF8D}"/>
+              </a:ext>
+            </a:extLst>
+          </p:cNvPr>
+          <p:cNvPicPr>
+            <a:picLocks noChangeAspect="1"/>
+          </p:cNvPicPr>
+          <p:nvPr/>
+        </p:nvPicPr>
+        <p:blipFill>
+          <a:blip r:embed="rId6"/>
+          <a:srcRect t="1" r="6064" b="7750"/>
+          <a:stretch/>
+        </p:blipFill>
+        <p:spPr>
+          <a:xfrm>
+            <a:off x="7480169" y="6331531"/>
+            <a:ext cx="4552497" cy="377159"/>
+          </a:xfrm>
+          <a:prstGeom prst="rect">
+            <a:avLst/>
+          </a:prstGeom>
+          <a:ln>
+            <a:solidFill>
+              <a:schemeClr val="tx1"/>
+            </a:solidFill>
+          </a:ln>
+          <a:effectLst>
+            <a:outerShdw blurRad="50800" dist="38100" dir="8100000" algn="tr" rotWithShape="0">
+              <a:prstClr val="black">
+                <a:alpha val="40000"/>
+              </a:prstClr>
+            </a:outerShdw>
+          </a:effectLst>
+        </p:spPr>
+      </p:pic>
+      <p:sp>
+        <p:nvSpPr>
+          <p:cNvPr id="72" name="TextBox 71">
+            <a:extLst>
+              <a:ext uri="{FF2B5EF4-FFF2-40B4-BE49-F238E27FC236}">
+                <a16:creationId xmlns:a16="http://schemas.microsoft.com/office/drawing/2014/main" id="{B9C85162-25AC-52CE-4E8C-0BEF4C75EC1B}"/>
+              </a:ext>
+            </a:extLst>
+          </p:cNvPr>
+          <p:cNvSpPr txBox="1"/>
+          <p:nvPr/>
+        </p:nvSpPr>
+        <p:spPr>
+          <a:xfrm>
+            <a:off x="7462752" y="5871324"/>
+            <a:ext cx="1126503" cy="481515"/>
+          </a:xfrm>
+          <a:prstGeom prst="rect">
+            <a:avLst/>
+          </a:prstGeom>
+          <a:noFill/>
+          <a:ln w="28575">
+            <a:noFill/>
+          </a:ln>
+          <a:effectLst/>
+        </p:spPr>
+        <p:txBody>
+          <a:bodyPr wrap="none" anchor="ctr" anchorCtr="0">
+            <a:noAutofit/>
+          </a:bodyPr>
+          <a:lstStyle>
+            <a:defPPr>
+              <a:defRPr lang="LID4096"/>
+            </a:defPPr>
+          </a:lstStyle>
+          <a:p>
+            <a:r>
+              <a:rPr lang="en-US" sz="3200" b="1" dirty="0">
+                <a:effectLst>
+                  <a:outerShdw blurRad="38100" dist="38100" dir="2700000" algn="tl">
+                    <a:srgbClr val="000000">
+                      <a:alpha val="43137"/>
+                    </a:srgbClr>
+                  </a:outerShdw>
+                </a:effectLst>
+              </a:rPr>
+              <a:t>+</a:t>
+            </a:r>
+          </a:p>
+        </p:txBody>
+      </p:sp>
+      <p:sp>
+        <p:nvSpPr>
+          <p:cNvPr id="73" name="TextBox 72">
+            <a:extLst>
+              <a:ext uri="{FF2B5EF4-FFF2-40B4-BE49-F238E27FC236}">
+                <a16:creationId xmlns:a16="http://schemas.microsoft.com/office/drawing/2014/main" id="{CB7CD05D-E6DD-0839-194C-17E4031416A1}"/>
+              </a:ext>
+            </a:extLst>
+          </p:cNvPr>
+          <p:cNvSpPr txBox="1">
+            <a:spLocks noChangeAspect="1"/>
+          </p:cNvSpPr>
+          <p:nvPr/>
+        </p:nvSpPr>
+        <p:spPr>
+          <a:xfrm>
+            <a:off x="7913442" y="5965966"/>
+            <a:ext cx="584527" cy="292230"/>
+          </a:xfrm>
+          <a:prstGeom prst="rect">
+            <a:avLst/>
+          </a:prstGeom>
+          <a:solidFill>
+            <a:schemeClr val="bg1"/>
+          </a:solidFill>
+          <a:ln>
+            <a:solidFill>
+              <a:schemeClr val="tx1"/>
+            </a:solidFill>
+          </a:ln>
+          <a:effectLst>
+            <a:outerShdw blurRad="63500" sx="102000" sy="102000" algn="ctr" rotWithShape="0">
+              <a:prstClr val="black">
+                <a:alpha val="40000"/>
+              </a:prstClr>
+            </a:outerShdw>
+          </a:effectLst>
+        </p:spPr>
+        <p:txBody>
+          <a:bodyPr wrap="none" lIns="0" tIns="0" rIns="0" bIns="0" anchor="ctr" anchorCtr="0">
+            <a:noAutofit/>
+          </a:bodyPr>
+          <a:lstStyle/>
+          <a:p>
+            <a:pPr algn="ctr"/>
+            <a:r>
+              <a:rPr lang="pt-BR" dirty="0"/>
+              <a:t>05a</a:t>
+            </a:r>
+          </a:p>
+        </p:txBody>
+      </p:sp>
+      <p:grpSp>
+        <p:nvGrpSpPr>
+          <p:cNvPr id="5" name="Group 4">
+            <a:extLst>
+              <a:ext uri="{FF2B5EF4-FFF2-40B4-BE49-F238E27FC236}">
+                <a16:creationId xmlns:a16="http://schemas.microsoft.com/office/drawing/2014/main" id="{34B2A218-0EBE-28B6-0568-D6EBBE86F9EE}"/>
+              </a:ext>
+            </a:extLst>
+          </p:cNvPr>
+          <p:cNvGrpSpPr>
+            <a:grpSpLocks noChangeAspect="1"/>
+          </p:cNvGrpSpPr>
+          <p:nvPr/>
+        </p:nvGrpSpPr>
+        <p:grpSpPr>
+          <a:xfrm>
+            <a:off x="2565261" y="2218384"/>
+            <a:ext cx="180183" cy="299959"/>
+            <a:chOff x="2342605" y="3648890"/>
+            <a:chExt cx="340523" cy="566884"/>
+          </a:xfrm>
+        </p:grpSpPr>
+        <p:sp>
+          <p:nvSpPr>
+            <p:cNvPr id="3" name="Arrow: Right 2">
+              <a:extLst>
+                <a:ext uri="{FF2B5EF4-FFF2-40B4-BE49-F238E27FC236}">
+                  <a16:creationId xmlns:a16="http://schemas.microsoft.com/office/drawing/2014/main" id="{01151373-832E-0CAD-8870-387173596B6D}"/>
+                </a:ext>
+              </a:extLst>
+            </p:cNvPr>
+            <p:cNvSpPr>
+              <a:spLocks noChangeAspect="1"/>
+            </p:cNvSpPr>
+            <p:nvPr/>
+          </p:nvSpPr>
+          <p:spPr>
+            <a:xfrm rot="10800000" flipH="1">
+              <a:off x="2342605" y="3648890"/>
+              <a:ext cx="340523" cy="252960"/>
+            </a:xfrm>
+            <a:prstGeom prst="rightArrow">
+              <a:avLst/>
+            </a:prstGeom>
+            <a:solidFill>
+              <a:srgbClr val="FF0000"/>
+            </a:solidFill>
+          </p:spPr>
+          <p:style>
+            <a:lnRef idx="2">
+              <a:schemeClr val="accent1">
+                <a:shade val="15000"/>
+              </a:schemeClr>
+            </a:lnRef>
+            <a:fillRef idx="1">
+              <a:schemeClr val="accent1"/>
+            </a:fillRef>
+            <a:effectRef idx="0">
+              <a:schemeClr val="accent1"/>
+            </a:effectRef>
+            <a:fontRef idx="minor">
+              <a:schemeClr val="lt1"/>
+            </a:fontRef>
+          </p:style>
+          <p:txBody>
+            <a:bodyPr rtlCol="0" anchor="ctr"/>
+            <a:lstStyle/>
+            <a:p>
+              <a:pPr algn="ctr"/>
+              <a:endParaRPr lang="LID4096"/>
+            </a:p>
+          </p:txBody>
+        </p:sp>
+        <p:sp>
+          <p:nvSpPr>
+            <p:cNvPr id="4" name="Arrow: Right 3">
+              <a:extLst>
+                <a:ext uri="{FF2B5EF4-FFF2-40B4-BE49-F238E27FC236}">
+                  <a16:creationId xmlns:a16="http://schemas.microsoft.com/office/drawing/2014/main" id="{2D40E07F-15AF-050E-F4A7-78599B8A3214}"/>
+                </a:ext>
+              </a:extLst>
+            </p:cNvPr>
+            <p:cNvSpPr>
+              <a:spLocks noChangeAspect="1"/>
+            </p:cNvSpPr>
+            <p:nvPr/>
+          </p:nvSpPr>
+          <p:spPr>
+            <a:xfrm rot="10800000" flipH="1">
+              <a:off x="2342605" y="3962814"/>
+              <a:ext cx="340523" cy="252960"/>
+            </a:xfrm>
+            <a:prstGeom prst="rightArrow">
+              <a:avLst/>
+            </a:prstGeom>
+            <a:solidFill>
+              <a:srgbClr val="FF0000"/>
+            </a:solidFill>
+          </p:spPr>
+          <p:style>
+            <a:lnRef idx="2">
+              <a:schemeClr val="accent1">
+                <a:shade val="15000"/>
+              </a:schemeClr>
+            </a:lnRef>
+            <a:fillRef idx="1">
+              <a:schemeClr val="accent1"/>
+            </a:fillRef>
+            <a:effectRef idx="0">
+              <a:schemeClr val="accent1"/>
+            </a:effectRef>
+            <a:fontRef idx="minor">
+              <a:schemeClr val="lt1"/>
+            </a:fontRef>
+          </p:style>
+          <p:txBody>
+            <a:bodyPr rtlCol="0" anchor="ctr"/>
+            <a:lstStyle/>
+            <a:p>
+              <a:pPr algn="ctr"/>
+              <a:endParaRPr lang="LID4096"/>
+            </a:p>
+          </p:txBody>
+        </p:sp>
+      </p:grpSp>
+      <p:sp>
+        <p:nvSpPr>
+          <p:cNvPr id="6" name="TextBox 5">
+            <a:extLst>
+              <a:ext uri="{FF2B5EF4-FFF2-40B4-BE49-F238E27FC236}">
+                <a16:creationId xmlns:a16="http://schemas.microsoft.com/office/drawing/2014/main" id="{8D010D39-08DB-CE6B-2348-827E8D366D57}"/>
+              </a:ext>
+            </a:extLst>
+          </p:cNvPr>
+          <p:cNvSpPr txBox="1">
+            <a:spLocks noChangeAspect="1"/>
+          </p:cNvSpPr>
+          <p:nvPr/>
+        </p:nvSpPr>
+        <p:spPr>
+          <a:xfrm>
+            <a:off x="11636450" y="0"/>
+            <a:ext cx="555550" cy="539617"/>
+          </a:xfrm>
+          <a:prstGeom prst="rect">
+            <a:avLst/>
+          </a:prstGeom>
+          <a:solidFill>
+            <a:schemeClr val="bg1">
+              <a:lumMod val="85000"/>
+            </a:schemeClr>
+          </a:solidFill>
+        </p:spPr>
+        <p:txBody>
+          <a:bodyPr wrap="none" lIns="0" tIns="0" rIns="0" bIns="0" anchor="ctr" anchorCtr="0">
+            <a:noAutofit/>
+          </a:bodyPr>
+          <a:lstStyle/>
+          <a:p>
+            <a:pPr algn="ctr"/>
+            <a:r>
+              <a:rPr lang="pt-BR" sz="2400" b="1" dirty="0"/>
+              <a:t>01</a:t>
+            </a:r>
+            <a:endParaRPr lang="LID4096" sz="2400" b="1" dirty="0"/>
+          </a:p>
+        </p:txBody>
+      </p:sp>
+      <p:sp>
+        <p:nvSpPr>
+          <p:cNvPr id="7" name="TextBox 6">
+            <a:extLst>
+              <a:ext uri="{FF2B5EF4-FFF2-40B4-BE49-F238E27FC236}">
+                <a16:creationId xmlns:a16="http://schemas.microsoft.com/office/drawing/2014/main" id="{48551954-B917-EB1C-F04D-D219215FCF9F}"/>
+              </a:ext>
+            </a:extLst>
+          </p:cNvPr>
+          <p:cNvSpPr txBox="1"/>
+          <p:nvPr/>
+        </p:nvSpPr>
+        <p:spPr>
+          <a:xfrm>
+            <a:off x="8589256" y="61622"/>
+            <a:ext cx="3153678" cy="400110"/>
+          </a:xfrm>
+          <a:prstGeom prst="rect">
+            <a:avLst/>
+          </a:prstGeom>
+          <a:noFill/>
+        </p:spPr>
+        <p:txBody>
+          <a:bodyPr wrap="square">
+            <a:spAutoFit/>
+          </a:bodyPr>
+          <a:lstStyle/>
+          <a:p>
+            <a:pPr algn="ctr"/>
+            <a:r>
+              <a:rPr lang="LID4096" sz="2000" b="1" dirty="0"/>
+              <a:t>part2_01_</a:t>
+            </a:r>
+            <a:r>
+              <a:rPr lang="en-US" sz="2000" b="1" dirty="0"/>
+              <a:t>pstfromSETUP</a:t>
+            </a:r>
+            <a:endParaRPr lang="LID4096" sz="2000" b="1" dirty="0"/>
+          </a:p>
+        </p:txBody>
+      </p:sp>
+    </p:spTree>
+    <p:extLst>
+      <p:ext uri="{BB962C8B-B14F-4D97-AF65-F5344CB8AC3E}">
+        <p14:creationId xmlns:p14="http://schemas.microsoft.com/office/powerpoint/2010/main" val="2065985629"/>
+      </p:ext>
+    </p:extLst>
+  </p:cSld>
+  <p:clrMapOvr>
+    <a:masterClrMapping/>
+  </p:clrMapOvr>
+</p:sld>
+</file>
+
+<file path=ppt/slides/slide3.xml><?xml version="1.0" encoding="utf-8"?>
+<p:sld xmlns:a="http://schemas.openxmlformats.org/drawingml/2006/main" xmlns:r="http://schemas.openxmlformats.org/officeDocument/2006/relationships" xmlns:p="http://schemas.openxmlformats.org/presentationml/2006/main">
+  <p:cSld>
+    <p:bg>
+      <p:bgPr>
+        <a:solidFill>
+          <a:schemeClr val="accent4">
+            <a:lumMod val="20000"/>
+            <a:lumOff val="80000"/>
+          </a:schemeClr>
+        </a:solidFill>
+        <a:effectLst/>
+      </p:bgPr>
+    </p:bg>
+    <p:spTree>
+      <p:nvGrpSpPr>
+        <p:cNvPr id="1" name="">
+          <a:extLst>
+            <a:ext uri="{FF2B5EF4-FFF2-40B4-BE49-F238E27FC236}">
               <a16:creationId xmlns:a16="http://schemas.microsoft.com/office/drawing/2014/main" id="{65DF12D5-2F02-EB3F-EC2D-90D353F1F518}"/>
             </a:ext>
           </a:extLst>
@@ -16925,7 +20004,7 @@
 </p:sld>
 </file>
 
-<file path=ppt/slides/slide3.xml><?xml version="1.0" encoding="utf-8"?>
+<file path=ppt/slides/slide4.xml><?xml version="1.0" encoding="utf-8"?>
 <p:sld xmlns:a="http://schemas.openxmlformats.org/drawingml/2006/main" xmlns:r="http://schemas.openxmlformats.org/officeDocument/2006/relationships" xmlns:p="http://schemas.openxmlformats.org/presentationml/2006/main">
   <p:cSld>
     <p:bg>
@@ -18940,7 +22019,7 @@
 </p:sld>
 </file>
 
-<file path=ppt/slides/slide4.xml><?xml version="1.0" encoding="utf-8"?>
+<file path=ppt/slides/slide5.xml><?xml version="1.0" encoding="utf-8"?>
 <p:sld xmlns:a="http://schemas.openxmlformats.org/drawingml/2006/main" xmlns:r="http://schemas.openxmlformats.org/officeDocument/2006/relationships" xmlns:p="http://schemas.openxmlformats.org/presentationml/2006/main">
   <p:cSld>
     <p:bg>
@@ -20495,10 +23574,10 @@
       </p:grpSp>
       <p:sp>
         <p:nvSpPr>
-          <p:cNvPr id="2" name="TextBox 1">
-            <a:extLst>
-              <a:ext uri="{FF2B5EF4-FFF2-40B4-BE49-F238E27FC236}">
-                <a16:creationId xmlns:a16="http://schemas.microsoft.com/office/drawing/2014/main" id="{CB035BCB-8654-3914-8E6B-66B1A3741266}"/>
+          <p:cNvPr id="5" name="TextBox 4">
+            <a:extLst>
+              <a:ext uri="{FF2B5EF4-FFF2-40B4-BE49-F238E27FC236}">
+                <a16:creationId xmlns:a16="http://schemas.microsoft.com/office/drawing/2014/main" id="{8163F9F8-A4FC-22FF-9845-8F5B13B5106E}"/>
               </a:ext>
             </a:extLst>
           </p:cNvPr>
@@ -20507,8 +23586,8 @@
         </p:nvSpPr>
         <p:spPr>
           <a:xfrm>
-            <a:off x="1" y="0"/>
-            <a:ext cx="12249238" cy="338554"/>
+            <a:off x="0" y="61622"/>
+            <a:ext cx="2787405" cy="400110"/>
           </a:xfrm>
           <a:prstGeom prst="rect">
             <a:avLst/>
@@ -20522,9 +23601,14 @@
           <a:lstStyle/>
           <a:p>
             <a:r>
-              <a:rPr lang="LID4096" sz="1600" b="1" dirty="0"/>
-              <a:t>pstfrom</a:t>
+              <a:rPr lang="LID4096" sz="2000" b="1" dirty="0"/>
+              <a:t>part2_01_</a:t>
             </a:r>
+            <a:r>
+              <a:rPr lang="en-US" sz="2000" b="1" dirty="0"/>
+              <a:t>pstfromSETUP</a:t>
+            </a:r>
+            <a:endParaRPr lang="LID4096" sz="2000" b="1" dirty="0"/>
           </a:p>
         </p:txBody>
       </p:sp>
@@ -20541,7 +23625,7 @@
 </p:sld>
 </file>
 
-<file path=ppt/slides/slide5.xml><?xml version="1.0" encoding="utf-8"?>
+<file path=ppt/slides/slide6.xml><?xml version="1.0" encoding="utf-8"?>
 <p:sld xmlns:a="http://schemas.openxmlformats.org/drawingml/2006/main" xmlns:r="http://schemas.openxmlformats.org/officeDocument/2006/relationships" xmlns:p="http://schemas.openxmlformats.org/presentationml/2006/main">
   <p:cSld>
     <p:bg>
@@ -22831,42 +25915,6 @@
           </a:p>
         </p:txBody>
       </p:sp>
-      <p:sp>
-        <p:nvSpPr>
-          <p:cNvPr id="13" name="TextBox 12">
-            <a:extLst>
-              <a:ext uri="{FF2B5EF4-FFF2-40B4-BE49-F238E27FC236}">
-                <a16:creationId xmlns:a16="http://schemas.microsoft.com/office/drawing/2014/main" id="{E347F238-55D4-E87E-C611-226B92D4C92F}"/>
-              </a:ext>
-            </a:extLst>
-          </p:cNvPr>
-          <p:cNvSpPr txBox="1"/>
-          <p:nvPr/>
-        </p:nvSpPr>
-        <p:spPr>
-          <a:xfrm>
-            <a:off x="9801313" y="0"/>
-            <a:ext cx="2447925" cy="338554"/>
-          </a:xfrm>
-          <a:prstGeom prst="rect">
-            <a:avLst/>
-          </a:prstGeom>
-          <a:noFill/>
-        </p:spPr>
-        <p:txBody>
-          <a:bodyPr wrap="square">
-            <a:spAutoFit/>
-          </a:bodyPr>
-          <a:lstStyle/>
-          <a:p>
-            <a:pPr algn="r"/>
-            <a:r>
-              <a:rPr lang="LID4096" sz="1600" b="1" dirty="0"/>
-              <a:t>pstfrom</a:t>
-            </a:r>
-          </a:p>
-        </p:txBody>
-      </p:sp>
     </p:spTree>
     <p:extLst>
       <p:ext uri="{BB962C8B-B14F-4D97-AF65-F5344CB8AC3E}">
@@ -22880,7 +25928,7 @@
 </p:sld>
 </file>
 
-<file path=ppt/slides/slide6.xml><?xml version="1.0" encoding="utf-8"?>
+<file path=ppt/slides/slide7.xml><?xml version="1.0" encoding="utf-8"?>
 <p:sld xmlns:a="http://schemas.openxmlformats.org/drawingml/2006/main" xmlns:r="http://schemas.openxmlformats.org/officeDocument/2006/relationships" xmlns:p="http://schemas.openxmlformats.org/presentationml/2006/main">
   <p:cSld>
     <p:bg>
@@ -24768,10 +27816,10 @@
       </p:sp>
       <p:sp>
         <p:nvSpPr>
-          <p:cNvPr id="12" name="TextBox 11">
-            <a:extLst>
-              <a:ext uri="{FF2B5EF4-FFF2-40B4-BE49-F238E27FC236}">
-                <a16:creationId xmlns:a16="http://schemas.microsoft.com/office/drawing/2014/main" id="{87E06CB5-9575-36F7-F0D9-0159C2960DBE}"/>
+          <p:cNvPr id="15" name="TextBox 14">
+            <a:extLst>
+              <a:ext uri="{FF2B5EF4-FFF2-40B4-BE49-F238E27FC236}">
+                <a16:creationId xmlns:a16="http://schemas.microsoft.com/office/drawing/2014/main" id="{31589D25-5C75-D5B7-6642-FA01A23B1D0E}"/>
               </a:ext>
             </a:extLst>
           </p:cNvPr>
@@ -24780,8 +27828,8 @@
         </p:nvSpPr>
         <p:spPr>
           <a:xfrm>
-            <a:off x="9801313" y="0"/>
-            <a:ext cx="2447925" cy="338554"/>
+            <a:off x="10328366" y="61622"/>
+            <a:ext cx="1863634" cy="276999"/>
           </a:xfrm>
           <a:prstGeom prst="rect">
             <a:avLst/>
@@ -24794,11 +27842,16 @@
           </a:bodyPr>
           <a:lstStyle/>
           <a:p>
-            <a:pPr algn="r"/>
+            <a:pPr algn="ctr"/>
             <a:r>
-              <a:rPr lang="LID4096" sz="1600" b="1" dirty="0"/>
-              <a:t>pstfrom</a:t>
+              <a:rPr lang="LID4096" sz="1200" b="1" dirty="0"/>
+              <a:t>part2_01_</a:t>
             </a:r>
+            <a:r>
+              <a:rPr lang="en-US" sz="1200" b="1" dirty="0"/>
+              <a:t>pstfromSETUP</a:t>
+            </a:r>
+            <a:endParaRPr lang="LID4096" sz="1200" b="1" dirty="0"/>
           </a:p>
         </p:txBody>
       </p:sp>
@@ -24815,7 +27868,7 @@
 </p:sld>
 </file>
 
-<file path=ppt/slides/slide7.xml><?xml version="1.0" encoding="utf-8"?>
+<file path=ppt/slides/slide8.xml><?xml version="1.0" encoding="utf-8"?>
 <p:sld xmlns:a="http://schemas.openxmlformats.org/drawingml/2006/main" xmlns:r="http://schemas.openxmlformats.org/officeDocument/2006/relationships" xmlns:p="http://schemas.openxmlformats.org/presentationml/2006/main">
   <p:cSld>
     <p:bg>
@@ -26234,10 +29287,10 @@
       </p:sp>
       <p:sp>
         <p:nvSpPr>
-          <p:cNvPr id="3" name="TextBox 2">
-            <a:extLst>
-              <a:ext uri="{FF2B5EF4-FFF2-40B4-BE49-F238E27FC236}">
-                <a16:creationId xmlns:a16="http://schemas.microsoft.com/office/drawing/2014/main" id="{D0174A1A-171B-6876-83EC-EA3448C6C041}"/>
+          <p:cNvPr id="4" name="TextBox 3">
+            <a:extLst>
+              <a:ext uri="{FF2B5EF4-FFF2-40B4-BE49-F238E27FC236}">
+                <a16:creationId xmlns:a16="http://schemas.microsoft.com/office/drawing/2014/main" id="{09697E04-613F-A23B-E39B-94B9C1843342}"/>
               </a:ext>
             </a:extLst>
           </p:cNvPr>
@@ -26246,8 +29299,8 @@
         </p:nvSpPr>
         <p:spPr>
           <a:xfrm>
-            <a:off x="9801313" y="0"/>
-            <a:ext cx="2447925" cy="338554"/>
+            <a:off x="10328366" y="61622"/>
+            <a:ext cx="1863634" cy="276999"/>
           </a:xfrm>
           <a:prstGeom prst="rect">
             <a:avLst/>
@@ -26260,11 +29313,16 @@
           </a:bodyPr>
           <a:lstStyle/>
           <a:p>
-            <a:pPr algn="r"/>
+            <a:pPr algn="ctr"/>
             <a:r>
-              <a:rPr lang="LID4096" sz="1600" b="1" dirty="0"/>
-              <a:t>pstfrom</a:t>
+              <a:rPr lang="LID4096" sz="1200" b="1" dirty="0"/>
+              <a:t>part2_01_</a:t>
             </a:r>
+            <a:r>
+              <a:rPr lang="en-US" sz="1200" b="1" dirty="0"/>
+              <a:t>pstfromSETUP</a:t>
+            </a:r>
+            <a:endParaRPr lang="LID4096" sz="1200" b="1" dirty="0"/>
           </a:p>
         </p:txBody>
       </p:sp>
@@ -26281,7 +29339,7 @@
 </p:sld>
 </file>
 
-<file path=ppt/slides/slide8.xml><?xml version="1.0" encoding="utf-8"?>
+<file path=ppt/slides/slide9.xml><?xml version="1.0" encoding="utf-8"?>
 <p:sld xmlns:a="http://schemas.openxmlformats.org/drawingml/2006/main" xmlns:r="http://schemas.openxmlformats.org/officeDocument/2006/relationships" xmlns:p="http://schemas.openxmlformats.org/presentationml/2006/main">
   <p:cSld>
     <p:bg>
@@ -31050,10 +34108,10 @@
       </p:grpSp>
       <p:sp>
         <p:nvSpPr>
-          <p:cNvPr id="4" name="TextBox 3">
-            <a:extLst>
-              <a:ext uri="{FF2B5EF4-FFF2-40B4-BE49-F238E27FC236}">
-                <a16:creationId xmlns:a16="http://schemas.microsoft.com/office/drawing/2014/main" id="{66B3EC1A-1477-1AC9-A19C-BDF7FF5B003C}"/>
+          <p:cNvPr id="6" name="TextBox 5">
+            <a:extLst>
+              <a:ext uri="{FF2B5EF4-FFF2-40B4-BE49-F238E27FC236}">
+                <a16:creationId xmlns:a16="http://schemas.microsoft.com/office/drawing/2014/main" id="{3A72AC54-9238-7211-28F4-CA3F65599799}"/>
               </a:ext>
             </a:extLst>
           </p:cNvPr>
@@ -31062,8 +34120,8 @@
         </p:nvSpPr>
         <p:spPr>
           <a:xfrm>
-            <a:off x="9801313" y="0"/>
-            <a:ext cx="2447925" cy="338554"/>
+            <a:off x="10422372" y="-40930"/>
+            <a:ext cx="1863634" cy="276999"/>
           </a:xfrm>
           <a:prstGeom prst="rect">
             <a:avLst/>
@@ -31076,11 +34134,16 @@
           </a:bodyPr>
           <a:lstStyle/>
           <a:p>
-            <a:pPr algn="r"/>
+            <a:pPr algn="ctr"/>
             <a:r>
-              <a:rPr lang="LID4096" sz="1600" b="1" dirty="0"/>
-              <a:t>pstfrom</a:t>
+              <a:rPr lang="LID4096" sz="1200" b="1" dirty="0"/>
+              <a:t>part2_01_</a:t>
             </a:r>
+            <a:r>
+              <a:rPr lang="en-US" sz="1200" b="1" dirty="0"/>
+              <a:t>pstfromSETUP</a:t>
+            </a:r>
+            <a:endParaRPr lang="LID4096" sz="1200" b="1" dirty="0"/>
           </a:p>
         </p:txBody>
       </p:sp>
@@ -31088,1209 +34151,6 @@
     <p:extLst>
       <p:ext uri="{BB962C8B-B14F-4D97-AF65-F5344CB8AC3E}">
         <p14:creationId xmlns:p14="http://schemas.microsoft.com/office/powerpoint/2010/main" val="3338168328"/>
-      </p:ext>
-    </p:extLst>
-  </p:cSld>
-  <p:clrMapOvr>
-    <a:masterClrMapping/>
-  </p:clrMapOvr>
-</p:sld>
-</file>
-
-<file path=ppt/slides/slide9.xml><?xml version="1.0" encoding="utf-8"?>
-<p:sld xmlns:a="http://schemas.openxmlformats.org/drawingml/2006/main" xmlns:r="http://schemas.openxmlformats.org/officeDocument/2006/relationships" xmlns:p="http://schemas.openxmlformats.org/presentationml/2006/main">
-  <p:cSld>
-    <p:bg>
-      <p:bgPr>
-        <a:solidFill>
-          <a:schemeClr val="accent4">
-            <a:lumMod val="20000"/>
-            <a:lumOff val="80000"/>
-          </a:schemeClr>
-        </a:solidFill>
-        <a:effectLst/>
-      </p:bgPr>
-    </p:bg>
-    <p:spTree>
-      <p:nvGrpSpPr>
-        <p:cNvPr id="1" name="">
-          <a:extLst>
-            <a:ext uri="{FF2B5EF4-FFF2-40B4-BE49-F238E27FC236}">
-              <a16:creationId xmlns:a16="http://schemas.microsoft.com/office/drawing/2014/main" id="{02288E94-FB1F-340C-082B-D294126B9C12}"/>
-            </a:ext>
-          </a:extLst>
-        </p:cNvPr>
-        <p:cNvGrpSpPr/>
-        <p:nvPr/>
-      </p:nvGrpSpPr>
-      <p:grpSpPr>
-        <a:xfrm>
-          <a:off x="0" y="0"/>
-          <a:ext cx="0" cy="0"/>
-          <a:chOff x="0" y="0"/>
-          <a:chExt cx="0" cy="0"/>
-        </a:xfrm>
-      </p:grpSpPr>
-      <p:sp>
-        <p:nvSpPr>
-          <p:cNvPr id="3" name="Rectangle 2">
-            <a:extLst>
-              <a:ext uri="{FF2B5EF4-FFF2-40B4-BE49-F238E27FC236}">
-                <a16:creationId xmlns:a16="http://schemas.microsoft.com/office/drawing/2014/main" id="{3DF0AEA5-3C64-397B-72EA-91A5CE04E082}"/>
-              </a:ext>
-            </a:extLst>
-          </p:cNvPr>
-          <p:cNvSpPr/>
-          <p:nvPr/>
-        </p:nvSpPr>
-        <p:spPr>
-          <a:xfrm>
-            <a:off x="-1" y="3971109"/>
-            <a:ext cx="4893443" cy="2886891"/>
-          </a:xfrm>
-          <a:prstGeom prst="rect">
-            <a:avLst/>
-          </a:prstGeom>
-          <a:solidFill>
-            <a:schemeClr val="accent4">
-              <a:lumMod val="20000"/>
-              <a:lumOff val="80000"/>
-            </a:schemeClr>
-          </a:solidFill>
-        </p:spPr>
-        <p:style>
-          <a:lnRef idx="2">
-            <a:schemeClr val="accent1">
-              <a:shade val="15000"/>
-            </a:schemeClr>
-          </a:lnRef>
-          <a:fillRef idx="1">
-            <a:schemeClr val="accent1"/>
-          </a:fillRef>
-          <a:effectRef idx="0">
-            <a:schemeClr val="accent1"/>
-          </a:effectRef>
-          <a:fontRef idx="minor">
-            <a:schemeClr val="lt1"/>
-          </a:fontRef>
-        </p:style>
-        <p:txBody>
-          <a:bodyPr rtlCol="0" anchor="ctr"/>
-          <a:lstStyle/>
-          <a:p>
-            <a:pPr algn="ctr"/>
-            <a:endParaRPr lang="LID4096"/>
-          </a:p>
-        </p:txBody>
-      </p:sp>
-      <p:pic>
-        <p:nvPicPr>
-          <p:cNvPr id="174" name="Picture 173">
-            <a:extLst>
-              <a:ext uri="{FF2B5EF4-FFF2-40B4-BE49-F238E27FC236}">
-                <a16:creationId xmlns:a16="http://schemas.microsoft.com/office/drawing/2014/main" id="{93946A21-2DF1-2CED-79C7-B20C2D0FA90E}"/>
-              </a:ext>
-            </a:extLst>
-          </p:cNvPr>
-          <p:cNvPicPr>
-            <a:picLocks noChangeAspect="1"/>
-          </p:cNvPicPr>
-          <p:nvPr/>
-        </p:nvPicPr>
-        <p:blipFill>
-          <a:blip r:embed="rId2"/>
-          <a:stretch>
-            <a:fillRect/>
-          </a:stretch>
-        </p:blipFill>
-        <p:spPr>
-          <a:xfrm>
-            <a:off x="138825" y="87994"/>
-            <a:ext cx="5725302" cy="3003550"/>
-          </a:xfrm>
-          <a:prstGeom prst="rect">
-            <a:avLst/>
-          </a:prstGeom>
-          <a:ln w="19050">
-            <a:solidFill>
-              <a:srgbClr val="FF0000"/>
-            </a:solidFill>
-          </a:ln>
-        </p:spPr>
-      </p:pic>
-      <p:pic>
-        <p:nvPicPr>
-          <p:cNvPr id="18" name="Picture 17">
-            <a:extLst>
-              <a:ext uri="{FF2B5EF4-FFF2-40B4-BE49-F238E27FC236}">
-                <a16:creationId xmlns:a16="http://schemas.microsoft.com/office/drawing/2014/main" id="{1D1F352E-3472-CA08-6A1C-4B83A5F32C32}"/>
-              </a:ext>
-            </a:extLst>
-          </p:cNvPr>
-          <p:cNvPicPr>
-            <a:picLocks noChangeAspect="1"/>
-          </p:cNvPicPr>
-          <p:nvPr/>
-        </p:nvPicPr>
-        <p:blipFill>
-          <a:blip r:embed="rId3"/>
-          <a:srcRect t="85247" r="47457" b="5101"/>
-          <a:stretch/>
-        </p:blipFill>
-        <p:spPr>
-          <a:xfrm>
-            <a:off x="317306" y="5734103"/>
-            <a:ext cx="2954586" cy="588319"/>
-          </a:xfrm>
-          <a:prstGeom prst="rect">
-            <a:avLst/>
-          </a:prstGeom>
-          <a:ln>
-            <a:solidFill>
-              <a:schemeClr val="tx1"/>
-            </a:solidFill>
-          </a:ln>
-          <a:effectLst>
-            <a:outerShdw blurRad="50800" dist="38100" dir="8100000" algn="tr" rotWithShape="0">
-              <a:prstClr val="black">
-                <a:alpha val="40000"/>
-              </a:prstClr>
-            </a:outerShdw>
-          </a:effectLst>
-        </p:spPr>
-      </p:pic>
-      <p:pic>
-        <p:nvPicPr>
-          <p:cNvPr id="39" name="Picture 38">
-            <a:extLst>
-              <a:ext uri="{FF2B5EF4-FFF2-40B4-BE49-F238E27FC236}">
-                <a16:creationId xmlns:a16="http://schemas.microsoft.com/office/drawing/2014/main" id="{BA8E0503-87B5-C273-DE21-9F20318B07E9}"/>
-              </a:ext>
-            </a:extLst>
-          </p:cNvPr>
-          <p:cNvPicPr>
-            <a:picLocks noChangeAspect="1"/>
-          </p:cNvPicPr>
-          <p:nvPr/>
-        </p:nvPicPr>
-        <p:blipFill>
-          <a:blip r:embed="rId4"/>
-          <a:srcRect t="59577" r="58849" b="32685"/>
-          <a:stretch/>
-        </p:blipFill>
-        <p:spPr>
-          <a:xfrm>
-            <a:off x="304692" y="5353274"/>
-            <a:ext cx="2967200" cy="278975"/>
-          </a:xfrm>
-          <a:prstGeom prst="rect">
-            <a:avLst/>
-          </a:prstGeom>
-          <a:ln>
-            <a:solidFill>
-              <a:schemeClr val="tx1"/>
-            </a:solidFill>
-          </a:ln>
-          <a:effectLst>
-            <a:outerShdw blurRad="50800" dist="38100" dir="8100000" algn="tr" rotWithShape="0">
-              <a:prstClr val="black">
-                <a:alpha val="40000"/>
-              </a:prstClr>
-            </a:outerShdw>
-          </a:effectLst>
-        </p:spPr>
-      </p:pic>
-      <p:pic>
-        <p:nvPicPr>
-          <p:cNvPr id="40" name="Picture 39">
-            <a:extLst>
-              <a:ext uri="{FF2B5EF4-FFF2-40B4-BE49-F238E27FC236}">
-                <a16:creationId xmlns:a16="http://schemas.microsoft.com/office/drawing/2014/main" id="{29DF8AE1-3A2A-2BA6-9761-3FCC953FE59B}"/>
-              </a:ext>
-            </a:extLst>
-          </p:cNvPr>
-          <p:cNvPicPr>
-            <a:picLocks noChangeAspect="1"/>
-          </p:cNvPicPr>
-          <p:nvPr/>
-        </p:nvPicPr>
-        <p:blipFill>
-          <a:blip r:embed="rId5"/>
-          <a:srcRect t="3796" r="57764" b="85439"/>
-          <a:stretch/>
-        </p:blipFill>
-        <p:spPr>
-          <a:xfrm>
-            <a:off x="307460" y="4937736"/>
-            <a:ext cx="3053807" cy="278975"/>
-          </a:xfrm>
-          <a:prstGeom prst="rect">
-            <a:avLst/>
-          </a:prstGeom>
-          <a:ln w="28575">
-            <a:solidFill>
-              <a:srgbClr val="00B0F0"/>
-            </a:solidFill>
-          </a:ln>
-          <a:effectLst>
-            <a:outerShdw blurRad="50800" dist="38100" dir="8100000" algn="tr" rotWithShape="0">
-              <a:prstClr val="black">
-                <a:alpha val="40000"/>
-              </a:prstClr>
-            </a:outerShdw>
-          </a:effectLst>
-        </p:spPr>
-      </p:pic>
-      <p:pic>
-        <p:nvPicPr>
-          <p:cNvPr id="47" name="Picture 46">
-            <a:extLst>
-              <a:ext uri="{FF2B5EF4-FFF2-40B4-BE49-F238E27FC236}">
-                <a16:creationId xmlns:a16="http://schemas.microsoft.com/office/drawing/2014/main" id="{83A0A841-120A-05C6-2800-8043F16BEB92}"/>
-              </a:ext>
-            </a:extLst>
-          </p:cNvPr>
-          <p:cNvPicPr>
-            <a:picLocks noChangeAspect="1"/>
-          </p:cNvPicPr>
-          <p:nvPr/>
-        </p:nvPicPr>
-        <p:blipFill>
-          <a:blip r:embed="rId6"/>
-          <a:srcRect l="918" t="6280" r="37419" b="66176"/>
-          <a:stretch/>
-        </p:blipFill>
-        <p:spPr>
-          <a:xfrm>
-            <a:off x="317306" y="6424276"/>
-            <a:ext cx="4198935" cy="295582"/>
-          </a:xfrm>
-          <a:prstGeom prst="rect">
-            <a:avLst/>
-          </a:prstGeom>
-          <a:ln>
-            <a:solidFill>
-              <a:schemeClr val="tx1"/>
-            </a:solidFill>
-          </a:ln>
-          <a:effectLst>
-            <a:outerShdw blurRad="50800" dist="38100" dir="8100000" algn="tr" rotWithShape="0">
-              <a:prstClr val="black">
-                <a:alpha val="40000"/>
-              </a:prstClr>
-            </a:outerShdw>
-          </a:effectLst>
-        </p:spPr>
-      </p:pic>
-      <p:sp>
-        <p:nvSpPr>
-          <p:cNvPr id="68" name="Rectangle 67">
-            <a:extLst>
-              <a:ext uri="{FF2B5EF4-FFF2-40B4-BE49-F238E27FC236}">
-                <a16:creationId xmlns:a16="http://schemas.microsoft.com/office/drawing/2014/main" id="{93D8F208-64B6-E45C-E89F-EB7FBFC87C9E}"/>
-              </a:ext>
-            </a:extLst>
-          </p:cNvPr>
-          <p:cNvSpPr/>
-          <p:nvPr/>
-        </p:nvSpPr>
-        <p:spPr>
-          <a:xfrm>
-            <a:off x="1254471" y="5362262"/>
-            <a:ext cx="330926" cy="281666"/>
-          </a:xfrm>
-          <a:prstGeom prst="rect">
-            <a:avLst/>
-          </a:prstGeom>
-          <a:noFill/>
-          <a:ln w="38100">
-            <a:solidFill>
-              <a:srgbClr val="0000FF"/>
-            </a:solidFill>
-          </a:ln>
-        </p:spPr>
-        <p:style>
-          <a:lnRef idx="2">
-            <a:schemeClr val="accent1">
-              <a:shade val="15000"/>
-            </a:schemeClr>
-          </a:lnRef>
-          <a:fillRef idx="1">
-            <a:schemeClr val="accent1"/>
-          </a:fillRef>
-          <a:effectRef idx="0">
-            <a:schemeClr val="accent1"/>
-          </a:effectRef>
-          <a:fontRef idx="minor">
-            <a:schemeClr val="lt1"/>
-          </a:fontRef>
-        </p:style>
-        <p:txBody>
-          <a:bodyPr rtlCol="0" anchor="ctr"/>
-          <a:lstStyle/>
-          <a:p>
-            <a:pPr algn="ctr"/>
-            <a:endParaRPr lang="LID4096"/>
-          </a:p>
-        </p:txBody>
-      </p:sp>
-      <p:sp>
-        <p:nvSpPr>
-          <p:cNvPr id="69" name="Rectangle 68">
-            <a:extLst>
-              <a:ext uri="{FF2B5EF4-FFF2-40B4-BE49-F238E27FC236}">
-                <a16:creationId xmlns:a16="http://schemas.microsoft.com/office/drawing/2014/main" id="{C9E0E4A0-2E6C-4B7E-3210-D85ABD579255}"/>
-              </a:ext>
-            </a:extLst>
-          </p:cNvPr>
-          <p:cNvSpPr/>
-          <p:nvPr/>
-        </p:nvSpPr>
-        <p:spPr>
-          <a:xfrm>
-            <a:off x="775500" y="6040756"/>
-            <a:ext cx="330926" cy="281666"/>
-          </a:xfrm>
-          <a:prstGeom prst="rect">
-            <a:avLst/>
-          </a:prstGeom>
-          <a:noFill/>
-          <a:ln w="38100">
-            <a:solidFill>
-              <a:srgbClr val="0000FF"/>
-            </a:solidFill>
-          </a:ln>
-        </p:spPr>
-        <p:style>
-          <a:lnRef idx="2">
-            <a:schemeClr val="accent1">
-              <a:shade val="15000"/>
-            </a:schemeClr>
-          </a:lnRef>
-          <a:fillRef idx="1">
-            <a:schemeClr val="accent1"/>
-          </a:fillRef>
-          <a:effectRef idx="0">
-            <a:schemeClr val="accent1"/>
-          </a:effectRef>
-          <a:fontRef idx="minor">
-            <a:schemeClr val="lt1"/>
-          </a:fontRef>
-        </p:style>
-        <p:txBody>
-          <a:bodyPr rtlCol="0" anchor="ctr"/>
-          <a:lstStyle/>
-          <a:p>
-            <a:pPr algn="ctr"/>
-            <a:endParaRPr lang="LID4096"/>
-          </a:p>
-        </p:txBody>
-      </p:sp>
-      <p:sp>
-        <p:nvSpPr>
-          <p:cNvPr id="70" name="Rectangle 69">
-            <a:extLst>
-              <a:ext uri="{FF2B5EF4-FFF2-40B4-BE49-F238E27FC236}">
-                <a16:creationId xmlns:a16="http://schemas.microsoft.com/office/drawing/2014/main" id="{D1064225-A9F3-7F03-42F0-CE1D0C50497C}"/>
-              </a:ext>
-            </a:extLst>
-          </p:cNvPr>
-          <p:cNvSpPr/>
-          <p:nvPr/>
-        </p:nvSpPr>
-        <p:spPr>
-          <a:xfrm>
-            <a:off x="317306" y="4926057"/>
-            <a:ext cx="330926" cy="281666"/>
-          </a:xfrm>
-          <a:prstGeom prst="rect">
-            <a:avLst/>
-          </a:prstGeom>
-          <a:noFill/>
-          <a:ln w="38100">
-            <a:solidFill>
-              <a:srgbClr val="0000FF"/>
-            </a:solidFill>
-          </a:ln>
-        </p:spPr>
-        <p:style>
-          <a:lnRef idx="2">
-            <a:schemeClr val="accent1">
-              <a:shade val="15000"/>
-            </a:schemeClr>
-          </a:lnRef>
-          <a:fillRef idx="1">
-            <a:schemeClr val="accent1"/>
-          </a:fillRef>
-          <a:effectRef idx="0">
-            <a:schemeClr val="accent1"/>
-          </a:effectRef>
-          <a:fontRef idx="minor">
-            <a:schemeClr val="lt1"/>
-          </a:fontRef>
-        </p:style>
-        <p:txBody>
-          <a:bodyPr rtlCol="0" anchor="ctr"/>
-          <a:lstStyle/>
-          <a:p>
-            <a:pPr algn="ctr"/>
-            <a:endParaRPr lang="LID4096"/>
-          </a:p>
-        </p:txBody>
-      </p:sp>
-      <p:pic>
-        <p:nvPicPr>
-          <p:cNvPr id="80" name="Picture 79">
-            <a:extLst>
-              <a:ext uri="{FF2B5EF4-FFF2-40B4-BE49-F238E27FC236}">
-                <a16:creationId xmlns:a16="http://schemas.microsoft.com/office/drawing/2014/main" id="{EFD0DEF7-AE92-D94D-2C11-57DC20C0F15B}"/>
-              </a:ext>
-            </a:extLst>
-          </p:cNvPr>
-          <p:cNvPicPr>
-            <a:picLocks noChangeAspect="1"/>
-          </p:cNvPicPr>
-          <p:nvPr/>
-        </p:nvPicPr>
-        <p:blipFill>
-          <a:blip r:embed="rId7"/>
-          <a:stretch>
-            <a:fillRect/>
-          </a:stretch>
-        </p:blipFill>
-        <p:spPr>
-          <a:xfrm>
-            <a:off x="6303233" y="80851"/>
-            <a:ext cx="4591050" cy="1733550"/>
-          </a:xfrm>
-          <a:prstGeom prst="rect">
-            <a:avLst/>
-          </a:prstGeom>
-          <a:ln w="19050">
-            <a:solidFill>
-              <a:srgbClr val="FF0000"/>
-            </a:solidFill>
-          </a:ln>
-        </p:spPr>
-      </p:pic>
-      <p:pic>
-        <p:nvPicPr>
-          <p:cNvPr id="81" name="Picture 80">
-            <a:extLst>
-              <a:ext uri="{FF2B5EF4-FFF2-40B4-BE49-F238E27FC236}">
-                <a16:creationId xmlns:a16="http://schemas.microsoft.com/office/drawing/2014/main" id="{AE787342-3CDB-205F-4219-3256B1A997C9}"/>
-              </a:ext>
-            </a:extLst>
-          </p:cNvPr>
-          <p:cNvPicPr>
-            <a:picLocks noChangeAspect="1"/>
-          </p:cNvPicPr>
-          <p:nvPr/>
-        </p:nvPicPr>
-        <p:blipFill>
-          <a:blip r:embed="rId8"/>
-          <a:stretch>
-            <a:fillRect/>
-          </a:stretch>
-        </p:blipFill>
-        <p:spPr>
-          <a:xfrm>
-            <a:off x="9596088" y="87536"/>
-            <a:ext cx="1496288" cy="411068"/>
-          </a:xfrm>
-          <a:prstGeom prst="rect">
-            <a:avLst/>
-          </a:prstGeom>
-          <a:ln w="28575">
-            <a:solidFill>
-              <a:srgbClr val="FF0000"/>
-            </a:solidFill>
-          </a:ln>
-          <a:effectLst>
-            <a:outerShdw blurRad="76200" dir="13500000" sy="23000" kx="1200000" algn="br" rotWithShape="0">
-              <a:prstClr val="black">
-                <a:alpha val="20000"/>
-              </a:prstClr>
-            </a:outerShdw>
-          </a:effectLst>
-        </p:spPr>
-      </p:pic>
-      <p:grpSp>
-        <p:nvGrpSpPr>
-          <p:cNvPr id="119" name="Group 118">
-            <a:extLst>
-              <a:ext uri="{FF2B5EF4-FFF2-40B4-BE49-F238E27FC236}">
-                <a16:creationId xmlns:a16="http://schemas.microsoft.com/office/drawing/2014/main" id="{08E4BDA4-0451-5959-2555-6850051C0799}"/>
-              </a:ext>
-            </a:extLst>
-          </p:cNvPr>
-          <p:cNvGrpSpPr/>
-          <p:nvPr/>
-        </p:nvGrpSpPr>
-        <p:grpSpPr>
-          <a:xfrm>
-            <a:off x="9596088" y="1876273"/>
-            <a:ext cx="2344601" cy="568060"/>
-            <a:chOff x="9752560" y="3325863"/>
-            <a:chExt cx="2344601" cy="568060"/>
-          </a:xfrm>
-        </p:grpSpPr>
-        <p:sp>
-          <p:nvSpPr>
-            <p:cNvPr id="132" name="TextBox 131">
-              <a:extLst>
-                <a:ext uri="{FF2B5EF4-FFF2-40B4-BE49-F238E27FC236}">
-                  <a16:creationId xmlns:a16="http://schemas.microsoft.com/office/drawing/2014/main" id="{F586C087-F250-0C33-21F3-A031DD9E82C7}"/>
-                </a:ext>
-              </a:extLst>
-            </p:cNvPr>
-            <p:cNvSpPr txBox="1"/>
-            <p:nvPr/>
-          </p:nvSpPr>
-          <p:spPr>
-            <a:xfrm>
-              <a:off x="10171298" y="3329922"/>
-              <a:ext cx="1925863" cy="564001"/>
-            </a:xfrm>
-            <a:prstGeom prst="rect">
-              <a:avLst/>
-            </a:prstGeom>
-            <a:noFill/>
-          </p:spPr>
-          <p:txBody>
-            <a:bodyPr wrap="square">
-              <a:spAutoFit/>
-            </a:bodyPr>
-            <a:lstStyle/>
-            <a:p>
-              <a:pPr>
-                <a:lnSpc>
-                  <a:spcPts val="1800"/>
-                </a:lnSpc>
-              </a:pPr>
-              <a:r>
-                <a:rPr lang="en-US" sz="2000" b="1" dirty="0"/>
-                <a:t>Pre- post-</a:t>
-              </a:r>
-            </a:p>
-            <a:p>
-              <a:pPr>
-                <a:lnSpc>
-                  <a:spcPts val="1800"/>
-                </a:lnSpc>
-              </a:pPr>
-              <a:r>
-                <a:rPr lang="en-US" sz="2000" b="1" dirty="0"/>
-                <a:t>          processing</a:t>
-              </a:r>
-            </a:p>
-          </p:txBody>
-        </p:sp>
-        <p:sp>
-          <p:nvSpPr>
-            <p:cNvPr id="141" name="TextBox 140">
-              <a:extLst>
-                <a:ext uri="{FF2B5EF4-FFF2-40B4-BE49-F238E27FC236}">
-                  <a16:creationId xmlns:a16="http://schemas.microsoft.com/office/drawing/2014/main" id="{8425F0A4-38E1-25DD-7A84-E293D2A812BE}"/>
-                </a:ext>
-              </a:extLst>
-            </p:cNvPr>
-            <p:cNvSpPr txBox="1">
-              <a:spLocks noChangeAspect="1"/>
-            </p:cNvSpPr>
-            <p:nvPr/>
-          </p:nvSpPr>
-          <p:spPr>
-            <a:xfrm>
-              <a:off x="9752560" y="3325863"/>
-              <a:ext cx="364329" cy="278975"/>
-            </a:xfrm>
-            <a:prstGeom prst="rect">
-              <a:avLst/>
-            </a:prstGeom>
-            <a:solidFill>
-              <a:srgbClr val="93E3FF"/>
-            </a:solidFill>
-            <a:ln>
-              <a:solidFill>
-                <a:schemeClr val="tx1"/>
-              </a:solidFill>
-            </a:ln>
-            <a:effectLst>
-              <a:outerShdw blurRad="63500" sx="102000" sy="102000" algn="ctr" rotWithShape="0">
-                <a:prstClr val="black">
-                  <a:alpha val="40000"/>
-                </a:prstClr>
-              </a:outerShdw>
-            </a:effectLst>
-          </p:spPr>
-          <p:txBody>
-            <a:bodyPr wrap="none" lIns="0" tIns="0" rIns="0" bIns="0" anchor="ctr" anchorCtr="0">
-              <a:noAutofit/>
-            </a:bodyPr>
-            <a:lstStyle/>
-            <a:p>
-              <a:pPr algn="ctr"/>
-              <a:r>
-                <a:rPr lang="pt-BR" sz="2000" b="1" dirty="0"/>
-                <a:t>15</a:t>
-              </a:r>
-            </a:p>
-          </p:txBody>
-        </p:sp>
-      </p:grpSp>
-      <p:pic>
-        <p:nvPicPr>
-          <p:cNvPr id="155" name="Picture 154">
-            <a:extLst>
-              <a:ext uri="{FF2B5EF4-FFF2-40B4-BE49-F238E27FC236}">
-                <a16:creationId xmlns:a16="http://schemas.microsoft.com/office/drawing/2014/main" id="{D857F9F8-8D4C-4E9B-6C97-6A14E18D2D38}"/>
-              </a:ext>
-            </a:extLst>
-          </p:cNvPr>
-          <p:cNvPicPr>
-            <a:picLocks noChangeAspect="1"/>
-          </p:cNvPicPr>
-          <p:nvPr/>
-        </p:nvPicPr>
-        <p:blipFill>
-          <a:blip r:embed="rId9"/>
-          <a:srcRect t="16071"/>
-          <a:stretch/>
-        </p:blipFill>
-        <p:spPr>
-          <a:xfrm>
-            <a:off x="3957105" y="2430525"/>
-            <a:ext cx="8153400" cy="255817"/>
-          </a:xfrm>
-          <a:prstGeom prst="rect">
-            <a:avLst/>
-          </a:prstGeom>
-          <a:ln>
-            <a:solidFill>
-              <a:schemeClr val="tx1"/>
-            </a:solidFill>
-          </a:ln>
-          <a:effectLst>
-            <a:outerShdw blurRad="50800" dist="38100" dir="8100000" algn="tr" rotWithShape="0">
-              <a:prstClr val="black">
-                <a:alpha val="40000"/>
-              </a:prstClr>
-            </a:outerShdw>
-          </a:effectLst>
-        </p:spPr>
-      </p:pic>
-      <p:pic>
-        <p:nvPicPr>
-          <p:cNvPr id="164" name="Picture 163">
-            <a:extLst>
-              <a:ext uri="{FF2B5EF4-FFF2-40B4-BE49-F238E27FC236}">
-                <a16:creationId xmlns:a16="http://schemas.microsoft.com/office/drawing/2014/main" id="{F26EF48E-8116-3A5F-8886-7270A1BEEB02}"/>
-              </a:ext>
-            </a:extLst>
-          </p:cNvPr>
-          <p:cNvPicPr>
-            <a:picLocks noChangeAspect="1"/>
-          </p:cNvPicPr>
-          <p:nvPr/>
-        </p:nvPicPr>
-        <p:blipFill>
-          <a:blip r:embed="rId10"/>
-          <a:srcRect l="1283" t="11876" b="12736"/>
-          <a:stretch/>
-        </p:blipFill>
-        <p:spPr>
-          <a:xfrm>
-            <a:off x="6138700" y="2753680"/>
-            <a:ext cx="3532444" cy="456523"/>
-          </a:xfrm>
-          <a:prstGeom prst="rect">
-            <a:avLst/>
-          </a:prstGeom>
-          <a:ln>
-            <a:solidFill>
-              <a:schemeClr val="tx1"/>
-            </a:solidFill>
-          </a:ln>
-          <a:effectLst>
-            <a:outerShdw blurRad="50800" dist="38100" dir="8100000" algn="tr" rotWithShape="0">
-              <a:prstClr val="black">
-                <a:alpha val="40000"/>
-              </a:prstClr>
-            </a:outerShdw>
-          </a:effectLst>
-        </p:spPr>
-      </p:pic>
-      <p:grpSp>
-        <p:nvGrpSpPr>
-          <p:cNvPr id="166" name="Group 165">
-            <a:extLst>
-              <a:ext uri="{FF2B5EF4-FFF2-40B4-BE49-F238E27FC236}">
-                <a16:creationId xmlns:a16="http://schemas.microsoft.com/office/drawing/2014/main" id="{D9242AA6-872D-91D7-3C64-6DD320B78318}"/>
-              </a:ext>
-            </a:extLst>
-          </p:cNvPr>
-          <p:cNvGrpSpPr>
-            <a:grpSpLocks noChangeAspect="1"/>
-          </p:cNvGrpSpPr>
-          <p:nvPr/>
-        </p:nvGrpSpPr>
-        <p:grpSpPr>
-          <a:xfrm>
-            <a:off x="6138700" y="3222404"/>
-            <a:ext cx="5948009" cy="1251775"/>
-            <a:chOff x="6446107" y="2656131"/>
-            <a:chExt cx="5646982" cy="1188423"/>
-          </a:xfrm>
-        </p:grpSpPr>
-        <p:pic>
-          <p:nvPicPr>
-            <p:cNvPr id="171" name="Picture 170">
-              <a:extLst>
-                <a:ext uri="{FF2B5EF4-FFF2-40B4-BE49-F238E27FC236}">
-                  <a16:creationId xmlns:a16="http://schemas.microsoft.com/office/drawing/2014/main" id="{4C950D28-5199-01B6-3076-7C6DE8908BC1}"/>
-                </a:ext>
-              </a:extLst>
-            </p:cNvPr>
-            <p:cNvPicPr>
-              <a:picLocks noChangeAspect="1"/>
-            </p:cNvPicPr>
-            <p:nvPr/>
-          </p:nvPicPr>
-          <p:blipFill>
-            <a:blip r:embed="rId11"/>
-            <a:stretch>
-              <a:fillRect/>
-            </a:stretch>
-          </p:blipFill>
-          <p:spPr>
-            <a:xfrm>
-              <a:off x="6446108" y="2656131"/>
-              <a:ext cx="5646981" cy="442900"/>
-            </a:xfrm>
-            <a:prstGeom prst="rect">
-              <a:avLst/>
-            </a:prstGeom>
-            <a:ln>
-              <a:solidFill>
-                <a:schemeClr val="tx1"/>
-              </a:solidFill>
-            </a:ln>
-            <a:effectLst>
-              <a:outerShdw blurRad="50800" dist="38100" dir="8100000" algn="tr" rotWithShape="0">
-                <a:prstClr val="black">
-                  <a:alpha val="40000"/>
-                </a:prstClr>
-              </a:outerShdw>
-            </a:effectLst>
-          </p:spPr>
-        </p:pic>
-        <p:pic>
-          <p:nvPicPr>
-            <p:cNvPr id="172" name="Picture 171">
-              <a:extLst>
-                <a:ext uri="{FF2B5EF4-FFF2-40B4-BE49-F238E27FC236}">
-                  <a16:creationId xmlns:a16="http://schemas.microsoft.com/office/drawing/2014/main" id="{981D2737-C3A7-4FB3-ADC3-1CB1C635B763}"/>
-                </a:ext>
-              </a:extLst>
-            </p:cNvPr>
-            <p:cNvPicPr>
-              <a:picLocks noChangeAspect="1"/>
-            </p:cNvPicPr>
-            <p:nvPr/>
-          </p:nvPicPr>
-          <p:blipFill>
-            <a:blip r:embed="rId12"/>
-            <a:stretch>
-              <a:fillRect/>
-            </a:stretch>
-          </p:blipFill>
-          <p:spPr>
-            <a:xfrm>
-              <a:off x="6446107" y="3108825"/>
-              <a:ext cx="5646981" cy="735729"/>
-            </a:xfrm>
-            <a:prstGeom prst="rect">
-              <a:avLst/>
-            </a:prstGeom>
-            <a:ln>
-              <a:solidFill>
-                <a:schemeClr val="tx1"/>
-              </a:solidFill>
-            </a:ln>
-            <a:effectLst>
-              <a:outerShdw blurRad="50800" dist="38100" dir="8100000" algn="tr" rotWithShape="0">
-                <a:prstClr val="black">
-                  <a:alpha val="40000"/>
-                </a:prstClr>
-              </a:outerShdw>
-            </a:effectLst>
-          </p:spPr>
-        </p:pic>
-      </p:grpSp>
-      <p:pic>
-        <p:nvPicPr>
-          <p:cNvPr id="175" name="Picture 174">
-            <a:extLst>
-              <a:ext uri="{FF2B5EF4-FFF2-40B4-BE49-F238E27FC236}">
-                <a16:creationId xmlns:a16="http://schemas.microsoft.com/office/drawing/2014/main" id="{50A157EA-8927-2B19-D9C7-4DF55901459C}"/>
-              </a:ext>
-            </a:extLst>
-          </p:cNvPr>
-          <p:cNvPicPr>
-            <a:picLocks noChangeAspect="1"/>
-          </p:cNvPicPr>
-          <p:nvPr/>
-        </p:nvPicPr>
-        <p:blipFill>
-          <a:blip r:embed="rId8"/>
-          <a:stretch>
-            <a:fillRect/>
-          </a:stretch>
-        </p:blipFill>
-        <p:spPr>
-          <a:xfrm>
-            <a:off x="4466886" y="94744"/>
-            <a:ext cx="1496288" cy="411068"/>
-          </a:xfrm>
-          <a:prstGeom prst="rect">
-            <a:avLst/>
-          </a:prstGeom>
-          <a:ln w="28575">
-            <a:solidFill>
-              <a:srgbClr val="FF0000"/>
-            </a:solidFill>
-          </a:ln>
-          <a:effectLst>
-            <a:outerShdw blurRad="76200" dir="13500000" sy="23000" kx="1200000" algn="br" rotWithShape="0">
-              <a:prstClr val="black">
-                <a:alpha val="20000"/>
-              </a:prstClr>
-            </a:outerShdw>
-          </a:effectLst>
-        </p:spPr>
-      </p:pic>
-      <p:sp>
-        <p:nvSpPr>
-          <p:cNvPr id="178" name="Rectangle 177">
-            <a:extLst>
-              <a:ext uri="{FF2B5EF4-FFF2-40B4-BE49-F238E27FC236}">
-                <a16:creationId xmlns:a16="http://schemas.microsoft.com/office/drawing/2014/main" id="{3FC1997B-4291-6675-59EF-C035FBA71B64}"/>
-              </a:ext>
-            </a:extLst>
-          </p:cNvPr>
-          <p:cNvSpPr/>
-          <p:nvPr/>
-        </p:nvSpPr>
-        <p:spPr>
-          <a:xfrm>
-            <a:off x="6708489" y="2754817"/>
-            <a:ext cx="676380" cy="206802"/>
-          </a:xfrm>
-          <a:prstGeom prst="rect">
-            <a:avLst/>
-          </a:prstGeom>
-          <a:noFill/>
-          <a:ln w="38100">
-            <a:solidFill>
-              <a:srgbClr val="FF0000"/>
-            </a:solidFill>
-          </a:ln>
-        </p:spPr>
-        <p:style>
-          <a:lnRef idx="2">
-            <a:schemeClr val="accent1">
-              <a:shade val="15000"/>
-            </a:schemeClr>
-          </a:lnRef>
-          <a:fillRef idx="1">
-            <a:schemeClr val="accent1"/>
-          </a:fillRef>
-          <a:effectRef idx="0">
-            <a:schemeClr val="accent1"/>
-          </a:effectRef>
-          <a:fontRef idx="minor">
-            <a:schemeClr val="lt1"/>
-          </a:fontRef>
-        </p:style>
-        <p:txBody>
-          <a:bodyPr rtlCol="0" anchor="ctr"/>
-          <a:lstStyle/>
-          <a:p>
-            <a:pPr algn="ctr"/>
-            <a:endParaRPr lang="LID4096"/>
-          </a:p>
-        </p:txBody>
-      </p:sp>
-      <p:sp>
-        <p:nvSpPr>
-          <p:cNvPr id="181" name="Rectangle 180">
-            <a:extLst>
-              <a:ext uri="{FF2B5EF4-FFF2-40B4-BE49-F238E27FC236}">
-                <a16:creationId xmlns:a16="http://schemas.microsoft.com/office/drawing/2014/main" id="{6C0C4237-DC5C-8B40-54EE-79D470C3515F}"/>
-              </a:ext>
-            </a:extLst>
-          </p:cNvPr>
-          <p:cNvSpPr/>
-          <p:nvPr/>
-        </p:nvSpPr>
-        <p:spPr>
-          <a:xfrm>
-            <a:off x="6453051" y="3426826"/>
-            <a:ext cx="255438" cy="243447"/>
-          </a:xfrm>
-          <a:prstGeom prst="rect">
-            <a:avLst/>
-          </a:prstGeom>
-          <a:noFill/>
-          <a:ln w="38100">
-            <a:solidFill>
-              <a:srgbClr val="0000FF"/>
-            </a:solidFill>
-          </a:ln>
-        </p:spPr>
-        <p:style>
-          <a:lnRef idx="2">
-            <a:schemeClr val="accent1">
-              <a:shade val="15000"/>
-            </a:schemeClr>
-          </a:lnRef>
-          <a:fillRef idx="1">
-            <a:schemeClr val="accent1"/>
-          </a:fillRef>
-          <a:effectRef idx="0">
-            <a:schemeClr val="accent1"/>
-          </a:effectRef>
-          <a:fontRef idx="minor">
-            <a:schemeClr val="lt1"/>
-          </a:fontRef>
-        </p:style>
-        <p:txBody>
-          <a:bodyPr rtlCol="0" anchor="ctr"/>
-          <a:lstStyle/>
-          <a:p>
-            <a:pPr algn="ctr"/>
-            <a:endParaRPr lang="LID4096"/>
-          </a:p>
-        </p:txBody>
-      </p:sp>
-      <p:sp>
-        <p:nvSpPr>
-          <p:cNvPr id="184" name="Rectangle 183">
-            <a:extLst>
-              <a:ext uri="{FF2B5EF4-FFF2-40B4-BE49-F238E27FC236}">
-                <a16:creationId xmlns:a16="http://schemas.microsoft.com/office/drawing/2014/main" id="{B15040E3-887A-341E-5C36-96A70836DBEA}"/>
-              </a:ext>
-            </a:extLst>
-          </p:cNvPr>
-          <p:cNvSpPr/>
-          <p:nvPr/>
-        </p:nvSpPr>
-        <p:spPr>
-          <a:xfrm>
-            <a:off x="6447231" y="4059990"/>
-            <a:ext cx="255438" cy="243447"/>
-          </a:xfrm>
-          <a:prstGeom prst="rect">
-            <a:avLst/>
-          </a:prstGeom>
-          <a:noFill/>
-          <a:ln w="38100">
-            <a:solidFill>
-              <a:srgbClr val="0000FF"/>
-            </a:solidFill>
-          </a:ln>
-        </p:spPr>
-        <p:style>
-          <a:lnRef idx="2">
-            <a:schemeClr val="accent1">
-              <a:shade val="15000"/>
-            </a:schemeClr>
-          </a:lnRef>
-          <a:fillRef idx="1">
-            <a:schemeClr val="accent1"/>
-          </a:fillRef>
-          <a:effectRef idx="0">
-            <a:schemeClr val="accent1"/>
-          </a:effectRef>
-          <a:fontRef idx="minor">
-            <a:schemeClr val="lt1"/>
-          </a:fontRef>
-        </p:style>
-        <p:txBody>
-          <a:bodyPr rtlCol="0" anchor="ctr"/>
-          <a:lstStyle/>
-          <a:p>
-            <a:pPr algn="ctr"/>
-            <a:endParaRPr lang="LID4096"/>
-          </a:p>
-        </p:txBody>
-      </p:sp>
-      <p:pic>
-        <p:nvPicPr>
-          <p:cNvPr id="186" name="Picture 185">
-            <a:extLst>
-              <a:ext uri="{FF2B5EF4-FFF2-40B4-BE49-F238E27FC236}">
-                <a16:creationId xmlns:a16="http://schemas.microsoft.com/office/drawing/2014/main" id="{E799EFB4-4D6B-6AD4-8452-B6DEBA3CC5DF}"/>
-              </a:ext>
-            </a:extLst>
-          </p:cNvPr>
-          <p:cNvPicPr>
-            <a:picLocks noChangeAspect="1"/>
-          </p:cNvPicPr>
-          <p:nvPr/>
-        </p:nvPicPr>
-        <p:blipFill>
-          <a:blip r:embed="rId4"/>
-          <a:srcRect t="2669" r="76290" b="91287"/>
-          <a:stretch/>
-        </p:blipFill>
-        <p:spPr>
-          <a:xfrm>
-            <a:off x="6152247" y="4537108"/>
-            <a:ext cx="2155928" cy="274809"/>
-          </a:xfrm>
-          <a:prstGeom prst="rect">
-            <a:avLst/>
-          </a:prstGeom>
-          <a:ln>
-            <a:solidFill>
-              <a:schemeClr val="tx1"/>
-            </a:solidFill>
-          </a:ln>
-          <a:effectLst>
-            <a:outerShdw blurRad="50800" dist="38100" dir="8100000" algn="tr" rotWithShape="0">
-              <a:prstClr val="black">
-                <a:alpha val="40000"/>
-              </a:prstClr>
-            </a:outerShdw>
-          </a:effectLst>
-        </p:spPr>
-      </p:pic>
-      <p:pic>
-        <p:nvPicPr>
-          <p:cNvPr id="2" name="Picture 1">
-            <a:extLst>
-              <a:ext uri="{FF2B5EF4-FFF2-40B4-BE49-F238E27FC236}">
-                <a16:creationId xmlns:a16="http://schemas.microsoft.com/office/drawing/2014/main" id="{05FEFCF1-1F84-77DB-86F1-A9E663D5BDB7}"/>
-              </a:ext>
-            </a:extLst>
-          </p:cNvPr>
-          <p:cNvPicPr>
-            <a:picLocks noChangeAspect="1"/>
-          </p:cNvPicPr>
-          <p:nvPr/>
-        </p:nvPicPr>
-        <p:blipFill>
-          <a:blip r:embed="rId13"/>
-          <a:stretch>
-            <a:fillRect/>
-          </a:stretch>
-        </p:blipFill>
-        <p:spPr>
-          <a:xfrm>
-            <a:off x="317306" y="4224966"/>
-            <a:ext cx="1759372" cy="427511"/>
-          </a:xfrm>
-          <a:prstGeom prst="rect">
-            <a:avLst/>
-          </a:prstGeom>
-          <a:ln w="28575">
-            <a:solidFill>
-              <a:srgbClr val="0000FF"/>
-            </a:solidFill>
-          </a:ln>
-          <a:effectLst>
-            <a:outerShdw blurRad="76200" dir="13500000" sy="23000" kx="1200000" algn="br" rotWithShape="0">
-              <a:prstClr val="black">
-                <a:alpha val="20000"/>
-              </a:prstClr>
-            </a:outerShdw>
-          </a:effectLst>
-        </p:spPr>
-      </p:pic>
-      <p:sp>
-        <p:nvSpPr>
-          <p:cNvPr id="4" name="TextBox 3">
-            <a:extLst>
-              <a:ext uri="{FF2B5EF4-FFF2-40B4-BE49-F238E27FC236}">
-                <a16:creationId xmlns:a16="http://schemas.microsoft.com/office/drawing/2014/main" id="{76EAD8DB-22C1-198F-BA9E-6D2E99647D49}"/>
-              </a:ext>
-            </a:extLst>
-          </p:cNvPr>
-          <p:cNvSpPr txBox="1"/>
-          <p:nvPr/>
-        </p:nvSpPr>
-        <p:spPr>
-          <a:xfrm>
-            <a:off x="-10071" y="-4434"/>
-            <a:ext cx="12202071" cy="6862434"/>
-          </a:xfrm>
-          <a:prstGeom prst="rect">
-            <a:avLst/>
-          </a:prstGeom>
-          <a:noFill/>
-          <a:ln w="28575">
-            <a:solidFill>
-              <a:schemeClr val="tx1"/>
-            </a:solidFill>
-          </a:ln>
-          <a:effectLst/>
-        </p:spPr>
-        <p:txBody>
-          <a:bodyPr wrap="none" anchor="ctr" anchorCtr="0">
-            <a:noAutofit/>
-          </a:bodyPr>
-          <a:lstStyle>
-            <a:defPPr>
-              <a:defRPr lang="LID4096"/>
-            </a:defPPr>
-          </a:lstStyle>
-          <a:p>
-            <a:endParaRPr lang="en-US" dirty="0"/>
-          </a:p>
-        </p:txBody>
-      </p:sp>
-      <p:sp>
-        <p:nvSpPr>
-          <p:cNvPr id="5" name="TextBox 4">
-            <a:extLst>
-              <a:ext uri="{FF2B5EF4-FFF2-40B4-BE49-F238E27FC236}">
-                <a16:creationId xmlns:a16="http://schemas.microsoft.com/office/drawing/2014/main" id="{C99BE115-5E16-B256-B2EC-C16127411FE4}"/>
-              </a:ext>
-            </a:extLst>
-          </p:cNvPr>
-          <p:cNvSpPr txBox="1"/>
-          <p:nvPr/>
-        </p:nvSpPr>
-        <p:spPr>
-          <a:xfrm>
-            <a:off x="9801313" y="0"/>
-            <a:ext cx="2447925" cy="338554"/>
-          </a:xfrm>
-          <a:prstGeom prst="rect">
-            <a:avLst/>
-          </a:prstGeom>
-          <a:noFill/>
-        </p:spPr>
-        <p:txBody>
-          <a:bodyPr wrap="square">
-            <a:spAutoFit/>
-          </a:bodyPr>
-          <a:lstStyle/>
-          <a:p>
-            <a:pPr algn="r"/>
-            <a:r>
-              <a:rPr lang="LID4096" sz="1600" b="1" dirty="0"/>
-              <a:t>pstfrom</a:t>
-            </a:r>
-          </a:p>
-        </p:txBody>
-      </p:sp>
-    </p:spTree>
-    <p:extLst>
-      <p:ext uri="{BB962C8B-B14F-4D97-AF65-F5344CB8AC3E}">
-        <p14:creationId xmlns:p14="http://schemas.microsoft.com/office/powerpoint/2010/main" val="1205690601"/>
       </p:ext>
     </p:extLst>
   </p:cSld>
